--- a/Slides/05. OpenCV影像處理(進階).pptx
+++ b/Slides/05. OpenCV影像處理(進階).pptx
@@ -62,8 +62,8 @@
     <p:sldId id="1016" r:id="rId50"/>
     <p:sldId id="1017" r:id="rId51"/>
     <p:sldId id="1018" r:id="rId52"/>
-    <p:sldId id="1019" r:id="rId53"/>
-    <p:sldId id="1020" r:id="rId54"/>
+    <p:sldId id="1020" r:id="rId53"/>
+    <p:sldId id="1019" r:id="rId54"/>
     <p:sldId id="1021" r:id="rId55"/>
     <p:sldId id="1022" r:id="rId56"/>
     <p:sldId id="1023" r:id="rId57"/>
@@ -240,7 +240,7 @@
   </p:defaultTextStyle>
   <p:extLst>
     <p:ext uri="{EFAFB233-063F-42B5-8137-9DF3F51BA10A}">
-      <p15:sldGuideLst xmlns="" xmlns:p15="http://schemas.microsoft.com/office/powerpoint/2012/main">
+      <p15:sldGuideLst xmlns:p15="http://schemas.microsoft.com/office/powerpoint/2012/main" xmlns="">
         <p15:guide id="1" orient="horz" pos="2160">
           <p15:clr>
             <a:srgbClr val="A4A3A4"/>
@@ -254,7 +254,7 @@
       </p15:sldGuideLst>
     </p:ext>
     <p:ext uri="{2D200454-40CA-4A62-9FC3-DE9A4176ACB9}">
-      <p15:notesGuideLst xmlns="" xmlns:p15="http://schemas.microsoft.com/office/powerpoint/2012/main"/>
+      <p15:notesGuideLst xmlns:p15="http://schemas.microsoft.com/office/powerpoint/2012/main" xmlns=""/>
     </p:ext>
   </p:extLst>
 </p:presentation>
@@ -345,7 +345,7 @@
             <a:fld id="{68F88C59-319B-4332-9A1D-2A62CFCB00D8}" type="datetimeFigureOut">
               <a:rPr lang="en-US" smtClean="0"/>
               <a:pPr/>
-              <a:t>4/26/2021</a:t>
+              <a:t>5/2/2021</a:t>
             </a:fld>
             <a:endParaRPr lang="en-US" dirty="0"/>
           </a:p>
@@ -423,7 +423,7 @@
     </p:spTree>
     <p:extLst>
       <p:ext uri="{BB962C8B-B14F-4D97-AF65-F5344CB8AC3E}">
-        <p14:creationId xmlns="" xmlns:p14="http://schemas.microsoft.com/office/powerpoint/2010/main" val="2345123278"/>
+        <p14:creationId xmlns:p14="http://schemas.microsoft.com/office/powerpoint/2010/main" xmlns="" val="2345123278"/>
       </p:ext>
     </p:extLst>
   </p:cSld>
@@ -516,7 +516,7 @@
             <a:fld id="{968B300D-05F0-4B43-940D-46DED5A791AD}" type="datetimeFigureOut">
               <a:rPr lang="en-US" smtClean="0"/>
               <a:pPr/>
-              <a:t>4/26/2021</a:t>
+              <a:t>5/2/2021</a:t>
             </a:fld>
             <a:endParaRPr lang="en-US" dirty="0"/>
           </a:p>
@@ -688,7 +688,7 @@
     </p:spTree>
     <p:extLst>
       <p:ext uri="{BB962C8B-B14F-4D97-AF65-F5344CB8AC3E}">
-        <p14:creationId xmlns="" xmlns:p14="http://schemas.microsoft.com/office/powerpoint/2010/main" val="623787478"/>
+        <p14:creationId xmlns:p14="http://schemas.microsoft.com/office/powerpoint/2010/main" xmlns="" val="623787478"/>
       </p:ext>
     </p:extLst>
   </p:cSld>
@@ -864,7 +864,7 @@
     </p:spTree>
     <p:extLst>
       <p:ext uri="{BB962C8B-B14F-4D97-AF65-F5344CB8AC3E}">
-        <p14:creationId xmlns="" xmlns:p14="http://schemas.microsoft.com/office/powerpoint/2010/main" val="2659555247"/>
+        <p14:creationId xmlns:p14="http://schemas.microsoft.com/office/powerpoint/2010/main" xmlns="" val="2659555247"/>
       </p:ext>
     </p:extLst>
   </p:cSld>
@@ -949,7 +949,7 @@
     </p:spTree>
     <p:extLst>
       <p:ext uri="{BB962C8B-B14F-4D97-AF65-F5344CB8AC3E}">
-        <p14:creationId xmlns="" xmlns:p14="http://schemas.microsoft.com/office/powerpoint/2010/main" val="2659555247"/>
+        <p14:creationId xmlns:p14="http://schemas.microsoft.com/office/powerpoint/2010/main" xmlns="" val="2659555247"/>
       </p:ext>
     </p:extLst>
   </p:cSld>
@@ -1034,7 +1034,7 @@
     </p:spTree>
     <p:extLst>
       <p:ext uri="{BB962C8B-B14F-4D97-AF65-F5344CB8AC3E}">
-        <p14:creationId xmlns="" xmlns:p14="http://schemas.microsoft.com/office/powerpoint/2010/main" val="2659555247"/>
+        <p14:creationId xmlns:p14="http://schemas.microsoft.com/office/powerpoint/2010/main" xmlns="" val="2659555247"/>
       </p:ext>
     </p:extLst>
   </p:cSld>
@@ -1119,7 +1119,7 @@
     </p:spTree>
     <p:extLst>
       <p:ext uri="{BB962C8B-B14F-4D97-AF65-F5344CB8AC3E}">
-        <p14:creationId xmlns="" xmlns:p14="http://schemas.microsoft.com/office/powerpoint/2010/main" val="2659555247"/>
+        <p14:creationId xmlns:p14="http://schemas.microsoft.com/office/powerpoint/2010/main" xmlns="" val="2659555247"/>
       </p:ext>
     </p:extLst>
   </p:cSld>
@@ -1204,7 +1204,7 @@
     </p:spTree>
     <p:extLst>
       <p:ext uri="{BB962C8B-B14F-4D97-AF65-F5344CB8AC3E}">
-        <p14:creationId xmlns="" xmlns:p14="http://schemas.microsoft.com/office/powerpoint/2010/main" val="2659555247"/>
+        <p14:creationId xmlns:p14="http://schemas.microsoft.com/office/powerpoint/2010/main" xmlns="" val="2659555247"/>
       </p:ext>
     </p:extLst>
   </p:cSld>
@@ -1289,7 +1289,7 @@
     </p:spTree>
     <p:extLst>
       <p:ext uri="{BB962C8B-B14F-4D97-AF65-F5344CB8AC3E}">
-        <p14:creationId xmlns="" xmlns:p14="http://schemas.microsoft.com/office/powerpoint/2010/main" val="2659555247"/>
+        <p14:creationId xmlns:p14="http://schemas.microsoft.com/office/powerpoint/2010/main" xmlns="" val="2659555247"/>
       </p:ext>
     </p:extLst>
   </p:cSld>
@@ -1374,7 +1374,7 @@
     </p:spTree>
     <p:extLst>
       <p:ext uri="{BB962C8B-B14F-4D97-AF65-F5344CB8AC3E}">
-        <p14:creationId xmlns="" xmlns:p14="http://schemas.microsoft.com/office/powerpoint/2010/main" val="2659555247"/>
+        <p14:creationId xmlns:p14="http://schemas.microsoft.com/office/powerpoint/2010/main" xmlns="" val="2659555247"/>
       </p:ext>
     </p:extLst>
   </p:cSld>
@@ -1459,7 +1459,7 @@
     </p:spTree>
     <p:extLst>
       <p:ext uri="{BB962C8B-B14F-4D97-AF65-F5344CB8AC3E}">
-        <p14:creationId xmlns:p14="http://schemas.microsoft.com/office/powerpoint/2010/main" xmlns="" val="939565178"/>
+        <p14:creationId xmlns="" xmlns:p14="http://schemas.microsoft.com/office/powerpoint/2010/main" val="939565178"/>
       </p:ext>
     </p:extLst>
   </p:cSld>
@@ -1544,7 +1544,7 @@
     </p:spTree>
     <p:extLst>
       <p:ext uri="{BB962C8B-B14F-4D97-AF65-F5344CB8AC3E}">
-        <p14:creationId xmlns="" xmlns:p14="http://schemas.microsoft.com/office/powerpoint/2010/main" val="2659555247"/>
+        <p14:creationId xmlns:p14="http://schemas.microsoft.com/office/powerpoint/2010/main" xmlns="" val="2659555247"/>
       </p:ext>
     </p:extLst>
   </p:cSld>
@@ -1629,7 +1629,7 @@
     </p:spTree>
     <p:extLst>
       <p:ext uri="{BB962C8B-B14F-4D97-AF65-F5344CB8AC3E}">
-        <p14:creationId xmlns="" xmlns:p14="http://schemas.microsoft.com/office/powerpoint/2010/main" val="2659555247"/>
+        <p14:creationId xmlns:p14="http://schemas.microsoft.com/office/powerpoint/2010/main" xmlns="" val="2659555247"/>
       </p:ext>
     </p:extLst>
   </p:cSld>
@@ -1714,7 +1714,7 @@
     </p:spTree>
     <p:extLst>
       <p:ext uri="{BB962C8B-B14F-4D97-AF65-F5344CB8AC3E}">
-        <p14:creationId xmlns="" xmlns:p14="http://schemas.microsoft.com/office/powerpoint/2010/main" val="2659555247"/>
+        <p14:creationId xmlns:p14="http://schemas.microsoft.com/office/powerpoint/2010/main" xmlns="" val="2659555247"/>
       </p:ext>
     </p:extLst>
   </p:cSld>
@@ -1799,7 +1799,7 @@
     </p:spTree>
     <p:extLst>
       <p:ext uri="{BB962C8B-B14F-4D97-AF65-F5344CB8AC3E}">
-        <p14:creationId xmlns="" xmlns:p14="http://schemas.microsoft.com/office/powerpoint/2010/main" val="2659555247"/>
+        <p14:creationId xmlns:p14="http://schemas.microsoft.com/office/powerpoint/2010/main" xmlns="" val="2659555247"/>
       </p:ext>
     </p:extLst>
   </p:cSld>
@@ -1884,7 +1884,7 @@
     </p:spTree>
     <p:extLst>
       <p:ext uri="{BB962C8B-B14F-4D97-AF65-F5344CB8AC3E}">
-        <p14:creationId xmlns="" xmlns:p14="http://schemas.microsoft.com/office/powerpoint/2010/main" val="2659555247"/>
+        <p14:creationId xmlns:p14="http://schemas.microsoft.com/office/powerpoint/2010/main" xmlns="" val="2659555247"/>
       </p:ext>
     </p:extLst>
   </p:cSld>
@@ -1969,7 +1969,7 @@
     </p:spTree>
     <p:extLst>
       <p:ext uri="{BB962C8B-B14F-4D97-AF65-F5344CB8AC3E}">
-        <p14:creationId xmlns="" xmlns:p14="http://schemas.microsoft.com/office/powerpoint/2010/main" val="2659555247"/>
+        <p14:creationId xmlns:p14="http://schemas.microsoft.com/office/powerpoint/2010/main" xmlns="" val="2659555247"/>
       </p:ext>
     </p:extLst>
   </p:cSld>
@@ -2054,7 +2054,7 @@
     </p:spTree>
     <p:extLst>
       <p:ext uri="{BB962C8B-B14F-4D97-AF65-F5344CB8AC3E}">
-        <p14:creationId xmlns="" xmlns:p14="http://schemas.microsoft.com/office/powerpoint/2010/main" val="2659555247"/>
+        <p14:creationId xmlns:p14="http://schemas.microsoft.com/office/powerpoint/2010/main" xmlns="" val="2659555247"/>
       </p:ext>
     </p:extLst>
   </p:cSld>
@@ -2139,7 +2139,7 @@
     </p:spTree>
     <p:extLst>
       <p:ext uri="{BB962C8B-B14F-4D97-AF65-F5344CB8AC3E}">
-        <p14:creationId xmlns="" xmlns:p14="http://schemas.microsoft.com/office/powerpoint/2010/main" val="2659555247"/>
+        <p14:creationId xmlns:p14="http://schemas.microsoft.com/office/powerpoint/2010/main" xmlns="" val="2659555247"/>
       </p:ext>
     </p:extLst>
   </p:cSld>
@@ -2224,7 +2224,7 @@
     </p:spTree>
     <p:extLst>
       <p:ext uri="{BB962C8B-B14F-4D97-AF65-F5344CB8AC3E}">
-        <p14:creationId xmlns="" xmlns:p14="http://schemas.microsoft.com/office/powerpoint/2010/main" val="2659555247"/>
+        <p14:creationId xmlns:p14="http://schemas.microsoft.com/office/powerpoint/2010/main" xmlns="" val="2659555247"/>
       </p:ext>
     </p:extLst>
   </p:cSld>
@@ -2309,7 +2309,7 @@
     </p:spTree>
     <p:extLst>
       <p:ext uri="{BB962C8B-B14F-4D97-AF65-F5344CB8AC3E}">
-        <p14:creationId xmlns="" xmlns:p14="http://schemas.microsoft.com/office/powerpoint/2010/main" val="2659555247"/>
+        <p14:creationId xmlns:p14="http://schemas.microsoft.com/office/powerpoint/2010/main" xmlns="" val="2659555247"/>
       </p:ext>
     </p:extLst>
   </p:cSld>
@@ -2394,7 +2394,7 @@
     </p:spTree>
     <p:extLst>
       <p:ext uri="{BB962C8B-B14F-4D97-AF65-F5344CB8AC3E}">
-        <p14:creationId xmlns="" xmlns:p14="http://schemas.microsoft.com/office/powerpoint/2010/main" val="2659555247"/>
+        <p14:creationId xmlns:p14="http://schemas.microsoft.com/office/powerpoint/2010/main" xmlns="" val="2659555247"/>
       </p:ext>
     </p:extLst>
   </p:cSld>
@@ -2479,7 +2479,7 @@
     </p:spTree>
     <p:extLst>
       <p:ext uri="{BB962C8B-B14F-4D97-AF65-F5344CB8AC3E}">
-        <p14:creationId xmlns="" xmlns:p14="http://schemas.microsoft.com/office/powerpoint/2010/main" val="2659555247"/>
+        <p14:creationId xmlns:p14="http://schemas.microsoft.com/office/powerpoint/2010/main" xmlns="" val="2659555247"/>
       </p:ext>
     </p:extLst>
   </p:cSld>
@@ -2564,7 +2564,7 @@
     </p:spTree>
     <p:extLst>
       <p:ext uri="{BB962C8B-B14F-4D97-AF65-F5344CB8AC3E}">
-        <p14:creationId xmlns="" xmlns:p14="http://schemas.microsoft.com/office/powerpoint/2010/main" val="2659555247"/>
+        <p14:creationId xmlns:p14="http://schemas.microsoft.com/office/powerpoint/2010/main" xmlns="" val="2659555247"/>
       </p:ext>
     </p:extLst>
   </p:cSld>
@@ -2649,7 +2649,7 @@
     </p:spTree>
     <p:extLst>
       <p:ext uri="{BB962C8B-B14F-4D97-AF65-F5344CB8AC3E}">
-        <p14:creationId xmlns="" xmlns:p14="http://schemas.microsoft.com/office/powerpoint/2010/main" val="2659555247"/>
+        <p14:creationId xmlns:p14="http://schemas.microsoft.com/office/powerpoint/2010/main" xmlns="" val="2659555247"/>
       </p:ext>
     </p:extLst>
   </p:cSld>
@@ -2734,7 +2734,7 @@
     </p:spTree>
     <p:extLst>
       <p:ext uri="{BB962C8B-B14F-4D97-AF65-F5344CB8AC3E}">
-        <p14:creationId xmlns="" xmlns:p14="http://schemas.microsoft.com/office/powerpoint/2010/main" val="2659555247"/>
+        <p14:creationId xmlns:p14="http://schemas.microsoft.com/office/powerpoint/2010/main" xmlns="" val="2659555247"/>
       </p:ext>
     </p:extLst>
   </p:cSld>
@@ -2819,7 +2819,7 @@
     </p:spTree>
     <p:extLst>
       <p:ext uri="{BB962C8B-B14F-4D97-AF65-F5344CB8AC3E}">
-        <p14:creationId xmlns="" xmlns:p14="http://schemas.microsoft.com/office/powerpoint/2010/main" val="2659555247"/>
+        <p14:creationId xmlns:p14="http://schemas.microsoft.com/office/powerpoint/2010/main" xmlns="" val="2659555247"/>
       </p:ext>
     </p:extLst>
   </p:cSld>
@@ -2904,7 +2904,7 @@
     </p:spTree>
     <p:extLst>
       <p:ext uri="{BB962C8B-B14F-4D97-AF65-F5344CB8AC3E}">
-        <p14:creationId xmlns:p14="http://schemas.microsoft.com/office/powerpoint/2010/main" xmlns="" val="939565178"/>
+        <p14:creationId xmlns="" xmlns:p14="http://schemas.microsoft.com/office/powerpoint/2010/main" val="939565178"/>
       </p:ext>
     </p:extLst>
   </p:cSld>
@@ -2989,7 +2989,7 @@
     </p:spTree>
     <p:extLst>
       <p:ext uri="{BB962C8B-B14F-4D97-AF65-F5344CB8AC3E}">
-        <p14:creationId xmlns="" xmlns:p14="http://schemas.microsoft.com/office/powerpoint/2010/main" val="2659555247"/>
+        <p14:creationId xmlns:p14="http://schemas.microsoft.com/office/powerpoint/2010/main" xmlns="" val="2659555247"/>
       </p:ext>
     </p:extLst>
   </p:cSld>
@@ -3074,7 +3074,7 @@
     </p:spTree>
     <p:extLst>
       <p:ext uri="{BB962C8B-B14F-4D97-AF65-F5344CB8AC3E}">
-        <p14:creationId xmlns="" xmlns:p14="http://schemas.microsoft.com/office/powerpoint/2010/main" val="2659555247"/>
+        <p14:creationId xmlns:p14="http://schemas.microsoft.com/office/powerpoint/2010/main" xmlns="" val="2659555247"/>
       </p:ext>
     </p:extLst>
   </p:cSld>
@@ -3159,7 +3159,7 @@
     </p:spTree>
     <p:extLst>
       <p:ext uri="{BB962C8B-B14F-4D97-AF65-F5344CB8AC3E}">
-        <p14:creationId xmlns="" xmlns:p14="http://schemas.microsoft.com/office/powerpoint/2010/main" val="2659555247"/>
+        <p14:creationId xmlns:p14="http://schemas.microsoft.com/office/powerpoint/2010/main" xmlns="" val="2659555247"/>
       </p:ext>
     </p:extLst>
   </p:cSld>
@@ -3244,7 +3244,7 @@
     </p:spTree>
     <p:extLst>
       <p:ext uri="{BB962C8B-B14F-4D97-AF65-F5344CB8AC3E}">
-        <p14:creationId xmlns="" xmlns:p14="http://schemas.microsoft.com/office/powerpoint/2010/main" val="2659555247"/>
+        <p14:creationId xmlns:p14="http://schemas.microsoft.com/office/powerpoint/2010/main" xmlns="" val="2659555247"/>
       </p:ext>
     </p:extLst>
   </p:cSld>
@@ -3329,7 +3329,7 @@
     </p:spTree>
     <p:extLst>
       <p:ext uri="{BB962C8B-B14F-4D97-AF65-F5344CB8AC3E}">
-        <p14:creationId xmlns="" xmlns:p14="http://schemas.microsoft.com/office/powerpoint/2010/main" val="2659555247"/>
+        <p14:creationId xmlns:p14="http://schemas.microsoft.com/office/powerpoint/2010/main" xmlns="" val="2659555247"/>
       </p:ext>
     </p:extLst>
   </p:cSld>
@@ -3414,7 +3414,7 @@
     </p:spTree>
     <p:extLst>
       <p:ext uri="{BB962C8B-B14F-4D97-AF65-F5344CB8AC3E}">
-        <p14:creationId xmlns="" xmlns:p14="http://schemas.microsoft.com/office/powerpoint/2010/main" val="2659555247"/>
+        <p14:creationId xmlns:p14="http://schemas.microsoft.com/office/powerpoint/2010/main" xmlns="" val="2659555247"/>
       </p:ext>
     </p:extLst>
   </p:cSld>
@@ -3499,7 +3499,7 @@
     </p:spTree>
     <p:extLst>
       <p:ext uri="{BB962C8B-B14F-4D97-AF65-F5344CB8AC3E}">
-        <p14:creationId xmlns="" xmlns:p14="http://schemas.microsoft.com/office/powerpoint/2010/main" val="2659555247"/>
+        <p14:creationId xmlns:p14="http://schemas.microsoft.com/office/powerpoint/2010/main" xmlns="" val="2659555247"/>
       </p:ext>
     </p:extLst>
   </p:cSld>
@@ -3584,7 +3584,7 @@
     </p:spTree>
     <p:extLst>
       <p:ext uri="{BB962C8B-B14F-4D97-AF65-F5344CB8AC3E}">
-        <p14:creationId xmlns="" xmlns:p14="http://schemas.microsoft.com/office/powerpoint/2010/main" val="2659555247"/>
+        <p14:creationId xmlns:p14="http://schemas.microsoft.com/office/powerpoint/2010/main" xmlns="" val="2659555247"/>
       </p:ext>
     </p:extLst>
   </p:cSld>
@@ -3669,7 +3669,7 @@
     </p:spTree>
     <p:extLst>
       <p:ext uri="{BB962C8B-B14F-4D97-AF65-F5344CB8AC3E}">
-        <p14:creationId xmlns="" xmlns:p14="http://schemas.microsoft.com/office/powerpoint/2010/main" val="2659555247"/>
+        <p14:creationId xmlns:p14="http://schemas.microsoft.com/office/powerpoint/2010/main" xmlns="" val="2659555247"/>
       </p:ext>
     </p:extLst>
   </p:cSld>
@@ -3754,7 +3754,7 @@
     </p:spTree>
     <p:extLst>
       <p:ext uri="{BB962C8B-B14F-4D97-AF65-F5344CB8AC3E}">
-        <p14:creationId xmlns="" xmlns:p14="http://schemas.microsoft.com/office/powerpoint/2010/main" val="2659555247"/>
+        <p14:creationId xmlns:p14="http://schemas.microsoft.com/office/powerpoint/2010/main" xmlns="" val="2659555247"/>
       </p:ext>
     </p:extLst>
   </p:cSld>
@@ -3839,7 +3839,7 @@
     </p:spTree>
     <p:extLst>
       <p:ext uri="{BB962C8B-B14F-4D97-AF65-F5344CB8AC3E}">
-        <p14:creationId xmlns="" xmlns:p14="http://schemas.microsoft.com/office/powerpoint/2010/main" val="2659555247"/>
+        <p14:creationId xmlns:p14="http://schemas.microsoft.com/office/powerpoint/2010/main" xmlns="" val="2659555247"/>
       </p:ext>
     </p:extLst>
   </p:cSld>
@@ -3924,7 +3924,7 @@
     </p:spTree>
     <p:extLst>
       <p:ext uri="{BB962C8B-B14F-4D97-AF65-F5344CB8AC3E}">
-        <p14:creationId xmlns="" xmlns:p14="http://schemas.microsoft.com/office/powerpoint/2010/main" val="2659555247"/>
+        <p14:creationId xmlns:p14="http://schemas.microsoft.com/office/powerpoint/2010/main" xmlns="" val="2659555247"/>
       </p:ext>
     </p:extLst>
   </p:cSld>
@@ -4009,7 +4009,7 @@
     </p:spTree>
     <p:extLst>
       <p:ext uri="{BB962C8B-B14F-4D97-AF65-F5344CB8AC3E}">
-        <p14:creationId xmlns="" xmlns:p14="http://schemas.microsoft.com/office/powerpoint/2010/main" val="2659555247"/>
+        <p14:creationId xmlns:p14="http://schemas.microsoft.com/office/powerpoint/2010/main" xmlns="" val="2659555247"/>
       </p:ext>
     </p:extLst>
   </p:cSld>
@@ -4094,7 +4094,7 @@
     </p:spTree>
     <p:extLst>
       <p:ext uri="{BB962C8B-B14F-4D97-AF65-F5344CB8AC3E}">
-        <p14:creationId xmlns="" xmlns:p14="http://schemas.microsoft.com/office/powerpoint/2010/main" val="2659555247"/>
+        <p14:creationId xmlns:p14="http://schemas.microsoft.com/office/powerpoint/2010/main" xmlns="" val="2659555247"/>
       </p:ext>
     </p:extLst>
   </p:cSld>
@@ -4179,7 +4179,7 @@
     </p:spTree>
     <p:extLst>
       <p:ext uri="{BB962C8B-B14F-4D97-AF65-F5344CB8AC3E}">
-        <p14:creationId xmlns="" xmlns:p14="http://schemas.microsoft.com/office/powerpoint/2010/main" val="2659555247"/>
+        <p14:creationId xmlns:p14="http://schemas.microsoft.com/office/powerpoint/2010/main" xmlns="" val="2659555247"/>
       </p:ext>
     </p:extLst>
   </p:cSld>
@@ -4264,7 +4264,7 @@
     </p:spTree>
     <p:extLst>
       <p:ext uri="{BB962C8B-B14F-4D97-AF65-F5344CB8AC3E}">
-        <p14:creationId xmlns="" xmlns:p14="http://schemas.microsoft.com/office/powerpoint/2010/main" val="2659555247"/>
+        <p14:creationId xmlns:p14="http://schemas.microsoft.com/office/powerpoint/2010/main" xmlns="" val="2659555247"/>
       </p:ext>
     </p:extLst>
   </p:cSld>
@@ -4349,7 +4349,7 @@
     </p:spTree>
     <p:extLst>
       <p:ext uri="{BB962C8B-B14F-4D97-AF65-F5344CB8AC3E}">
-        <p14:creationId xmlns:p14="http://schemas.microsoft.com/office/powerpoint/2010/main" xmlns="" val="939565178"/>
+        <p14:creationId xmlns="" xmlns:p14="http://schemas.microsoft.com/office/powerpoint/2010/main" val="939565178"/>
       </p:ext>
     </p:extLst>
   </p:cSld>
@@ -4434,7 +4434,7 @@
     </p:spTree>
     <p:extLst>
       <p:ext uri="{BB962C8B-B14F-4D97-AF65-F5344CB8AC3E}">
-        <p14:creationId xmlns="" xmlns:p14="http://schemas.microsoft.com/office/powerpoint/2010/main" val="2659555247"/>
+        <p14:creationId xmlns:p14="http://schemas.microsoft.com/office/powerpoint/2010/main" xmlns="" val="2659555247"/>
       </p:ext>
     </p:extLst>
   </p:cSld>
@@ -4519,7 +4519,7 @@
     </p:spTree>
     <p:extLst>
       <p:ext uri="{BB962C8B-B14F-4D97-AF65-F5344CB8AC3E}">
-        <p14:creationId xmlns:p14="http://schemas.microsoft.com/office/powerpoint/2010/main" xmlns="" val="939565178"/>
+        <p14:creationId xmlns="" xmlns:p14="http://schemas.microsoft.com/office/powerpoint/2010/main" val="939565178"/>
       </p:ext>
     </p:extLst>
   </p:cSld>
@@ -4604,7 +4604,7 @@
     </p:spTree>
     <p:extLst>
       <p:ext uri="{BB962C8B-B14F-4D97-AF65-F5344CB8AC3E}">
-        <p14:creationId xmlns="" xmlns:p14="http://schemas.microsoft.com/office/powerpoint/2010/main" val="2659555247"/>
+        <p14:creationId xmlns:p14="http://schemas.microsoft.com/office/powerpoint/2010/main" xmlns="" val="2659555247"/>
       </p:ext>
     </p:extLst>
   </p:cSld>
@@ -4689,7 +4689,7 @@
     </p:spTree>
     <p:extLst>
       <p:ext uri="{BB962C8B-B14F-4D97-AF65-F5344CB8AC3E}">
-        <p14:creationId xmlns="" xmlns:p14="http://schemas.microsoft.com/office/powerpoint/2010/main" val="2659555247"/>
+        <p14:creationId xmlns:p14="http://schemas.microsoft.com/office/powerpoint/2010/main" xmlns="" val="2659555247"/>
       </p:ext>
     </p:extLst>
   </p:cSld>
@@ -4774,7 +4774,7 @@
     </p:spTree>
     <p:extLst>
       <p:ext uri="{BB962C8B-B14F-4D97-AF65-F5344CB8AC3E}">
-        <p14:creationId xmlns="" xmlns:p14="http://schemas.microsoft.com/office/powerpoint/2010/main" val="2659555247"/>
+        <p14:creationId xmlns:p14="http://schemas.microsoft.com/office/powerpoint/2010/main" xmlns="" val="2659555247"/>
       </p:ext>
     </p:extLst>
   </p:cSld>
@@ -4859,7 +4859,7 @@
     </p:spTree>
     <p:extLst>
       <p:ext uri="{BB962C8B-B14F-4D97-AF65-F5344CB8AC3E}">
-        <p14:creationId xmlns="" xmlns:p14="http://schemas.microsoft.com/office/powerpoint/2010/main" val="2659555247"/>
+        <p14:creationId xmlns:p14="http://schemas.microsoft.com/office/powerpoint/2010/main" xmlns="" val="2659555247"/>
       </p:ext>
     </p:extLst>
   </p:cSld>
@@ -4944,7 +4944,7 @@
     </p:spTree>
     <p:extLst>
       <p:ext uri="{BB962C8B-B14F-4D97-AF65-F5344CB8AC3E}">
-        <p14:creationId xmlns="" xmlns:p14="http://schemas.microsoft.com/office/powerpoint/2010/main" val="2659555247"/>
+        <p14:creationId xmlns:p14="http://schemas.microsoft.com/office/powerpoint/2010/main" xmlns="" val="2659555247"/>
       </p:ext>
     </p:extLst>
   </p:cSld>
@@ -5029,7 +5029,7 @@
     </p:spTree>
     <p:extLst>
       <p:ext uri="{BB962C8B-B14F-4D97-AF65-F5344CB8AC3E}">
-        <p14:creationId xmlns="" xmlns:p14="http://schemas.microsoft.com/office/powerpoint/2010/main" val="2659555247"/>
+        <p14:creationId xmlns:p14="http://schemas.microsoft.com/office/powerpoint/2010/main" xmlns="" val="2659555247"/>
       </p:ext>
     </p:extLst>
   </p:cSld>
@@ -5114,7 +5114,7 @@
     </p:spTree>
     <p:extLst>
       <p:ext uri="{BB962C8B-B14F-4D97-AF65-F5344CB8AC3E}">
-        <p14:creationId xmlns="" xmlns:p14="http://schemas.microsoft.com/office/powerpoint/2010/main" val="2659555247"/>
+        <p14:creationId xmlns:p14="http://schemas.microsoft.com/office/powerpoint/2010/main" xmlns="" val="2659555247"/>
       </p:ext>
     </p:extLst>
   </p:cSld>
@@ -5199,7 +5199,7 @@
     </p:spTree>
     <p:extLst>
       <p:ext uri="{BB962C8B-B14F-4D97-AF65-F5344CB8AC3E}">
-        <p14:creationId xmlns="" xmlns:p14="http://schemas.microsoft.com/office/powerpoint/2010/main" val="2659555247"/>
+        <p14:creationId xmlns:p14="http://schemas.microsoft.com/office/powerpoint/2010/main" xmlns="" val="2659555247"/>
       </p:ext>
     </p:extLst>
   </p:cSld>
@@ -5284,7 +5284,7 @@
     </p:spTree>
     <p:extLst>
       <p:ext uri="{BB962C8B-B14F-4D97-AF65-F5344CB8AC3E}">
-        <p14:creationId xmlns="" xmlns:p14="http://schemas.microsoft.com/office/powerpoint/2010/main" val="2659555247"/>
+        <p14:creationId xmlns:p14="http://schemas.microsoft.com/office/powerpoint/2010/main" xmlns="" val="2659555247"/>
       </p:ext>
     </p:extLst>
   </p:cSld>
@@ -5369,7 +5369,7 @@
     </p:spTree>
     <p:extLst>
       <p:ext uri="{BB962C8B-B14F-4D97-AF65-F5344CB8AC3E}">
-        <p14:creationId xmlns="" xmlns:p14="http://schemas.microsoft.com/office/powerpoint/2010/main" val="2659555247"/>
+        <p14:creationId xmlns:p14="http://schemas.microsoft.com/office/powerpoint/2010/main" xmlns="" val="2659555247"/>
       </p:ext>
     </p:extLst>
   </p:cSld>
@@ -5454,7 +5454,7 @@
     </p:spTree>
     <p:extLst>
       <p:ext uri="{BB962C8B-B14F-4D97-AF65-F5344CB8AC3E}">
-        <p14:creationId xmlns="" xmlns:p14="http://schemas.microsoft.com/office/powerpoint/2010/main" val="2659555247"/>
+        <p14:creationId xmlns:p14="http://schemas.microsoft.com/office/powerpoint/2010/main" xmlns="" val="2659555247"/>
       </p:ext>
     </p:extLst>
   </p:cSld>
@@ -5539,7 +5539,7 @@
     </p:spTree>
     <p:extLst>
       <p:ext uri="{BB962C8B-B14F-4D97-AF65-F5344CB8AC3E}">
-        <p14:creationId xmlns="" xmlns:p14="http://schemas.microsoft.com/office/powerpoint/2010/main" val="2659555247"/>
+        <p14:creationId xmlns:p14="http://schemas.microsoft.com/office/powerpoint/2010/main" xmlns="" val="2659555247"/>
       </p:ext>
     </p:extLst>
   </p:cSld>
@@ -5624,7 +5624,7 @@
     </p:spTree>
     <p:extLst>
       <p:ext uri="{BB962C8B-B14F-4D97-AF65-F5344CB8AC3E}">
-        <p14:creationId xmlns="" xmlns:p14="http://schemas.microsoft.com/office/powerpoint/2010/main" val="2659555247"/>
+        <p14:creationId xmlns:p14="http://schemas.microsoft.com/office/powerpoint/2010/main" xmlns="" val="2659555247"/>
       </p:ext>
     </p:extLst>
   </p:cSld>
@@ -5709,7 +5709,7 @@
     </p:spTree>
     <p:extLst>
       <p:ext uri="{BB962C8B-B14F-4D97-AF65-F5344CB8AC3E}">
-        <p14:creationId xmlns="" xmlns:p14="http://schemas.microsoft.com/office/powerpoint/2010/main" val="2659555247"/>
+        <p14:creationId xmlns:p14="http://schemas.microsoft.com/office/powerpoint/2010/main" xmlns="" val="2659555247"/>
       </p:ext>
     </p:extLst>
   </p:cSld>
@@ -5794,7 +5794,7 @@
     </p:spTree>
     <p:extLst>
       <p:ext uri="{BB962C8B-B14F-4D97-AF65-F5344CB8AC3E}">
-        <p14:creationId xmlns:p14="http://schemas.microsoft.com/office/powerpoint/2010/main" xmlns="" val="939565178"/>
+        <p14:creationId xmlns="" xmlns:p14="http://schemas.microsoft.com/office/powerpoint/2010/main" val="939565178"/>
       </p:ext>
     </p:extLst>
   </p:cSld>
@@ -5879,7 +5879,7 @@
     </p:spTree>
     <p:extLst>
       <p:ext uri="{BB962C8B-B14F-4D97-AF65-F5344CB8AC3E}">
-        <p14:creationId xmlns="" xmlns:p14="http://schemas.microsoft.com/office/powerpoint/2010/main" val="2659555247"/>
+        <p14:creationId xmlns:p14="http://schemas.microsoft.com/office/powerpoint/2010/main" xmlns="" val="2659555247"/>
       </p:ext>
     </p:extLst>
   </p:cSld>
@@ -5964,7 +5964,7 @@
     </p:spTree>
     <p:extLst>
       <p:ext uri="{BB962C8B-B14F-4D97-AF65-F5344CB8AC3E}">
-        <p14:creationId xmlns="" xmlns:p14="http://schemas.microsoft.com/office/powerpoint/2010/main" val="2659555247"/>
+        <p14:creationId xmlns:p14="http://schemas.microsoft.com/office/powerpoint/2010/main" xmlns="" val="2659555247"/>
       </p:ext>
     </p:extLst>
   </p:cSld>
@@ -6049,7 +6049,7 @@
     </p:spTree>
     <p:extLst>
       <p:ext uri="{BB962C8B-B14F-4D97-AF65-F5344CB8AC3E}">
-        <p14:creationId xmlns="" xmlns:p14="http://schemas.microsoft.com/office/powerpoint/2010/main" val="2659555247"/>
+        <p14:creationId xmlns:p14="http://schemas.microsoft.com/office/powerpoint/2010/main" xmlns="" val="2659555247"/>
       </p:ext>
     </p:extLst>
   </p:cSld>
@@ -6134,7 +6134,7 @@
     </p:spTree>
     <p:extLst>
       <p:ext uri="{BB962C8B-B14F-4D97-AF65-F5344CB8AC3E}">
-        <p14:creationId xmlns="" xmlns:p14="http://schemas.microsoft.com/office/powerpoint/2010/main" val="2659555247"/>
+        <p14:creationId xmlns:p14="http://schemas.microsoft.com/office/powerpoint/2010/main" xmlns="" val="2659555247"/>
       </p:ext>
     </p:extLst>
   </p:cSld>
@@ -6219,7 +6219,7 @@
     </p:spTree>
     <p:extLst>
       <p:ext uri="{BB962C8B-B14F-4D97-AF65-F5344CB8AC3E}">
-        <p14:creationId xmlns="" xmlns:p14="http://schemas.microsoft.com/office/powerpoint/2010/main" val="2659555247"/>
+        <p14:creationId xmlns:p14="http://schemas.microsoft.com/office/powerpoint/2010/main" xmlns="" val="2659555247"/>
       </p:ext>
     </p:extLst>
   </p:cSld>
@@ -6304,7 +6304,7 @@
     </p:spTree>
     <p:extLst>
       <p:ext uri="{BB962C8B-B14F-4D97-AF65-F5344CB8AC3E}">
-        <p14:creationId xmlns="" xmlns:p14="http://schemas.microsoft.com/office/powerpoint/2010/main" val="2659555247"/>
+        <p14:creationId xmlns:p14="http://schemas.microsoft.com/office/powerpoint/2010/main" xmlns="" val="2659555247"/>
       </p:ext>
     </p:extLst>
   </p:cSld>
@@ -6389,7 +6389,7 @@
     </p:spTree>
     <p:extLst>
       <p:ext uri="{BB962C8B-B14F-4D97-AF65-F5344CB8AC3E}">
-        <p14:creationId xmlns="" xmlns:p14="http://schemas.microsoft.com/office/powerpoint/2010/main" val="2659555247"/>
+        <p14:creationId xmlns:p14="http://schemas.microsoft.com/office/powerpoint/2010/main" xmlns="" val="2659555247"/>
       </p:ext>
     </p:extLst>
   </p:cSld>
@@ -6474,7 +6474,7 @@
     </p:spTree>
     <p:extLst>
       <p:ext uri="{BB962C8B-B14F-4D97-AF65-F5344CB8AC3E}">
-        <p14:creationId xmlns="" xmlns:p14="http://schemas.microsoft.com/office/powerpoint/2010/main" val="2659555247"/>
+        <p14:creationId xmlns:p14="http://schemas.microsoft.com/office/powerpoint/2010/main" xmlns="" val="2659555247"/>
       </p:ext>
     </p:extLst>
   </p:cSld>
@@ -6559,7 +6559,7 @@
     </p:spTree>
     <p:extLst>
       <p:ext uri="{BB962C8B-B14F-4D97-AF65-F5344CB8AC3E}">
-        <p14:creationId xmlns="" xmlns:p14="http://schemas.microsoft.com/office/powerpoint/2010/main" val="2659555247"/>
+        <p14:creationId xmlns:p14="http://schemas.microsoft.com/office/powerpoint/2010/main" xmlns="" val="2659555247"/>
       </p:ext>
     </p:extLst>
   </p:cSld>
@@ -6644,7 +6644,7 @@
     </p:spTree>
     <p:extLst>
       <p:ext uri="{BB962C8B-B14F-4D97-AF65-F5344CB8AC3E}">
-        <p14:creationId xmlns="" xmlns:p14="http://schemas.microsoft.com/office/powerpoint/2010/main" val="2659555247"/>
+        <p14:creationId xmlns:p14="http://schemas.microsoft.com/office/powerpoint/2010/main" xmlns="" val="2659555247"/>
       </p:ext>
     </p:extLst>
   </p:cSld>
@@ -6729,7 +6729,7 @@
     </p:spTree>
     <p:extLst>
       <p:ext uri="{BB962C8B-B14F-4D97-AF65-F5344CB8AC3E}">
-        <p14:creationId xmlns="" xmlns:p14="http://schemas.microsoft.com/office/powerpoint/2010/main" val="2659555247"/>
+        <p14:creationId xmlns:p14="http://schemas.microsoft.com/office/powerpoint/2010/main" xmlns="" val="2659555247"/>
       </p:ext>
     </p:extLst>
   </p:cSld>
@@ -6814,7 +6814,7 @@
     </p:spTree>
     <p:extLst>
       <p:ext uri="{BB962C8B-B14F-4D97-AF65-F5344CB8AC3E}">
-        <p14:creationId xmlns="" xmlns:p14="http://schemas.microsoft.com/office/powerpoint/2010/main" val="2659555247"/>
+        <p14:creationId xmlns:p14="http://schemas.microsoft.com/office/powerpoint/2010/main" xmlns="" val="2659555247"/>
       </p:ext>
     </p:extLst>
   </p:cSld>
@@ -6899,7 +6899,7 @@
     </p:spTree>
     <p:extLst>
       <p:ext uri="{BB962C8B-B14F-4D97-AF65-F5344CB8AC3E}">
-        <p14:creationId xmlns="" xmlns:p14="http://schemas.microsoft.com/office/powerpoint/2010/main" val="2659555247"/>
+        <p14:creationId xmlns:p14="http://schemas.microsoft.com/office/powerpoint/2010/main" xmlns="" val="2659555247"/>
       </p:ext>
     </p:extLst>
   </p:cSld>
@@ -6984,7 +6984,7 @@
     </p:spTree>
     <p:extLst>
       <p:ext uri="{BB962C8B-B14F-4D97-AF65-F5344CB8AC3E}">
-        <p14:creationId xmlns="" xmlns:p14="http://schemas.microsoft.com/office/powerpoint/2010/main" val="2659555247"/>
+        <p14:creationId xmlns:p14="http://schemas.microsoft.com/office/powerpoint/2010/main" xmlns="" val="2659555247"/>
       </p:ext>
     </p:extLst>
   </p:cSld>
@@ -7069,7 +7069,7 @@
     </p:spTree>
     <p:extLst>
       <p:ext uri="{BB962C8B-B14F-4D97-AF65-F5344CB8AC3E}">
-        <p14:creationId xmlns="" xmlns:p14="http://schemas.microsoft.com/office/powerpoint/2010/main" val="2659555247"/>
+        <p14:creationId xmlns:p14="http://schemas.microsoft.com/office/powerpoint/2010/main" xmlns="" val="2659555247"/>
       </p:ext>
     </p:extLst>
   </p:cSld>
@@ -7154,7 +7154,7 @@
     </p:spTree>
     <p:extLst>
       <p:ext uri="{BB962C8B-B14F-4D97-AF65-F5344CB8AC3E}">
-        <p14:creationId xmlns="" xmlns:p14="http://schemas.microsoft.com/office/powerpoint/2010/main" val="2659555247"/>
+        <p14:creationId xmlns:p14="http://schemas.microsoft.com/office/powerpoint/2010/main" xmlns="" val="2659555247"/>
       </p:ext>
     </p:extLst>
   </p:cSld>
@@ -7243,7 +7243,7 @@
     </p:spTree>
     <p:extLst>
       <p:ext uri="{BB962C8B-B14F-4D97-AF65-F5344CB8AC3E}">
-        <p14:creationId xmlns="" xmlns:p14="http://schemas.microsoft.com/office/powerpoint/2010/main" val="2659555247"/>
+        <p14:creationId xmlns:p14="http://schemas.microsoft.com/office/powerpoint/2010/main" xmlns="" val="2659555247"/>
       </p:ext>
     </p:extLst>
   </p:cSld>
@@ -7332,7 +7332,7 @@
     </p:spTree>
     <p:extLst>
       <p:ext uri="{BB962C8B-B14F-4D97-AF65-F5344CB8AC3E}">
-        <p14:creationId xmlns="" xmlns:p14="http://schemas.microsoft.com/office/powerpoint/2010/main" val="2659555247"/>
+        <p14:creationId xmlns:p14="http://schemas.microsoft.com/office/powerpoint/2010/main" xmlns="" val="2659555247"/>
       </p:ext>
     </p:extLst>
   </p:cSld>
@@ -7417,7 +7417,7 @@
     </p:spTree>
     <p:extLst>
       <p:ext uri="{BB962C8B-B14F-4D97-AF65-F5344CB8AC3E}">
-        <p14:creationId xmlns="" xmlns:p14="http://schemas.microsoft.com/office/powerpoint/2010/main" val="2659555247"/>
+        <p14:creationId xmlns:p14="http://schemas.microsoft.com/office/powerpoint/2010/main" xmlns="" val="2659555247"/>
       </p:ext>
     </p:extLst>
   </p:cSld>
@@ -7502,7 +7502,7 @@
     </p:spTree>
     <p:extLst>
       <p:ext uri="{BB962C8B-B14F-4D97-AF65-F5344CB8AC3E}">
-        <p14:creationId xmlns="" xmlns:p14="http://schemas.microsoft.com/office/powerpoint/2010/main" val="2659555247"/>
+        <p14:creationId xmlns:p14="http://schemas.microsoft.com/office/powerpoint/2010/main" xmlns="" val="2659555247"/>
       </p:ext>
     </p:extLst>
   </p:cSld>
@@ -7587,7 +7587,7 @@
     </p:spTree>
     <p:extLst>
       <p:ext uri="{BB962C8B-B14F-4D97-AF65-F5344CB8AC3E}">
-        <p14:creationId xmlns="" xmlns:p14="http://schemas.microsoft.com/office/powerpoint/2010/main" val="2659555247"/>
+        <p14:creationId xmlns:p14="http://schemas.microsoft.com/office/powerpoint/2010/main" xmlns="" val="2659555247"/>
       </p:ext>
     </p:extLst>
   </p:cSld>
@@ -7672,7 +7672,7 @@
     </p:spTree>
     <p:extLst>
       <p:ext uri="{BB962C8B-B14F-4D97-AF65-F5344CB8AC3E}">
-        <p14:creationId xmlns="" xmlns:p14="http://schemas.microsoft.com/office/powerpoint/2010/main" val="2659555247"/>
+        <p14:creationId xmlns:p14="http://schemas.microsoft.com/office/powerpoint/2010/main" xmlns="" val="2659555247"/>
       </p:ext>
     </p:extLst>
   </p:cSld>
@@ -7757,7 +7757,7 @@
     </p:spTree>
     <p:extLst>
       <p:ext uri="{BB962C8B-B14F-4D97-AF65-F5344CB8AC3E}">
-        <p14:creationId xmlns="" xmlns:p14="http://schemas.microsoft.com/office/powerpoint/2010/main" val="2659555247"/>
+        <p14:creationId xmlns:p14="http://schemas.microsoft.com/office/powerpoint/2010/main" xmlns="" val="2659555247"/>
       </p:ext>
     </p:extLst>
   </p:cSld>
@@ -7842,7 +7842,7 @@
     </p:spTree>
     <p:extLst>
       <p:ext uri="{BB962C8B-B14F-4D97-AF65-F5344CB8AC3E}">
-        <p14:creationId xmlns="" xmlns:p14="http://schemas.microsoft.com/office/powerpoint/2010/main" val="2659555247"/>
+        <p14:creationId xmlns:p14="http://schemas.microsoft.com/office/powerpoint/2010/main" xmlns="" val="2659555247"/>
       </p:ext>
     </p:extLst>
   </p:cSld>
@@ -7927,7 +7927,7 @@
     </p:spTree>
     <p:extLst>
       <p:ext uri="{BB962C8B-B14F-4D97-AF65-F5344CB8AC3E}">
-        <p14:creationId xmlns="" xmlns:p14="http://schemas.microsoft.com/office/powerpoint/2010/main" val="2659555247"/>
+        <p14:creationId xmlns:p14="http://schemas.microsoft.com/office/powerpoint/2010/main" xmlns="" val="2659555247"/>
       </p:ext>
     </p:extLst>
   </p:cSld>
@@ -8012,7 +8012,7 @@
     </p:spTree>
     <p:extLst>
       <p:ext uri="{BB962C8B-B14F-4D97-AF65-F5344CB8AC3E}">
-        <p14:creationId xmlns="" xmlns:p14="http://schemas.microsoft.com/office/powerpoint/2010/main" val="2659555247"/>
+        <p14:creationId xmlns:p14="http://schemas.microsoft.com/office/powerpoint/2010/main" xmlns="" val="2659555247"/>
       </p:ext>
     </p:extLst>
   </p:cSld>
@@ -8097,7 +8097,7 @@
     </p:spTree>
     <p:extLst>
       <p:ext uri="{BB962C8B-B14F-4D97-AF65-F5344CB8AC3E}">
-        <p14:creationId xmlns="" xmlns:p14="http://schemas.microsoft.com/office/powerpoint/2010/main" val="2659555247"/>
+        <p14:creationId xmlns:p14="http://schemas.microsoft.com/office/powerpoint/2010/main" xmlns="" val="2659555247"/>
       </p:ext>
     </p:extLst>
   </p:cSld>
@@ -8182,7 +8182,7 @@
     </p:spTree>
     <p:extLst>
       <p:ext uri="{BB962C8B-B14F-4D97-AF65-F5344CB8AC3E}">
-        <p14:creationId xmlns="" xmlns:p14="http://schemas.microsoft.com/office/powerpoint/2010/main" val="2659555247"/>
+        <p14:creationId xmlns:p14="http://schemas.microsoft.com/office/powerpoint/2010/main" xmlns="" val="2659555247"/>
       </p:ext>
     </p:extLst>
   </p:cSld>
@@ -8267,7 +8267,7 @@
     </p:spTree>
     <p:extLst>
       <p:ext uri="{BB962C8B-B14F-4D97-AF65-F5344CB8AC3E}">
-        <p14:creationId xmlns="" xmlns:p14="http://schemas.microsoft.com/office/powerpoint/2010/main" val="2659555247"/>
+        <p14:creationId xmlns:p14="http://schemas.microsoft.com/office/powerpoint/2010/main" xmlns="" val="2659555247"/>
       </p:ext>
     </p:extLst>
   </p:cSld>
@@ -8352,7 +8352,7 @@
     </p:spTree>
     <p:extLst>
       <p:ext uri="{BB962C8B-B14F-4D97-AF65-F5344CB8AC3E}">
-        <p14:creationId xmlns="" xmlns:p14="http://schemas.microsoft.com/office/powerpoint/2010/main" val="2659555247"/>
+        <p14:creationId xmlns:p14="http://schemas.microsoft.com/office/powerpoint/2010/main" xmlns="" val="2659555247"/>
       </p:ext>
     </p:extLst>
   </p:cSld>
@@ -8437,7 +8437,7 @@
     </p:spTree>
     <p:extLst>
       <p:ext uri="{BB962C8B-B14F-4D97-AF65-F5344CB8AC3E}">
-        <p14:creationId xmlns="" xmlns:p14="http://schemas.microsoft.com/office/powerpoint/2010/main" val="2659555247"/>
+        <p14:creationId xmlns:p14="http://schemas.microsoft.com/office/powerpoint/2010/main" xmlns="" val="2659555247"/>
       </p:ext>
     </p:extLst>
   </p:cSld>
@@ -8522,7 +8522,7 @@
     </p:spTree>
     <p:extLst>
       <p:ext uri="{BB962C8B-B14F-4D97-AF65-F5344CB8AC3E}">
-        <p14:creationId xmlns="" xmlns:p14="http://schemas.microsoft.com/office/powerpoint/2010/main" val="2659555247"/>
+        <p14:creationId xmlns:p14="http://schemas.microsoft.com/office/powerpoint/2010/main" xmlns="" val="2659555247"/>
       </p:ext>
     </p:extLst>
   </p:cSld>
@@ -8607,7 +8607,7 @@
     </p:spTree>
     <p:extLst>
       <p:ext uri="{BB962C8B-B14F-4D97-AF65-F5344CB8AC3E}">
-        <p14:creationId xmlns="" xmlns:p14="http://schemas.microsoft.com/office/powerpoint/2010/main" val="2659555247"/>
+        <p14:creationId xmlns:p14="http://schemas.microsoft.com/office/powerpoint/2010/main" xmlns="" val="2659555247"/>
       </p:ext>
     </p:extLst>
   </p:cSld>
@@ -8692,7 +8692,7 @@
     </p:spTree>
     <p:extLst>
       <p:ext uri="{BB962C8B-B14F-4D97-AF65-F5344CB8AC3E}">
-        <p14:creationId xmlns="" xmlns:p14="http://schemas.microsoft.com/office/powerpoint/2010/main" val="2659555247"/>
+        <p14:creationId xmlns:p14="http://schemas.microsoft.com/office/powerpoint/2010/main" xmlns="" val="2659555247"/>
       </p:ext>
     </p:extLst>
   </p:cSld>
@@ -8777,7 +8777,7 @@
     </p:spTree>
     <p:extLst>
       <p:ext uri="{BB962C8B-B14F-4D97-AF65-F5344CB8AC3E}">
-        <p14:creationId xmlns:p14="http://schemas.microsoft.com/office/powerpoint/2010/main" xmlns="" val="939565178"/>
+        <p14:creationId xmlns="" xmlns:p14="http://schemas.microsoft.com/office/powerpoint/2010/main" val="939565178"/>
       </p:ext>
     </p:extLst>
   </p:cSld>
@@ -8862,7 +8862,7 @@
     </p:spTree>
     <p:extLst>
       <p:ext uri="{BB962C8B-B14F-4D97-AF65-F5344CB8AC3E}">
-        <p14:creationId xmlns="" xmlns:p14="http://schemas.microsoft.com/office/powerpoint/2010/main" val="2659555247"/>
+        <p14:creationId xmlns:p14="http://schemas.microsoft.com/office/powerpoint/2010/main" xmlns="" val="2659555247"/>
       </p:ext>
     </p:extLst>
   </p:cSld>
@@ -8947,7 +8947,7 @@
     </p:spTree>
     <p:extLst>
       <p:ext uri="{BB962C8B-B14F-4D97-AF65-F5344CB8AC3E}">
-        <p14:creationId xmlns="" xmlns:p14="http://schemas.microsoft.com/office/powerpoint/2010/main" val="2659555247"/>
+        <p14:creationId xmlns:p14="http://schemas.microsoft.com/office/powerpoint/2010/main" xmlns="" val="2659555247"/>
       </p:ext>
     </p:extLst>
   </p:cSld>
@@ -9032,7 +9032,7 @@
     </p:spTree>
     <p:extLst>
       <p:ext uri="{BB962C8B-B14F-4D97-AF65-F5344CB8AC3E}">
-        <p14:creationId xmlns="" xmlns:p14="http://schemas.microsoft.com/office/powerpoint/2010/main" val="2659555247"/>
+        <p14:creationId xmlns:p14="http://schemas.microsoft.com/office/powerpoint/2010/main" xmlns="" val="2659555247"/>
       </p:ext>
     </p:extLst>
   </p:cSld>
@@ -9117,7 +9117,7 @@
     </p:spTree>
     <p:extLst>
       <p:ext uri="{BB962C8B-B14F-4D97-AF65-F5344CB8AC3E}">
-        <p14:creationId xmlns="" xmlns:p14="http://schemas.microsoft.com/office/powerpoint/2010/main" val="2659555247"/>
+        <p14:creationId xmlns:p14="http://schemas.microsoft.com/office/powerpoint/2010/main" xmlns="" val="2659555247"/>
       </p:ext>
     </p:extLst>
   </p:cSld>
@@ -9202,7 +9202,7 @@
     </p:spTree>
     <p:extLst>
       <p:ext uri="{BB962C8B-B14F-4D97-AF65-F5344CB8AC3E}">
-        <p14:creationId xmlns="" xmlns:p14="http://schemas.microsoft.com/office/powerpoint/2010/main" val="2659555247"/>
+        <p14:creationId xmlns:p14="http://schemas.microsoft.com/office/powerpoint/2010/main" xmlns="" val="2659555247"/>
       </p:ext>
     </p:extLst>
   </p:cSld>
@@ -9287,7 +9287,7 @@
     </p:spTree>
     <p:extLst>
       <p:ext uri="{BB962C8B-B14F-4D97-AF65-F5344CB8AC3E}">
-        <p14:creationId xmlns="" xmlns:p14="http://schemas.microsoft.com/office/powerpoint/2010/main" val="2659555247"/>
+        <p14:creationId xmlns:p14="http://schemas.microsoft.com/office/powerpoint/2010/main" xmlns="" val="2659555247"/>
       </p:ext>
     </p:extLst>
   </p:cSld>
@@ -9372,7 +9372,7 @@
     </p:spTree>
     <p:extLst>
       <p:ext uri="{BB962C8B-B14F-4D97-AF65-F5344CB8AC3E}">
-        <p14:creationId xmlns="" xmlns:p14="http://schemas.microsoft.com/office/powerpoint/2010/main" val="2659555247"/>
+        <p14:creationId xmlns:p14="http://schemas.microsoft.com/office/powerpoint/2010/main" xmlns="" val="2659555247"/>
       </p:ext>
     </p:extLst>
   </p:cSld>
@@ -9457,7 +9457,7 @@
     </p:spTree>
     <p:extLst>
       <p:ext uri="{BB962C8B-B14F-4D97-AF65-F5344CB8AC3E}">
-        <p14:creationId xmlns="" xmlns:p14="http://schemas.microsoft.com/office/powerpoint/2010/main" val="2659555247"/>
+        <p14:creationId xmlns:p14="http://schemas.microsoft.com/office/powerpoint/2010/main" xmlns="" val="2659555247"/>
       </p:ext>
     </p:extLst>
   </p:cSld>
@@ -9542,7 +9542,7 @@
     </p:spTree>
     <p:extLst>
       <p:ext uri="{BB962C8B-B14F-4D97-AF65-F5344CB8AC3E}">
-        <p14:creationId xmlns="" xmlns:p14="http://schemas.microsoft.com/office/powerpoint/2010/main" val="2659555247"/>
+        <p14:creationId xmlns:p14="http://schemas.microsoft.com/office/powerpoint/2010/main" xmlns="" val="2659555247"/>
       </p:ext>
     </p:extLst>
   </p:cSld>
@@ -9627,7 +9627,7 @@
     </p:spTree>
     <p:extLst>
       <p:ext uri="{BB962C8B-B14F-4D97-AF65-F5344CB8AC3E}">
-        <p14:creationId xmlns="" xmlns:p14="http://schemas.microsoft.com/office/powerpoint/2010/main" val="2659555247"/>
+        <p14:creationId xmlns:p14="http://schemas.microsoft.com/office/powerpoint/2010/main" xmlns="" val="2659555247"/>
       </p:ext>
     </p:extLst>
   </p:cSld>
@@ -9712,7 +9712,7 @@
     </p:spTree>
     <p:extLst>
       <p:ext uri="{BB962C8B-B14F-4D97-AF65-F5344CB8AC3E}">
-        <p14:creationId xmlns="" xmlns:p14="http://schemas.microsoft.com/office/powerpoint/2010/main" val="2659555247"/>
+        <p14:creationId xmlns:p14="http://schemas.microsoft.com/office/powerpoint/2010/main" xmlns="" val="2659555247"/>
       </p:ext>
     </p:extLst>
   </p:cSld>
@@ -9797,7 +9797,7 @@
     </p:spTree>
     <p:extLst>
       <p:ext uri="{BB962C8B-B14F-4D97-AF65-F5344CB8AC3E}">
-        <p14:creationId xmlns:p14="http://schemas.microsoft.com/office/powerpoint/2010/main" xmlns="" val="939565178"/>
+        <p14:creationId xmlns="" xmlns:p14="http://schemas.microsoft.com/office/powerpoint/2010/main" val="939565178"/>
       </p:ext>
     </p:extLst>
   </p:cSld>
@@ -9882,7 +9882,7 @@
     </p:spTree>
     <p:extLst>
       <p:ext uri="{BB962C8B-B14F-4D97-AF65-F5344CB8AC3E}">
-        <p14:creationId xmlns="" xmlns:p14="http://schemas.microsoft.com/office/powerpoint/2010/main" val="2659555247"/>
+        <p14:creationId xmlns:p14="http://schemas.microsoft.com/office/powerpoint/2010/main" xmlns="" val="2659555247"/>
       </p:ext>
     </p:extLst>
   </p:cSld>
@@ -9967,7 +9967,7 @@
     </p:spTree>
     <p:extLst>
       <p:ext uri="{BB962C8B-B14F-4D97-AF65-F5344CB8AC3E}">
-        <p14:creationId xmlns="" xmlns:p14="http://schemas.microsoft.com/office/powerpoint/2010/main" val="2659555247"/>
+        <p14:creationId xmlns:p14="http://schemas.microsoft.com/office/powerpoint/2010/main" xmlns="" val="2659555247"/>
       </p:ext>
     </p:extLst>
   </p:cSld>
@@ -10052,7 +10052,7 @@
     </p:spTree>
     <p:extLst>
       <p:ext uri="{BB962C8B-B14F-4D97-AF65-F5344CB8AC3E}">
-        <p14:creationId xmlns="" xmlns:p14="http://schemas.microsoft.com/office/powerpoint/2010/main" val="2659555247"/>
+        <p14:creationId xmlns:p14="http://schemas.microsoft.com/office/powerpoint/2010/main" xmlns="" val="2659555247"/>
       </p:ext>
     </p:extLst>
   </p:cSld>
@@ -10137,7 +10137,7 @@
     </p:spTree>
     <p:extLst>
       <p:ext uri="{BB962C8B-B14F-4D97-AF65-F5344CB8AC3E}">
-        <p14:creationId xmlns="" xmlns:p14="http://schemas.microsoft.com/office/powerpoint/2010/main" val="2659555247"/>
+        <p14:creationId xmlns:p14="http://schemas.microsoft.com/office/powerpoint/2010/main" xmlns="" val="2659555247"/>
       </p:ext>
     </p:extLst>
   </p:cSld>
@@ -10222,7 +10222,7 @@
     </p:spTree>
     <p:extLst>
       <p:ext uri="{BB962C8B-B14F-4D97-AF65-F5344CB8AC3E}">
-        <p14:creationId xmlns="" xmlns:p14="http://schemas.microsoft.com/office/powerpoint/2010/main" val="2659555247"/>
+        <p14:creationId xmlns:p14="http://schemas.microsoft.com/office/powerpoint/2010/main" xmlns="" val="2659555247"/>
       </p:ext>
     </p:extLst>
   </p:cSld>
@@ -10307,7 +10307,7 @@
     </p:spTree>
     <p:extLst>
       <p:ext uri="{BB962C8B-B14F-4D97-AF65-F5344CB8AC3E}">
-        <p14:creationId xmlns="" xmlns:p14="http://schemas.microsoft.com/office/powerpoint/2010/main" val="2659555247"/>
+        <p14:creationId xmlns:p14="http://schemas.microsoft.com/office/powerpoint/2010/main" xmlns="" val="2659555247"/>
       </p:ext>
     </p:extLst>
   </p:cSld>
@@ -10392,7 +10392,7 @@
     </p:spTree>
     <p:extLst>
       <p:ext uri="{BB962C8B-B14F-4D97-AF65-F5344CB8AC3E}">
-        <p14:creationId xmlns="" xmlns:p14="http://schemas.microsoft.com/office/powerpoint/2010/main" val="2659555247"/>
+        <p14:creationId xmlns:p14="http://schemas.microsoft.com/office/powerpoint/2010/main" xmlns="" val="2659555247"/>
       </p:ext>
     </p:extLst>
   </p:cSld>
@@ -10477,7 +10477,7 @@
     </p:spTree>
     <p:extLst>
       <p:ext uri="{BB962C8B-B14F-4D97-AF65-F5344CB8AC3E}">
-        <p14:creationId xmlns="" xmlns:p14="http://schemas.microsoft.com/office/powerpoint/2010/main" val="2659555247"/>
+        <p14:creationId xmlns:p14="http://schemas.microsoft.com/office/powerpoint/2010/main" xmlns="" val="2659555247"/>
       </p:ext>
     </p:extLst>
   </p:cSld>
@@ -10562,7 +10562,7 @@
     </p:spTree>
     <p:extLst>
       <p:ext uri="{BB962C8B-B14F-4D97-AF65-F5344CB8AC3E}">
-        <p14:creationId xmlns="" xmlns:p14="http://schemas.microsoft.com/office/powerpoint/2010/main" val="2659555247"/>
+        <p14:creationId xmlns:p14="http://schemas.microsoft.com/office/powerpoint/2010/main" xmlns="" val="2659555247"/>
       </p:ext>
     </p:extLst>
   </p:cSld>
@@ -10647,7 +10647,7 @@
     </p:spTree>
     <p:extLst>
       <p:ext uri="{BB962C8B-B14F-4D97-AF65-F5344CB8AC3E}">
-        <p14:creationId xmlns="" xmlns:p14="http://schemas.microsoft.com/office/powerpoint/2010/main" val="2659555247"/>
+        <p14:creationId xmlns:p14="http://schemas.microsoft.com/office/powerpoint/2010/main" xmlns="" val="2659555247"/>
       </p:ext>
     </p:extLst>
   </p:cSld>
@@ -10732,7 +10732,7 @@
     </p:spTree>
     <p:extLst>
       <p:ext uri="{BB962C8B-B14F-4D97-AF65-F5344CB8AC3E}">
-        <p14:creationId xmlns="" xmlns:p14="http://schemas.microsoft.com/office/powerpoint/2010/main" val="2659555247"/>
+        <p14:creationId xmlns:p14="http://schemas.microsoft.com/office/powerpoint/2010/main" xmlns="" val="2659555247"/>
       </p:ext>
     </p:extLst>
   </p:cSld>
@@ -10817,7 +10817,7 @@
     </p:spTree>
     <p:extLst>
       <p:ext uri="{BB962C8B-B14F-4D97-AF65-F5344CB8AC3E}">
-        <p14:creationId xmlns="" xmlns:p14="http://schemas.microsoft.com/office/powerpoint/2010/main" val="2659555247"/>
+        <p14:creationId xmlns:p14="http://schemas.microsoft.com/office/powerpoint/2010/main" xmlns="" val="2659555247"/>
       </p:ext>
     </p:extLst>
   </p:cSld>
@@ -10902,7 +10902,7 @@
     </p:spTree>
     <p:extLst>
       <p:ext uri="{BB962C8B-B14F-4D97-AF65-F5344CB8AC3E}">
-        <p14:creationId xmlns="" xmlns:p14="http://schemas.microsoft.com/office/powerpoint/2010/main" val="2659555247"/>
+        <p14:creationId xmlns:p14="http://schemas.microsoft.com/office/powerpoint/2010/main" xmlns="" val="2659555247"/>
       </p:ext>
     </p:extLst>
   </p:cSld>
@@ -10987,7 +10987,7 @@
     </p:spTree>
     <p:extLst>
       <p:ext uri="{BB962C8B-B14F-4D97-AF65-F5344CB8AC3E}">
-        <p14:creationId xmlns="" xmlns:p14="http://schemas.microsoft.com/office/powerpoint/2010/main" val="2659555247"/>
+        <p14:creationId xmlns:p14="http://schemas.microsoft.com/office/powerpoint/2010/main" xmlns="" val="2659555247"/>
       </p:ext>
     </p:extLst>
   </p:cSld>
@@ -11072,7 +11072,7 @@
     </p:spTree>
     <p:extLst>
       <p:ext uri="{BB962C8B-B14F-4D97-AF65-F5344CB8AC3E}">
-        <p14:creationId xmlns="" xmlns:p14="http://schemas.microsoft.com/office/powerpoint/2010/main" val="2659555247"/>
+        <p14:creationId xmlns:p14="http://schemas.microsoft.com/office/powerpoint/2010/main" xmlns="" val="2659555247"/>
       </p:ext>
     </p:extLst>
   </p:cSld>
@@ -11157,7 +11157,7 @@
     </p:spTree>
     <p:extLst>
       <p:ext uri="{BB962C8B-B14F-4D97-AF65-F5344CB8AC3E}">
-        <p14:creationId xmlns="" xmlns:p14="http://schemas.microsoft.com/office/powerpoint/2010/main" val="2659555247"/>
+        <p14:creationId xmlns:p14="http://schemas.microsoft.com/office/powerpoint/2010/main" xmlns="" val="2659555247"/>
       </p:ext>
     </p:extLst>
   </p:cSld>
@@ -11242,7 +11242,7 @@
     </p:spTree>
     <p:extLst>
       <p:ext uri="{BB962C8B-B14F-4D97-AF65-F5344CB8AC3E}">
-        <p14:creationId xmlns="" xmlns:p14="http://schemas.microsoft.com/office/powerpoint/2010/main" val="2659555247"/>
+        <p14:creationId xmlns:p14="http://schemas.microsoft.com/office/powerpoint/2010/main" xmlns="" val="2659555247"/>
       </p:ext>
     </p:extLst>
   </p:cSld>
@@ -11327,7 +11327,7 @@
     </p:spTree>
     <p:extLst>
       <p:ext uri="{BB962C8B-B14F-4D97-AF65-F5344CB8AC3E}">
-        <p14:creationId xmlns="" xmlns:p14="http://schemas.microsoft.com/office/powerpoint/2010/main" val="2659555247"/>
+        <p14:creationId xmlns:p14="http://schemas.microsoft.com/office/powerpoint/2010/main" xmlns="" val="2659555247"/>
       </p:ext>
     </p:extLst>
   </p:cSld>
@@ -11412,7 +11412,7 @@
     </p:spTree>
     <p:extLst>
       <p:ext uri="{BB962C8B-B14F-4D97-AF65-F5344CB8AC3E}">
-        <p14:creationId xmlns="" xmlns:p14="http://schemas.microsoft.com/office/powerpoint/2010/main" val="2659555247"/>
+        <p14:creationId xmlns:p14="http://schemas.microsoft.com/office/powerpoint/2010/main" xmlns="" val="2659555247"/>
       </p:ext>
     </p:extLst>
   </p:cSld>
@@ -11497,7 +11497,7 @@
     </p:spTree>
     <p:extLst>
       <p:ext uri="{BB962C8B-B14F-4D97-AF65-F5344CB8AC3E}">
-        <p14:creationId xmlns="" xmlns:p14="http://schemas.microsoft.com/office/powerpoint/2010/main" val="2659555247"/>
+        <p14:creationId xmlns:p14="http://schemas.microsoft.com/office/powerpoint/2010/main" xmlns="" val="2659555247"/>
       </p:ext>
     </p:extLst>
   </p:cSld>
@@ -11582,7 +11582,7 @@
     </p:spTree>
     <p:extLst>
       <p:ext uri="{BB962C8B-B14F-4D97-AF65-F5344CB8AC3E}">
-        <p14:creationId xmlns="" xmlns:p14="http://schemas.microsoft.com/office/powerpoint/2010/main" val="2659555247"/>
+        <p14:creationId xmlns:p14="http://schemas.microsoft.com/office/powerpoint/2010/main" xmlns="" val="2659555247"/>
       </p:ext>
     </p:extLst>
   </p:cSld>
@@ -11667,7 +11667,7 @@
     </p:spTree>
     <p:extLst>
       <p:ext uri="{BB962C8B-B14F-4D97-AF65-F5344CB8AC3E}">
-        <p14:creationId xmlns="" xmlns:p14="http://schemas.microsoft.com/office/powerpoint/2010/main" val="2659555247"/>
+        <p14:creationId xmlns:p14="http://schemas.microsoft.com/office/powerpoint/2010/main" xmlns="" val="2659555247"/>
       </p:ext>
     </p:extLst>
   </p:cSld>
@@ -11752,7 +11752,7 @@
     </p:spTree>
     <p:extLst>
       <p:ext uri="{BB962C8B-B14F-4D97-AF65-F5344CB8AC3E}">
-        <p14:creationId xmlns="" xmlns:p14="http://schemas.microsoft.com/office/powerpoint/2010/main" val="2659555247"/>
+        <p14:creationId xmlns:p14="http://schemas.microsoft.com/office/powerpoint/2010/main" xmlns="" val="2659555247"/>
       </p:ext>
     </p:extLst>
   </p:cSld>
@@ -12070,7 +12070,7 @@
                 </a:solidFill>
               </a:rPr>
               <a:pPr/>
-              <a:t>4/26/2021</a:t>
+              <a:t>5/2/2021</a:t>
             </a:fld>
             <a:endParaRPr kumimoji="0" lang="en-US" dirty="0"/>
           </a:p>
@@ -12461,7 +12461,7 @@
                 </a:solidFill>
               </a:rPr>
               <a:pPr/>
-              <a:t>4/26/2021</a:t>
+              <a:t>5/2/2021</a:t>
             </a:fld>
             <a:endParaRPr kumimoji="0" lang="en-US" dirty="0"/>
           </a:p>
@@ -12796,7 +12796,7 @@
                 </a:solidFill>
               </a:rPr>
               <a:pPr/>
-              <a:t>4/26/2021</a:t>
+              <a:t>5/2/2021</a:t>
             </a:fld>
             <a:endParaRPr kumimoji="0" lang="en-US" dirty="0"/>
           </a:p>
@@ -13372,7 +13372,7 @@
                 </a:solidFill>
               </a:rPr>
               <a:pPr/>
-              <a:t>4/26/2021</a:t>
+              <a:t>5/2/2021</a:t>
             </a:fld>
             <a:endParaRPr kumimoji="0" lang="en-US" dirty="0"/>
           </a:p>
@@ -13936,7 +13936,7 @@
                 </a:solidFill>
               </a:rPr>
               <a:pPr/>
-              <a:t>4/26/2021</a:t>
+              <a:t>5/2/2021</a:t>
             </a:fld>
             <a:endParaRPr kumimoji="0" lang="en-US" dirty="0"/>
           </a:p>
@@ -14395,7 +14395,7 @@
                 </a:solidFill>
               </a:rPr>
               <a:pPr/>
-              <a:t>4/26/2021</a:t>
+              <a:t>5/2/2021</a:t>
             </a:fld>
             <a:endParaRPr kumimoji="0" lang="en-US" dirty="0"/>
           </a:p>
@@ -14819,7 +14819,7 @@
                 </a:solidFill>
               </a:rPr>
               <a:pPr/>
-              <a:t>4/26/2021</a:t>
+              <a:t>5/2/2021</a:t>
             </a:fld>
             <a:endParaRPr kumimoji="0" lang="en-US" dirty="0"/>
           </a:p>
@@ -15323,7 +15323,7 @@
                 </a:solidFill>
               </a:rPr>
               <a:pPr/>
-              <a:t>4/26/2021</a:t>
+              <a:t>5/2/2021</a:t>
             </a:fld>
             <a:endParaRPr kumimoji="0" lang="en-US" dirty="0"/>
           </a:p>
@@ -15827,7 +15827,7 @@
                 </a:solidFill>
               </a:rPr>
               <a:pPr/>
-              <a:t>4/26/2021</a:t>
+              <a:t>5/2/2021</a:t>
             </a:fld>
             <a:endParaRPr kumimoji="0" lang="en-US" dirty="0"/>
           </a:p>
@@ -16043,7 +16043,7 @@
                 </a:solidFill>
               </a:rPr>
               <a:pPr/>
-              <a:t>4/26/2021</a:t>
+              <a:t>5/2/2021</a:t>
             </a:fld>
             <a:endParaRPr kumimoji="0" lang="en-US" dirty="0"/>
           </a:p>
@@ -16371,7 +16371,7 @@
                 </a:solidFill>
               </a:rPr>
               <a:pPr/>
-              <a:t>4/26/2021</a:t>
+              <a:t>5/2/2021</a:t>
             </a:fld>
             <a:endParaRPr kumimoji="0" lang="en-US" dirty="0"/>
           </a:p>
@@ -16597,7 +16597,7 @@
                 </a:solidFill>
               </a:rPr>
               <a:pPr/>
-              <a:t>4/26/2021</a:t>
+              <a:t>5/2/2021</a:t>
             </a:fld>
             <a:endParaRPr kumimoji="0" lang="en-US" dirty="0"/>
           </a:p>
@@ -16816,7 +16816,7 @@
                 </a:solidFill>
               </a:rPr>
               <a:pPr/>
-              <a:t>4/26/2021</a:t>
+              <a:t>5/2/2021</a:t>
             </a:fld>
             <a:endParaRPr kumimoji="0" lang="en-US" dirty="0"/>
           </a:p>
@@ -16992,7 +16992,7 @@
             <a:fld id="{ACB2EC6F-6501-4E04-BD6C-A8A6CABB2C5B}" type="datetimeFigureOut">
               <a:rPr kumimoji="0" lang="en-US" smtClean="0"/>
               <a:pPr/>
-              <a:t>4/26/2021</a:t>
+              <a:t>5/2/2021</a:t>
             </a:fld>
             <a:endParaRPr kumimoji="0" lang="en-US" dirty="0"/>
           </a:p>
@@ -17237,7 +17237,7 @@
                 </a:solidFill>
               </a:rPr>
               <a:pPr/>
-              <a:t>4/26/2021</a:t>
+              <a:t>5/2/2021</a:t>
             </a:fld>
             <a:endParaRPr kumimoji="0" lang="en-US" dirty="0"/>
           </a:p>
@@ -17709,7 +17709,7 @@
                 </a:solidFill>
               </a:rPr>
               <a:pPr/>
-              <a:t>4/26/2021</a:t>
+              <a:t>5/2/2021</a:t>
             </a:fld>
             <a:endParaRPr kumimoji="0" lang="en-US" dirty="0"/>
           </a:p>
@@ -18061,7 +18061,7 @@
                 </a:solidFill>
               </a:rPr>
               <a:pPr/>
-              <a:t>4/26/2021</a:t>
+              <a:t>5/2/2021</a:t>
             </a:fld>
             <a:endParaRPr kumimoji="0" lang="en-US" dirty="0"/>
           </a:p>
@@ -18419,7 +18419,7 @@
                 </a:solidFill>
               </a:rPr>
               <a:pPr/>
-              <a:t>4/26/2021</a:t>
+              <a:t>5/2/2021</a:t>
             </a:fld>
             <a:endParaRPr kumimoji="0" lang="en-US" dirty="0"/>
           </a:p>
@@ -18724,7 +18724,7 @@
                 </a:solidFill>
               </a:rPr>
               <a:pPr/>
-              <a:t>4/26/2021</a:t>
+              <a:t>5/2/2021</a:t>
             </a:fld>
             <a:endParaRPr kumimoji="0" lang="en-US" dirty="0"/>
           </a:p>
@@ -19200,7 +19200,7 @@
                 </a:solidFill>
               </a:rPr>
               <a:pPr/>
-              <a:t>4/26/2021</a:t>
+              <a:t>5/2/2021</a:t>
             </a:fld>
             <a:endParaRPr kumimoji="0" lang="en-US" dirty="0"/>
           </a:p>
@@ -19437,7 +19437,7 @@
                 </a:solidFill>
               </a:rPr>
               <a:pPr/>
-              <a:t>4/26/2021</a:t>
+              <a:t>5/2/2021</a:t>
             </a:fld>
             <a:endParaRPr kumimoji="0" lang="en-US" sz="1200" dirty="0">
               <a:solidFill>
@@ -20357,7 +20357,7 @@
     </p:spTree>
     <p:extLst>
       <p:ext uri="{BB962C8B-B14F-4D97-AF65-F5344CB8AC3E}">
-        <p14:creationId xmlns="" xmlns:p14="http://schemas.microsoft.com/office/powerpoint/2010/main" val="522405798"/>
+        <p14:creationId xmlns:p14="http://schemas.microsoft.com/office/powerpoint/2010/main" xmlns="" val="522405798"/>
       </p:ext>
     </p:extLst>
   </p:cSld>
@@ -20489,7 +20489,7 @@
     </p:spTree>
     <p:extLst>
       <p:ext uri="{BB962C8B-B14F-4D97-AF65-F5344CB8AC3E}">
-        <p14:creationId xmlns="" xmlns:p14="http://schemas.microsoft.com/office/powerpoint/2010/main" val="522405798"/>
+        <p14:creationId xmlns:p14="http://schemas.microsoft.com/office/powerpoint/2010/main" xmlns="" val="522405798"/>
       </p:ext>
     </p:extLst>
   </p:cSld>
@@ -20812,7 +20812,7 @@
     </p:spTree>
     <p:extLst>
       <p:ext uri="{BB962C8B-B14F-4D97-AF65-F5344CB8AC3E}">
-        <p14:creationId xmlns="" xmlns:p14="http://schemas.microsoft.com/office/powerpoint/2010/main" val="522405798"/>
+        <p14:creationId xmlns:p14="http://schemas.microsoft.com/office/powerpoint/2010/main" xmlns="" val="522405798"/>
       </p:ext>
     </p:extLst>
   </p:cSld>
@@ -21019,7 +21019,7 @@
     </p:spTree>
     <p:extLst>
       <p:ext uri="{BB962C8B-B14F-4D97-AF65-F5344CB8AC3E}">
-        <p14:creationId xmlns="" xmlns:p14="http://schemas.microsoft.com/office/powerpoint/2010/main" val="522405798"/>
+        <p14:creationId xmlns:p14="http://schemas.microsoft.com/office/powerpoint/2010/main" xmlns="" val="522405798"/>
       </p:ext>
     </p:extLst>
   </p:cSld>
@@ -21480,7 +21480,7 @@
     </p:spTree>
     <p:extLst>
       <p:ext uri="{BB962C8B-B14F-4D97-AF65-F5344CB8AC3E}">
-        <p14:creationId xmlns="" xmlns:p14="http://schemas.microsoft.com/office/powerpoint/2010/main" val="522405798"/>
+        <p14:creationId xmlns:p14="http://schemas.microsoft.com/office/powerpoint/2010/main" xmlns="" val="522405798"/>
       </p:ext>
     </p:extLst>
   </p:cSld>
@@ -22100,7 +22100,7 @@
     </p:spTree>
     <p:extLst>
       <p:ext uri="{BB962C8B-B14F-4D97-AF65-F5344CB8AC3E}">
-        <p14:creationId xmlns="" xmlns:p14="http://schemas.microsoft.com/office/powerpoint/2010/main" val="522405798"/>
+        <p14:creationId xmlns:p14="http://schemas.microsoft.com/office/powerpoint/2010/main" xmlns="" val="522405798"/>
       </p:ext>
     </p:extLst>
   </p:cSld>
@@ -22448,7 +22448,7 @@
     </p:spTree>
     <p:extLst>
       <p:ext uri="{BB962C8B-B14F-4D97-AF65-F5344CB8AC3E}">
-        <p14:creationId xmlns="" xmlns:p14="http://schemas.microsoft.com/office/powerpoint/2010/main" val="522405798"/>
+        <p14:creationId xmlns:p14="http://schemas.microsoft.com/office/powerpoint/2010/main" xmlns="" val="522405798"/>
       </p:ext>
     </p:extLst>
   </p:cSld>
@@ -22667,7 +22667,7 @@
     </p:spTree>
     <p:extLst>
       <p:ext uri="{BB962C8B-B14F-4D97-AF65-F5344CB8AC3E}">
-        <p14:creationId xmlns="" xmlns:p14="http://schemas.microsoft.com/office/powerpoint/2010/main" val="522405798"/>
+        <p14:creationId xmlns:p14="http://schemas.microsoft.com/office/powerpoint/2010/main" xmlns="" val="522405798"/>
       </p:ext>
     </p:extLst>
   </p:cSld>
@@ -22837,7 +22837,7 @@
     </p:spTree>
     <p:extLst>
       <p:ext uri="{BB962C8B-B14F-4D97-AF65-F5344CB8AC3E}">
-        <p14:creationId xmlns="" xmlns:p14="http://schemas.microsoft.com/office/powerpoint/2010/main" val="522405798"/>
+        <p14:creationId xmlns:p14="http://schemas.microsoft.com/office/powerpoint/2010/main" xmlns="" val="522405798"/>
       </p:ext>
     </p:extLst>
   </p:cSld>
@@ -22932,7 +22932,7 @@
     </p:spTree>
     <p:extLst>
       <p:ext uri="{BB962C8B-B14F-4D97-AF65-F5344CB8AC3E}">
-        <p14:creationId xmlns:p14="http://schemas.microsoft.com/office/powerpoint/2010/main" xmlns="" val="3907764274"/>
+        <p14:creationId xmlns="" xmlns:p14="http://schemas.microsoft.com/office/powerpoint/2010/main" val="3907764274"/>
       </p:ext>
     </p:extLst>
   </p:cSld>
@@ -23253,7 +23253,7 @@
     </p:spTree>
     <p:extLst>
       <p:ext uri="{BB962C8B-B14F-4D97-AF65-F5344CB8AC3E}">
-        <p14:creationId xmlns="" xmlns:p14="http://schemas.microsoft.com/office/powerpoint/2010/main" val="522405798"/>
+        <p14:creationId xmlns:p14="http://schemas.microsoft.com/office/powerpoint/2010/main" xmlns="" val="522405798"/>
       </p:ext>
     </p:extLst>
   </p:cSld>
@@ -23385,7 +23385,7 @@
     </p:spTree>
     <p:extLst>
       <p:ext uri="{BB962C8B-B14F-4D97-AF65-F5344CB8AC3E}">
-        <p14:creationId xmlns="" xmlns:p14="http://schemas.microsoft.com/office/powerpoint/2010/main" val="522405798"/>
+        <p14:creationId xmlns:p14="http://schemas.microsoft.com/office/powerpoint/2010/main" xmlns="" val="522405798"/>
       </p:ext>
     </p:extLst>
   </p:cSld>
@@ -23595,7 +23595,7 @@
     </p:spTree>
     <p:extLst>
       <p:ext uri="{BB962C8B-B14F-4D97-AF65-F5344CB8AC3E}">
-        <p14:creationId xmlns="" xmlns:p14="http://schemas.microsoft.com/office/powerpoint/2010/main" val="522405798"/>
+        <p14:creationId xmlns:p14="http://schemas.microsoft.com/office/powerpoint/2010/main" xmlns="" val="522405798"/>
       </p:ext>
     </p:extLst>
   </p:cSld>
@@ -23925,7 +23925,7 @@
     </p:spTree>
     <p:extLst>
       <p:ext uri="{BB962C8B-B14F-4D97-AF65-F5344CB8AC3E}">
-        <p14:creationId xmlns="" xmlns:p14="http://schemas.microsoft.com/office/powerpoint/2010/main" val="522405798"/>
+        <p14:creationId xmlns:p14="http://schemas.microsoft.com/office/powerpoint/2010/main" xmlns="" val="522405798"/>
       </p:ext>
     </p:extLst>
   </p:cSld>
@@ -24057,7 +24057,7 @@
     </p:spTree>
     <p:extLst>
       <p:ext uri="{BB962C8B-B14F-4D97-AF65-F5344CB8AC3E}">
-        <p14:creationId xmlns="" xmlns:p14="http://schemas.microsoft.com/office/powerpoint/2010/main" val="522405798"/>
+        <p14:creationId xmlns:p14="http://schemas.microsoft.com/office/powerpoint/2010/main" xmlns="" val="522405798"/>
       </p:ext>
     </p:extLst>
   </p:cSld>
@@ -24189,7 +24189,7 @@
     </p:spTree>
     <p:extLst>
       <p:ext uri="{BB962C8B-B14F-4D97-AF65-F5344CB8AC3E}">
-        <p14:creationId xmlns="" xmlns:p14="http://schemas.microsoft.com/office/powerpoint/2010/main" val="522405798"/>
+        <p14:creationId xmlns:p14="http://schemas.microsoft.com/office/powerpoint/2010/main" xmlns="" val="522405798"/>
       </p:ext>
     </p:extLst>
   </p:cSld>
@@ -24321,7 +24321,7 @@
     </p:spTree>
     <p:extLst>
       <p:ext uri="{BB962C8B-B14F-4D97-AF65-F5344CB8AC3E}">
-        <p14:creationId xmlns="" xmlns:p14="http://schemas.microsoft.com/office/powerpoint/2010/main" val="522405798"/>
+        <p14:creationId xmlns:p14="http://schemas.microsoft.com/office/powerpoint/2010/main" xmlns="" val="522405798"/>
       </p:ext>
     </p:extLst>
   </p:cSld>
@@ -24510,7 +24510,7 @@
     </p:spTree>
     <p:extLst>
       <p:ext uri="{BB962C8B-B14F-4D97-AF65-F5344CB8AC3E}">
-        <p14:creationId xmlns="" xmlns:p14="http://schemas.microsoft.com/office/powerpoint/2010/main" val="522405798"/>
+        <p14:creationId xmlns:p14="http://schemas.microsoft.com/office/powerpoint/2010/main" xmlns="" val="522405798"/>
       </p:ext>
     </p:extLst>
   </p:cSld>
@@ -24642,7 +24642,7 @@
     </p:spTree>
     <p:extLst>
       <p:ext uri="{BB962C8B-B14F-4D97-AF65-F5344CB8AC3E}">
-        <p14:creationId xmlns="" xmlns:p14="http://schemas.microsoft.com/office/powerpoint/2010/main" val="522405798"/>
+        <p14:creationId xmlns:p14="http://schemas.microsoft.com/office/powerpoint/2010/main" xmlns="" val="522405798"/>
       </p:ext>
     </p:extLst>
   </p:cSld>
@@ -24877,7 +24877,7 @@
     </p:spTree>
     <p:extLst>
       <p:ext uri="{BB962C8B-B14F-4D97-AF65-F5344CB8AC3E}">
-        <p14:creationId xmlns="" xmlns:p14="http://schemas.microsoft.com/office/powerpoint/2010/main" val="522405798"/>
+        <p14:creationId xmlns:p14="http://schemas.microsoft.com/office/powerpoint/2010/main" xmlns="" val="522405798"/>
       </p:ext>
     </p:extLst>
   </p:cSld>
@@ -25103,7 +25103,7 @@
     </p:spTree>
     <p:extLst>
       <p:ext uri="{BB962C8B-B14F-4D97-AF65-F5344CB8AC3E}">
-        <p14:creationId xmlns="" xmlns:p14="http://schemas.microsoft.com/office/powerpoint/2010/main" val="522405798"/>
+        <p14:creationId xmlns:p14="http://schemas.microsoft.com/office/powerpoint/2010/main" xmlns="" val="522405798"/>
       </p:ext>
     </p:extLst>
   </p:cSld>
@@ -25381,7 +25381,7 @@
     </p:spTree>
     <p:extLst>
       <p:ext uri="{BB962C8B-B14F-4D97-AF65-F5344CB8AC3E}">
-        <p14:creationId xmlns="" xmlns:p14="http://schemas.microsoft.com/office/powerpoint/2010/main" val="522405798"/>
+        <p14:creationId xmlns:p14="http://schemas.microsoft.com/office/powerpoint/2010/main" xmlns="" val="522405798"/>
       </p:ext>
     </p:extLst>
   </p:cSld>
@@ -25655,7 +25655,7 @@
     </p:spTree>
     <p:extLst>
       <p:ext uri="{BB962C8B-B14F-4D97-AF65-F5344CB8AC3E}">
-        <p14:creationId xmlns="" xmlns:p14="http://schemas.microsoft.com/office/powerpoint/2010/main" val="522405798"/>
+        <p14:creationId xmlns:p14="http://schemas.microsoft.com/office/powerpoint/2010/main" xmlns="" val="522405798"/>
       </p:ext>
     </p:extLst>
   </p:cSld>
@@ -25813,7 +25813,7 @@
     </p:spTree>
     <p:extLst>
       <p:ext uri="{BB962C8B-B14F-4D97-AF65-F5344CB8AC3E}">
-        <p14:creationId xmlns="" xmlns:p14="http://schemas.microsoft.com/office/powerpoint/2010/main" val="522405798"/>
+        <p14:creationId xmlns:p14="http://schemas.microsoft.com/office/powerpoint/2010/main" xmlns="" val="522405798"/>
       </p:ext>
     </p:extLst>
   </p:cSld>
@@ -26070,7 +26070,7 @@
     </p:spTree>
     <p:extLst>
       <p:ext uri="{BB962C8B-B14F-4D97-AF65-F5344CB8AC3E}">
-        <p14:creationId xmlns="" xmlns:p14="http://schemas.microsoft.com/office/powerpoint/2010/main" val="522405798"/>
+        <p14:creationId xmlns:p14="http://schemas.microsoft.com/office/powerpoint/2010/main" xmlns="" val="522405798"/>
       </p:ext>
     </p:extLst>
   </p:cSld>
@@ -26340,7 +26340,7 @@
     </p:spTree>
     <p:extLst>
       <p:ext uri="{BB962C8B-B14F-4D97-AF65-F5344CB8AC3E}">
-        <p14:creationId xmlns="" xmlns:p14="http://schemas.microsoft.com/office/powerpoint/2010/main" val="522405798"/>
+        <p14:creationId xmlns:p14="http://schemas.microsoft.com/office/powerpoint/2010/main" xmlns="" val="522405798"/>
       </p:ext>
     </p:extLst>
   </p:cSld>
@@ -26435,7 +26435,7 @@
     </p:spTree>
     <p:extLst>
       <p:ext uri="{BB962C8B-B14F-4D97-AF65-F5344CB8AC3E}">
-        <p14:creationId xmlns:p14="http://schemas.microsoft.com/office/powerpoint/2010/main" xmlns="" val="3907764274"/>
+        <p14:creationId xmlns="" xmlns:p14="http://schemas.microsoft.com/office/powerpoint/2010/main" val="3907764274"/>
       </p:ext>
     </p:extLst>
   </p:cSld>
@@ -26654,7 +26654,7 @@
     </p:spTree>
     <p:extLst>
       <p:ext uri="{BB962C8B-B14F-4D97-AF65-F5344CB8AC3E}">
-        <p14:creationId xmlns="" xmlns:p14="http://schemas.microsoft.com/office/powerpoint/2010/main" val="522405798"/>
+        <p14:creationId xmlns:p14="http://schemas.microsoft.com/office/powerpoint/2010/main" xmlns="" val="522405798"/>
       </p:ext>
     </p:extLst>
   </p:cSld>
@@ -26844,7 +26844,7 @@
     </p:spTree>
     <p:extLst>
       <p:ext uri="{BB962C8B-B14F-4D97-AF65-F5344CB8AC3E}">
-        <p14:creationId xmlns="" xmlns:p14="http://schemas.microsoft.com/office/powerpoint/2010/main" val="522405798"/>
+        <p14:creationId xmlns:p14="http://schemas.microsoft.com/office/powerpoint/2010/main" xmlns="" val="522405798"/>
       </p:ext>
     </p:extLst>
   </p:cSld>
@@ -27019,7 +27019,7 @@
     </p:spTree>
     <p:extLst>
       <p:ext uri="{BB962C8B-B14F-4D97-AF65-F5344CB8AC3E}">
-        <p14:creationId xmlns="" xmlns:p14="http://schemas.microsoft.com/office/powerpoint/2010/main" val="522405798"/>
+        <p14:creationId xmlns:p14="http://schemas.microsoft.com/office/powerpoint/2010/main" xmlns="" val="522405798"/>
       </p:ext>
     </p:extLst>
   </p:cSld>
@@ -27135,7 +27135,7 @@
     </p:spTree>
     <p:extLst>
       <p:ext uri="{BB962C8B-B14F-4D97-AF65-F5344CB8AC3E}">
-        <p14:creationId xmlns="" xmlns:p14="http://schemas.microsoft.com/office/powerpoint/2010/main" val="522405798"/>
+        <p14:creationId xmlns:p14="http://schemas.microsoft.com/office/powerpoint/2010/main" xmlns="" val="522405798"/>
       </p:ext>
     </p:extLst>
   </p:cSld>
@@ -27291,7 +27291,7 @@
     </p:spTree>
     <p:extLst>
       <p:ext uri="{BB962C8B-B14F-4D97-AF65-F5344CB8AC3E}">
-        <p14:creationId xmlns="" xmlns:p14="http://schemas.microsoft.com/office/powerpoint/2010/main" val="522405798"/>
+        <p14:creationId xmlns:p14="http://schemas.microsoft.com/office/powerpoint/2010/main" xmlns="" val="522405798"/>
       </p:ext>
     </p:extLst>
   </p:cSld>
@@ -27446,7 +27446,7 @@
     </p:spTree>
     <p:extLst>
       <p:ext uri="{BB962C8B-B14F-4D97-AF65-F5344CB8AC3E}">
-        <p14:creationId xmlns="" xmlns:p14="http://schemas.microsoft.com/office/powerpoint/2010/main" val="522405798"/>
+        <p14:creationId xmlns:p14="http://schemas.microsoft.com/office/powerpoint/2010/main" xmlns="" val="522405798"/>
       </p:ext>
     </p:extLst>
   </p:cSld>
@@ -27594,7 +27594,7 @@
     </p:spTree>
     <p:extLst>
       <p:ext uri="{BB962C8B-B14F-4D97-AF65-F5344CB8AC3E}">
-        <p14:creationId xmlns="" xmlns:p14="http://schemas.microsoft.com/office/powerpoint/2010/main" val="522405798"/>
+        <p14:creationId xmlns:p14="http://schemas.microsoft.com/office/powerpoint/2010/main" xmlns="" val="522405798"/>
       </p:ext>
     </p:extLst>
   </p:cSld>
@@ -27793,7 +27793,7 @@
     </p:spTree>
     <p:extLst>
       <p:ext uri="{BB962C8B-B14F-4D97-AF65-F5344CB8AC3E}">
-        <p14:creationId xmlns="" xmlns:p14="http://schemas.microsoft.com/office/powerpoint/2010/main" val="522405798"/>
+        <p14:creationId xmlns:p14="http://schemas.microsoft.com/office/powerpoint/2010/main" xmlns="" val="522405798"/>
       </p:ext>
     </p:extLst>
   </p:cSld>
@@ -27992,7 +27992,7 @@
     </p:spTree>
     <p:extLst>
       <p:ext uri="{BB962C8B-B14F-4D97-AF65-F5344CB8AC3E}">
-        <p14:creationId xmlns="" xmlns:p14="http://schemas.microsoft.com/office/powerpoint/2010/main" val="522405798"/>
+        <p14:creationId xmlns:p14="http://schemas.microsoft.com/office/powerpoint/2010/main" xmlns="" val="522405798"/>
       </p:ext>
     </p:extLst>
   </p:cSld>
@@ -28204,7 +28204,7 @@
     </p:spTree>
     <p:extLst>
       <p:ext uri="{BB962C8B-B14F-4D97-AF65-F5344CB8AC3E}">
-        <p14:creationId xmlns="" xmlns:p14="http://schemas.microsoft.com/office/powerpoint/2010/main" val="522405798"/>
+        <p14:creationId xmlns:p14="http://schemas.microsoft.com/office/powerpoint/2010/main" xmlns="" val="522405798"/>
       </p:ext>
     </p:extLst>
   </p:cSld>
@@ -28324,14 +28324,21 @@
                 <a:latin typeface="微軟正黑體" pitchFamily="34" charset="-120"/>
                 <a:ea typeface="微軟正黑體" pitchFamily="34" charset="-120"/>
               </a:rPr>
-              <a:t>黑</a:t>
+              <a:t>灰</a:t>
             </a:r>
             <a:r>
               <a:rPr lang="zh-TW" altLang="zh-TW" sz="3200" dirty="0" smtClean="0">
                 <a:latin typeface="微軟正黑體" pitchFamily="34" charset="-120"/>
                 <a:ea typeface="微軟正黑體" pitchFamily="34" charset="-120"/>
               </a:rPr>
-              <a:t>色背景的點都是向上方向梯度（水平邊緣）的局部最大值</a:t>
+              <a:t>色</a:t>
+            </a:r>
+            <a:r>
+              <a:rPr lang="zh-TW" altLang="zh-TW" sz="3200" dirty="0" smtClean="0">
+                <a:latin typeface="微軟正黑體" pitchFamily="34" charset="-120"/>
+                <a:ea typeface="微軟正黑體" pitchFamily="34" charset="-120"/>
+              </a:rPr>
+              <a:t>背景的點都是向上方向梯度（水平邊緣）的局部最大值</a:t>
             </a:r>
             <a:r>
               <a:rPr lang="zh-TW" altLang="en-US" sz="3200" dirty="0" smtClean="0">
@@ -28359,7 +28366,35 @@
                 <a:latin typeface="微軟正黑體" pitchFamily="34" charset="-120"/>
                 <a:ea typeface="微軟正黑體" pitchFamily="34" charset="-120"/>
               </a:rPr>
-              <a:t>）表示，這些黑色背景的點最後會被處理為邊緣點，而其他點都被處理為非邊緣點。</a:t>
+              <a:t>）表示，</a:t>
+            </a:r>
+            <a:r>
+              <a:rPr lang="zh-TW" altLang="zh-TW" sz="3200" dirty="0" smtClean="0">
+                <a:latin typeface="微軟正黑體" pitchFamily="34" charset="-120"/>
+                <a:ea typeface="微軟正黑體" pitchFamily="34" charset="-120"/>
+              </a:rPr>
+              <a:t>這些</a:t>
+            </a:r>
+            <a:r>
+              <a:rPr lang="zh-TW" altLang="en-US" sz="3200" dirty="0" smtClean="0">
+                <a:latin typeface="微軟正黑體" pitchFamily="34" charset="-120"/>
+                <a:ea typeface="微軟正黑體" pitchFamily="34" charset="-120"/>
+              </a:rPr>
+              <a:t>灰</a:t>
+            </a:r>
+            <a:r>
+              <a:rPr lang="zh-TW" altLang="zh-TW" sz="3200" dirty="0" smtClean="0">
+                <a:latin typeface="微軟正黑體" pitchFamily="34" charset="-120"/>
+                <a:ea typeface="微軟正黑體" pitchFamily="34" charset="-120"/>
+              </a:rPr>
+              <a:t>色</a:t>
+            </a:r>
+            <a:r>
+              <a:rPr lang="zh-TW" altLang="zh-TW" sz="3200" dirty="0" smtClean="0">
+                <a:latin typeface="微軟正黑體" pitchFamily="34" charset="-120"/>
+                <a:ea typeface="微軟正黑體" pitchFamily="34" charset="-120"/>
+              </a:rPr>
+              <a:t>背景的點最後會被處理為邊緣點，而其他點都被處理為非邊緣點。</a:t>
             </a:r>
             <a:endParaRPr lang="zh-TW" altLang="zh-TW" sz="3200" dirty="0">
               <a:latin typeface="微軟正黑體" pitchFamily="34" charset="-120"/>
@@ -28397,7 +28432,7 @@
     </p:spTree>
     <p:extLst>
       <p:ext uri="{BB962C8B-B14F-4D97-AF65-F5344CB8AC3E}">
-        <p14:creationId xmlns="" xmlns:p14="http://schemas.microsoft.com/office/powerpoint/2010/main" val="522405798"/>
+        <p14:creationId xmlns:p14="http://schemas.microsoft.com/office/powerpoint/2010/main" xmlns="" val="522405798"/>
       </p:ext>
     </p:extLst>
   </p:cSld>
@@ -28563,7 +28598,7 @@
         <p:spPr>
           <a:xfrm>
             <a:off x="304800" y="1447800"/>
-            <a:ext cx="8534400" cy="5078313"/>
+            <a:ext cx="8534400" cy="4524315"/>
           </a:xfrm>
           <a:prstGeom prst="rect">
             <a:avLst/>
@@ -28585,14 +28620,14 @@
                 <a:latin typeface="微軟正黑體" pitchFamily="34" charset="-120"/>
                 <a:ea typeface="微軟正黑體" pitchFamily="34" charset="-120"/>
               </a:rPr>
-              <a:t>一些虛邊緣可能也在邊緣影像內。這些虛邊緣可能是真實影像產生的，也可能是由於雜訊所產生的。對於後者，必須將其</a:t>
+              <a:t>一些虛邊緣可能也在邊緣影像</a:t>
             </a:r>
             <a:r>
               <a:rPr lang="zh-TW" altLang="zh-TW" sz="3600" dirty="0" smtClean="0">
                 <a:latin typeface="微軟正黑體" pitchFamily="34" charset="-120"/>
                 <a:ea typeface="微軟正黑體" pitchFamily="34" charset="-120"/>
               </a:rPr>
-              <a:t>剔除</a:t>
+              <a:t>內</a:t>
             </a:r>
             <a:endParaRPr lang="en-US" altLang="zh-TW" sz="3600" dirty="0" smtClean="0">
               <a:latin typeface="微軟正黑體" pitchFamily="34" charset="-120"/>
@@ -28605,26 +28640,105 @@
               <a:buChar char="•"/>
             </a:pPr>
             <a:r>
+              <a:rPr lang="zh-TW" altLang="zh-TW" sz="3600" dirty="0" smtClean="0">
+                <a:latin typeface="微軟正黑體" pitchFamily="34" charset="-120"/>
+                <a:ea typeface="微軟正黑體" pitchFamily="34" charset="-120"/>
+              </a:rPr>
+              <a:t>這些</a:t>
+            </a:r>
+            <a:r>
+              <a:rPr lang="zh-TW" altLang="zh-TW" sz="3600" dirty="0" smtClean="0">
+                <a:latin typeface="微軟正黑體" pitchFamily="34" charset="-120"/>
+                <a:ea typeface="微軟正黑體" pitchFamily="34" charset="-120"/>
+              </a:rPr>
+              <a:t>虛邊緣可能是真實影像產生</a:t>
+            </a:r>
+            <a:r>
+              <a:rPr lang="zh-TW" altLang="zh-TW" sz="3600" dirty="0" smtClean="0">
+                <a:latin typeface="微軟正黑體" pitchFamily="34" charset="-120"/>
+                <a:ea typeface="微軟正黑體" pitchFamily="34" charset="-120"/>
+              </a:rPr>
+              <a:t>的</a:t>
+            </a:r>
+            <a:endParaRPr lang="en-US" altLang="zh-TW" sz="3600" dirty="0" smtClean="0">
+              <a:latin typeface="微軟正黑體" pitchFamily="34" charset="-120"/>
+              <a:ea typeface="微軟正黑體" pitchFamily="34" charset="-120"/>
+            </a:endParaRPr>
+          </a:p>
+          <a:p>
+            <a:pPr marL="446088" indent="-446088">
+              <a:buFont typeface="Arial" pitchFamily="34" charset="0"/>
+              <a:buChar char="•"/>
+            </a:pPr>
+            <a:r>
+              <a:rPr lang="zh-TW" altLang="zh-TW" sz="3600" dirty="0" smtClean="0">
+                <a:latin typeface="微軟正黑體" pitchFamily="34" charset="-120"/>
+                <a:ea typeface="微軟正黑體" pitchFamily="34" charset="-120"/>
+              </a:rPr>
+              <a:t>也</a:t>
+            </a:r>
+            <a:r>
+              <a:rPr lang="zh-TW" altLang="zh-TW" sz="3600" dirty="0" smtClean="0">
+                <a:latin typeface="微軟正黑體" pitchFamily="34" charset="-120"/>
+                <a:ea typeface="微軟正黑體" pitchFamily="34" charset="-120"/>
+              </a:rPr>
+              <a:t>可能是由於雜訊所產生</a:t>
+            </a:r>
+            <a:r>
+              <a:rPr lang="zh-TW" altLang="zh-TW" sz="3600" dirty="0" smtClean="0">
+                <a:latin typeface="微軟正黑體" pitchFamily="34" charset="-120"/>
+                <a:ea typeface="微軟正黑體" pitchFamily="34" charset="-120"/>
+              </a:rPr>
+              <a:t>的，必須剔除</a:t>
+            </a:r>
+            <a:endParaRPr lang="en-US" altLang="zh-TW" sz="3600" dirty="0" smtClean="0">
+              <a:latin typeface="微軟正黑體" pitchFamily="34" charset="-120"/>
+              <a:ea typeface="微軟正黑體" pitchFamily="34" charset="-120"/>
+            </a:endParaRPr>
+          </a:p>
+          <a:p>
+            <a:pPr marL="446088" indent="-446088">
+              <a:buFont typeface="Arial" pitchFamily="34" charset="0"/>
+              <a:buChar char="•"/>
+            </a:pPr>
+            <a:r>
               <a:rPr lang="zh-TW" altLang="en-US" sz="3600" dirty="0" smtClean="0">
                 <a:latin typeface="微軟正黑體" pitchFamily="34" charset="-120"/>
                 <a:ea typeface="微軟正黑體" pitchFamily="34" charset="-120"/>
               </a:rPr>
-              <a:t>一般的邊緣檢測算法用一個閥值來</a:t>
+              <a:t>一般邊緣檢算</a:t>
+            </a:r>
+            <a:r>
+              <a:rPr lang="zh-TW" altLang="en-US" sz="3600" dirty="0" smtClean="0">
+                <a:latin typeface="微軟正黑體" pitchFamily="34" charset="-120"/>
+                <a:ea typeface="微軟正黑體" pitchFamily="34" charset="-120"/>
+              </a:rPr>
+              <a:t>法用一個閥值來</a:t>
             </a:r>
             <a:r>
               <a:rPr lang="zh-TW" altLang="en-US" sz="3600" u="sng" dirty="0" smtClean="0">
                 <a:latin typeface="微軟正黑體" pitchFamily="34" charset="-120"/>
                 <a:ea typeface="微軟正黑體" pitchFamily="34" charset="-120"/>
               </a:rPr>
-              <a:t>濾除噪聲或顏色變化引起的小的梯度值，而保留大的梯度值</a:t>
-            </a:r>
-            <a:r>
-              <a:rPr lang="zh-TW" altLang="en-US" sz="3600" dirty="0" smtClean="0">
-                <a:latin typeface="微軟正黑體" pitchFamily="34" charset="-120"/>
-                <a:ea typeface="微軟正黑體" pitchFamily="34" charset="-120"/>
-              </a:rPr>
-              <a:t>。</a:t>
-            </a:r>
+              <a:t>濾除噪聲或顏色變化引起的小的梯度值，而保留大的梯度</a:t>
+            </a:r>
+            <a:r>
+              <a:rPr lang="zh-TW" altLang="en-US" sz="3600" u="sng" dirty="0" smtClean="0">
+                <a:latin typeface="微軟正黑體" pitchFamily="34" charset="-120"/>
+                <a:ea typeface="微軟正黑體" pitchFamily="34" charset="-120"/>
+              </a:rPr>
+              <a:t>值</a:t>
+            </a:r>
+            <a:endParaRPr lang="en-US" altLang="zh-TW" sz="3600" dirty="0" smtClean="0">
+              <a:latin typeface="微軟正黑體" pitchFamily="34" charset="-120"/>
+              <a:ea typeface="微軟正黑體" pitchFamily="34" charset="-120"/>
+            </a:endParaRPr>
+          </a:p>
+          <a:p>
+            <a:pPr marL="446088" indent="-446088">
+              <a:buFont typeface="Arial" pitchFamily="34" charset="0"/>
+              <a:buChar char="•"/>
+            </a:pPr>
             <a:r>
               <a:rPr lang="en-US" altLang="zh-TW" sz="3600" dirty="0" smtClean="0">
                 <a:latin typeface="微軟正黑體" pitchFamily="34" charset="-120"/>
@@ -28649,7 +28763,7 @@
     </p:spTree>
     <p:extLst>
       <p:ext uri="{BB962C8B-B14F-4D97-AF65-F5344CB8AC3E}">
-        <p14:creationId xmlns="" xmlns:p14="http://schemas.microsoft.com/office/powerpoint/2010/main" val="522405798"/>
+        <p14:creationId xmlns:p14="http://schemas.microsoft.com/office/powerpoint/2010/main" xmlns="" val="522405798"/>
       </p:ext>
     </p:extLst>
   </p:cSld>
@@ -28914,7 +29028,7 @@
     </p:spTree>
     <p:extLst>
       <p:ext uri="{BB962C8B-B14F-4D97-AF65-F5344CB8AC3E}">
-        <p14:creationId xmlns="" xmlns:p14="http://schemas.microsoft.com/office/powerpoint/2010/main" val="522405798"/>
+        <p14:creationId xmlns:p14="http://schemas.microsoft.com/office/powerpoint/2010/main" xmlns="" val="522405798"/>
       </p:ext>
     </p:extLst>
   </p:cSld>
@@ -29019,8 +29133,8 @@
         </p:nvSpPr>
         <p:spPr>
           <a:xfrm>
-            <a:off x="304800" y="1447800"/>
-            <a:ext cx="8534400" cy="5632311"/>
+            <a:off x="304800" y="1295400"/>
+            <a:ext cx="8534400" cy="6186309"/>
           </a:xfrm>
           <a:prstGeom prst="rect">
             <a:avLst/>
@@ -29033,20 +29147,216 @@
           </a:bodyPr>
           <a:lstStyle/>
           <a:p>
-            <a:pPr fontAlgn="base"/>
+            <a:pPr marL="271463" indent="-271463" fontAlgn="base">
+              <a:buFont typeface="Arial" pitchFamily="34" charset="0"/>
+              <a:buChar char="•"/>
+            </a:pPr>
             <a:r>
               <a:rPr lang="zh-TW" altLang="en-US" sz="3600" dirty="0" smtClean="0">
                 <a:latin typeface="微軟正黑體" pitchFamily="34" charset="-120"/>
                 <a:ea typeface="微軟正黑體" pitchFamily="34" charset="-120"/>
               </a:rPr>
-              <a:t>此時，強邊緣被劃分爲邊緣，小於低閾值的被抑制，剩下弱邊緣等待被分類，弱邊緣有可能是真實的邊緣，也有可能是噪聲或者顏色變化引起</a:t>
+              <a:t>強</a:t>
             </a:r>
             <a:r>
               <a:rPr lang="zh-TW" altLang="en-US" sz="3600" dirty="0" smtClean="0">
                 <a:latin typeface="微軟正黑體" pitchFamily="34" charset="-120"/>
                 <a:ea typeface="微軟正黑體" pitchFamily="34" charset="-120"/>
               </a:rPr>
-              <a:t>的</a:t>
+              <a:t>邊緣</a:t>
+            </a:r>
+            <a:r>
+              <a:rPr lang="zh-TW" altLang="en-US" sz="3600" dirty="0" smtClean="0">
+                <a:latin typeface="微軟正黑體" pitchFamily="34" charset="-120"/>
+                <a:ea typeface="微軟正黑體" pitchFamily="34" charset="-120"/>
+              </a:rPr>
+              <a:t>被分</a:t>
+            </a:r>
+            <a:r>
+              <a:rPr lang="zh-TW" altLang="en-US" sz="3600" dirty="0" smtClean="0">
+                <a:latin typeface="微軟正黑體" pitchFamily="34" charset="-120"/>
+                <a:ea typeface="微軟正黑體" pitchFamily="34" charset="-120"/>
+              </a:rPr>
+              <a:t>爲邊緣，小於低閾</a:t>
+            </a:r>
+            <a:r>
+              <a:rPr lang="zh-TW" altLang="en-US" sz="3600" dirty="0" smtClean="0">
+                <a:latin typeface="微軟正黑體" pitchFamily="34" charset="-120"/>
+                <a:ea typeface="微軟正黑體" pitchFamily="34" charset="-120"/>
+              </a:rPr>
+              <a:t>值被抑制</a:t>
+            </a:r>
+            <a:endParaRPr lang="en-US" altLang="zh-TW" sz="3600" dirty="0" smtClean="0">
+              <a:latin typeface="微軟正黑體" pitchFamily="34" charset="-120"/>
+              <a:ea typeface="微軟正黑體" pitchFamily="34" charset="-120"/>
+            </a:endParaRPr>
+          </a:p>
+          <a:p>
+            <a:pPr marL="271463" indent="-271463" fontAlgn="base">
+              <a:buFont typeface="Arial" pitchFamily="34" charset="0"/>
+              <a:buChar char="•"/>
+            </a:pPr>
+            <a:r>
+              <a:rPr lang="zh-TW" altLang="en-US" sz="3600" dirty="0" smtClean="0">
+                <a:latin typeface="微軟正黑體" pitchFamily="34" charset="-120"/>
+                <a:ea typeface="微軟正黑體" pitchFamily="34" charset="-120"/>
+              </a:rPr>
+              <a:t>剩下</a:t>
+            </a:r>
+            <a:r>
+              <a:rPr lang="zh-TW" altLang="en-US" sz="3600" dirty="0" smtClean="0">
+                <a:latin typeface="微軟正黑體" pitchFamily="34" charset="-120"/>
+                <a:ea typeface="微軟正黑體" pitchFamily="34" charset="-120"/>
+              </a:rPr>
+              <a:t>弱邊緣等待被</a:t>
+            </a:r>
+            <a:r>
+              <a:rPr lang="zh-TW" altLang="en-US" sz="3600" dirty="0" smtClean="0">
+                <a:latin typeface="微軟正黑體" pitchFamily="34" charset="-120"/>
+                <a:ea typeface="微軟正黑體" pitchFamily="34" charset="-120"/>
+              </a:rPr>
+              <a:t>分類</a:t>
+            </a:r>
+            <a:endParaRPr lang="en-US" altLang="zh-TW" sz="3600" dirty="0" smtClean="0">
+              <a:latin typeface="微軟正黑體" pitchFamily="34" charset="-120"/>
+              <a:ea typeface="微軟正黑體" pitchFamily="34" charset="-120"/>
+            </a:endParaRPr>
+          </a:p>
+          <a:p>
+            <a:pPr marL="271463" indent="-271463" fontAlgn="base">
+              <a:buFont typeface="Arial" pitchFamily="34" charset="0"/>
+              <a:buChar char="•"/>
+            </a:pPr>
+            <a:r>
+              <a:rPr lang="zh-TW" altLang="en-US" sz="3600" dirty="0" smtClean="0">
+                <a:latin typeface="微軟正黑體" pitchFamily="34" charset="-120"/>
+                <a:ea typeface="微軟正黑體" pitchFamily="34" charset="-120"/>
+              </a:rPr>
+              <a:t>弱</a:t>
+            </a:r>
+            <a:r>
+              <a:rPr lang="zh-TW" altLang="en-US" sz="3600" dirty="0" smtClean="0">
+                <a:latin typeface="微軟正黑體" pitchFamily="34" charset="-120"/>
+                <a:ea typeface="微軟正黑體" pitchFamily="34" charset="-120"/>
+              </a:rPr>
+              <a:t>邊緣有可能是真實的邊緣，也有可能是噪聲或者顏色變化引起的</a:t>
+            </a:r>
+          </a:p>
+          <a:p>
+            <a:pPr marL="271463" indent="-271463" fontAlgn="base">
+              <a:buFont typeface="Arial" pitchFamily="34" charset="0"/>
+              <a:buChar char="•"/>
+            </a:pPr>
+            <a:r>
+              <a:rPr lang="zh-TW" altLang="en-US" sz="3600" u="sng" dirty="0" smtClean="0">
+                <a:latin typeface="微軟正黑體" pitchFamily="34" charset="-120"/>
+                <a:ea typeface="微軟正黑體" pitchFamily="34" charset="-120"/>
+              </a:rPr>
+              <a:t>由真實邊緣引起的弱邊緣像素將連接到強邊緣像素</a:t>
+            </a:r>
+            <a:r>
+              <a:rPr lang="zh-TW" altLang="en-US" sz="3600" dirty="0" smtClean="0">
+                <a:latin typeface="微軟正黑體" pitchFamily="34" charset="-120"/>
+                <a:ea typeface="微軟正黑體" pitchFamily="34" charset="-120"/>
+              </a:rPr>
+              <a:t>，而噪</a:t>
+            </a:r>
+            <a:r>
+              <a:rPr lang="zh-TW" altLang="en-US" sz="3600" dirty="0" smtClean="0">
+                <a:latin typeface="微軟正黑體" pitchFamily="34" charset="-120"/>
+                <a:ea typeface="微軟正黑體" pitchFamily="34" charset="-120"/>
+              </a:rPr>
+              <a:t>聲未連接</a:t>
+            </a:r>
+            <a:endParaRPr lang="en-US" altLang="zh-TW" sz="3600" dirty="0" smtClean="0">
+              <a:latin typeface="微軟正黑體" pitchFamily="34" charset="-120"/>
+              <a:ea typeface="微軟正黑體" pitchFamily="34" charset="-120"/>
+            </a:endParaRPr>
+          </a:p>
+          <a:p>
+            <a:pPr marL="271463" indent="-271463" fontAlgn="base">
+              <a:buFont typeface="Arial" pitchFamily="34" charset="0"/>
+              <a:buChar char="•"/>
+            </a:pPr>
+            <a:r>
+              <a:rPr lang="zh-TW" altLang="en-US" sz="3600" dirty="0" smtClean="0">
+                <a:latin typeface="微軟正黑體" pitchFamily="34" charset="-120"/>
+                <a:ea typeface="微軟正黑體" pitchFamily="34" charset="-120"/>
+              </a:rPr>
+              <a:t>爲</a:t>
+            </a:r>
+            <a:r>
+              <a:rPr lang="zh-TW" altLang="en-US" sz="3600" dirty="0" smtClean="0">
+                <a:latin typeface="微軟正黑體" pitchFamily="34" charset="-120"/>
+                <a:ea typeface="微軟正黑體" pitchFamily="34" charset="-120"/>
+              </a:rPr>
+              <a:t>了跟蹤邊緣連接</a:t>
+            </a:r>
+            <a:r>
+              <a:rPr lang="zh-TW" altLang="en-US" sz="3600" dirty="0" smtClean="0">
+                <a:latin typeface="微軟正黑體" pitchFamily="34" charset="-120"/>
+                <a:ea typeface="微軟正黑體" pitchFamily="34" charset="-120"/>
+              </a:rPr>
+              <a:t>，</a:t>
+            </a:r>
+            <a:r>
+              <a:rPr lang="zh-TW" altLang="en-US" sz="3600" u="sng" dirty="0" smtClean="0">
+                <a:latin typeface="微軟正黑體" pitchFamily="34" charset="-120"/>
+                <a:ea typeface="微軟正黑體" pitchFamily="34" charset="-120"/>
+              </a:rPr>
+              <a:t>查看</a:t>
+            </a:r>
+            <a:r>
+              <a:rPr lang="zh-TW" altLang="en-US" sz="3600" u="sng" dirty="0" smtClean="0">
+                <a:latin typeface="微軟正黑體" pitchFamily="34" charset="-120"/>
+                <a:ea typeface="微軟正黑體" pitchFamily="34" charset="-120"/>
+              </a:rPr>
+              <a:t>弱邊緣像素及其</a:t>
+            </a:r>
+            <a:r>
+              <a:rPr lang="en-US" altLang="zh-TW" sz="3600" u="sng" dirty="0" smtClean="0">
+                <a:latin typeface="微軟正黑體" pitchFamily="34" charset="-120"/>
+                <a:ea typeface="微軟正黑體" pitchFamily="34" charset="-120"/>
+              </a:rPr>
+              <a:t>8</a:t>
+            </a:r>
+            <a:r>
+              <a:rPr lang="zh-TW" altLang="en-US" sz="3600" u="sng" dirty="0" smtClean="0">
+                <a:latin typeface="微軟正黑體" pitchFamily="34" charset="-120"/>
+                <a:ea typeface="微軟正黑體" pitchFamily="34" charset="-120"/>
+              </a:rPr>
+              <a:t>個鄰域</a:t>
+            </a:r>
+            <a:r>
+              <a:rPr lang="zh-TW" altLang="en-US" sz="3600" u="sng" dirty="0" smtClean="0">
+                <a:latin typeface="微軟正黑體" pitchFamily="34" charset="-120"/>
+                <a:ea typeface="微軟正黑體" pitchFamily="34" charset="-120"/>
+              </a:rPr>
+              <a:t>像素</a:t>
+            </a:r>
+            <a:endParaRPr lang="en-US" altLang="zh-TW" sz="3600" u="sng" dirty="0" smtClean="0">
+              <a:latin typeface="微軟正黑體" pitchFamily="34" charset="-120"/>
+              <a:ea typeface="微軟正黑體" pitchFamily="34" charset="-120"/>
+            </a:endParaRPr>
+          </a:p>
+          <a:p>
+            <a:pPr marL="271463" indent="-271463" fontAlgn="base">
+              <a:buFont typeface="Arial" pitchFamily="34" charset="0"/>
+              <a:buChar char="•"/>
+            </a:pPr>
+            <a:r>
+              <a:rPr lang="zh-TW" altLang="en-US" sz="3600" u="sng" dirty="0" smtClean="0">
+                <a:latin typeface="微軟正黑體" pitchFamily="34" charset="-120"/>
+                <a:ea typeface="微軟正黑體" pitchFamily="34" charset="-120"/>
+              </a:rPr>
+              <a:t>只要</a:t>
+            </a:r>
+            <a:r>
+              <a:rPr lang="zh-TW" altLang="en-US" sz="3600" u="sng" dirty="0" smtClean="0">
+                <a:latin typeface="微軟正黑體" pitchFamily="34" charset="-120"/>
+                <a:ea typeface="微軟正黑體" pitchFamily="34" charset="-120"/>
+              </a:rPr>
+              <a:t>其中一個爲強邊緣像素，則該弱邊緣點就可以保留爲真實的邊緣。</a:t>
             </a:r>
             <a:endParaRPr lang="zh-TW" altLang="en-US" sz="3600" dirty="0" smtClean="0">
               <a:latin typeface="微軟正黑體" pitchFamily="34" charset="-120"/>
@@ -29054,56 +29364,7 @@
             </a:endParaRPr>
           </a:p>
           <a:p>
-            <a:pPr fontAlgn="base"/>
-            <a:r>
-              <a:rPr lang="zh-TW" altLang="en-US" sz="3600" u="sng" dirty="0" smtClean="0">
-                <a:latin typeface="微軟正黑體" pitchFamily="34" charset="-120"/>
-                <a:ea typeface="微軟正黑體" pitchFamily="34" charset="-120"/>
-              </a:rPr>
-              <a:t>由</a:t>
-            </a:r>
-            <a:r>
-              <a:rPr lang="zh-TW" altLang="en-US" sz="3600" u="sng" dirty="0" smtClean="0">
-                <a:latin typeface="微軟正黑體" pitchFamily="34" charset="-120"/>
-                <a:ea typeface="微軟正黑體" pitchFamily="34" charset="-120"/>
-              </a:rPr>
-              <a:t>真實邊緣引起的弱邊緣像素將連接到強邊緣像素</a:t>
-            </a:r>
-            <a:r>
-              <a:rPr lang="zh-TW" altLang="en-US" sz="3600" dirty="0" smtClean="0">
-                <a:latin typeface="微軟正黑體" pitchFamily="34" charset="-120"/>
-                <a:ea typeface="微軟正黑體" pitchFamily="34" charset="-120"/>
-              </a:rPr>
-              <a:t>，而噪聲響應未連接。爲了跟蹤邊緣連接，</a:t>
-            </a:r>
-            <a:r>
-              <a:rPr lang="zh-TW" altLang="en-US" sz="3600" u="sng" dirty="0" smtClean="0">
-                <a:latin typeface="微軟正黑體" pitchFamily="34" charset="-120"/>
-                <a:ea typeface="微軟正黑體" pitchFamily="34" charset="-120"/>
-              </a:rPr>
-              <a:t>通過查看弱邊緣像素及其</a:t>
-            </a:r>
-            <a:r>
-              <a:rPr lang="en-US" altLang="zh-TW" sz="3600" u="sng" dirty="0" smtClean="0">
-                <a:latin typeface="微軟正黑體" pitchFamily="34" charset="-120"/>
-                <a:ea typeface="微軟正黑體" pitchFamily="34" charset="-120"/>
-              </a:rPr>
-              <a:t>8</a:t>
-            </a:r>
-            <a:r>
-              <a:rPr lang="zh-TW" altLang="en-US" sz="3600" u="sng" dirty="0" smtClean="0">
-                <a:latin typeface="微軟正黑體" pitchFamily="34" charset="-120"/>
-                <a:ea typeface="微軟正黑體" pitchFamily="34" charset="-120"/>
-              </a:rPr>
-              <a:t>個鄰域像素，只要其中一個爲強邊緣像素，則該弱邊緣點就可以保留爲真實的邊緣。</a:t>
-            </a:r>
-            <a:endParaRPr lang="zh-TW" altLang="en-US" sz="3600" dirty="0" smtClean="0">
-              <a:latin typeface="微軟正黑體" pitchFamily="34" charset="-120"/>
-              <a:ea typeface="微軟正黑體" pitchFamily="34" charset="-120"/>
-            </a:endParaRPr>
-          </a:p>
-          <a:p>
-            <a:pPr marL="446088" indent="-446088">
+            <a:pPr marL="271463" indent="-271463">
               <a:buFont typeface="Arial" pitchFamily="34" charset="0"/>
               <a:buChar char="•"/>
             </a:pPr>
@@ -29117,7 +29378,7 @@
     </p:spTree>
     <p:extLst>
       <p:ext uri="{BB962C8B-B14F-4D97-AF65-F5344CB8AC3E}">
-        <p14:creationId xmlns="" xmlns:p14="http://schemas.microsoft.com/office/powerpoint/2010/main" val="522405798"/>
+        <p14:creationId xmlns:p14="http://schemas.microsoft.com/office/powerpoint/2010/main" xmlns="" val="522405798"/>
       </p:ext>
     </p:extLst>
   </p:cSld>
@@ -29243,7 +29504,7 @@
     </p:spTree>
     <p:extLst>
       <p:ext uri="{BB962C8B-B14F-4D97-AF65-F5344CB8AC3E}">
-        <p14:creationId xmlns="" xmlns:p14="http://schemas.microsoft.com/office/powerpoint/2010/main" val="522405798"/>
+        <p14:creationId xmlns:p14="http://schemas.microsoft.com/office/powerpoint/2010/main" xmlns="" val="522405798"/>
       </p:ext>
     </p:extLst>
   </p:cSld>
@@ -29355,7 +29616,7 @@
     </p:spTree>
     <p:extLst>
       <p:ext uri="{BB962C8B-B14F-4D97-AF65-F5344CB8AC3E}">
-        <p14:creationId xmlns:p14="http://schemas.microsoft.com/office/powerpoint/2010/main" xmlns="" val="3907764274"/>
+        <p14:creationId xmlns="" xmlns:p14="http://schemas.microsoft.com/office/powerpoint/2010/main" val="3907764274"/>
       </p:ext>
     </p:extLst>
   </p:cSld>
@@ -29512,7 +29773,7 @@
     </p:spTree>
     <p:extLst>
       <p:ext uri="{BB962C8B-B14F-4D97-AF65-F5344CB8AC3E}">
-        <p14:creationId xmlns="" xmlns:p14="http://schemas.microsoft.com/office/powerpoint/2010/main" val="522405798"/>
+        <p14:creationId xmlns:p14="http://schemas.microsoft.com/office/powerpoint/2010/main" xmlns="" val="522405798"/>
       </p:ext>
     </p:extLst>
   </p:cSld>
@@ -29862,7 +30123,7 @@
     </p:spTree>
     <p:extLst>
       <p:ext uri="{BB962C8B-B14F-4D97-AF65-F5344CB8AC3E}">
-        <p14:creationId xmlns="" xmlns:p14="http://schemas.microsoft.com/office/powerpoint/2010/main" val="522405798"/>
+        <p14:creationId xmlns:p14="http://schemas.microsoft.com/office/powerpoint/2010/main" xmlns="" val="522405798"/>
       </p:ext>
     </p:extLst>
   </p:cSld>
@@ -29957,7 +30218,7 @@
     </p:spTree>
     <p:extLst>
       <p:ext uri="{BB962C8B-B14F-4D97-AF65-F5344CB8AC3E}">
-        <p14:creationId xmlns:p14="http://schemas.microsoft.com/office/powerpoint/2010/main" xmlns="" val="3907764274"/>
+        <p14:creationId xmlns="" xmlns:p14="http://schemas.microsoft.com/office/powerpoint/2010/main" val="3907764274"/>
       </p:ext>
     </p:extLst>
   </p:cSld>
@@ -30175,7 +30436,7 @@
     </p:spTree>
     <p:extLst>
       <p:ext uri="{BB962C8B-B14F-4D97-AF65-F5344CB8AC3E}">
-        <p14:creationId xmlns="" xmlns:p14="http://schemas.microsoft.com/office/powerpoint/2010/main" val="522405798"/>
+        <p14:creationId xmlns:p14="http://schemas.microsoft.com/office/powerpoint/2010/main" xmlns="" val="522405798"/>
       </p:ext>
     </p:extLst>
   </p:cSld>
@@ -30307,7 +30568,7 @@
     </p:spTree>
     <p:extLst>
       <p:ext uri="{BB962C8B-B14F-4D97-AF65-F5344CB8AC3E}">
-        <p14:creationId xmlns="" xmlns:p14="http://schemas.microsoft.com/office/powerpoint/2010/main" val="522405798"/>
+        <p14:creationId xmlns:p14="http://schemas.microsoft.com/office/powerpoint/2010/main" xmlns="" val="522405798"/>
       </p:ext>
     </p:extLst>
   </p:cSld>
@@ -30413,7 +30674,7 @@
         <p:spPr>
           <a:xfrm>
             <a:off x="304800" y="1752600"/>
-            <a:ext cx="8534400" cy="4031873"/>
+            <a:ext cx="8534400" cy="4524315"/>
           </a:xfrm>
           <a:prstGeom prst="rect">
             <a:avLst/>
@@ -30528,7 +30789,14 @@
                 <a:latin typeface="微軟正黑體" pitchFamily="34" charset="-120"/>
                 <a:ea typeface="微軟正黑體" pitchFamily="34" charset="-120"/>
               </a:rPr>
-              <a:t>不斷地重複該過程，就可以獲得該影像的影像金字塔</a:t>
+              <a:t>不斷地重複該過程，就可以獲得該影像的影像</a:t>
+            </a:r>
+            <a:r>
+              <a:rPr lang="zh-TW" altLang="zh-TW" sz="3200" dirty="0" smtClean="0">
+                <a:latin typeface="微軟正黑體" pitchFamily="34" charset="-120"/>
+                <a:ea typeface="微軟正黑體" pitchFamily="34" charset="-120"/>
+              </a:rPr>
+              <a:t>金字塔</a:t>
             </a:r>
             <a:endParaRPr lang="en-US" altLang="zh-TW" sz="3200" dirty="0" smtClean="0">
               <a:latin typeface="微軟正黑體" pitchFamily="34" charset="-120"/>
@@ -30536,6 +30804,13 @@
             </a:endParaRPr>
           </a:p>
           <a:p>
+            <a:pPr marL="271463" indent="-271463"/>
+            <a:endParaRPr lang="en-US" altLang="zh-TW" sz="3200" dirty="0" smtClean="0">
+              <a:latin typeface="微軟正黑體" pitchFamily="34" charset="-120"/>
+              <a:ea typeface="微軟正黑體" pitchFamily="34" charset="-120"/>
+            </a:endParaRPr>
+          </a:p>
+          <a:p>
             <a:pPr marL="271463" indent="-271463">
               <a:buFont typeface="Arial" pitchFamily="34" charset="0"/>
               <a:buChar char="•"/>
@@ -30574,7 +30849,7 @@
     </p:spTree>
     <p:extLst>
       <p:ext uri="{BB962C8B-B14F-4D97-AF65-F5344CB8AC3E}">
-        <p14:creationId xmlns="" xmlns:p14="http://schemas.microsoft.com/office/powerpoint/2010/main" val="522405798"/>
+        <p14:creationId xmlns:p14="http://schemas.microsoft.com/office/powerpoint/2010/main" xmlns="" val="522405798"/>
       </p:ext>
     </p:extLst>
   </p:cSld>
@@ -30771,7 +31046,7 @@
     </p:spTree>
     <p:extLst>
       <p:ext uri="{BB962C8B-B14F-4D97-AF65-F5344CB8AC3E}">
-        <p14:creationId xmlns="" xmlns:p14="http://schemas.microsoft.com/office/powerpoint/2010/main" val="522405798"/>
+        <p14:creationId xmlns:p14="http://schemas.microsoft.com/office/powerpoint/2010/main" xmlns="" val="522405798"/>
       </p:ext>
     </p:extLst>
   </p:cSld>
@@ -30903,7 +31178,7 @@
     </p:spTree>
     <p:extLst>
       <p:ext uri="{BB962C8B-B14F-4D97-AF65-F5344CB8AC3E}">
-        <p14:creationId xmlns="" xmlns:p14="http://schemas.microsoft.com/office/powerpoint/2010/main" val="522405798"/>
+        <p14:creationId xmlns:p14="http://schemas.microsoft.com/office/powerpoint/2010/main" xmlns="" val="522405798"/>
       </p:ext>
     </p:extLst>
   </p:cSld>
@@ -31035,7 +31310,7 @@
     </p:spTree>
     <p:extLst>
       <p:ext uri="{BB962C8B-B14F-4D97-AF65-F5344CB8AC3E}">
-        <p14:creationId xmlns="" xmlns:p14="http://schemas.microsoft.com/office/powerpoint/2010/main" val="522405798"/>
+        <p14:creationId xmlns:p14="http://schemas.microsoft.com/office/powerpoint/2010/main" xmlns="" val="522405798"/>
       </p:ext>
     </p:extLst>
   </p:cSld>
@@ -31193,6 +31468,10 @@
           </a:bodyPr>
           <a:lstStyle/>
           <a:p>
+            <a:pPr marL="87313" indent="-87313">
+              <a:buFont typeface="Arial" pitchFamily="34" charset="0"/>
+              <a:buChar char="•"/>
+            </a:pPr>
             <a:r>
               <a:rPr lang="zh-TW" altLang="zh-TW" sz="3200" dirty="0" smtClean="0">
                 <a:latin typeface="微軟正黑體" pitchFamily="34" charset="-120"/>
@@ -31220,6 +31499,10 @@
             </a:endParaRPr>
           </a:p>
           <a:p>
+            <a:pPr marL="87313" indent="-87313">
+              <a:buFont typeface="Arial" pitchFamily="34" charset="0"/>
+              <a:buChar char="•"/>
+            </a:pPr>
             <a:r>
               <a:rPr lang="zh-TW" altLang="zh-TW" sz="3200" dirty="0" smtClean="0">
                 <a:latin typeface="微軟正黑體" pitchFamily="34" charset="-120"/>
@@ -31247,6 +31530,10 @@
             </a:endParaRPr>
           </a:p>
           <a:p>
+            <a:pPr marL="87313" indent="-87313">
+              <a:buFont typeface="Arial" pitchFamily="34" charset="0"/>
+              <a:buChar char="•"/>
+            </a:pPr>
             <a:r>
               <a:rPr lang="zh-TW" altLang="en-US" sz="3200" dirty="0" smtClean="0">
                 <a:latin typeface="微軟正黑體" pitchFamily="34" charset="-120"/>
@@ -31267,6 +31554,10 @@
             </a:endParaRPr>
           </a:p>
           <a:p>
+            <a:pPr marL="87313" indent="-87313">
+              <a:buFont typeface="Arial" pitchFamily="34" charset="0"/>
+              <a:buChar char="•"/>
+            </a:pPr>
             <a:r>
               <a:rPr lang="zh-TW" altLang="zh-TW" sz="3200" dirty="0" smtClean="0">
                 <a:latin typeface="微軟正黑體" pitchFamily="34" charset="-120"/>
@@ -31287,6 +31578,10 @@
             </a:endParaRPr>
           </a:p>
           <a:p>
+            <a:pPr marL="87313" indent="-87313">
+              <a:buFont typeface="Arial" pitchFamily="34" charset="0"/>
+              <a:buChar char="•"/>
+            </a:pPr>
             <a:r>
               <a:rPr lang="zh-TW" altLang="zh-TW" sz="3200" dirty="0" smtClean="0">
                 <a:latin typeface="微軟正黑體" pitchFamily="34" charset="-120"/>
@@ -31321,6 +31616,10 @@
             </a:endParaRPr>
           </a:p>
           <a:p>
+            <a:pPr marL="87313" indent="-87313">
+              <a:buFont typeface="Arial" pitchFamily="34" charset="0"/>
+              <a:buChar char="•"/>
+            </a:pPr>
             <a:r>
               <a:rPr lang="zh-TW" altLang="en-US" sz="3200" dirty="0" smtClean="0">
                 <a:latin typeface="微軟正黑體" pitchFamily="34" charset="-120"/>
@@ -31333,14 +31632,7 @@
                 <a:latin typeface="微軟正黑體" pitchFamily="34" charset="-120"/>
                 <a:ea typeface="微軟正黑體" pitchFamily="34" charset="-120"/>
               </a:rPr>
-              <a:t>素點補</a:t>
-            </a:r>
-            <a:r>
-              <a:rPr lang="zh-TW" altLang="zh-TW" sz="3200" dirty="0" smtClean="0">
-                <a:latin typeface="微軟正黑體" pitchFamily="34" charset="-120"/>
-                <a:ea typeface="微軟正黑體" pitchFamily="34" charset="-120"/>
-              </a:rPr>
-              <a:t>零</a:t>
+              <a:t>素點補零</a:t>
             </a:r>
             <a:r>
               <a:rPr lang="zh-TW" altLang="en-US" sz="3200" dirty="0" smtClean="0">
@@ -31386,7 +31678,7 @@
     </p:spTree>
     <p:extLst>
       <p:ext uri="{BB962C8B-B14F-4D97-AF65-F5344CB8AC3E}">
-        <p14:creationId xmlns="" xmlns:p14="http://schemas.microsoft.com/office/powerpoint/2010/main" val="522405798"/>
+        <p14:creationId xmlns:p14="http://schemas.microsoft.com/office/powerpoint/2010/main" xmlns="" val="522405798"/>
       </p:ext>
     </p:extLst>
   </p:cSld>
@@ -31634,7 +31926,7 @@
     </p:spTree>
     <p:extLst>
       <p:ext uri="{BB962C8B-B14F-4D97-AF65-F5344CB8AC3E}">
-        <p14:creationId xmlns="" xmlns:p14="http://schemas.microsoft.com/office/powerpoint/2010/main" val="522405798"/>
+        <p14:creationId xmlns:p14="http://schemas.microsoft.com/office/powerpoint/2010/main" xmlns="" val="522405798"/>
       </p:ext>
     </p:extLst>
   </p:cSld>
@@ -31805,7 +32097,7 @@
     </p:spTree>
     <p:extLst>
       <p:ext uri="{BB962C8B-B14F-4D97-AF65-F5344CB8AC3E}">
-        <p14:creationId xmlns="" xmlns:p14="http://schemas.microsoft.com/office/powerpoint/2010/main" val="522405798"/>
+        <p14:creationId xmlns:p14="http://schemas.microsoft.com/office/powerpoint/2010/main" xmlns="" val="522405798"/>
       </p:ext>
     </p:extLst>
   </p:cSld>
@@ -32013,7 +32305,7 @@
     </p:spTree>
     <p:extLst>
       <p:ext uri="{BB962C8B-B14F-4D97-AF65-F5344CB8AC3E}">
-        <p14:creationId xmlns="" xmlns:p14="http://schemas.microsoft.com/office/powerpoint/2010/main" val="522405798"/>
+        <p14:creationId xmlns:p14="http://schemas.microsoft.com/office/powerpoint/2010/main" xmlns="" val="522405798"/>
       </p:ext>
     </p:extLst>
   </p:cSld>
@@ -32305,7 +32597,7 @@
     </p:spTree>
     <p:extLst>
       <p:ext uri="{BB962C8B-B14F-4D97-AF65-F5344CB8AC3E}">
-        <p14:creationId xmlns="" xmlns:p14="http://schemas.microsoft.com/office/powerpoint/2010/main" val="522405798"/>
+        <p14:creationId xmlns:p14="http://schemas.microsoft.com/office/powerpoint/2010/main" xmlns="" val="522405798"/>
       </p:ext>
     </p:extLst>
   </p:cSld>
@@ -32608,7 +32900,7 @@
     </p:spTree>
     <p:extLst>
       <p:ext uri="{BB962C8B-B14F-4D97-AF65-F5344CB8AC3E}">
-        <p14:creationId xmlns="" xmlns:p14="http://schemas.microsoft.com/office/powerpoint/2010/main" val="522405798"/>
+        <p14:creationId xmlns:p14="http://schemas.microsoft.com/office/powerpoint/2010/main" xmlns="" val="522405798"/>
       </p:ext>
     </p:extLst>
   </p:cSld>
@@ -32919,7 +33211,7 @@
     </p:spTree>
     <p:extLst>
       <p:ext uri="{BB962C8B-B14F-4D97-AF65-F5344CB8AC3E}">
-        <p14:creationId xmlns="" xmlns:p14="http://schemas.microsoft.com/office/powerpoint/2010/main" val="522405798"/>
+        <p14:creationId xmlns:p14="http://schemas.microsoft.com/office/powerpoint/2010/main" xmlns="" val="522405798"/>
       </p:ext>
     </p:extLst>
   </p:cSld>
@@ -33051,7 +33343,7 @@
     </p:spTree>
     <p:extLst>
       <p:ext uri="{BB962C8B-B14F-4D97-AF65-F5344CB8AC3E}">
-        <p14:creationId xmlns="" xmlns:p14="http://schemas.microsoft.com/office/powerpoint/2010/main" val="522405798"/>
+        <p14:creationId xmlns:p14="http://schemas.microsoft.com/office/powerpoint/2010/main" xmlns="" val="522405798"/>
       </p:ext>
     </p:extLst>
   </p:cSld>
@@ -33146,7 +33438,7 @@
     </p:spTree>
     <p:extLst>
       <p:ext uri="{BB962C8B-B14F-4D97-AF65-F5344CB8AC3E}">
-        <p14:creationId xmlns:p14="http://schemas.microsoft.com/office/powerpoint/2010/main" xmlns="" val="3907764274"/>
+        <p14:creationId xmlns="" xmlns:p14="http://schemas.microsoft.com/office/powerpoint/2010/main" val="3907764274"/>
       </p:ext>
     </p:extLst>
   </p:cSld>
@@ -33354,7 +33646,7 @@
     </p:spTree>
     <p:extLst>
       <p:ext uri="{BB962C8B-B14F-4D97-AF65-F5344CB8AC3E}">
-        <p14:creationId xmlns="" xmlns:p14="http://schemas.microsoft.com/office/powerpoint/2010/main" val="522405798"/>
+        <p14:creationId xmlns:p14="http://schemas.microsoft.com/office/powerpoint/2010/main" xmlns="" val="522405798"/>
       </p:ext>
     </p:extLst>
   </p:cSld>
@@ -33463,7 +33755,7 @@
         <p:spPr>
           <a:xfrm>
             <a:off x="304800" y="1752600"/>
-            <a:ext cx="8534400" cy="4524315"/>
+            <a:ext cx="8534400" cy="5016758"/>
           </a:xfrm>
           <a:prstGeom prst="rect">
             <a:avLst/>
@@ -33485,19 +33777,46 @@
             </a:r>
           </a:p>
           <a:p>
+            <a:endParaRPr lang="en-US" altLang="zh-TW" sz="3200" dirty="0" smtClean="0">
+              <a:latin typeface="微軟正黑體" pitchFamily="34" charset="-120"/>
+              <a:ea typeface="微軟正黑體" pitchFamily="34" charset="-120"/>
+            </a:endParaRPr>
+          </a:p>
+          <a:p>
             <a:r>
               <a:rPr lang="en-US" altLang="zh-TW" sz="3200" dirty="0" smtClean="0">
                 <a:latin typeface="微軟正黑體" pitchFamily="34" charset="-120"/>
                 <a:ea typeface="微軟正黑體" pitchFamily="34" charset="-120"/>
               </a:rPr>
-              <a:t>contours, hierarchy = cv2.findContours( image, mode, method)</a:t>
+              <a:t>contours</a:t>
+            </a:r>
+            <a:r>
+              <a:rPr lang="en-US" altLang="zh-TW" sz="3200" dirty="0" smtClean="0">
+                <a:latin typeface="微軟正黑體" pitchFamily="34" charset="-120"/>
+                <a:ea typeface="微軟正黑體" pitchFamily="34" charset="-120"/>
+              </a:rPr>
+              <a:t>, hierarchy = cv2.findContours( image, mode, method</a:t>
+            </a:r>
+            <a:r>
+              <a:rPr lang="en-US" altLang="zh-TW" sz="3200" dirty="0" smtClean="0">
+                <a:latin typeface="微軟正黑體" pitchFamily="34" charset="-120"/>
+                <a:ea typeface="微軟正黑體" pitchFamily="34" charset="-120"/>
+              </a:rPr>
+              <a:t>)</a:t>
             </a:r>
             <a:r>
               <a:rPr lang="en-US" altLang="zh-TW" sz="3200" u="sng" dirty="0" smtClean="0">
                 <a:latin typeface="微軟正黑體" pitchFamily="34" charset="-120"/>
                 <a:ea typeface="微軟正黑體" pitchFamily="34" charset="-120"/>
               </a:rPr>
-              <a:t>(4.0)</a:t>
+              <a:t>(&gt;4.0</a:t>
+            </a:r>
+            <a:r>
+              <a:rPr lang="en-US" altLang="zh-TW" sz="3200" u="sng" dirty="0" smtClean="0">
+                <a:latin typeface="微軟正黑體" pitchFamily="34" charset="-120"/>
+                <a:ea typeface="微軟正黑體" pitchFamily="34" charset="-120"/>
+              </a:rPr>
+              <a:t>)</a:t>
             </a:r>
             <a:endParaRPr lang="zh-TW" altLang="zh-TW" sz="3200" u="sng" dirty="0" smtClean="0">
               <a:latin typeface="微軟正黑體" pitchFamily="34" charset="-120"/>
@@ -33593,7 +33912,7 @@
     </p:spTree>
     <p:extLst>
       <p:ext uri="{BB962C8B-B14F-4D97-AF65-F5344CB8AC3E}">
-        <p14:creationId xmlns="" xmlns:p14="http://schemas.microsoft.com/office/powerpoint/2010/main" val="522405798"/>
+        <p14:creationId xmlns:p14="http://schemas.microsoft.com/office/powerpoint/2010/main" xmlns="" val="522405798"/>
       </p:ext>
     </p:extLst>
   </p:cSld>
@@ -33809,7 +34128,7 @@
     </p:spTree>
     <p:extLst>
       <p:ext uri="{BB962C8B-B14F-4D97-AF65-F5344CB8AC3E}">
-        <p14:creationId xmlns="" xmlns:p14="http://schemas.microsoft.com/office/powerpoint/2010/main" val="522405798"/>
+        <p14:creationId xmlns:p14="http://schemas.microsoft.com/office/powerpoint/2010/main" xmlns="" val="522405798"/>
       </p:ext>
     </p:extLst>
   </p:cSld>
@@ -34062,7 +34381,7 @@
     </p:spTree>
     <p:extLst>
       <p:ext uri="{BB962C8B-B14F-4D97-AF65-F5344CB8AC3E}">
-        <p14:creationId xmlns="" xmlns:p14="http://schemas.microsoft.com/office/powerpoint/2010/main" val="522405798"/>
+        <p14:creationId xmlns:p14="http://schemas.microsoft.com/office/powerpoint/2010/main" xmlns="" val="522405798"/>
       </p:ext>
     </p:extLst>
   </p:cSld>
@@ -34359,7 +34678,7 @@
     </p:spTree>
     <p:extLst>
       <p:ext uri="{BB962C8B-B14F-4D97-AF65-F5344CB8AC3E}">
-        <p14:creationId xmlns="" xmlns:p14="http://schemas.microsoft.com/office/powerpoint/2010/main" val="522405798"/>
+        <p14:creationId xmlns:p14="http://schemas.microsoft.com/office/powerpoint/2010/main" xmlns="" val="522405798"/>
       </p:ext>
     </p:extLst>
   </p:cSld>
@@ -34782,7 +35101,7 @@
     </p:spTree>
     <p:extLst>
       <p:ext uri="{BB962C8B-B14F-4D97-AF65-F5344CB8AC3E}">
-        <p14:creationId xmlns="" xmlns:p14="http://schemas.microsoft.com/office/powerpoint/2010/main" val="522405798"/>
+        <p14:creationId xmlns:p14="http://schemas.microsoft.com/office/powerpoint/2010/main" xmlns="" val="522405798"/>
       </p:ext>
     </p:extLst>
   </p:cSld>
@@ -34970,7 +35289,7 @@
     </p:spTree>
     <p:extLst>
       <p:ext uri="{BB962C8B-B14F-4D97-AF65-F5344CB8AC3E}">
-        <p14:creationId xmlns="" xmlns:p14="http://schemas.microsoft.com/office/powerpoint/2010/main" val="522405798"/>
+        <p14:creationId xmlns:p14="http://schemas.microsoft.com/office/powerpoint/2010/main" xmlns="" val="522405798"/>
       </p:ext>
     </p:extLst>
   </p:cSld>
@@ -35079,7 +35398,7 @@
         <p:spPr>
           <a:xfrm>
             <a:off x="381000" y="1600200"/>
-            <a:ext cx="8534400" cy="5016758"/>
+            <a:ext cx="8534400" cy="2554545"/>
           </a:xfrm>
           <a:prstGeom prst="rect">
             <a:avLst/>
@@ -35111,77 +35430,21 @@
                 <a:latin typeface="微軟正黑體" pitchFamily="34" charset="-120"/>
                 <a:ea typeface="微軟正黑體" pitchFamily="34" charset="-120"/>
               </a:rPr>
-              <a:t>個輪廓中實際點的位置屬性：</a:t>
-            </a:r>
-          </a:p>
-          <a:p>
-            <a:r>
-              <a:rPr lang="en-US" altLang="zh-TW" sz="3200" dirty="0" smtClean="0">
-                <a:latin typeface="微軟正黑體" pitchFamily="34" charset="-120"/>
-                <a:ea typeface="微軟正黑體" pitchFamily="34" charset="-120"/>
-              </a:rPr>
-              <a:t>print (contours[0])    #</a:t>
+              <a:t>個輪廓中實際點的位置屬性</a:t>
             </a:r>
             <a:r>
               <a:rPr lang="zh-TW" altLang="zh-TW" sz="3200" dirty="0" smtClean="0">
                 <a:latin typeface="微軟正黑體" pitchFamily="34" charset="-120"/>
                 <a:ea typeface="微軟正黑體" pitchFamily="34" charset="-120"/>
               </a:rPr>
-              <a:t>列印第</a:t>
-            </a:r>
-            <a:r>
-              <a:rPr lang="en-US" altLang="zh-TW" sz="3200" dirty="0" smtClean="0">
-                <a:latin typeface="微軟正黑體" pitchFamily="34" charset="-120"/>
-                <a:ea typeface="微軟正黑體" pitchFamily="34" charset="-120"/>
-              </a:rPr>
-              <a:t>0</a:t>
-            </a:r>
-            <a:r>
-              <a:rPr lang="zh-TW" altLang="zh-TW" sz="3200" dirty="0" smtClean="0">
-                <a:latin typeface="微軟正黑體" pitchFamily="34" charset="-120"/>
-                <a:ea typeface="微軟正黑體" pitchFamily="34" charset="-120"/>
-              </a:rPr>
-              <a:t>個輪廓中的像素點</a:t>
-            </a:r>
-          </a:p>
-          <a:p>
-            <a:r>
-              <a:rPr lang="en-US" altLang="zh-TW" sz="3200" dirty="0" smtClean="0">
-                <a:latin typeface="微軟正黑體" pitchFamily="34" charset="-120"/>
-                <a:ea typeface="微軟正黑體" pitchFamily="34" charset="-120"/>
-              </a:rPr>
-              <a:t>contours[0]</a:t>
-            </a:r>
-            <a:r>
-              <a:rPr lang="zh-TW" altLang="zh-TW" sz="3200" dirty="0" smtClean="0">
-                <a:latin typeface="微軟正黑體" pitchFamily="34" charset="-120"/>
-                <a:ea typeface="微軟正黑體" pitchFamily="34" charset="-120"/>
-              </a:rPr>
-              <a:t>對應著圖</a:t>
-            </a:r>
-            <a:r>
-              <a:rPr lang="en-US" altLang="zh-TW" sz="3200" dirty="0" smtClean="0">
-                <a:latin typeface="微軟正黑體" pitchFamily="34" charset="-120"/>
-                <a:ea typeface="微軟正黑體" pitchFamily="34" charset="-120"/>
-              </a:rPr>
-              <a:t>12-1</a:t>
-            </a:r>
-            <a:r>
-              <a:rPr lang="zh-TW" altLang="zh-TW" sz="3200" dirty="0" smtClean="0">
-                <a:latin typeface="微軟正黑體" pitchFamily="34" charset="-120"/>
-                <a:ea typeface="微軟正黑體" pitchFamily="34" charset="-120"/>
-              </a:rPr>
-              <a:t>中右圖左下角矩形輪廓的點，輸出結果如下：</a:t>
-            </a:r>
-          </a:p>
-          <a:p>
-            <a:r>
-              <a:rPr lang="en-US" altLang="zh-TW" sz="3200" dirty="0" smtClean="0">
-                <a:latin typeface="微軟正黑體" pitchFamily="34" charset="-120"/>
-                <a:ea typeface="微軟正黑體" pitchFamily="34" charset="-120"/>
-              </a:rPr>
-              <a:t>[[[ 79270]]</a:t>
-            </a:r>
+              <a:t>：</a:t>
+            </a:r>
+            <a:endParaRPr lang="en-US" altLang="zh-TW" sz="3200" dirty="0" smtClean="0">
+              <a:latin typeface="微軟正黑體" pitchFamily="34" charset="-120"/>
+              <a:ea typeface="微軟正黑體" pitchFamily="34" charset="-120"/>
+            </a:endParaRPr>
+          </a:p>
+          <a:p>
             <a:endParaRPr lang="zh-TW" altLang="zh-TW" sz="3200" dirty="0" smtClean="0">
               <a:latin typeface="微軟正黑體" pitchFamily="34" charset="-120"/>
               <a:ea typeface="微軟正黑體" pitchFamily="34" charset="-120"/>
@@ -35193,45 +35456,47 @@
                 <a:latin typeface="微軟正黑體" pitchFamily="34" charset="-120"/>
                 <a:ea typeface="微軟正黑體" pitchFamily="34" charset="-120"/>
               </a:rPr>
-              <a:t> [[ 79383]]</a:t>
+              <a:t>print (contours[0])    #</a:t>
+            </a:r>
+            <a:r>
+              <a:rPr lang="zh-TW" altLang="zh-TW" sz="3200" dirty="0" smtClean="0">
+                <a:latin typeface="微軟正黑體" pitchFamily="34" charset="-120"/>
+                <a:ea typeface="微軟正黑體" pitchFamily="34" charset="-120"/>
+              </a:rPr>
+              <a:t>列印第</a:t>
+            </a:r>
+            <a:r>
+              <a:rPr lang="en-US" altLang="zh-TW" sz="3200" dirty="0" smtClean="0">
+                <a:latin typeface="微軟正黑體" pitchFamily="34" charset="-120"/>
+                <a:ea typeface="微軟正黑體" pitchFamily="34" charset="-120"/>
+              </a:rPr>
+              <a:t>0</a:t>
+            </a:r>
+            <a:r>
+              <a:rPr lang="zh-TW" altLang="zh-TW" sz="3200" dirty="0" smtClean="0">
+                <a:latin typeface="微軟正黑體" pitchFamily="34" charset="-120"/>
+                <a:ea typeface="微軟正黑體" pitchFamily="34" charset="-120"/>
+              </a:rPr>
+              <a:t>個輪廓中的像素</a:t>
+            </a:r>
+            <a:r>
+              <a:rPr lang="zh-TW" altLang="zh-TW" sz="3200" dirty="0" smtClean="0">
+                <a:latin typeface="微軟正黑體" pitchFamily="34" charset="-120"/>
+                <a:ea typeface="微軟正黑體" pitchFamily="34" charset="-120"/>
+              </a:rPr>
+              <a:t>點</a:t>
             </a:r>
             <a:endParaRPr lang="zh-TW" altLang="zh-TW" sz="3200" dirty="0" smtClean="0">
               <a:latin typeface="微軟正黑體" pitchFamily="34" charset="-120"/>
               <a:ea typeface="微軟正黑體" pitchFamily="34" charset="-120"/>
             </a:endParaRPr>
           </a:p>
-          <a:p>
-            <a:r>
-              <a:rPr lang="en-US" altLang="zh-TW" sz="3200" dirty="0" smtClean="0">
-                <a:latin typeface="微軟正黑體" pitchFamily="34" charset="-120"/>
-                <a:ea typeface="微軟正黑體" pitchFamily="34" charset="-120"/>
-              </a:rPr>
-              <a:t> [[195383]]</a:t>
-            </a:r>
-            <a:endParaRPr lang="zh-TW" altLang="zh-TW" sz="3200" dirty="0" smtClean="0">
-              <a:latin typeface="微軟正黑體" pitchFamily="34" charset="-120"/>
-              <a:ea typeface="微軟正黑體" pitchFamily="34" charset="-120"/>
-            </a:endParaRPr>
-          </a:p>
-          <a:p>
-            <a:r>
-              <a:rPr lang="en-US" altLang="zh-TW" sz="3200" dirty="0" smtClean="0">
-                <a:latin typeface="微軟正黑體" pitchFamily="34" charset="-120"/>
-                <a:ea typeface="微軟正黑體" pitchFamily="34" charset="-120"/>
-              </a:rPr>
-              <a:t> [[195270]]]</a:t>
-            </a:r>
-            <a:endParaRPr lang="zh-TW" altLang="zh-TW" sz="3200" dirty="0">
-              <a:latin typeface="微軟正黑體" pitchFamily="34" charset="-120"/>
-              <a:ea typeface="微軟正黑體" pitchFamily="34" charset="-120"/>
-            </a:endParaRPr>
-          </a:p>
         </p:txBody>
       </p:sp>
     </p:spTree>
     <p:extLst>
       <p:ext uri="{BB962C8B-B14F-4D97-AF65-F5344CB8AC3E}">
-        <p14:creationId xmlns="" xmlns:p14="http://schemas.microsoft.com/office/powerpoint/2010/main" val="522405798"/>
+        <p14:creationId xmlns:p14="http://schemas.microsoft.com/office/powerpoint/2010/main" xmlns="" val="522405798"/>
       </p:ext>
     </p:extLst>
   </p:cSld>
@@ -35413,7 +35678,7 @@
     </p:spTree>
     <p:extLst>
       <p:ext uri="{BB962C8B-B14F-4D97-AF65-F5344CB8AC3E}">
-        <p14:creationId xmlns="" xmlns:p14="http://schemas.microsoft.com/office/powerpoint/2010/main" val="522405798"/>
+        <p14:creationId xmlns:p14="http://schemas.microsoft.com/office/powerpoint/2010/main" xmlns="" val="522405798"/>
       </p:ext>
     </p:extLst>
   </p:cSld>
@@ -35607,7 +35872,7 @@
     </p:spTree>
     <p:extLst>
       <p:ext uri="{BB962C8B-B14F-4D97-AF65-F5344CB8AC3E}">
-        <p14:creationId xmlns="" xmlns:p14="http://schemas.microsoft.com/office/powerpoint/2010/main" val="522405798"/>
+        <p14:creationId xmlns:p14="http://schemas.microsoft.com/office/powerpoint/2010/main" xmlns="" val="522405798"/>
       </p:ext>
     </p:extLst>
   </p:cSld>
@@ -35817,7 +36082,7 @@
     </p:spTree>
     <p:extLst>
       <p:ext uri="{BB962C8B-B14F-4D97-AF65-F5344CB8AC3E}">
-        <p14:creationId xmlns="" xmlns:p14="http://schemas.microsoft.com/office/powerpoint/2010/main" val="522405798"/>
+        <p14:creationId xmlns:p14="http://schemas.microsoft.com/office/powerpoint/2010/main" xmlns="" val="522405798"/>
       </p:ext>
     </p:extLst>
   </p:cSld>
@@ -36304,7 +36569,7 @@
     </p:spTree>
     <p:extLst>
       <p:ext uri="{BB962C8B-B14F-4D97-AF65-F5344CB8AC3E}">
-        <p14:creationId xmlns="" xmlns:p14="http://schemas.microsoft.com/office/powerpoint/2010/main" val="522405798"/>
+        <p14:creationId xmlns:p14="http://schemas.microsoft.com/office/powerpoint/2010/main" xmlns="" val="522405798"/>
       </p:ext>
     </p:extLst>
   </p:cSld>
@@ -36696,7 +36961,7 @@
     </p:spTree>
     <p:extLst>
       <p:ext uri="{BB962C8B-B14F-4D97-AF65-F5344CB8AC3E}">
-        <p14:creationId xmlns="" xmlns:p14="http://schemas.microsoft.com/office/powerpoint/2010/main" val="522405798"/>
+        <p14:creationId xmlns:p14="http://schemas.microsoft.com/office/powerpoint/2010/main" xmlns="" val="522405798"/>
       </p:ext>
     </p:extLst>
   </p:cSld>
@@ -36970,7 +37235,7 @@
     </p:spTree>
     <p:extLst>
       <p:ext uri="{BB962C8B-B14F-4D97-AF65-F5344CB8AC3E}">
-        <p14:creationId xmlns="" xmlns:p14="http://schemas.microsoft.com/office/powerpoint/2010/main" val="522405798"/>
+        <p14:creationId xmlns:p14="http://schemas.microsoft.com/office/powerpoint/2010/main" xmlns="" val="522405798"/>
       </p:ext>
     </p:extLst>
   </p:cSld>
@@ -37220,7 +37485,7 @@
     </p:spTree>
     <p:extLst>
       <p:ext uri="{BB962C8B-B14F-4D97-AF65-F5344CB8AC3E}">
-        <p14:creationId xmlns="" xmlns:p14="http://schemas.microsoft.com/office/powerpoint/2010/main" val="522405798"/>
+        <p14:creationId xmlns:p14="http://schemas.microsoft.com/office/powerpoint/2010/main" xmlns="" val="522405798"/>
       </p:ext>
     </p:extLst>
   </p:cSld>
@@ -37810,7 +38075,7 @@
     </p:spTree>
     <p:extLst>
       <p:ext uri="{BB962C8B-B14F-4D97-AF65-F5344CB8AC3E}">
-        <p14:creationId xmlns="" xmlns:p14="http://schemas.microsoft.com/office/powerpoint/2010/main" val="522405798"/>
+        <p14:creationId xmlns:p14="http://schemas.microsoft.com/office/powerpoint/2010/main" xmlns="" val="522405798"/>
       </p:ext>
     </p:extLst>
   </p:cSld>
@@ -37831,6 +38096,452 @@
 </file>
 
 <file path=ppt/slides/slide52.xml><?xml version="1.0" encoding="utf-8"?>
+<p:sld xmlns:a="http://schemas.openxmlformats.org/drawingml/2006/main" xmlns:r="http://schemas.openxmlformats.org/officeDocument/2006/relationships" xmlns:p="http://schemas.openxmlformats.org/presentationml/2006/main">
+  <p:cSld>
+    <p:spTree>
+      <p:nvGrpSpPr>
+        <p:cNvPr id="1" name=""/>
+        <p:cNvGrpSpPr/>
+        <p:nvPr/>
+      </p:nvGrpSpPr>
+      <p:grpSpPr>
+        <a:xfrm>
+          <a:off x="0" y="0"/>
+          <a:ext cx="0" cy="0"/>
+          <a:chOff x="0" y="0"/>
+          <a:chExt cx="0" cy="0"/>
+        </a:xfrm>
+      </p:grpSpPr>
+      <p:sp>
+        <p:nvSpPr>
+          <p:cNvPr id="4" name="文字版面配置區 2"/>
+          <p:cNvSpPr txBox="1">
+            <a:spLocks/>
+          </p:cNvSpPr>
+          <p:nvPr/>
+        </p:nvSpPr>
+        <p:spPr>
+          <a:xfrm>
+            <a:off x="2286000" y="304800"/>
+            <a:ext cx="7543800" cy="990600"/>
+          </a:xfrm>
+          <a:prstGeom prst="rect">
+            <a:avLst/>
+          </a:prstGeom>
+        </p:spPr>
+        <p:txBody>
+          <a:bodyPr tIns="91440" bIns="91440" anchor="b" anchorCtr="0">
+            <a:noAutofit/>
+          </a:bodyPr>
+          <a:lstStyle/>
+          <a:p>
+            <a:pPr marL="361950" indent="-361950"/>
+            <a:r>
+              <a:rPr kumimoji="1" lang="zh-TW" altLang="en-US" sz="4800" b="1" dirty="0" smtClean="0">
+                <a:solidFill>
+                  <a:srgbClr val="FFFF00"/>
+                </a:solidFill>
+                <a:effectLst>
+                  <a:outerShdw blurRad="38100" dist="38100" dir="2700000" algn="tl">
+                    <a:srgbClr val="000000">
+                      <a:alpha val="43137"/>
+                    </a:srgbClr>
+                  </a:outerShdw>
+                </a:effectLst>
+                <a:latin typeface="微軟正黑體" pitchFamily="34" charset="-120"/>
+                <a:ea typeface="微軟正黑體" pitchFamily="34" charset="-120"/>
+                <a:cs typeface="Heiti TC Light"/>
+              </a:rPr>
+              <a:t>影像的</a:t>
+            </a:r>
+            <a:r>
+              <a:rPr kumimoji="1" lang="en-US" altLang="zh-TW" sz="4800" b="1" dirty="0" smtClean="0">
+                <a:solidFill>
+                  <a:srgbClr val="FFFF00"/>
+                </a:solidFill>
+                <a:effectLst>
+                  <a:outerShdw blurRad="38100" dist="38100" dir="2700000" algn="tl">
+                    <a:srgbClr val="000000">
+                      <a:alpha val="43137"/>
+                    </a:srgbClr>
+                  </a:outerShdw>
+                </a:effectLst>
+                <a:latin typeface="微軟正黑體" pitchFamily="34" charset="-120"/>
+                <a:ea typeface="微軟正黑體" pitchFamily="34" charset="-120"/>
+                <a:cs typeface="Heiti TC Light"/>
+              </a:rPr>
+              <a:t>moments</a:t>
+            </a:r>
+          </a:p>
+        </p:txBody>
+      </p:sp>
+      <p:sp>
+        <p:nvSpPr>
+          <p:cNvPr id="5" name="文字方塊 4"/>
+          <p:cNvSpPr txBox="1"/>
+          <p:nvPr/>
+        </p:nvSpPr>
+        <p:spPr>
+          <a:xfrm>
+            <a:off x="304800" y="1524000"/>
+            <a:ext cx="8534400" cy="4524315"/>
+          </a:xfrm>
+          <a:prstGeom prst="rect">
+            <a:avLst/>
+          </a:prstGeom>
+          <a:noFill/>
+        </p:spPr>
+        <p:txBody>
+          <a:bodyPr wrap="square" rtlCol="0">
+            <a:spAutoFit/>
+          </a:bodyPr>
+          <a:lstStyle/>
+          <a:p>
+            <a:pPr marL="271463" indent="-271463">
+              <a:buFont typeface="Arial" pitchFamily="34" charset="0"/>
+              <a:buChar char="•"/>
+            </a:pPr>
+            <a:r>
+              <a:rPr lang="zh-TW" altLang="en-US" sz="3200" dirty="0" smtClean="0">
+                <a:latin typeface="微軟正黑體" pitchFamily="34" charset="-120"/>
+                <a:ea typeface="微軟正黑體" pitchFamily="34" charset="-120"/>
+              </a:rPr>
+              <a:t>由特定的數學公式算出來的值，稱之為「矩」</a:t>
+            </a:r>
+            <a:endParaRPr lang="en-US" altLang="zh-TW" sz="3200" dirty="0" smtClean="0">
+              <a:latin typeface="微軟正黑體" pitchFamily="34" charset="-120"/>
+              <a:ea typeface="微軟正黑體" pitchFamily="34" charset="-120"/>
+            </a:endParaRPr>
+          </a:p>
+          <a:p>
+            <a:pPr marL="271463" indent="-271463">
+              <a:buFont typeface="Arial" pitchFamily="34" charset="0"/>
+              <a:buChar char="•"/>
+            </a:pPr>
+            <a:r>
+              <a:rPr lang="zh-TW" altLang="en-US" sz="3200" dirty="0" smtClean="0">
+                <a:latin typeface="微軟正黑體" pitchFamily="34" charset="-120"/>
+                <a:ea typeface="微軟正黑體" pitchFamily="34" charset="-120"/>
+              </a:rPr>
+              <a:t>不同的數學公式，算出不同的值</a:t>
+            </a:r>
+            <a:endParaRPr lang="en-US" altLang="zh-TW" sz="3200" dirty="0" smtClean="0">
+              <a:latin typeface="微軟正黑體" pitchFamily="34" charset="-120"/>
+              <a:ea typeface="微軟正黑體" pitchFamily="34" charset="-120"/>
+            </a:endParaRPr>
+          </a:p>
+          <a:p>
+            <a:pPr marL="271463" indent="-271463">
+              <a:buFont typeface="Arial" pitchFamily="34" charset="0"/>
+              <a:buChar char="•"/>
+            </a:pPr>
+            <a:r>
+              <a:rPr lang="zh-TW" altLang="zh-TW" sz="3200" dirty="0" smtClean="0">
+                <a:latin typeface="微軟正黑體" pitchFamily="34" charset="-120"/>
+                <a:ea typeface="微軟正黑體" pitchFamily="34" charset="-120"/>
+              </a:rPr>
+              <a:t>大小、位置、角度、形狀</a:t>
+            </a:r>
+            <a:r>
+              <a:rPr lang="zh-TW" altLang="en-US" sz="3200" dirty="0" smtClean="0">
+                <a:latin typeface="微軟正黑體" pitchFamily="34" charset="-120"/>
+                <a:ea typeface="微軟正黑體" pitchFamily="34" charset="-120"/>
+              </a:rPr>
+              <a:t>等值</a:t>
+            </a:r>
+            <a:endParaRPr lang="en-US" altLang="zh-TW" sz="3200" dirty="0" smtClean="0">
+              <a:latin typeface="微軟正黑體" pitchFamily="34" charset="-120"/>
+              <a:ea typeface="微軟正黑體" pitchFamily="34" charset="-120"/>
+            </a:endParaRPr>
+          </a:p>
+          <a:p>
+            <a:pPr marL="271463" indent="-271463">
+              <a:buFont typeface="Arial" pitchFamily="34" charset="0"/>
+              <a:buChar char="•"/>
+            </a:pPr>
+            <a:r>
+              <a:rPr lang="zh-TW" altLang="en-US" sz="3200" dirty="0" smtClean="0">
+                <a:latin typeface="微軟正黑體" pitchFamily="34" charset="-120"/>
+                <a:ea typeface="微軟正黑體" pitchFamily="34" charset="-120"/>
+              </a:rPr>
+              <a:t>點</a:t>
+            </a:r>
+            <a:r>
+              <a:rPr lang="en-US" altLang="zh-TW" sz="3200" dirty="0" smtClean="0">
+                <a:latin typeface="微軟正黑體" pitchFamily="34" charset="-120"/>
+                <a:ea typeface="微軟正黑體" pitchFamily="34" charset="-120"/>
+              </a:rPr>
+              <a:t>c</a:t>
+            </a:r>
+            <a:r>
+              <a:rPr lang="zh-TW" altLang="en-US" sz="3200" dirty="0" smtClean="0">
+                <a:latin typeface="微軟正黑體" pitchFamily="34" charset="-120"/>
+                <a:ea typeface="微軟正黑體" pitchFamily="34" charset="-120"/>
+              </a:rPr>
+              <a:t>的第</a:t>
+            </a:r>
+            <a:r>
+              <a:rPr lang="en-US" altLang="zh-TW" sz="3200" dirty="0" smtClean="0">
+                <a:latin typeface="微軟正黑體" pitchFamily="34" charset="-120"/>
+                <a:ea typeface="微軟正黑體" pitchFamily="34" charset="-120"/>
+              </a:rPr>
+              <a:t>n</a:t>
+            </a:r>
+            <a:r>
+              <a:rPr lang="zh-TW" altLang="en-US" sz="3200" dirty="0" smtClean="0">
+                <a:latin typeface="微軟正黑體" pitchFamily="34" charset="-120"/>
+                <a:ea typeface="微軟正黑體" pitchFamily="34" charset="-120"/>
+              </a:rPr>
+              <a:t>個</a:t>
+            </a:r>
+            <a:r>
+              <a:rPr lang="en-US" altLang="zh-TW" sz="3200" dirty="0" smtClean="0">
+                <a:latin typeface="微軟正黑體" pitchFamily="34" charset="-120"/>
+                <a:ea typeface="微軟正黑體" pitchFamily="34" charset="-120"/>
+              </a:rPr>
+              <a:t>moment</a:t>
+            </a:r>
+            <a:r>
+              <a:rPr lang="zh-TW" altLang="en-US" sz="3200" dirty="0" smtClean="0">
+                <a:latin typeface="微軟正黑體" pitchFamily="34" charset="-120"/>
+                <a:ea typeface="微軟正黑體" pitchFamily="34" charset="-120"/>
+              </a:rPr>
+              <a:t>為</a:t>
+            </a:r>
+            <a:endParaRPr lang="en-US" altLang="zh-TW" sz="3200" dirty="0" smtClean="0">
+              <a:latin typeface="微軟正黑體" pitchFamily="34" charset="-120"/>
+              <a:ea typeface="微軟正黑體" pitchFamily="34" charset="-120"/>
+            </a:endParaRPr>
+          </a:p>
+          <a:p>
+            <a:pPr marL="271463" indent="-271463">
+              <a:buFont typeface="Arial" pitchFamily="34" charset="0"/>
+              <a:buChar char="•"/>
+            </a:pPr>
+            <a:r>
+              <a:rPr lang="zh-TW" altLang="en-US" sz="3200" dirty="0" smtClean="0">
+                <a:latin typeface="微軟正黑體" pitchFamily="34" charset="-120"/>
+                <a:ea typeface="微軟正黑體" pitchFamily="34" charset="-120"/>
+              </a:rPr>
+              <a:t>影像有兩個座標值，需要兩個變數，因此其第</a:t>
+            </a:r>
+            <a:r>
+              <a:rPr lang="en-US" altLang="zh-TW" sz="3200" dirty="0" smtClean="0">
+                <a:latin typeface="微軟正黑體" pitchFamily="34" charset="-120"/>
+                <a:ea typeface="微軟正黑體" pitchFamily="34" charset="-120"/>
+              </a:rPr>
+              <a:t>m</a:t>
+            </a:r>
+            <a:r>
+              <a:rPr lang="zh-TW" altLang="en-US" sz="3200" dirty="0" smtClean="0">
+                <a:latin typeface="微軟正黑體" pitchFamily="34" charset="-120"/>
+                <a:ea typeface="微軟正黑體" pitchFamily="34" charset="-120"/>
+              </a:rPr>
+              <a:t>，</a:t>
+            </a:r>
+            <a:r>
+              <a:rPr lang="en-US" altLang="zh-TW" sz="3200" dirty="0" smtClean="0">
+                <a:latin typeface="微軟正黑體" pitchFamily="34" charset="-120"/>
+                <a:ea typeface="微軟正黑體" pitchFamily="34" charset="-120"/>
+              </a:rPr>
+              <a:t>n</a:t>
+            </a:r>
+            <a:r>
+              <a:rPr lang="zh-TW" altLang="en-US" sz="3200" dirty="0" smtClean="0">
+                <a:latin typeface="微軟正黑體" pitchFamily="34" charset="-120"/>
+                <a:ea typeface="微軟正黑體" pitchFamily="34" charset="-120"/>
+              </a:rPr>
+              <a:t>個</a:t>
+            </a:r>
+            <a:r>
+              <a:rPr lang="en-US" altLang="zh-TW" sz="3200" dirty="0" smtClean="0">
+                <a:latin typeface="微軟正黑體" pitchFamily="34" charset="-120"/>
+                <a:ea typeface="微軟正黑體" pitchFamily="34" charset="-120"/>
+              </a:rPr>
+              <a:t>moment</a:t>
+            </a:r>
+            <a:r>
+              <a:rPr lang="zh-TW" altLang="en-US" sz="3200" dirty="0" smtClean="0">
+                <a:latin typeface="微軟正黑體" pitchFamily="34" charset="-120"/>
+                <a:ea typeface="微軟正黑體" pitchFamily="34" charset="-120"/>
+              </a:rPr>
+              <a:t>為</a:t>
+            </a:r>
+            <a:endParaRPr lang="en-US" altLang="zh-TW" sz="3200" dirty="0" smtClean="0">
+              <a:latin typeface="微軟正黑體" pitchFamily="34" charset="-120"/>
+              <a:ea typeface="微軟正黑體" pitchFamily="34" charset="-120"/>
+            </a:endParaRPr>
+          </a:p>
+          <a:p>
+            <a:pPr marL="271463" indent="-271463">
+              <a:buFont typeface="Arial" pitchFamily="34" charset="0"/>
+              <a:buChar char="•"/>
+            </a:pPr>
+            <a:r>
+              <a:rPr lang="zh-TW" altLang="en-US" sz="3200" dirty="0" smtClean="0">
+                <a:latin typeface="微軟正黑體" pitchFamily="34" charset="-120"/>
+                <a:ea typeface="微軟正黑體" pitchFamily="34" charset="-120"/>
+              </a:rPr>
+              <a:t>由於影像為離散的點，非連續的實數，因此影像的</a:t>
+            </a:r>
+            <a:r>
+              <a:rPr lang="en-US" altLang="zh-TW" sz="3200" dirty="0" smtClean="0">
+                <a:latin typeface="微軟正黑體" pitchFamily="34" charset="-120"/>
+                <a:ea typeface="微軟正黑體" pitchFamily="34" charset="-120"/>
+              </a:rPr>
+              <a:t>moment</a:t>
+            </a:r>
+            <a:r>
+              <a:rPr lang="zh-TW" altLang="en-US" sz="3200" dirty="0" smtClean="0">
+                <a:latin typeface="微軟正黑體" pitchFamily="34" charset="-120"/>
+                <a:ea typeface="微軟正黑體" pitchFamily="34" charset="-120"/>
+              </a:rPr>
+              <a:t>為求和：</a:t>
+            </a:r>
+            <a:endParaRPr lang="en-US" altLang="zh-TW" sz="3200" dirty="0" smtClean="0">
+              <a:latin typeface="微軟正黑體" pitchFamily="34" charset="-120"/>
+              <a:ea typeface="微軟正黑體" pitchFamily="34" charset="-120"/>
+            </a:endParaRPr>
+          </a:p>
+          <a:p>
+            <a:pPr marL="271463" indent="-271463">
+              <a:buFont typeface="Arial" pitchFamily="34" charset="0"/>
+              <a:buChar char="•"/>
+            </a:pPr>
+            <a:r>
+              <a:rPr lang="zh-TW" altLang="zh-TW" sz="3200" dirty="0" smtClean="0">
+                <a:latin typeface="微軟正黑體" pitchFamily="34" charset="-120"/>
+                <a:ea typeface="微軟正黑體" pitchFamily="34" charset="-120"/>
+              </a:rPr>
+              <a:t>矩特徵被廣泛地應用在模式識別、影像識別</a:t>
+            </a:r>
+            <a:endParaRPr lang="zh-TW" altLang="zh-TW" sz="3200" dirty="0">
+              <a:latin typeface="微軟正黑體" pitchFamily="34" charset="-120"/>
+              <a:ea typeface="微軟正黑體" pitchFamily="34" charset="-120"/>
+            </a:endParaRPr>
+          </a:p>
+        </p:txBody>
+      </p:sp>
+      <p:pic>
+        <p:nvPicPr>
+          <p:cNvPr id="125954" name="Picture 2"/>
+          <p:cNvPicPr>
+            <a:picLocks noChangeAspect="1" noChangeArrowheads="1"/>
+          </p:cNvPicPr>
+          <p:nvPr/>
+        </p:nvPicPr>
+        <p:blipFill>
+          <a:blip r:embed="rId3" cstate="print"/>
+          <a:srcRect/>
+          <a:stretch>
+            <a:fillRect/>
+          </a:stretch>
+        </p:blipFill>
+        <p:spPr bwMode="auto">
+          <a:xfrm>
+            <a:off x="5029200" y="3048000"/>
+            <a:ext cx="2057400" cy="442686"/>
+          </a:xfrm>
+          <a:prstGeom prst="rect">
+            <a:avLst/>
+          </a:prstGeom>
+          <a:noFill/>
+          <a:ln w="9525">
+            <a:noFill/>
+            <a:miter lim="800000"/>
+            <a:headEnd/>
+            <a:tailEnd/>
+          </a:ln>
+        </p:spPr>
+      </p:pic>
+      <p:pic>
+        <p:nvPicPr>
+          <p:cNvPr id="125955" name="Picture 3"/>
+          <p:cNvPicPr>
+            <a:picLocks noChangeAspect="1" noChangeArrowheads="1"/>
+          </p:cNvPicPr>
+          <p:nvPr/>
+        </p:nvPicPr>
+        <p:blipFill>
+          <a:blip r:embed="rId4" cstate="print"/>
+          <a:srcRect/>
+          <a:stretch>
+            <a:fillRect/>
+          </a:stretch>
+        </p:blipFill>
+        <p:spPr bwMode="auto">
+          <a:xfrm>
+            <a:off x="5029200" y="4038600"/>
+            <a:ext cx="3021013" cy="365125"/>
+          </a:xfrm>
+          <a:prstGeom prst="rect">
+            <a:avLst/>
+          </a:prstGeom>
+          <a:noFill/>
+          <a:ln w="9525">
+            <a:noFill/>
+            <a:miter lim="800000"/>
+            <a:headEnd/>
+            <a:tailEnd/>
+          </a:ln>
+        </p:spPr>
+      </p:pic>
+      <p:pic>
+        <p:nvPicPr>
+          <p:cNvPr id="125956" name="Picture 4"/>
+          <p:cNvPicPr>
+            <a:picLocks noChangeAspect="1" noChangeArrowheads="1"/>
+          </p:cNvPicPr>
+          <p:nvPr/>
+        </p:nvPicPr>
+        <p:blipFill>
+          <a:blip r:embed="rId5" cstate="print"/>
+          <a:srcRect/>
+          <a:stretch>
+            <a:fillRect/>
+          </a:stretch>
+        </p:blipFill>
+        <p:spPr bwMode="auto">
+          <a:xfrm>
+            <a:off x="5105399" y="5029199"/>
+            <a:ext cx="3557971" cy="337457"/>
+          </a:xfrm>
+          <a:prstGeom prst="rect">
+            <a:avLst/>
+          </a:prstGeom>
+          <a:noFill/>
+          <a:ln w="9525">
+            <a:noFill/>
+            <a:miter lim="800000"/>
+            <a:headEnd/>
+            <a:tailEnd/>
+          </a:ln>
+        </p:spPr>
+      </p:pic>
+    </p:spTree>
+    <p:extLst>
+      <p:ext uri="{BB962C8B-B14F-4D97-AF65-F5344CB8AC3E}">
+        <p14:creationId xmlns:p14="http://schemas.microsoft.com/office/powerpoint/2010/main" xmlns="" val="522405798"/>
+      </p:ext>
+    </p:extLst>
+  </p:cSld>
+  <p:clrMapOvr>
+    <a:masterClrMapping/>
+  </p:clrMapOvr>
+  <p:transition>
+    <p:fade/>
+  </p:transition>
+  <p:timing>
+    <p:tnLst>
+      <p:par>
+        <p:cTn id="1" dur="indefinite" restart="never" nodeType="tmRoot"/>
+      </p:par>
+    </p:tnLst>
+  </p:timing>
+</p:sld>
+</file>
+
+<file path=ppt/slides/slide53.xml><?xml version="1.0" encoding="utf-8"?>
 <p:sld xmlns:a="http://schemas.openxmlformats.org/drawingml/2006/main" xmlns:r="http://schemas.openxmlformats.org/officeDocument/2006/relationships" xmlns:p="http://schemas.openxmlformats.org/presentationml/2006/main">
   <p:cSld>
     <p:spTree>
@@ -38070,453 +38781,7 @@
     </p:spTree>
     <p:extLst>
       <p:ext uri="{BB962C8B-B14F-4D97-AF65-F5344CB8AC3E}">
-        <p14:creationId xmlns="" xmlns:p14="http://schemas.microsoft.com/office/powerpoint/2010/main" val="522405798"/>
-      </p:ext>
-    </p:extLst>
-  </p:cSld>
-  <p:clrMapOvr>
-    <a:masterClrMapping/>
-  </p:clrMapOvr>
-  <p:transition>
-    <p:fade/>
-  </p:transition>
-  <p:timing>
-    <p:tnLst>
-      <p:par>
-        <p:cTn id="1" dur="indefinite" restart="never" nodeType="tmRoot"/>
-      </p:par>
-    </p:tnLst>
-  </p:timing>
-</p:sld>
-</file>
-
-<file path=ppt/slides/slide53.xml><?xml version="1.0" encoding="utf-8"?>
-<p:sld xmlns:a="http://schemas.openxmlformats.org/drawingml/2006/main" xmlns:r="http://schemas.openxmlformats.org/officeDocument/2006/relationships" xmlns:p="http://schemas.openxmlformats.org/presentationml/2006/main">
-  <p:cSld>
-    <p:spTree>
-      <p:nvGrpSpPr>
-        <p:cNvPr id="1" name=""/>
-        <p:cNvGrpSpPr/>
-        <p:nvPr/>
-      </p:nvGrpSpPr>
-      <p:grpSpPr>
-        <a:xfrm>
-          <a:off x="0" y="0"/>
-          <a:ext cx="0" cy="0"/>
-          <a:chOff x="0" y="0"/>
-          <a:chExt cx="0" cy="0"/>
-        </a:xfrm>
-      </p:grpSpPr>
-      <p:sp>
-        <p:nvSpPr>
-          <p:cNvPr id="4" name="文字版面配置區 2"/>
-          <p:cNvSpPr txBox="1">
-            <a:spLocks/>
-          </p:cNvSpPr>
-          <p:nvPr/>
-        </p:nvSpPr>
-        <p:spPr>
-          <a:xfrm>
-            <a:off x="2286000" y="304800"/>
-            <a:ext cx="7543800" cy="990600"/>
-          </a:xfrm>
-          <a:prstGeom prst="rect">
-            <a:avLst/>
-          </a:prstGeom>
-        </p:spPr>
-        <p:txBody>
-          <a:bodyPr tIns="91440" bIns="91440" anchor="b" anchorCtr="0">
-            <a:noAutofit/>
-          </a:bodyPr>
-          <a:lstStyle/>
-          <a:p>
-            <a:pPr marL="361950" indent="-361950"/>
-            <a:r>
-              <a:rPr kumimoji="1" lang="zh-TW" altLang="en-US" sz="4800" b="1" dirty="0" smtClean="0">
-                <a:solidFill>
-                  <a:srgbClr val="FFFF00"/>
-                </a:solidFill>
-                <a:effectLst>
-                  <a:outerShdw blurRad="38100" dist="38100" dir="2700000" algn="tl">
-                    <a:srgbClr val="000000">
-                      <a:alpha val="43137"/>
-                    </a:srgbClr>
-                  </a:outerShdw>
-                </a:effectLst>
-                <a:latin typeface="微軟正黑體" pitchFamily="34" charset="-120"/>
-                <a:ea typeface="微軟正黑體" pitchFamily="34" charset="-120"/>
-                <a:cs typeface="Heiti TC Light"/>
-              </a:rPr>
-              <a:t>影像的</a:t>
-            </a:r>
-            <a:r>
-              <a:rPr kumimoji="1" lang="en-US" altLang="zh-TW" sz="4800" b="1" dirty="0" smtClean="0">
-                <a:solidFill>
-                  <a:srgbClr val="FFFF00"/>
-                </a:solidFill>
-                <a:effectLst>
-                  <a:outerShdw blurRad="38100" dist="38100" dir="2700000" algn="tl">
-                    <a:srgbClr val="000000">
-                      <a:alpha val="43137"/>
-                    </a:srgbClr>
-                  </a:outerShdw>
-                </a:effectLst>
-                <a:latin typeface="微軟正黑體" pitchFamily="34" charset="-120"/>
-                <a:ea typeface="微軟正黑體" pitchFamily="34" charset="-120"/>
-                <a:cs typeface="Heiti TC Light"/>
-              </a:rPr>
-              <a:t>moments</a:t>
-            </a:r>
-          </a:p>
-        </p:txBody>
-      </p:sp>
-      <p:sp>
-        <p:nvSpPr>
-          <p:cNvPr id="5" name="文字方塊 4"/>
-          <p:cNvSpPr txBox="1"/>
-          <p:nvPr/>
-        </p:nvSpPr>
-        <p:spPr>
-          <a:xfrm>
-            <a:off x="304800" y="1524000"/>
-            <a:ext cx="8534400" cy="4524315"/>
-          </a:xfrm>
-          <a:prstGeom prst="rect">
-            <a:avLst/>
-          </a:prstGeom>
-          <a:noFill/>
-        </p:spPr>
-        <p:txBody>
-          <a:bodyPr wrap="square" rtlCol="0">
-            <a:spAutoFit/>
-          </a:bodyPr>
-          <a:lstStyle/>
-          <a:p>
-            <a:pPr marL="271463" indent="-271463">
-              <a:buFont typeface="Arial" pitchFamily="34" charset="0"/>
-              <a:buChar char="•"/>
-            </a:pPr>
-            <a:r>
-              <a:rPr lang="zh-TW" altLang="en-US" sz="3200" dirty="0" smtClean="0">
-                <a:latin typeface="微軟正黑體" pitchFamily="34" charset="-120"/>
-                <a:ea typeface="微軟正黑體" pitchFamily="34" charset="-120"/>
-              </a:rPr>
-              <a:t>由特定的數學公式算出來的值，稱之為「矩」</a:t>
-            </a:r>
-            <a:endParaRPr lang="en-US" altLang="zh-TW" sz="3200" dirty="0" smtClean="0">
-              <a:latin typeface="微軟正黑體" pitchFamily="34" charset="-120"/>
-              <a:ea typeface="微軟正黑體" pitchFamily="34" charset="-120"/>
-            </a:endParaRPr>
-          </a:p>
-          <a:p>
-            <a:pPr marL="271463" indent="-271463">
-              <a:buFont typeface="Arial" pitchFamily="34" charset="0"/>
-              <a:buChar char="•"/>
-            </a:pPr>
-            <a:r>
-              <a:rPr lang="zh-TW" altLang="en-US" sz="3200" dirty="0" smtClean="0">
-                <a:latin typeface="微軟正黑體" pitchFamily="34" charset="-120"/>
-                <a:ea typeface="微軟正黑體" pitchFamily="34" charset="-120"/>
-              </a:rPr>
-              <a:t>不同的數學公式，算出不同的值</a:t>
-            </a:r>
-            <a:endParaRPr lang="en-US" altLang="zh-TW" sz="3200" dirty="0" smtClean="0">
-              <a:latin typeface="微軟正黑體" pitchFamily="34" charset="-120"/>
-              <a:ea typeface="微軟正黑體" pitchFamily="34" charset="-120"/>
-            </a:endParaRPr>
-          </a:p>
-          <a:p>
-            <a:pPr marL="271463" indent="-271463">
-              <a:buFont typeface="Arial" pitchFamily="34" charset="0"/>
-              <a:buChar char="•"/>
-            </a:pPr>
-            <a:r>
-              <a:rPr lang="zh-TW" altLang="zh-TW" sz="3200" dirty="0" smtClean="0">
-                <a:latin typeface="微軟正黑體" pitchFamily="34" charset="-120"/>
-                <a:ea typeface="微軟正黑體" pitchFamily="34" charset="-120"/>
-              </a:rPr>
-              <a:t>大小、位置、角度、形狀</a:t>
-            </a:r>
-            <a:r>
-              <a:rPr lang="zh-TW" altLang="en-US" sz="3200" dirty="0" smtClean="0">
-                <a:latin typeface="微軟正黑體" pitchFamily="34" charset="-120"/>
-                <a:ea typeface="微軟正黑體" pitchFamily="34" charset="-120"/>
-              </a:rPr>
-              <a:t>等值</a:t>
-            </a:r>
-            <a:endParaRPr lang="en-US" altLang="zh-TW" sz="3200" dirty="0" smtClean="0">
-              <a:latin typeface="微軟正黑體" pitchFamily="34" charset="-120"/>
-              <a:ea typeface="微軟正黑體" pitchFamily="34" charset="-120"/>
-            </a:endParaRPr>
-          </a:p>
-          <a:p>
-            <a:pPr marL="271463" indent="-271463">
-              <a:buFont typeface="Arial" pitchFamily="34" charset="0"/>
-              <a:buChar char="•"/>
-            </a:pPr>
-            <a:r>
-              <a:rPr lang="zh-TW" altLang="en-US" sz="3200" dirty="0" smtClean="0">
-                <a:latin typeface="微軟正黑體" pitchFamily="34" charset="-120"/>
-                <a:ea typeface="微軟正黑體" pitchFamily="34" charset="-120"/>
-              </a:rPr>
-              <a:t>點</a:t>
-            </a:r>
-            <a:r>
-              <a:rPr lang="en-US" altLang="zh-TW" sz="3200" dirty="0" smtClean="0">
-                <a:latin typeface="微軟正黑體" pitchFamily="34" charset="-120"/>
-                <a:ea typeface="微軟正黑體" pitchFamily="34" charset="-120"/>
-              </a:rPr>
-              <a:t>c</a:t>
-            </a:r>
-            <a:r>
-              <a:rPr lang="zh-TW" altLang="en-US" sz="3200" dirty="0" smtClean="0">
-                <a:latin typeface="微軟正黑體" pitchFamily="34" charset="-120"/>
-                <a:ea typeface="微軟正黑體" pitchFamily="34" charset="-120"/>
-              </a:rPr>
-              <a:t>的第</a:t>
-            </a:r>
-            <a:r>
-              <a:rPr lang="en-US" altLang="zh-TW" sz="3200" dirty="0" smtClean="0">
-                <a:latin typeface="微軟正黑體" pitchFamily="34" charset="-120"/>
-                <a:ea typeface="微軟正黑體" pitchFamily="34" charset="-120"/>
-              </a:rPr>
-              <a:t>n</a:t>
-            </a:r>
-            <a:r>
-              <a:rPr lang="zh-TW" altLang="en-US" sz="3200" dirty="0" smtClean="0">
-                <a:latin typeface="微軟正黑體" pitchFamily="34" charset="-120"/>
-                <a:ea typeface="微軟正黑體" pitchFamily="34" charset="-120"/>
-              </a:rPr>
-              <a:t>個</a:t>
-            </a:r>
-            <a:r>
-              <a:rPr lang="en-US" altLang="zh-TW" sz="3200" dirty="0" smtClean="0">
-                <a:latin typeface="微軟正黑體" pitchFamily="34" charset="-120"/>
-                <a:ea typeface="微軟正黑體" pitchFamily="34" charset="-120"/>
-              </a:rPr>
-              <a:t>moment</a:t>
-            </a:r>
-            <a:r>
-              <a:rPr lang="zh-TW" altLang="en-US" sz="3200" dirty="0" smtClean="0">
-                <a:latin typeface="微軟正黑體" pitchFamily="34" charset="-120"/>
-                <a:ea typeface="微軟正黑體" pitchFamily="34" charset="-120"/>
-              </a:rPr>
-              <a:t>為</a:t>
-            </a:r>
-            <a:endParaRPr lang="en-US" altLang="zh-TW" sz="3200" dirty="0" smtClean="0">
-              <a:latin typeface="微軟正黑體" pitchFamily="34" charset="-120"/>
-              <a:ea typeface="微軟正黑體" pitchFamily="34" charset="-120"/>
-            </a:endParaRPr>
-          </a:p>
-          <a:p>
-            <a:pPr marL="271463" indent="-271463">
-              <a:buFont typeface="Arial" pitchFamily="34" charset="0"/>
-              <a:buChar char="•"/>
-            </a:pPr>
-            <a:r>
-              <a:rPr lang="zh-TW" altLang="en-US" sz="3200" dirty="0" smtClean="0">
-                <a:latin typeface="微軟正黑體" pitchFamily="34" charset="-120"/>
-                <a:ea typeface="微軟正黑體" pitchFamily="34" charset="-120"/>
-              </a:rPr>
-              <a:t>影像有兩個座標值，需要兩個變數，因此其第</a:t>
-            </a:r>
-            <a:r>
-              <a:rPr lang="en-US" altLang="zh-TW" sz="3200" dirty="0" smtClean="0">
-                <a:latin typeface="微軟正黑體" pitchFamily="34" charset="-120"/>
-                <a:ea typeface="微軟正黑體" pitchFamily="34" charset="-120"/>
-              </a:rPr>
-              <a:t>m</a:t>
-            </a:r>
-            <a:r>
-              <a:rPr lang="zh-TW" altLang="en-US" sz="3200" dirty="0" smtClean="0">
-                <a:latin typeface="微軟正黑體" pitchFamily="34" charset="-120"/>
-                <a:ea typeface="微軟正黑體" pitchFamily="34" charset="-120"/>
-              </a:rPr>
-              <a:t>，</a:t>
-            </a:r>
-            <a:r>
-              <a:rPr lang="en-US" altLang="zh-TW" sz="3200" dirty="0" smtClean="0">
-                <a:latin typeface="微軟正黑體" pitchFamily="34" charset="-120"/>
-                <a:ea typeface="微軟正黑體" pitchFamily="34" charset="-120"/>
-              </a:rPr>
-              <a:t>n</a:t>
-            </a:r>
-            <a:r>
-              <a:rPr lang="zh-TW" altLang="en-US" sz="3200" dirty="0" smtClean="0">
-                <a:latin typeface="微軟正黑體" pitchFamily="34" charset="-120"/>
-                <a:ea typeface="微軟正黑體" pitchFamily="34" charset="-120"/>
-              </a:rPr>
-              <a:t>個</a:t>
-            </a:r>
-            <a:r>
-              <a:rPr lang="en-US" altLang="zh-TW" sz="3200" dirty="0" smtClean="0">
-                <a:latin typeface="微軟正黑體" pitchFamily="34" charset="-120"/>
-                <a:ea typeface="微軟正黑體" pitchFamily="34" charset="-120"/>
-              </a:rPr>
-              <a:t>moment</a:t>
-            </a:r>
-            <a:r>
-              <a:rPr lang="zh-TW" altLang="en-US" sz="3200" dirty="0" smtClean="0">
-                <a:latin typeface="微軟正黑體" pitchFamily="34" charset="-120"/>
-                <a:ea typeface="微軟正黑體" pitchFamily="34" charset="-120"/>
-              </a:rPr>
-              <a:t>為</a:t>
-            </a:r>
-            <a:endParaRPr lang="en-US" altLang="zh-TW" sz="3200" dirty="0" smtClean="0">
-              <a:latin typeface="微軟正黑體" pitchFamily="34" charset="-120"/>
-              <a:ea typeface="微軟正黑體" pitchFamily="34" charset="-120"/>
-            </a:endParaRPr>
-          </a:p>
-          <a:p>
-            <a:pPr marL="271463" indent="-271463">
-              <a:buFont typeface="Arial" pitchFamily="34" charset="0"/>
-              <a:buChar char="•"/>
-            </a:pPr>
-            <a:r>
-              <a:rPr lang="zh-TW" altLang="en-US" sz="3200" dirty="0" smtClean="0">
-                <a:latin typeface="微軟正黑體" pitchFamily="34" charset="-120"/>
-                <a:ea typeface="微軟正黑體" pitchFamily="34" charset="-120"/>
-              </a:rPr>
-              <a:t>由於影像為離散的點，非連續的實數，因此影像的</a:t>
-            </a:r>
-            <a:r>
-              <a:rPr lang="en-US" altLang="zh-TW" sz="3200" dirty="0" smtClean="0">
-                <a:latin typeface="微軟正黑體" pitchFamily="34" charset="-120"/>
-                <a:ea typeface="微軟正黑體" pitchFamily="34" charset="-120"/>
-              </a:rPr>
-              <a:t>moment</a:t>
-            </a:r>
-            <a:r>
-              <a:rPr lang="zh-TW" altLang="en-US" sz="3200" dirty="0" smtClean="0">
-                <a:latin typeface="微軟正黑體" pitchFamily="34" charset="-120"/>
-                <a:ea typeface="微軟正黑體" pitchFamily="34" charset="-120"/>
-              </a:rPr>
-              <a:t>為求和：</a:t>
-            </a:r>
-            <a:endParaRPr lang="en-US" altLang="zh-TW" sz="3200" dirty="0" smtClean="0">
-              <a:latin typeface="微軟正黑體" pitchFamily="34" charset="-120"/>
-              <a:ea typeface="微軟正黑體" pitchFamily="34" charset="-120"/>
-            </a:endParaRPr>
-          </a:p>
-          <a:p>
-            <a:pPr marL="271463" indent="-271463">
-              <a:buFont typeface="Arial" pitchFamily="34" charset="0"/>
-              <a:buChar char="•"/>
-            </a:pPr>
-            <a:r>
-              <a:rPr lang="zh-TW" altLang="zh-TW" sz="3200" dirty="0" smtClean="0">
-                <a:latin typeface="微軟正黑體" pitchFamily="34" charset="-120"/>
-                <a:ea typeface="微軟正黑體" pitchFamily="34" charset="-120"/>
-              </a:rPr>
-              <a:t>矩特徵被廣泛地應用在模式識別、影像識別</a:t>
-            </a:r>
-            <a:endParaRPr lang="zh-TW" altLang="zh-TW" sz="3200" dirty="0">
-              <a:latin typeface="微軟正黑體" pitchFamily="34" charset="-120"/>
-              <a:ea typeface="微軟正黑體" pitchFamily="34" charset="-120"/>
-            </a:endParaRPr>
-          </a:p>
-        </p:txBody>
-      </p:sp>
-      <p:pic>
-        <p:nvPicPr>
-          <p:cNvPr id="125954" name="Picture 2"/>
-          <p:cNvPicPr>
-            <a:picLocks noChangeAspect="1" noChangeArrowheads="1"/>
-          </p:cNvPicPr>
-          <p:nvPr/>
-        </p:nvPicPr>
-        <p:blipFill>
-          <a:blip r:embed="rId3" cstate="print"/>
-          <a:srcRect/>
-          <a:stretch>
-            <a:fillRect/>
-          </a:stretch>
-        </p:blipFill>
-        <p:spPr bwMode="auto">
-          <a:xfrm>
-            <a:off x="5029200" y="3048000"/>
-            <a:ext cx="2057400" cy="442686"/>
-          </a:xfrm>
-          <a:prstGeom prst="rect">
-            <a:avLst/>
-          </a:prstGeom>
-          <a:noFill/>
-          <a:ln w="9525">
-            <a:noFill/>
-            <a:miter lim="800000"/>
-            <a:headEnd/>
-            <a:tailEnd/>
-          </a:ln>
-        </p:spPr>
-      </p:pic>
-      <p:pic>
-        <p:nvPicPr>
-          <p:cNvPr id="125955" name="Picture 3"/>
-          <p:cNvPicPr>
-            <a:picLocks noChangeAspect="1" noChangeArrowheads="1"/>
-          </p:cNvPicPr>
-          <p:nvPr/>
-        </p:nvPicPr>
-        <p:blipFill>
-          <a:blip r:embed="rId4" cstate="print"/>
-          <a:srcRect/>
-          <a:stretch>
-            <a:fillRect/>
-          </a:stretch>
-        </p:blipFill>
-        <p:spPr bwMode="auto">
-          <a:xfrm>
-            <a:off x="5029200" y="4038600"/>
-            <a:ext cx="3021013" cy="365125"/>
-          </a:xfrm>
-          <a:prstGeom prst="rect">
-            <a:avLst/>
-          </a:prstGeom>
-          <a:noFill/>
-          <a:ln w="9525">
-            <a:noFill/>
-            <a:miter lim="800000"/>
-            <a:headEnd/>
-            <a:tailEnd/>
-          </a:ln>
-        </p:spPr>
-      </p:pic>
-      <p:pic>
-        <p:nvPicPr>
-          <p:cNvPr id="125956" name="Picture 4"/>
-          <p:cNvPicPr>
-            <a:picLocks noChangeAspect="1" noChangeArrowheads="1"/>
-          </p:cNvPicPr>
-          <p:nvPr/>
-        </p:nvPicPr>
-        <p:blipFill>
-          <a:blip r:embed="rId5" cstate="print"/>
-          <a:srcRect/>
-          <a:stretch>
-            <a:fillRect/>
-          </a:stretch>
-        </p:blipFill>
-        <p:spPr bwMode="auto">
-          <a:xfrm>
-            <a:off x="5105399" y="5029199"/>
-            <a:ext cx="3557971" cy="337457"/>
-          </a:xfrm>
-          <a:prstGeom prst="rect">
-            <a:avLst/>
-          </a:prstGeom>
-          <a:noFill/>
-          <a:ln w="9525">
-            <a:noFill/>
-            <a:miter lim="800000"/>
-            <a:headEnd/>
-            <a:tailEnd/>
-          </a:ln>
-        </p:spPr>
-      </p:pic>
-    </p:spTree>
-    <p:extLst>
-      <p:ext uri="{BB962C8B-B14F-4D97-AF65-F5344CB8AC3E}">
-        <p14:creationId xmlns="" xmlns:p14="http://schemas.microsoft.com/office/powerpoint/2010/main" val="522405798"/>
+        <p14:creationId xmlns:p14="http://schemas.microsoft.com/office/powerpoint/2010/main" xmlns="" val="522405798"/>
       </p:ext>
     </p:extLst>
   </p:cSld>
@@ -38806,7 +39071,7 @@
     </p:spTree>
     <p:extLst>
       <p:ext uri="{BB962C8B-B14F-4D97-AF65-F5344CB8AC3E}">
-        <p14:creationId xmlns="" xmlns:p14="http://schemas.microsoft.com/office/powerpoint/2010/main" val="522405798"/>
+        <p14:creationId xmlns:p14="http://schemas.microsoft.com/office/powerpoint/2010/main" xmlns="" val="522405798"/>
       </p:ext>
     </p:extLst>
   </p:cSld>
@@ -39081,7 +39346,7 @@
     </p:spTree>
     <p:extLst>
       <p:ext uri="{BB962C8B-B14F-4D97-AF65-F5344CB8AC3E}">
-        <p14:creationId xmlns="" xmlns:p14="http://schemas.microsoft.com/office/powerpoint/2010/main" val="522405798"/>
+        <p14:creationId xmlns:p14="http://schemas.microsoft.com/office/powerpoint/2010/main" xmlns="" val="522405798"/>
       </p:ext>
     </p:extLst>
   </p:cSld>
@@ -39239,7 +39504,7 @@
     </p:spTree>
     <p:extLst>
       <p:ext uri="{BB962C8B-B14F-4D97-AF65-F5344CB8AC3E}">
-        <p14:creationId xmlns="" xmlns:p14="http://schemas.microsoft.com/office/powerpoint/2010/main" val="522405798"/>
+        <p14:creationId xmlns:p14="http://schemas.microsoft.com/office/powerpoint/2010/main" xmlns="" val="522405798"/>
       </p:ext>
     </p:extLst>
   </p:cSld>
@@ -39574,7 +39839,7 @@
     </p:spTree>
     <p:extLst>
       <p:ext uri="{BB962C8B-B14F-4D97-AF65-F5344CB8AC3E}">
-        <p14:creationId xmlns="" xmlns:p14="http://schemas.microsoft.com/office/powerpoint/2010/main" val="522405798"/>
+        <p14:creationId xmlns:p14="http://schemas.microsoft.com/office/powerpoint/2010/main" xmlns="" val="522405798"/>
       </p:ext>
     </p:extLst>
   </p:cSld>
@@ -39833,7 +40098,7 @@
     </p:spTree>
     <p:extLst>
       <p:ext uri="{BB962C8B-B14F-4D97-AF65-F5344CB8AC3E}">
-        <p14:creationId xmlns="" xmlns:p14="http://schemas.microsoft.com/office/powerpoint/2010/main" val="522405798"/>
+        <p14:creationId xmlns:p14="http://schemas.microsoft.com/office/powerpoint/2010/main" xmlns="" val="522405798"/>
       </p:ext>
     </p:extLst>
   </p:cSld>
@@ -40072,7 +40337,7 @@
     </p:spTree>
     <p:extLst>
       <p:ext uri="{BB962C8B-B14F-4D97-AF65-F5344CB8AC3E}">
-        <p14:creationId xmlns="" xmlns:p14="http://schemas.microsoft.com/office/powerpoint/2010/main" val="522405798"/>
+        <p14:creationId xmlns:p14="http://schemas.microsoft.com/office/powerpoint/2010/main" xmlns="" val="522405798"/>
       </p:ext>
     </p:extLst>
   </p:cSld>
@@ -40250,7 +40515,7 @@
     </p:spTree>
     <p:extLst>
       <p:ext uri="{BB962C8B-B14F-4D97-AF65-F5344CB8AC3E}">
-        <p14:creationId xmlns="" xmlns:p14="http://schemas.microsoft.com/office/powerpoint/2010/main" val="522405798"/>
+        <p14:creationId xmlns:p14="http://schemas.microsoft.com/office/powerpoint/2010/main" xmlns="" val="522405798"/>
       </p:ext>
     </p:extLst>
   </p:cSld>
@@ -40342,7 +40607,7 @@
           <a:blip r:embed="rId3" cstate="print">
             <a:extLst>
               <a:ext uri="{28A0092B-C50C-407E-A947-70E740481C1C}">
-                <a14:useLocalDpi xmlns:ve="http://schemas.openxmlformats.org/markup-compatibility/2006" xmlns:m="http://schemas.openxmlformats.org/officeDocument/2006/math" xmlns:wp="http://schemas.openxmlformats.org/drawingml/2006/wordprocessingDrawing" xmlns:wne="http://schemas.microsoft.com/office/word/2006/wordml" xmlns:a14="http://schemas.microsoft.com/office/drawing/2010/main" xmlns:wps="http://schemas.microsoft.com/office/word/2010/wordprocessingShape" xmlns:wpi="http://schemas.microsoft.com/office/word/2010/wordprocessingInk" xmlns:wpg="http://schemas.microsoft.com/office/word/2010/wordprocessingGroup" xmlns:w14="http://schemas.microsoft.com/office/word/2010/wordml" xmlns:w="http://schemas.openxmlformats.org/wordprocessingml/2006/main" xmlns:w10="urn:schemas-microsoft-com:office:word" xmlns:wp14="http://schemas.microsoft.com/office/word/2010/wordprocessingDrawing" xmlns:v="urn:schemas-microsoft-com:vml" xmlns:o="urn:schemas-microsoft-com:office:office" xmlns:mc="http://schemas.openxmlformats.org/markup-compatibility/2006" xmlns:wpc="http://schemas.microsoft.com/office/word/2010/wordprocessingCanvas" xmlns="" xmlns:pic="http://schemas.openxmlformats.org/drawingml/2006/picture" xmlns:lc="http://schemas.openxmlformats.org/drawingml/2006/lockedCanvas" val="0"/>
+                <a14:useLocalDpi xmlns:lc="http://schemas.openxmlformats.org/drawingml/2006/lockedCanvas" xmlns:pic="http://schemas.openxmlformats.org/drawingml/2006/picture" xmlns="" xmlns:wpc="http://schemas.microsoft.com/office/word/2010/wordprocessingCanvas" xmlns:mc="http://schemas.openxmlformats.org/markup-compatibility/2006" xmlns:o="urn:schemas-microsoft-com:office:office" xmlns:v="urn:schemas-microsoft-com:vml" xmlns:wp14="http://schemas.microsoft.com/office/word/2010/wordprocessingDrawing" xmlns:w10="urn:schemas-microsoft-com:office:word" xmlns:w="http://schemas.openxmlformats.org/wordprocessingml/2006/main" xmlns:w14="http://schemas.microsoft.com/office/word/2010/wordml" xmlns:wpg="http://schemas.microsoft.com/office/word/2010/wordprocessingGroup" xmlns:wpi="http://schemas.microsoft.com/office/word/2010/wordprocessingInk" xmlns:wps="http://schemas.microsoft.com/office/word/2010/wordprocessingShape" xmlns:a14="http://schemas.microsoft.com/office/drawing/2010/main" xmlns:wne="http://schemas.microsoft.com/office/word/2006/wordml" xmlns:wp="http://schemas.openxmlformats.org/drawingml/2006/wordprocessingDrawing" xmlns:m="http://schemas.openxmlformats.org/officeDocument/2006/math" xmlns:ve="http://schemas.openxmlformats.org/markup-compatibility/2006" val="0"/>
               </a:ext>
             </a:extLst>
           </a:blip>
@@ -40368,7 +40633,7 @@
     </p:spTree>
     <p:extLst>
       <p:ext uri="{BB962C8B-B14F-4D97-AF65-F5344CB8AC3E}">
-        <p14:creationId xmlns="" xmlns:p14="http://schemas.microsoft.com/office/powerpoint/2010/main" val="522405798"/>
+        <p14:creationId xmlns:p14="http://schemas.microsoft.com/office/powerpoint/2010/main" xmlns="" val="522405798"/>
       </p:ext>
     </p:extLst>
   </p:cSld>
@@ -40610,7 +40875,7 @@
     </p:spTree>
     <p:extLst>
       <p:ext uri="{BB962C8B-B14F-4D97-AF65-F5344CB8AC3E}">
-        <p14:creationId xmlns="" xmlns:p14="http://schemas.microsoft.com/office/powerpoint/2010/main" val="522405798"/>
+        <p14:creationId xmlns:p14="http://schemas.microsoft.com/office/powerpoint/2010/main" xmlns="" val="522405798"/>
       </p:ext>
     </p:extLst>
   </p:cSld>
@@ -40765,7 +41030,7 @@
     </p:spTree>
     <p:extLst>
       <p:ext uri="{BB962C8B-B14F-4D97-AF65-F5344CB8AC3E}">
-        <p14:creationId xmlns="" xmlns:p14="http://schemas.microsoft.com/office/powerpoint/2010/main" val="522405798"/>
+        <p14:creationId xmlns:p14="http://schemas.microsoft.com/office/powerpoint/2010/main" xmlns="" val="522405798"/>
       </p:ext>
     </p:extLst>
   </p:cSld>
@@ -41136,7 +41401,7 @@
     </p:spTree>
     <p:extLst>
       <p:ext uri="{BB962C8B-B14F-4D97-AF65-F5344CB8AC3E}">
-        <p14:creationId xmlns="" xmlns:p14="http://schemas.microsoft.com/office/powerpoint/2010/main" val="522405798"/>
+        <p14:creationId xmlns:p14="http://schemas.microsoft.com/office/powerpoint/2010/main" xmlns="" val="522405798"/>
       </p:ext>
     </p:extLst>
   </p:cSld>
@@ -41425,7 +41690,7 @@
     </p:spTree>
     <p:extLst>
       <p:ext uri="{BB962C8B-B14F-4D97-AF65-F5344CB8AC3E}">
-        <p14:creationId xmlns="" xmlns:p14="http://schemas.microsoft.com/office/powerpoint/2010/main" val="522405798"/>
+        <p14:creationId xmlns:p14="http://schemas.microsoft.com/office/powerpoint/2010/main" xmlns="" val="522405798"/>
       </p:ext>
     </p:extLst>
   </p:cSld>
@@ -41672,7 +41937,7 @@
     </p:spTree>
     <p:extLst>
       <p:ext uri="{BB962C8B-B14F-4D97-AF65-F5344CB8AC3E}">
-        <p14:creationId xmlns="" xmlns:p14="http://schemas.microsoft.com/office/powerpoint/2010/main" val="522405798"/>
+        <p14:creationId xmlns:p14="http://schemas.microsoft.com/office/powerpoint/2010/main" xmlns="" val="522405798"/>
       </p:ext>
     </p:extLst>
   </p:cSld>
@@ -42000,7 +42265,7 @@
     </p:spTree>
     <p:extLst>
       <p:ext uri="{BB962C8B-B14F-4D97-AF65-F5344CB8AC3E}">
-        <p14:creationId xmlns="" xmlns:p14="http://schemas.microsoft.com/office/powerpoint/2010/main" val="522405798"/>
+        <p14:creationId xmlns:p14="http://schemas.microsoft.com/office/powerpoint/2010/main" xmlns="" val="522405798"/>
       </p:ext>
     </p:extLst>
   </p:cSld>
@@ -42267,7 +42532,7 @@
     </p:spTree>
     <p:extLst>
       <p:ext uri="{BB962C8B-B14F-4D97-AF65-F5344CB8AC3E}">
-        <p14:creationId xmlns="" xmlns:p14="http://schemas.microsoft.com/office/powerpoint/2010/main" val="522405798"/>
+        <p14:creationId xmlns:p14="http://schemas.microsoft.com/office/powerpoint/2010/main" xmlns="" val="522405798"/>
       </p:ext>
     </p:extLst>
   </p:cSld>
@@ -42666,7 +42931,7 @@
     </p:spTree>
     <p:extLst>
       <p:ext uri="{BB962C8B-B14F-4D97-AF65-F5344CB8AC3E}">
-        <p14:creationId xmlns="" xmlns:p14="http://schemas.microsoft.com/office/powerpoint/2010/main" val="522405798"/>
+        <p14:creationId xmlns:p14="http://schemas.microsoft.com/office/powerpoint/2010/main" xmlns="" val="522405798"/>
       </p:ext>
     </p:extLst>
   </p:cSld>
@@ -42764,7 +43029,7 @@
     </p:spTree>
     <p:extLst>
       <p:ext uri="{BB962C8B-B14F-4D97-AF65-F5344CB8AC3E}">
-        <p14:creationId xmlns:p14="http://schemas.microsoft.com/office/powerpoint/2010/main" xmlns="" val="3907764274"/>
+        <p14:creationId xmlns="" xmlns:p14="http://schemas.microsoft.com/office/powerpoint/2010/main" val="3907764274"/>
       </p:ext>
     </p:extLst>
   </p:cSld>
@@ -42921,7 +43186,7 @@
     </p:spTree>
     <p:extLst>
       <p:ext uri="{BB962C8B-B14F-4D97-AF65-F5344CB8AC3E}">
-        <p14:creationId xmlns="" xmlns:p14="http://schemas.microsoft.com/office/powerpoint/2010/main" val="522405798"/>
+        <p14:creationId xmlns:p14="http://schemas.microsoft.com/office/powerpoint/2010/main" xmlns="" val="522405798"/>
       </p:ext>
     </p:extLst>
   </p:cSld>
@@ -43163,7 +43428,7 @@
     </p:spTree>
     <p:extLst>
       <p:ext uri="{BB962C8B-B14F-4D97-AF65-F5344CB8AC3E}">
-        <p14:creationId xmlns="" xmlns:p14="http://schemas.microsoft.com/office/powerpoint/2010/main" val="522405798"/>
+        <p14:creationId xmlns:p14="http://schemas.microsoft.com/office/powerpoint/2010/main" xmlns="" val="522405798"/>
       </p:ext>
     </p:extLst>
   </p:cSld>
@@ -43362,7 +43627,7 @@
     </p:spTree>
     <p:extLst>
       <p:ext uri="{BB962C8B-B14F-4D97-AF65-F5344CB8AC3E}">
-        <p14:creationId xmlns="" xmlns:p14="http://schemas.microsoft.com/office/powerpoint/2010/main" val="522405798"/>
+        <p14:creationId xmlns:p14="http://schemas.microsoft.com/office/powerpoint/2010/main" xmlns="" val="522405798"/>
       </p:ext>
     </p:extLst>
   </p:cSld>
@@ -43472,7 +43737,7 @@
           <a:blip r:embed="rId3" cstate="print">
             <a:extLst>
               <a:ext uri="{28A0092B-C50C-407E-A947-70E740481C1C}">
-                <a14:useLocalDpi xmlns:ve="http://schemas.openxmlformats.org/markup-compatibility/2006" xmlns:m="http://schemas.openxmlformats.org/officeDocument/2006/math" xmlns:wp="http://schemas.openxmlformats.org/drawingml/2006/wordprocessingDrawing" xmlns:wne="http://schemas.microsoft.com/office/word/2006/wordml" xmlns:a14="http://schemas.microsoft.com/office/drawing/2010/main" xmlns:wps="http://schemas.microsoft.com/office/word/2010/wordprocessingShape" xmlns:wpi="http://schemas.microsoft.com/office/word/2010/wordprocessingInk" xmlns:wpg="http://schemas.microsoft.com/office/word/2010/wordprocessingGroup" xmlns:w14="http://schemas.microsoft.com/office/word/2010/wordml" xmlns:w="http://schemas.openxmlformats.org/wordprocessingml/2006/main" xmlns:w10="urn:schemas-microsoft-com:office:word" xmlns:wp14="http://schemas.microsoft.com/office/word/2010/wordprocessingDrawing" xmlns:v="urn:schemas-microsoft-com:vml" xmlns:o="urn:schemas-microsoft-com:office:office" xmlns:mc="http://schemas.openxmlformats.org/markup-compatibility/2006" xmlns:wpc="http://schemas.microsoft.com/office/word/2010/wordprocessingCanvas" xmlns="" xmlns:pic="http://schemas.openxmlformats.org/drawingml/2006/picture" xmlns:lc="http://schemas.openxmlformats.org/drawingml/2006/lockedCanvas" val="0"/>
+                <a14:useLocalDpi xmlns:lc="http://schemas.openxmlformats.org/drawingml/2006/lockedCanvas" xmlns:pic="http://schemas.openxmlformats.org/drawingml/2006/picture" xmlns="" xmlns:wpc="http://schemas.microsoft.com/office/word/2010/wordprocessingCanvas" xmlns:mc="http://schemas.openxmlformats.org/markup-compatibility/2006" xmlns:o="urn:schemas-microsoft-com:office:office" xmlns:v="urn:schemas-microsoft-com:vml" xmlns:wp14="http://schemas.microsoft.com/office/word/2010/wordprocessingDrawing" xmlns:w10="urn:schemas-microsoft-com:office:word" xmlns:w="http://schemas.openxmlformats.org/wordprocessingml/2006/main" xmlns:w14="http://schemas.microsoft.com/office/word/2010/wordml" xmlns:wpg="http://schemas.microsoft.com/office/word/2010/wordprocessingGroup" xmlns:wpi="http://schemas.microsoft.com/office/word/2010/wordprocessingInk" xmlns:wps="http://schemas.microsoft.com/office/word/2010/wordprocessingShape" xmlns:a14="http://schemas.microsoft.com/office/drawing/2010/main" xmlns:wne="http://schemas.microsoft.com/office/word/2006/wordml" xmlns:wp="http://schemas.openxmlformats.org/drawingml/2006/wordprocessingDrawing" xmlns:m="http://schemas.openxmlformats.org/officeDocument/2006/math" xmlns:ve="http://schemas.openxmlformats.org/markup-compatibility/2006" val="0"/>
               </a:ext>
             </a:extLst>
           </a:blip>
@@ -43505,7 +43770,7 @@
           <a:blip r:embed="rId4" cstate="print">
             <a:extLst>
               <a:ext uri="{28A0092B-C50C-407E-A947-70E740481C1C}">
-                <a14:useLocalDpi xmlns:ve="http://schemas.openxmlformats.org/markup-compatibility/2006" xmlns:m="http://schemas.openxmlformats.org/officeDocument/2006/math" xmlns:wp="http://schemas.openxmlformats.org/drawingml/2006/wordprocessingDrawing" xmlns:wne="http://schemas.microsoft.com/office/word/2006/wordml" xmlns:a14="http://schemas.microsoft.com/office/drawing/2010/main" xmlns:wps="http://schemas.microsoft.com/office/word/2010/wordprocessingShape" xmlns:wpi="http://schemas.microsoft.com/office/word/2010/wordprocessingInk" xmlns:wpg="http://schemas.microsoft.com/office/word/2010/wordprocessingGroup" xmlns:w14="http://schemas.microsoft.com/office/word/2010/wordml" xmlns:w="http://schemas.openxmlformats.org/wordprocessingml/2006/main" xmlns:w10="urn:schemas-microsoft-com:office:word" xmlns:wp14="http://schemas.microsoft.com/office/word/2010/wordprocessingDrawing" xmlns:v="urn:schemas-microsoft-com:vml" xmlns:o="urn:schemas-microsoft-com:office:office" xmlns:mc="http://schemas.openxmlformats.org/markup-compatibility/2006" xmlns:wpc="http://schemas.microsoft.com/office/word/2010/wordprocessingCanvas" xmlns="" xmlns:pic="http://schemas.openxmlformats.org/drawingml/2006/picture" xmlns:lc="http://schemas.openxmlformats.org/drawingml/2006/lockedCanvas" val="0"/>
+                <a14:useLocalDpi xmlns:lc="http://schemas.openxmlformats.org/drawingml/2006/lockedCanvas" xmlns:pic="http://schemas.openxmlformats.org/drawingml/2006/picture" xmlns="" xmlns:wpc="http://schemas.microsoft.com/office/word/2010/wordprocessingCanvas" xmlns:mc="http://schemas.openxmlformats.org/markup-compatibility/2006" xmlns:o="urn:schemas-microsoft-com:office:office" xmlns:v="urn:schemas-microsoft-com:vml" xmlns:wp14="http://schemas.microsoft.com/office/word/2010/wordprocessingDrawing" xmlns:w10="urn:schemas-microsoft-com:office:word" xmlns:w="http://schemas.openxmlformats.org/wordprocessingml/2006/main" xmlns:w14="http://schemas.microsoft.com/office/word/2010/wordml" xmlns:wpg="http://schemas.microsoft.com/office/word/2010/wordprocessingGroup" xmlns:wpi="http://schemas.microsoft.com/office/word/2010/wordprocessingInk" xmlns:wps="http://schemas.microsoft.com/office/word/2010/wordprocessingShape" xmlns:a14="http://schemas.microsoft.com/office/drawing/2010/main" xmlns:wne="http://schemas.microsoft.com/office/word/2006/wordml" xmlns:wp="http://schemas.openxmlformats.org/drawingml/2006/wordprocessingDrawing" xmlns:m="http://schemas.openxmlformats.org/officeDocument/2006/math" xmlns:ve="http://schemas.openxmlformats.org/markup-compatibility/2006" val="0"/>
               </a:ext>
             </a:extLst>
           </a:blip>
@@ -43531,7 +43796,7 @@
     </p:spTree>
     <p:extLst>
       <p:ext uri="{BB962C8B-B14F-4D97-AF65-F5344CB8AC3E}">
-        <p14:creationId xmlns="" xmlns:p14="http://schemas.microsoft.com/office/powerpoint/2010/main" val="522405798"/>
+        <p14:creationId xmlns:p14="http://schemas.microsoft.com/office/powerpoint/2010/main" xmlns="" val="522405798"/>
       </p:ext>
     </p:extLst>
   </p:cSld>
@@ -43730,7 +43995,7 @@
     </p:spTree>
     <p:extLst>
       <p:ext uri="{BB962C8B-B14F-4D97-AF65-F5344CB8AC3E}">
-        <p14:creationId xmlns="" xmlns:p14="http://schemas.microsoft.com/office/powerpoint/2010/main" val="522405798"/>
+        <p14:creationId xmlns:p14="http://schemas.microsoft.com/office/powerpoint/2010/main" xmlns="" val="522405798"/>
       </p:ext>
     </p:extLst>
   </p:cSld>
@@ -43992,7 +44257,7 @@
     </p:spTree>
     <p:extLst>
       <p:ext uri="{BB962C8B-B14F-4D97-AF65-F5344CB8AC3E}">
-        <p14:creationId xmlns="" xmlns:p14="http://schemas.microsoft.com/office/powerpoint/2010/main" val="522405798"/>
+        <p14:creationId xmlns:p14="http://schemas.microsoft.com/office/powerpoint/2010/main" xmlns="" val="522405798"/>
       </p:ext>
     </p:extLst>
   </p:cSld>
@@ -44292,7 +44557,7 @@
     </p:spTree>
     <p:extLst>
       <p:ext uri="{BB962C8B-B14F-4D97-AF65-F5344CB8AC3E}">
-        <p14:creationId xmlns="" xmlns:p14="http://schemas.microsoft.com/office/powerpoint/2010/main" val="522405798"/>
+        <p14:creationId xmlns:p14="http://schemas.microsoft.com/office/powerpoint/2010/main" xmlns="" val="522405798"/>
       </p:ext>
     </p:extLst>
   </p:cSld>
@@ -44474,7 +44739,7 @@
     </p:spTree>
     <p:extLst>
       <p:ext uri="{BB962C8B-B14F-4D97-AF65-F5344CB8AC3E}">
-        <p14:creationId xmlns="" xmlns:p14="http://schemas.microsoft.com/office/powerpoint/2010/main" val="522405798"/>
+        <p14:creationId xmlns:p14="http://schemas.microsoft.com/office/powerpoint/2010/main" xmlns="" val="522405798"/>
       </p:ext>
     </p:extLst>
   </p:cSld>
@@ -44872,7 +45137,7 @@
     </p:spTree>
     <p:extLst>
       <p:ext uri="{BB962C8B-B14F-4D97-AF65-F5344CB8AC3E}">
-        <p14:creationId xmlns="" xmlns:p14="http://schemas.microsoft.com/office/powerpoint/2010/main" val="522405798"/>
+        <p14:creationId xmlns:p14="http://schemas.microsoft.com/office/powerpoint/2010/main" xmlns="" val="522405798"/>
       </p:ext>
     </p:extLst>
   </p:cSld>
@@ -45176,7 +45441,7 @@
     </p:spTree>
     <p:extLst>
       <p:ext uri="{BB962C8B-B14F-4D97-AF65-F5344CB8AC3E}">
-        <p14:creationId xmlns="" xmlns:p14="http://schemas.microsoft.com/office/powerpoint/2010/main" val="522405798"/>
+        <p14:creationId xmlns:p14="http://schemas.microsoft.com/office/powerpoint/2010/main" xmlns="" val="522405798"/>
       </p:ext>
     </p:extLst>
   </p:cSld>
@@ -45325,7 +45590,7 @@
     </p:spTree>
     <p:extLst>
       <p:ext uri="{BB962C8B-B14F-4D97-AF65-F5344CB8AC3E}">
-        <p14:creationId xmlns="" xmlns:p14="http://schemas.microsoft.com/office/powerpoint/2010/main" val="522405798"/>
+        <p14:creationId xmlns:p14="http://schemas.microsoft.com/office/powerpoint/2010/main" xmlns="" val="522405798"/>
       </p:ext>
     </p:extLst>
   </p:cSld>
@@ -45514,7 +45779,7 @@
     </p:spTree>
     <p:extLst>
       <p:ext uri="{BB962C8B-B14F-4D97-AF65-F5344CB8AC3E}">
-        <p14:creationId xmlns="" xmlns:p14="http://schemas.microsoft.com/office/powerpoint/2010/main" val="522405798"/>
+        <p14:creationId xmlns:p14="http://schemas.microsoft.com/office/powerpoint/2010/main" xmlns="" val="522405798"/>
       </p:ext>
     </p:extLst>
   </p:cSld>
@@ -45609,7 +45874,7 @@
     </p:spTree>
     <p:extLst>
       <p:ext uri="{BB962C8B-B14F-4D97-AF65-F5344CB8AC3E}">
-        <p14:creationId xmlns:p14="http://schemas.microsoft.com/office/powerpoint/2010/main" xmlns="" val="3907764274"/>
+        <p14:creationId xmlns="" xmlns:p14="http://schemas.microsoft.com/office/powerpoint/2010/main" val="3907764274"/>
       </p:ext>
     </p:extLst>
   </p:cSld>
@@ -45849,7 +46114,7 @@
     </p:spTree>
     <p:extLst>
       <p:ext uri="{BB962C8B-B14F-4D97-AF65-F5344CB8AC3E}">
-        <p14:creationId xmlns="" xmlns:p14="http://schemas.microsoft.com/office/powerpoint/2010/main" val="522405798"/>
+        <p14:creationId xmlns:p14="http://schemas.microsoft.com/office/powerpoint/2010/main" xmlns="" val="522405798"/>
       </p:ext>
     </p:extLst>
   </p:cSld>
@@ -46057,7 +46322,7 @@
     </p:spTree>
     <p:extLst>
       <p:ext uri="{BB962C8B-B14F-4D97-AF65-F5344CB8AC3E}">
-        <p14:creationId xmlns="" xmlns:p14="http://schemas.microsoft.com/office/powerpoint/2010/main" val="522405798"/>
+        <p14:creationId xmlns:p14="http://schemas.microsoft.com/office/powerpoint/2010/main" xmlns="" val="522405798"/>
       </p:ext>
     </p:extLst>
   </p:cSld>
@@ -46421,7 +46686,7 @@
     </p:spTree>
     <p:extLst>
       <p:ext uri="{BB962C8B-B14F-4D97-AF65-F5344CB8AC3E}">
-        <p14:creationId xmlns="" xmlns:p14="http://schemas.microsoft.com/office/powerpoint/2010/main" val="522405798"/>
+        <p14:creationId xmlns:p14="http://schemas.microsoft.com/office/powerpoint/2010/main" xmlns="" val="522405798"/>
       </p:ext>
     </p:extLst>
   </p:cSld>
@@ -46553,7 +46818,7 @@
     </p:spTree>
     <p:extLst>
       <p:ext uri="{BB962C8B-B14F-4D97-AF65-F5344CB8AC3E}">
-        <p14:creationId xmlns="" xmlns:p14="http://schemas.microsoft.com/office/powerpoint/2010/main" val="522405798"/>
+        <p14:creationId xmlns:p14="http://schemas.microsoft.com/office/powerpoint/2010/main" xmlns="" val="522405798"/>
       </p:ext>
     </p:extLst>
   </p:cSld>
@@ -46685,7 +46950,7 @@
     </p:spTree>
     <p:extLst>
       <p:ext uri="{BB962C8B-B14F-4D97-AF65-F5344CB8AC3E}">
-        <p14:creationId xmlns="" xmlns:p14="http://schemas.microsoft.com/office/powerpoint/2010/main" val="522405798"/>
+        <p14:creationId xmlns:p14="http://schemas.microsoft.com/office/powerpoint/2010/main" xmlns="" val="522405798"/>
       </p:ext>
     </p:extLst>
   </p:cSld>
@@ -46889,7 +47154,7 @@
     </p:spTree>
     <p:extLst>
       <p:ext uri="{BB962C8B-B14F-4D97-AF65-F5344CB8AC3E}">
-        <p14:creationId xmlns="" xmlns:p14="http://schemas.microsoft.com/office/powerpoint/2010/main" val="522405798"/>
+        <p14:creationId xmlns:p14="http://schemas.microsoft.com/office/powerpoint/2010/main" xmlns="" val="522405798"/>
       </p:ext>
     </p:extLst>
   </p:cSld>
@@ -47068,7 +47333,7 @@
           <a:blip r:embed="rId3" cstate="print">
             <a:extLst>
               <a:ext uri="{28A0092B-C50C-407E-A947-70E740481C1C}">
-                <a14:useLocalDpi xmlns:ve="http://schemas.openxmlformats.org/markup-compatibility/2006" xmlns:m="http://schemas.openxmlformats.org/officeDocument/2006/math" xmlns:wp="http://schemas.openxmlformats.org/drawingml/2006/wordprocessingDrawing" xmlns:wne="http://schemas.microsoft.com/office/word/2006/wordml" xmlns:a14="http://schemas.microsoft.com/office/drawing/2010/main" xmlns:wps="http://schemas.microsoft.com/office/word/2010/wordprocessingShape" xmlns:wpi="http://schemas.microsoft.com/office/word/2010/wordprocessingInk" xmlns:wpg="http://schemas.microsoft.com/office/word/2010/wordprocessingGroup" xmlns:w14="http://schemas.microsoft.com/office/word/2010/wordml" xmlns:w="http://schemas.openxmlformats.org/wordprocessingml/2006/main" xmlns:w10="urn:schemas-microsoft-com:office:word" xmlns:wp14="http://schemas.microsoft.com/office/word/2010/wordprocessingDrawing" xmlns:v="urn:schemas-microsoft-com:vml" xmlns:o="urn:schemas-microsoft-com:office:office" xmlns:mc="http://schemas.openxmlformats.org/markup-compatibility/2006" xmlns:wpc="http://schemas.microsoft.com/office/word/2010/wordprocessingCanvas" xmlns="" xmlns:pic="http://schemas.openxmlformats.org/drawingml/2006/picture" xmlns:lc="http://schemas.openxmlformats.org/drawingml/2006/lockedCanvas" val="0"/>
+                <a14:useLocalDpi xmlns:lc="http://schemas.openxmlformats.org/drawingml/2006/lockedCanvas" xmlns:pic="http://schemas.openxmlformats.org/drawingml/2006/picture" xmlns="" xmlns:wpc="http://schemas.microsoft.com/office/word/2010/wordprocessingCanvas" xmlns:mc="http://schemas.openxmlformats.org/markup-compatibility/2006" xmlns:o="urn:schemas-microsoft-com:office:office" xmlns:v="urn:schemas-microsoft-com:vml" xmlns:wp14="http://schemas.microsoft.com/office/word/2010/wordprocessingDrawing" xmlns:w10="urn:schemas-microsoft-com:office:word" xmlns:w="http://schemas.openxmlformats.org/wordprocessingml/2006/main" xmlns:w14="http://schemas.microsoft.com/office/word/2010/wordml" xmlns:wpg="http://schemas.microsoft.com/office/word/2010/wordprocessingGroup" xmlns:wpi="http://schemas.microsoft.com/office/word/2010/wordprocessingInk" xmlns:wps="http://schemas.microsoft.com/office/word/2010/wordprocessingShape" xmlns:a14="http://schemas.microsoft.com/office/drawing/2010/main" xmlns:wne="http://schemas.microsoft.com/office/word/2006/wordml" xmlns:wp="http://schemas.openxmlformats.org/drawingml/2006/wordprocessingDrawing" xmlns:m="http://schemas.openxmlformats.org/officeDocument/2006/math" xmlns:ve="http://schemas.openxmlformats.org/markup-compatibility/2006" val="0"/>
               </a:ext>
             </a:extLst>
           </a:blip>
@@ -47094,7 +47359,7 @@
     </p:spTree>
     <p:extLst>
       <p:ext uri="{BB962C8B-B14F-4D97-AF65-F5344CB8AC3E}">
-        <p14:creationId xmlns="" xmlns:p14="http://schemas.microsoft.com/office/powerpoint/2010/main" val="522405798"/>
+        <p14:creationId xmlns:p14="http://schemas.microsoft.com/office/powerpoint/2010/main" xmlns="" val="522405798"/>
       </p:ext>
     </p:extLst>
   </p:cSld>
@@ -47234,7 +47499,7 @@
     </p:spTree>
     <p:extLst>
       <p:ext uri="{BB962C8B-B14F-4D97-AF65-F5344CB8AC3E}">
-        <p14:creationId xmlns="" xmlns:p14="http://schemas.microsoft.com/office/powerpoint/2010/main" val="522405798"/>
+        <p14:creationId xmlns:p14="http://schemas.microsoft.com/office/powerpoint/2010/main" xmlns="" val="522405798"/>
       </p:ext>
     </p:extLst>
   </p:cSld>
@@ -47552,7 +47817,7 @@
     </p:spTree>
     <p:extLst>
       <p:ext uri="{BB962C8B-B14F-4D97-AF65-F5344CB8AC3E}">
-        <p14:creationId xmlns="" xmlns:p14="http://schemas.microsoft.com/office/powerpoint/2010/main" val="522405798"/>
+        <p14:creationId xmlns:p14="http://schemas.microsoft.com/office/powerpoint/2010/main" xmlns="" val="522405798"/>
       </p:ext>
     </p:extLst>
   </p:cSld>
@@ -47763,14 +48028,7 @@
                 <a:latin typeface="微軟正黑體" pitchFamily="34" charset="-120"/>
                 <a:ea typeface="微軟正黑體" pitchFamily="34" charset="-120"/>
               </a:rPr>
-              <a:t>個不同的</a:t>
-            </a:r>
-            <a:r>
-              <a:rPr lang="zh-TW" altLang="zh-TW" sz="3600" dirty="0" smtClean="0">
-                <a:latin typeface="微軟正黑體" pitchFamily="34" charset="-120"/>
-                <a:ea typeface="微軟正黑體" pitchFamily="34" charset="-120"/>
-              </a:rPr>
-              <a:t>方向</a:t>
+              <a:t>個不同的方向</a:t>
             </a:r>
             <a:r>
               <a:rPr lang="en-US" altLang="zh-TW" sz="3600" dirty="0" smtClean="0">
@@ -47859,7 +48117,7 @@
     </p:spTree>
     <p:extLst>
       <p:ext uri="{BB962C8B-B14F-4D97-AF65-F5344CB8AC3E}">
-        <p14:creationId xmlns="" xmlns:p14="http://schemas.microsoft.com/office/powerpoint/2010/main" val="522405798"/>
+        <p14:creationId xmlns:p14="http://schemas.microsoft.com/office/powerpoint/2010/main" xmlns="" val="522405798"/>
       </p:ext>
     </p:extLst>
   </p:cSld>
@@ -47966,7 +48224,7 @@
           <a:blip r:embed="rId3" cstate="print">
             <a:extLst>
               <a:ext uri="{28A0092B-C50C-407E-A947-70E740481C1C}">
-                <a14:useLocalDpi xmlns:ve="http://schemas.openxmlformats.org/markup-compatibility/2006" xmlns:m="http://schemas.openxmlformats.org/officeDocument/2006/math" xmlns:wp="http://schemas.openxmlformats.org/drawingml/2006/wordprocessingDrawing" xmlns:wne="http://schemas.microsoft.com/office/word/2006/wordml" xmlns:a14="http://schemas.microsoft.com/office/drawing/2010/main" xmlns:wps="http://schemas.microsoft.com/office/word/2010/wordprocessingShape" xmlns:wpi="http://schemas.microsoft.com/office/word/2010/wordprocessingInk" xmlns:wpg="http://schemas.microsoft.com/office/word/2010/wordprocessingGroup" xmlns:w14="http://schemas.microsoft.com/office/word/2010/wordml" xmlns:w="http://schemas.openxmlformats.org/wordprocessingml/2006/main" xmlns:w10="urn:schemas-microsoft-com:office:word" xmlns:wp14="http://schemas.microsoft.com/office/word/2010/wordprocessingDrawing" xmlns:v="urn:schemas-microsoft-com:vml" xmlns:o="urn:schemas-microsoft-com:office:office" xmlns:mc="http://schemas.openxmlformats.org/markup-compatibility/2006" xmlns:wpc="http://schemas.microsoft.com/office/word/2010/wordprocessingCanvas" xmlns="" xmlns:pic="http://schemas.openxmlformats.org/drawingml/2006/picture" xmlns:lc="http://schemas.openxmlformats.org/drawingml/2006/lockedCanvas" val="0"/>
+                <a14:useLocalDpi xmlns:lc="http://schemas.openxmlformats.org/drawingml/2006/lockedCanvas" xmlns:pic="http://schemas.openxmlformats.org/drawingml/2006/picture" xmlns="" xmlns:wpc="http://schemas.microsoft.com/office/word/2010/wordprocessingCanvas" xmlns:mc="http://schemas.openxmlformats.org/markup-compatibility/2006" xmlns:o="urn:schemas-microsoft-com:office:office" xmlns:v="urn:schemas-microsoft-com:vml" xmlns:wp14="http://schemas.microsoft.com/office/word/2010/wordprocessingDrawing" xmlns:w10="urn:schemas-microsoft-com:office:word" xmlns:w="http://schemas.openxmlformats.org/wordprocessingml/2006/main" xmlns:w14="http://schemas.microsoft.com/office/word/2010/wordml" xmlns:wpg="http://schemas.microsoft.com/office/word/2010/wordprocessingGroup" xmlns:wpi="http://schemas.microsoft.com/office/word/2010/wordprocessingInk" xmlns:wps="http://schemas.microsoft.com/office/word/2010/wordprocessingShape" xmlns:a14="http://schemas.microsoft.com/office/drawing/2010/main" xmlns:wne="http://schemas.microsoft.com/office/word/2006/wordml" xmlns:wp="http://schemas.openxmlformats.org/drawingml/2006/wordprocessingDrawing" xmlns:m="http://schemas.openxmlformats.org/officeDocument/2006/math" xmlns:ve="http://schemas.openxmlformats.org/markup-compatibility/2006" val="0"/>
               </a:ext>
             </a:extLst>
           </a:blip>
@@ -47992,7 +48250,7 @@
     </p:spTree>
     <p:extLst>
       <p:ext uri="{BB962C8B-B14F-4D97-AF65-F5344CB8AC3E}">
-        <p14:creationId xmlns="" xmlns:p14="http://schemas.microsoft.com/office/powerpoint/2010/main" val="522405798"/>
+        <p14:creationId xmlns:p14="http://schemas.microsoft.com/office/powerpoint/2010/main" xmlns="" val="522405798"/>
       </p:ext>
     </p:extLst>
   </p:cSld>
@@ -48135,7 +48393,7 @@
           <a:blip r:embed="rId3" cstate="print">
             <a:extLst>
               <a:ext uri="{28A0092B-C50C-407E-A947-70E740481C1C}">
-                <a14:useLocalDpi xmlns:ve="http://schemas.openxmlformats.org/markup-compatibility/2006" xmlns:m="http://schemas.openxmlformats.org/officeDocument/2006/math" xmlns:wp="http://schemas.openxmlformats.org/drawingml/2006/wordprocessingDrawing" xmlns:wne="http://schemas.microsoft.com/office/word/2006/wordml" xmlns:a14="http://schemas.microsoft.com/office/drawing/2010/main" xmlns:wps="http://schemas.microsoft.com/office/word/2010/wordprocessingShape" xmlns:wpi="http://schemas.microsoft.com/office/word/2010/wordprocessingInk" xmlns:wpg="http://schemas.microsoft.com/office/word/2010/wordprocessingGroup" xmlns:w14="http://schemas.microsoft.com/office/word/2010/wordml" xmlns:w="http://schemas.openxmlformats.org/wordprocessingml/2006/main" xmlns:w10="urn:schemas-microsoft-com:office:word" xmlns:wp14="http://schemas.microsoft.com/office/word/2010/wordprocessingDrawing" xmlns:v="urn:schemas-microsoft-com:vml" xmlns:o="urn:schemas-microsoft-com:office:office" xmlns:mc="http://schemas.openxmlformats.org/markup-compatibility/2006" xmlns:wpc="http://schemas.microsoft.com/office/word/2010/wordprocessingCanvas" xmlns="" xmlns:pic="http://schemas.openxmlformats.org/drawingml/2006/picture" xmlns:lc="http://schemas.openxmlformats.org/drawingml/2006/lockedCanvas" val="0"/>
+                <a14:useLocalDpi xmlns:lc="http://schemas.openxmlformats.org/drawingml/2006/lockedCanvas" xmlns:pic="http://schemas.openxmlformats.org/drawingml/2006/picture" xmlns="" xmlns:wpc="http://schemas.microsoft.com/office/word/2010/wordprocessingCanvas" xmlns:mc="http://schemas.openxmlformats.org/markup-compatibility/2006" xmlns:o="urn:schemas-microsoft-com:office:office" xmlns:v="urn:schemas-microsoft-com:vml" xmlns:wp14="http://schemas.microsoft.com/office/word/2010/wordprocessingDrawing" xmlns:w10="urn:schemas-microsoft-com:office:word" xmlns:w="http://schemas.openxmlformats.org/wordprocessingml/2006/main" xmlns:w14="http://schemas.microsoft.com/office/word/2010/wordml" xmlns:wpg="http://schemas.microsoft.com/office/word/2010/wordprocessingGroup" xmlns:wpi="http://schemas.microsoft.com/office/word/2010/wordprocessingInk" xmlns:wps="http://schemas.microsoft.com/office/word/2010/wordprocessingShape" xmlns:a14="http://schemas.microsoft.com/office/drawing/2010/main" xmlns:wne="http://schemas.microsoft.com/office/word/2006/wordml" xmlns:wp="http://schemas.openxmlformats.org/drawingml/2006/wordprocessingDrawing" xmlns:m="http://schemas.openxmlformats.org/officeDocument/2006/math" xmlns:ve="http://schemas.openxmlformats.org/markup-compatibility/2006" val="0"/>
               </a:ext>
             </a:extLst>
           </a:blip>
@@ -48161,7 +48419,7 @@
     </p:spTree>
     <p:extLst>
       <p:ext uri="{BB962C8B-B14F-4D97-AF65-F5344CB8AC3E}">
-        <p14:creationId xmlns="" xmlns:p14="http://schemas.microsoft.com/office/powerpoint/2010/main" val="522405798"/>
+        <p14:creationId xmlns:p14="http://schemas.microsoft.com/office/powerpoint/2010/main" xmlns="" val="522405798"/>
       </p:ext>
     </p:extLst>
   </p:cSld>
@@ -48498,7 +48756,7 @@
     </p:spTree>
     <p:extLst>
       <p:ext uri="{BB962C8B-B14F-4D97-AF65-F5344CB8AC3E}">
-        <p14:creationId xmlns="" xmlns:p14="http://schemas.microsoft.com/office/powerpoint/2010/main" val="522405798"/>
+        <p14:creationId xmlns:p14="http://schemas.microsoft.com/office/powerpoint/2010/main" xmlns="" val="522405798"/>
       </p:ext>
     </p:extLst>
   </p:cSld>
@@ -48605,7 +48863,7 @@
           <a:blip r:embed="rId3" cstate="print">
             <a:extLst>
               <a:ext uri="{28A0092B-C50C-407E-A947-70E740481C1C}">
-                <a14:useLocalDpi xmlns:ve="http://schemas.openxmlformats.org/markup-compatibility/2006" xmlns:m="http://schemas.openxmlformats.org/officeDocument/2006/math" xmlns:wp="http://schemas.openxmlformats.org/drawingml/2006/wordprocessingDrawing" xmlns:wne="http://schemas.microsoft.com/office/word/2006/wordml" xmlns:a14="http://schemas.microsoft.com/office/drawing/2010/main" xmlns:wps="http://schemas.microsoft.com/office/word/2010/wordprocessingShape" xmlns:wpi="http://schemas.microsoft.com/office/word/2010/wordprocessingInk" xmlns:wpg="http://schemas.microsoft.com/office/word/2010/wordprocessingGroup" xmlns:w14="http://schemas.microsoft.com/office/word/2010/wordml" xmlns:w="http://schemas.openxmlformats.org/wordprocessingml/2006/main" xmlns:w10="urn:schemas-microsoft-com:office:word" xmlns:wp14="http://schemas.microsoft.com/office/word/2010/wordprocessingDrawing" xmlns:v="urn:schemas-microsoft-com:vml" xmlns:o="urn:schemas-microsoft-com:office:office" xmlns:mc="http://schemas.openxmlformats.org/markup-compatibility/2006" xmlns:wpc="http://schemas.microsoft.com/office/word/2010/wordprocessingCanvas" xmlns="" xmlns:pic="http://schemas.openxmlformats.org/drawingml/2006/picture" xmlns:lc="http://schemas.openxmlformats.org/drawingml/2006/lockedCanvas" val="0"/>
+                <a14:useLocalDpi xmlns:lc="http://schemas.openxmlformats.org/drawingml/2006/lockedCanvas" xmlns:pic="http://schemas.openxmlformats.org/drawingml/2006/picture" xmlns="" xmlns:wpc="http://schemas.microsoft.com/office/word/2010/wordprocessingCanvas" xmlns:mc="http://schemas.openxmlformats.org/markup-compatibility/2006" xmlns:o="urn:schemas-microsoft-com:office:office" xmlns:v="urn:schemas-microsoft-com:vml" xmlns:wp14="http://schemas.microsoft.com/office/word/2010/wordprocessingDrawing" xmlns:w10="urn:schemas-microsoft-com:office:word" xmlns:w="http://schemas.openxmlformats.org/wordprocessingml/2006/main" xmlns:w14="http://schemas.microsoft.com/office/word/2010/wordml" xmlns:wpg="http://schemas.microsoft.com/office/word/2010/wordprocessingGroup" xmlns:wpi="http://schemas.microsoft.com/office/word/2010/wordprocessingInk" xmlns:wps="http://schemas.microsoft.com/office/word/2010/wordprocessingShape" xmlns:a14="http://schemas.microsoft.com/office/drawing/2010/main" xmlns:wne="http://schemas.microsoft.com/office/word/2006/wordml" xmlns:wp="http://schemas.openxmlformats.org/drawingml/2006/wordprocessingDrawing" xmlns:m="http://schemas.openxmlformats.org/officeDocument/2006/math" xmlns:ve="http://schemas.openxmlformats.org/markup-compatibility/2006" val="0"/>
               </a:ext>
             </a:extLst>
           </a:blip>
@@ -48631,7 +48889,7 @@
     </p:spTree>
     <p:extLst>
       <p:ext uri="{BB962C8B-B14F-4D97-AF65-F5344CB8AC3E}">
-        <p14:creationId xmlns="" xmlns:p14="http://schemas.microsoft.com/office/powerpoint/2010/main" val="522405798"/>
+        <p14:creationId xmlns:p14="http://schemas.microsoft.com/office/powerpoint/2010/main" xmlns="" val="522405798"/>
       </p:ext>
     </p:extLst>
   </p:cSld>
@@ -48847,7 +49105,7 @@
     </p:spTree>
     <p:extLst>
       <p:ext uri="{BB962C8B-B14F-4D97-AF65-F5344CB8AC3E}">
-        <p14:creationId xmlns="" xmlns:p14="http://schemas.microsoft.com/office/powerpoint/2010/main" val="522405798"/>
+        <p14:creationId xmlns:p14="http://schemas.microsoft.com/office/powerpoint/2010/main" xmlns="" val="522405798"/>
       </p:ext>
     </p:extLst>
   </p:cSld>
@@ -49149,7 +49407,7 @@
     </p:spTree>
     <p:extLst>
       <p:ext uri="{BB962C8B-B14F-4D97-AF65-F5344CB8AC3E}">
-        <p14:creationId xmlns="" xmlns:p14="http://schemas.microsoft.com/office/powerpoint/2010/main" val="522405798"/>
+        <p14:creationId xmlns:p14="http://schemas.microsoft.com/office/powerpoint/2010/main" xmlns="" val="522405798"/>
       </p:ext>
     </p:extLst>
   </p:cSld>
@@ -49337,7 +49595,7 @@
     </p:spTree>
     <p:extLst>
       <p:ext uri="{BB962C8B-B14F-4D97-AF65-F5344CB8AC3E}">
-        <p14:creationId xmlns="" xmlns:p14="http://schemas.microsoft.com/office/powerpoint/2010/main" val="522405798"/>
+        <p14:creationId xmlns:p14="http://schemas.microsoft.com/office/powerpoint/2010/main" xmlns="" val="522405798"/>
       </p:ext>
     </p:extLst>
   </p:cSld>
@@ -49525,7 +49783,7 @@
     </p:spTree>
     <p:extLst>
       <p:ext uri="{BB962C8B-B14F-4D97-AF65-F5344CB8AC3E}">
-        <p14:creationId xmlns="" xmlns:p14="http://schemas.microsoft.com/office/powerpoint/2010/main" val="522405798"/>
+        <p14:creationId xmlns:p14="http://schemas.microsoft.com/office/powerpoint/2010/main" xmlns="" val="522405798"/>
       </p:ext>
     </p:extLst>
   </p:cSld>
@@ -49718,7 +49976,7 @@
     </p:spTree>
     <p:extLst>
       <p:ext uri="{BB962C8B-B14F-4D97-AF65-F5344CB8AC3E}">
-        <p14:creationId xmlns="" xmlns:p14="http://schemas.microsoft.com/office/powerpoint/2010/main" val="522405798"/>
+        <p14:creationId xmlns:p14="http://schemas.microsoft.com/office/powerpoint/2010/main" xmlns="" val="522405798"/>
       </p:ext>
     </p:extLst>
   </p:cSld>
@@ -49909,7 +50167,7 @@
     </p:spTree>
     <p:extLst>
       <p:ext uri="{BB962C8B-B14F-4D97-AF65-F5344CB8AC3E}">
-        <p14:creationId xmlns="" xmlns:p14="http://schemas.microsoft.com/office/powerpoint/2010/main" val="522405798"/>
+        <p14:creationId xmlns:p14="http://schemas.microsoft.com/office/powerpoint/2010/main" xmlns="" val="522405798"/>
       </p:ext>
     </p:extLst>
   </p:cSld>

--- a/Slides/05. OpenCV影像處理(進階).pptx
+++ b/Slides/05. OpenCV影像處理(進階).pptx
@@ -240,7 +240,7 @@
   </p:defaultTextStyle>
   <p:extLst>
     <p:ext uri="{EFAFB233-063F-42B5-8137-9DF3F51BA10A}">
-      <p15:sldGuideLst xmlns:p15="http://schemas.microsoft.com/office/powerpoint/2012/main" xmlns="">
+      <p15:sldGuideLst xmlns="" xmlns:p15="http://schemas.microsoft.com/office/powerpoint/2012/main">
         <p15:guide id="1" orient="horz" pos="2160">
           <p15:clr>
             <a:srgbClr val="A4A3A4"/>
@@ -254,7 +254,7 @@
       </p15:sldGuideLst>
     </p:ext>
     <p:ext uri="{2D200454-40CA-4A62-9FC3-DE9A4176ACB9}">
-      <p15:notesGuideLst xmlns:p15="http://schemas.microsoft.com/office/powerpoint/2012/main" xmlns=""/>
+      <p15:notesGuideLst xmlns="" xmlns:p15="http://schemas.microsoft.com/office/powerpoint/2012/main"/>
     </p:ext>
   </p:extLst>
 </p:presentation>
@@ -345,7 +345,7 @@
             <a:fld id="{68F88C59-319B-4332-9A1D-2A62CFCB00D8}" type="datetimeFigureOut">
               <a:rPr lang="en-US" smtClean="0"/>
               <a:pPr/>
-              <a:t>5/2/2021</a:t>
+              <a:t>5/10/2021</a:t>
             </a:fld>
             <a:endParaRPr lang="en-US" dirty="0"/>
           </a:p>
@@ -423,7 +423,7 @@
     </p:spTree>
     <p:extLst>
       <p:ext uri="{BB962C8B-B14F-4D97-AF65-F5344CB8AC3E}">
-        <p14:creationId xmlns:p14="http://schemas.microsoft.com/office/powerpoint/2010/main" xmlns="" val="2345123278"/>
+        <p14:creationId xmlns="" xmlns:p14="http://schemas.microsoft.com/office/powerpoint/2010/main" val="2345123278"/>
       </p:ext>
     </p:extLst>
   </p:cSld>
@@ -516,7 +516,7 @@
             <a:fld id="{968B300D-05F0-4B43-940D-46DED5A791AD}" type="datetimeFigureOut">
               <a:rPr lang="en-US" smtClean="0"/>
               <a:pPr/>
-              <a:t>5/2/2021</a:t>
+              <a:t>5/10/2021</a:t>
             </a:fld>
             <a:endParaRPr lang="en-US" dirty="0"/>
           </a:p>
@@ -688,7 +688,7 @@
     </p:spTree>
     <p:extLst>
       <p:ext uri="{BB962C8B-B14F-4D97-AF65-F5344CB8AC3E}">
-        <p14:creationId xmlns:p14="http://schemas.microsoft.com/office/powerpoint/2010/main" xmlns="" val="623787478"/>
+        <p14:creationId xmlns="" xmlns:p14="http://schemas.microsoft.com/office/powerpoint/2010/main" val="623787478"/>
       </p:ext>
     </p:extLst>
   </p:cSld>
@@ -864,7 +864,7 @@
     </p:spTree>
     <p:extLst>
       <p:ext uri="{BB962C8B-B14F-4D97-AF65-F5344CB8AC3E}">
-        <p14:creationId xmlns:p14="http://schemas.microsoft.com/office/powerpoint/2010/main" xmlns="" val="2659555247"/>
+        <p14:creationId xmlns="" xmlns:p14="http://schemas.microsoft.com/office/powerpoint/2010/main" val="2659555247"/>
       </p:ext>
     </p:extLst>
   </p:cSld>
@@ -949,7 +949,7 @@
     </p:spTree>
     <p:extLst>
       <p:ext uri="{BB962C8B-B14F-4D97-AF65-F5344CB8AC3E}">
-        <p14:creationId xmlns:p14="http://schemas.microsoft.com/office/powerpoint/2010/main" xmlns="" val="2659555247"/>
+        <p14:creationId xmlns="" xmlns:p14="http://schemas.microsoft.com/office/powerpoint/2010/main" val="2659555247"/>
       </p:ext>
     </p:extLst>
   </p:cSld>
@@ -1034,7 +1034,7 @@
     </p:spTree>
     <p:extLst>
       <p:ext uri="{BB962C8B-B14F-4D97-AF65-F5344CB8AC3E}">
-        <p14:creationId xmlns:p14="http://schemas.microsoft.com/office/powerpoint/2010/main" xmlns="" val="2659555247"/>
+        <p14:creationId xmlns="" xmlns:p14="http://schemas.microsoft.com/office/powerpoint/2010/main" val="2659555247"/>
       </p:ext>
     </p:extLst>
   </p:cSld>
@@ -1119,7 +1119,7 @@
     </p:spTree>
     <p:extLst>
       <p:ext uri="{BB962C8B-B14F-4D97-AF65-F5344CB8AC3E}">
-        <p14:creationId xmlns:p14="http://schemas.microsoft.com/office/powerpoint/2010/main" xmlns="" val="2659555247"/>
+        <p14:creationId xmlns="" xmlns:p14="http://schemas.microsoft.com/office/powerpoint/2010/main" val="2659555247"/>
       </p:ext>
     </p:extLst>
   </p:cSld>
@@ -1204,7 +1204,7 @@
     </p:spTree>
     <p:extLst>
       <p:ext uri="{BB962C8B-B14F-4D97-AF65-F5344CB8AC3E}">
-        <p14:creationId xmlns:p14="http://schemas.microsoft.com/office/powerpoint/2010/main" xmlns="" val="2659555247"/>
+        <p14:creationId xmlns="" xmlns:p14="http://schemas.microsoft.com/office/powerpoint/2010/main" val="2659555247"/>
       </p:ext>
     </p:extLst>
   </p:cSld>
@@ -1289,7 +1289,7 @@
     </p:spTree>
     <p:extLst>
       <p:ext uri="{BB962C8B-B14F-4D97-AF65-F5344CB8AC3E}">
-        <p14:creationId xmlns:p14="http://schemas.microsoft.com/office/powerpoint/2010/main" xmlns="" val="2659555247"/>
+        <p14:creationId xmlns="" xmlns:p14="http://schemas.microsoft.com/office/powerpoint/2010/main" val="2659555247"/>
       </p:ext>
     </p:extLst>
   </p:cSld>
@@ -1374,7 +1374,7 @@
     </p:spTree>
     <p:extLst>
       <p:ext uri="{BB962C8B-B14F-4D97-AF65-F5344CB8AC3E}">
-        <p14:creationId xmlns:p14="http://schemas.microsoft.com/office/powerpoint/2010/main" xmlns="" val="2659555247"/>
+        <p14:creationId xmlns="" xmlns:p14="http://schemas.microsoft.com/office/powerpoint/2010/main" val="2659555247"/>
       </p:ext>
     </p:extLst>
   </p:cSld>
@@ -1459,7 +1459,7 @@
     </p:spTree>
     <p:extLst>
       <p:ext uri="{BB962C8B-B14F-4D97-AF65-F5344CB8AC3E}">
-        <p14:creationId xmlns="" xmlns:p14="http://schemas.microsoft.com/office/powerpoint/2010/main" val="939565178"/>
+        <p14:creationId xmlns:p14="http://schemas.microsoft.com/office/powerpoint/2010/main" xmlns="" val="939565178"/>
       </p:ext>
     </p:extLst>
   </p:cSld>
@@ -1544,7 +1544,7 @@
     </p:spTree>
     <p:extLst>
       <p:ext uri="{BB962C8B-B14F-4D97-AF65-F5344CB8AC3E}">
-        <p14:creationId xmlns:p14="http://schemas.microsoft.com/office/powerpoint/2010/main" xmlns="" val="2659555247"/>
+        <p14:creationId xmlns="" xmlns:p14="http://schemas.microsoft.com/office/powerpoint/2010/main" val="2659555247"/>
       </p:ext>
     </p:extLst>
   </p:cSld>
@@ -1629,7 +1629,7 @@
     </p:spTree>
     <p:extLst>
       <p:ext uri="{BB962C8B-B14F-4D97-AF65-F5344CB8AC3E}">
-        <p14:creationId xmlns:p14="http://schemas.microsoft.com/office/powerpoint/2010/main" xmlns="" val="2659555247"/>
+        <p14:creationId xmlns="" xmlns:p14="http://schemas.microsoft.com/office/powerpoint/2010/main" val="2659555247"/>
       </p:ext>
     </p:extLst>
   </p:cSld>
@@ -1714,7 +1714,7 @@
     </p:spTree>
     <p:extLst>
       <p:ext uri="{BB962C8B-B14F-4D97-AF65-F5344CB8AC3E}">
-        <p14:creationId xmlns:p14="http://schemas.microsoft.com/office/powerpoint/2010/main" xmlns="" val="2659555247"/>
+        <p14:creationId xmlns="" xmlns:p14="http://schemas.microsoft.com/office/powerpoint/2010/main" val="2659555247"/>
       </p:ext>
     </p:extLst>
   </p:cSld>
@@ -1799,7 +1799,7 @@
     </p:spTree>
     <p:extLst>
       <p:ext uri="{BB962C8B-B14F-4D97-AF65-F5344CB8AC3E}">
-        <p14:creationId xmlns:p14="http://schemas.microsoft.com/office/powerpoint/2010/main" xmlns="" val="2659555247"/>
+        <p14:creationId xmlns="" xmlns:p14="http://schemas.microsoft.com/office/powerpoint/2010/main" val="2659555247"/>
       </p:ext>
     </p:extLst>
   </p:cSld>
@@ -1884,7 +1884,7 @@
     </p:spTree>
     <p:extLst>
       <p:ext uri="{BB962C8B-B14F-4D97-AF65-F5344CB8AC3E}">
-        <p14:creationId xmlns:p14="http://schemas.microsoft.com/office/powerpoint/2010/main" xmlns="" val="2659555247"/>
+        <p14:creationId xmlns="" xmlns:p14="http://schemas.microsoft.com/office/powerpoint/2010/main" val="2659555247"/>
       </p:ext>
     </p:extLst>
   </p:cSld>
@@ -1969,7 +1969,7 @@
     </p:spTree>
     <p:extLst>
       <p:ext uri="{BB962C8B-B14F-4D97-AF65-F5344CB8AC3E}">
-        <p14:creationId xmlns:p14="http://schemas.microsoft.com/office/powerpoint/2010/main" xmlns="" val="2659555247"/>
+        <p14:creationId xmlns="" xmlns:p14="http://schemas.microsoft.com/office/powerpoint/2010/main" val="2659555247"/>
       </p:ext>
     </p:extLst>
   </p:cSld>
@@ -2054,7 +2054,7 @@
     </p:spTree>
     <p:extLst>
       <p:ext uri="{BB962C8B-B14F-4D97-AF65-F5344CB8AC3E}">
-        <p14:creationId xmlns:p14="http://schemas.microsoft.com/office/powerpoint/2010/main" xmlns="" val="2659555247"/>
+        <p14:creationId xmlns="" xmlns:p14="http://schemas.microsoft.com/office/powerpoint/2010/main" val="2659555247"/>
       </p:ext>
     </p:extLst>
   </p:cSld>
@@ -2139,7 +2139,7 @@
     </p:spTree>
     <p:extLst>
       <p:ext uri="{BB962C8B-B14F-4D97-AF65-F5344CB8AC3E}">
-        <p14:creationId xmlns:p14="http://schemas.microsoft.com/office/powerpoint/2010/main" xmlns="" val="2659555247"/>
+        <p14:creationId xmlns="" xmlns:p14="http://schemas.microsoft.com/office/powerpoint/2010/main" val="2659555247"/>
       </p:ext>
     </p:extLst>
   </p:cSld>
@@ -2224,7 +2224,7 @@
     </p:spTree>
     <p:extLst>
       <p:ext uri="{BB962C8B-B14F-4D97-AF65-F5344CB8AC3E}">
-        <p14:creationId xmlns:p14="http://schemas.microsoft.com/office/powerpoint/2010/main" xmlns="" val="2659555247"/>
+        <p14:creationId xmlns="" xmlns:p14="http://schemas.microsoft.com/office/powerpoint/2010/main" val="2659555247"/>
       </p:ext>
     </p:extLst>
   </p:cSld>
@@ -2309,7 +2309,7 @@
     </p:spTree>
     <p:extLst>
       <p:ext uri="{BB962C8B-B14F-4D97-AF65-F5344CB8AC3E}">
-        <p14:creationId xmlns:p14="http://schemas.microsoft.com/office/powerpoint/2010/main" xmlns="" val="2659555247"/>
+        <p14:creationId xmlns="" xmlns:p14="http://schemas.microsoft.com/office/powerpoint/2010/main" val="2659555247"/>
       </p:ext>
     </p:extLst>
   </p:cSld>
@@ -2394,7 +2394,7 @@
     </p:spTree>
     <p:extLst>
       <p:ext uri="{BB962C8B-B14F-4D97-AF65-F5344CB8AC3E}">
-        <p14:creationId xmlns:p14="http://schemas.microsoft.com/office/powerpoint/2010/main" xmlns="" val="2659555247"/>
+        <p14:creationId xmlns="" xmlns:p14="http://schemas.microsoft.com/office/powerpoint/2010/main" val="2659555247"/>
       </p:ext>
     </p:extLst>
   </p:cSld>
@@ -2479,7 +2479,7 @@
     </p:spTree>
     <p:extLst>
       <p:ext uri="{BB962C8B-B14F-4D97-AF65-F5344CB8AC3E}">
-        <p14:creationId xmlns:p14="http://schemas.microsoft.com/office/powerpoint/2010/main" xmlns="" val="2659555247"/>
+        <p14:creationId xmlns="" xmlns:p14="http://schemas.microsoft.com/office/powerpoint/2010/main" val="2659555247"/>
       </p:ext>
     </p:extLst>
   </p:cSld>
@@ -2564,7 +2564,7 @@
     </p:spTree>
     <p:extLst>
       <p:ext uri="{BB962C8B-B14F-4D97-AF65-F5344CB8AC3E}">
-        <p14:creationId xmlns:p14="http://schemas.microsoft.com/office/powerpoint/2010/main" xmlns="" val="2659555247"/>
+        <p14:creationId xmlns="" xmlns:p14="http://schemas.microsoft.com/office/powerpoint/2010/main" val="2659555247"/>
       </p:ext>
     </p:extLst>
   </p:cSld>
@@ -2649,7 +2649,7 @@
     </p:spTree>
     <p:extLst>
       <p:ext uri="{BB962C8B-B14F-4D97-AF65-F5344CB8AC3E}">
-        <p14:creationId xmlns:p14="http://schemas.microsoft.com/office/powerpoint/2010/main" xmlns="" val="2659555247"/>
+        <p14:creationId xmlns="" xmlns:p14="http://schemas.microsoft.com/office/powerpoint/2010/main" val="2659555247"/>
       </p:ext>
     </p:extLst>
   </p:cSld>
@@ -2734,7 +2734,7 @@
     </p:spTree>
     <p:extLst>
       <p:ext uri="{BB962C8B-B14F-4D97-AF65-F5344CB8AC3E}">
-        <p14:creationId xmlns:p14="http://schemas.microsoft.com/office/powerpoint/2010/main" xmlns="" val="2659555247"/>
+        <p14:creationId xmlns="" xmlns:p14="http://schemas.microsoft.com/office/powerpoint/2010/main" val="2659555247"/>
       </p:ext>
     </p:extLst>
   </p:cSld>
@@ -2819,7 +2819,7 @@
     </p:spTree>
     <p:extLst>
       <p:ext uri="{BB962C8B-B14F-4D97-AF65-F5344CB8AC3E}">
-        <p14:creationId xmlns:p14="http://schemas.microsoft.com/office/powerpoint/2010/main" xmlns="" val="2659555247"/>
+        <p14:creationId xmlns="" xmlns:p14="http://schemas.microsoft.com/office/powerpoint/2010/main" val="2659555247"/>
       </p:ext>
     </p:extLst>
   </p:cSld>
@@ -2904,7 +2904,7 @@
     </p:spTree>
     <p:extLst>
       <p:ext uri="{BB962C8B-B14F-4D97-AF65-F5344CB8AC3E}">
-        <p14:creationId xmlns="" xmlns:p14="http://schemas.microsoft.com/office/powerpoint/2010/main" val="939565178"/>
+        <p14:creationId xmlns:p14="http://schemas.microsoft.com/office/powerpoint/2010/main" xmlns="" val="939565178"/>
       </p:ext>
     </p:extLst>
   </p:cSld>
@@ -2989,7 +2989,7 @@
     </p:spTree>
     <p:extLst>
       <p:ext uri="{BB962C8B-B14F-4D97-AF65-F5344CB8AC3E}">
-        <p14:creationId xmlns:p14="http://schemas.microsoft.com/office/powerpoint/2010/main" xmlns="" val="2659555247"/>
+        <p14:creationId xmlns="" xmlns:p14="http://schemas.microsoft.com/office/powerpoint/2010/main" val="2659555247"/>
       </p:ext>
     </p:extLst>
   </p:cSld>
@@ -3074,7 +3074,7 @@
     </p:spTree>
     <p:extLst>
       <p:ext uri="{BB962C8B-B14F-4D97-AF65-F5344CB8AC3E}">
-        <p14:creationId xmlns:p14="http://schemas.microsoft.com/office/powerpoint/2010/main" xmlns="" val="2659555247"/>
+        <p14:creationId xmlns="" xmlns:p14="http://schemas.microsoft.com/office/powerpoint/2010/main" val="2659555247"/>
       </p:ext>
     </p:extLst>
   </p:cSld>
@@ -3159,7 +3159,7 @@
     </p:spTree>
     <p:extLst>
       <p:ext uri="{BB962C8B-B14F-4D97-AF65-F5344CB8AC3E}">
-        <p14:creationId xmlns:p14="http://schemas.microsoft.com/office/powerpoint/2010/main" xmlns="" val="2659555247"/>
+        <p14:creationId xmlns="" xmlns:p14="http://schemas.microsoft.com/office/powerpoint/2010/main" val="2659555247"/>
       </p:ext>
     </p:extLst>
   </p:cSld>
@@ -3244,7 +3244,7 @@
     </p:spTree>
     <p:extLst>
       <p:ext uri="{BB962C8B-B14F-4D97-AF65-F5344CB8AC3E}">
-        <p14:creationId xmlns:p14="http://schemas.microsoft.com/office/powerpoint/2010/main" xmlns="" val="2659555247"/>
+        <p14:creationId xmlns="" xmlns:p14="http://schemas.microsoft.com/office/powerpoint/2010/main" val="2659555247"/>
       </p:ext>
     </p:extLst>
   </p:cSld>
@@ -3329,7 +3329,7 @@
     </p:spTree>
     <p:extLst>
       <p:ext uri="{BB962C8B-B14F-4D97-AF65-F5344CB8AC3E}">
-        <p14:creationId xmlns:p14="http://schemas.microsoft.com/office/powerpoint/2010/main" xmlns="" val="2659555247"/>
+        <p14:creationId xmlns="" xmlns:p14="http://schemas.microsoft.com/office/powerpoint/2010/main" val="2659555247"/>
       </p:ext>
     </p:extLst>
   </p:cSld>
@@ -3414,7 +3414,7 @@
     </p:spTree>
     <p:extLst>
       <p:ext uri="{BB962C8B-B14F-4D97-AF65-F5344CB8AC3E}">
-        <p14:creationId xmlns:p14="http://schemas.microsoft.com/office/powerpoint/2010/main" xmlns="" val="2659555247"/>
+        <p14:creationId xmlns="" xmlns:p14="http://schemas.microsoft.com/office/powerpoint/2010/main" val="2659555247"/>
       </p:ext>
     </p:extLst>
   </p:cSld>
@@ -3499,7 +3499,7 @@
     </p:spTree>
     <p:extLst>
       <p:ext uri="{BB962C8B-B14F-4D97-AF65-F5344CB8AC3E}">
-        <p14:creationId xmlns:p14="http://schemas.microsoft.com/office/powerpoint/2010/main" xmlns="" val="2659555247"/>
+        <p14:creationId xmlns="" xmlns:p14="http://schemas.microsoft.com/office/powerpoint/2010/main" val="2659555247"/>
       </p:ext>
     </p:extLst>
   </p:cSld>
@@ -3584,7 +3584,7 @@
     </p:spTree>
     <p:extLst>
       <p:ext uri="{BB962C8B-B14F-4D97-AF65-F5344CB8AC3E}">
-        <p14:creationId xmlns:p14="http://schemas.microsoft.com/office/powerpoint/2010/main" xmlns="" val="2659555247"/>
+        <p14:creationId xmlns="" xmlns:p14="http://schemas.microsoft.com/office/powerpoint/2010/main" val="2659555247"/>
       </p:ext>
     </p:extLst>
   </p:cSld>
@@ -3669,7 +3669,7 @@
     </p:spTree>
     <p:extLst>
       <p:ext uri="{BB962C8B-B14F-4D97-AF65-F5344CB8AC3E}">
-        <p14:creationId xmlns:p14="http://schemas.microsoft.com/office/powerpoint/2010/main" xmlns="" val="2659555247"/>
+        <p14:creationId xmlns="" xmlns:p14="http://schemas.microsoft.com/office/powerpoint/2010/main" val="2659555247"/>
       </p:ext>
     </p:extLst>
   </p:cSld>
@@ -3754,7 +3754,7 @@
     </p:spTree>
     <p:extLst>
       <p:ext uri="{BB962C8B-B14F-4D97-AF65-F5344CB8AC3E}">
-        <p14:creationId xmlns:p14="http://schemas.microsoft.com/office/powerpoint/2010/main" xmlns="" val="2659555247"/>
+        <p14:creationId xmlns="" xmlns:p14="http://schemas.microsoft.com/office/powerpoint/2010/main" val="2659555247"/>
       </p:ext>
     </p:extLst>
   </p:cSld>
@@ -3839,7 +3839,7 @@
     </p:spTree>
     <p:extLst>
       <p:ext uri="{BB962C8B-B14F-4D97-AF65-F5344CB8AC3E}">
-        <p14:creationId xmlns:p14="http://schemas.microsoft.com/office/powerpoint/2010/main" xmlns="" val="2659555247"/>
+        <p14:creationId xmlns="" xmlns:p14="http://schemas.microsoft.com/office/powerpoint/2010/main" val="2659555247"/>
       </p:ext>
     </p:extLst>
   </p:cSld>
@@ -3924,7 +3924,7 @@
     </p:spTree>
     <p:extLst>
       <p:ext uri="{BB962C8B-B14F-4D97-AF65-F5344CB8AC3E}">
-        <p14:creationId xmlns:p14="http://schemas.microsoft.com/office/powerpoint/2010/main" xmlns="" val="2659555247"/>
+        <p14:creationId xmlns="" xmlns:p14="http://schemas.microsoft.com/office/powerpoint/2010/main" val="2659555247"/>
       </p:ext>
     </p:extLst>
   </p:cSld>
@@ -4009,7 +4009,7 @@
     </p:spTree>
     <p:extLst>
       <p:ext uri="{BB962C8B-B14F-4D97-AF65-F5344CB8AC3E}">
-        <p14:creationId xmlns:p14="http://schemas.microsoft.com/office/powerpoint/2010/main" xmlns="" val="2659555247"/>
+        <p14:creationId xmlns="" xmlns:p14="http://schemas.microsoft.com/office/powerpoint/2010/main" val="2659555247"/>
       </p:ext>
     </p:extLst>
   </p:cSld>
@@ -4094,7 +4094,7 @@
     </p:spTree>
     <p:extLst>
       <p:ext uri="{BB962C8B-B14F-4D97-AF65-F5344CB8AC3E}">
-        <p14:creationId xmlns:p14="http://schemas.microsoft.com/office/powerpoint/2010/main" xmlns="" val="2659555247"/>
+        <p14:creationId xmlns="" xmlns:p14="http://schemas.microsoft.com/office/powerpoint/2010/main" val="2659555247"/>
       </p:ext>
     </p:extLst>
   </p:cSld>
@@ -4179,7 +4179,7 @@
     </p:spTree>
     <p:extLst>
       <p:ext uri="{BB962C8B-B14F-4D97-AF65-F5344CB8AC3E}">
-        <p14:creationId xmlns:p14="http://schemas.microsoft.com/office/powerpoint/2010/main" xmlns="" val="2659555247"/>
+        <p14:creationId xmlns="" xmlns:p14="http://schemas.microsoft.com/office/powerpoint/2010/main" val="2659555247"/>
       </p:ext>
     </p:extLst>
   </p:cSld>
@@ -4264,7 +4264,7 @@
     </p:spTree>
     <p:extLst>
       <p:ext uri="{BB962C8B-B14F-4D97-AF65-F5344CB8AC3E}">
-        <p14:creationId xmlns:p14="http://schemas.microsoft.com/office/powerpoint/2010/main" xmlns="" val="2659555247"/>
+        <p14:creationId xmlns="" xmlns:p14="http://schemas.microsoft.com/office/powerpoint/2010/main" val="2659555247"/>
       </p:ext>
     </p:extLst>
   </p:cSld>
@@ -4349,7 +4349,7 @@
     </p:spTree>
     <p:extLst>
       <p:ext uri="{BB962C8B-B14F-4D97-AF65-F5344CB8AC3E}">
-        <p14:creationId xmlns="" xmlns:p14="http://schemas.microsoft.com/office/powerpoint/2010/main" val="939565178"/>
+        <p14:creationId xmlns:p14="http://schemas.microsoft.com/office/powerpoint/2010/main" xmlns="" val="939565178"/>
       </p:ext>
     </p:extLst>
   </p:cSld>
@@ -4434,7 +4434,7 @@
     </p:spTree>
     <p:extLst>
       <p:ext uri="{BB962C8B-B14F-4D97-AF65-F5344CB8AC3E}">
-        <p14:creationId xmlns:p14="http://schemas.microsoft.com/office/powerpoint/2010/main" xmlns="" val="2659555247"/>
+        <p14:creationId xmlns="" xmlns:p14="http://schemas.microsoft.com/office/powerpoint/2010/main" val="2659555247"/>
       </p:ext>
     </p:extLst>
   </p:cSld>
@@ -4519,7 +4519,7 @@
     </p:spTree>
     <p:extLst>
       <p:ext uri="{BB962C8B-B14F-4D97-AF65-F5344CB8AC3E}">
-        <p14:creationId xmlns="" xmlns:p14="http://schemas.microsoft.com/office/powerpoint/2010/main" val="939565178"/>
+        <p14:creationId xmlns:p14="http://schemas.microsoft.com/office/powerpoint/2010/main" xmlns="" val="939565178"/>
       </p:ext>
     </p:extLst>
   </p:cSld>
@@ -4604,7 +4604,7 @@
     </p:spTree>
     <p:extLst>
       <p:ext uri="{BB962C8B-B14F-4D97-AF65-F5344CB8AC3E}">
-        <p14:creationId xmlns:p14="http://schemas.microsoft.com/office/powerpoint/2010/main" xmlns="" val="2659555247"/>
+        <p14:creationId xmlns="" xmlns:p14="http://schemas.microsoft.com/office/powerpoint/2010/main" val="2659555247"/>
       </p:ext>
     </p:extLst>
   </p:cSld>
@@ -4689,7 +4689,7 @@
     </p:spTree>
     <p:extLst>
       <p:ext uri="{BB962C8B-B14F-4D97-AF65-F5344CB8AC3E}">
-        <p14:creationId xmlns:p14="http://schemas.microsoft.com/office/powerpoint/2010/main" xmlns="" val="2659555247"/>
+        <p14:creationId xmlns="" xmlns:p14="http://schemas.microsoft.com/office/powerpoint/2010/main" val="2659555247"/>
       </p:ext>
     </p:extLst>
   </p:cSld>
@@ -4774,7 +4774,7 @@
     </p:spTree>
     <p:extLst>
       <p:ext uri="{BB962C8B-B14F-4D97-AF65-F5344CB8AC3E}">
-        <p14:creationId xmlns:p14="http://schemas.microsoft.com/office/powerpoint/2010/main" xmlns="" val="2659555247"/>
+        <p14:creationId xmlns="" xmlns:p14="http://schemas.microsoft.com/office/powerpoint/2010/main" val="2659555247"/>
       </p:ext>
     </p:extLst>
   </p:cSld>
@@ -4859,7 +4859,7 @@
     </p:spTree>
     <p:extLst>
       <p:ext uri="{BB962C8B-B14F-4D97-AF65-F5344CB8AC3E}">
-        <p14:creationId xmlns:p14="http://schemas.microsoft.com/office/powerpoint/2010/main" xmlns="" val="2659555247"/>
+        <p14:creationId xmlns="" xmlns:p14="http://schemas.microsoft.com/office/powerpoint/2010/main" val="2659555247"/>
       </p:ext>
     </p:extLst>
   </p:cSld>
@@ -4944,7 +4944,7 @@
     </p:spTree>
     <p:extLst>
       <p:ext uri="{BB962C8B-B14F-4D97-AF65-F5344CB8AC3E}">
-        <p14:creationId xmlns:p14="http://schemas.microsoft.com/office/powerpoint/2010/main" xmlns="" val="2659555247"/>
+        <p14:creationId xmlns="" xmlns:p14="http://schemas.microsoft.com/office/powerpoint/2010/main" val="2659555247"/>
       </p:ext>
     </p:extLst>
   </p:cSld>
@@ -5029,7 +5029,7 @@
     </p:spTree>
     <p:extLst>
       <p:ext uri="{BB962C8B-B14F-4D97-AF65-F5344CB8AC3E}">
-        <p14:creationId xmlns:p14="http://schemas.microsoft.com/office/powerpoint/2010/main" xmlns="" val="2659555247"/>
+        <p14:creationId xmlns="" xmlns:p14="http://schemas.microsoft.com/office/powerpoint/2010/main" val="2659555247"/>
       </p:ext>
     </p:extLst>
   </p:cSld>
@@ -5114,7 +5114,7 @@
     </p:spTree>
     <p:extLst>
       <p:ext uri="{BB962C8B-B14F-4D97-AF65-F5344CB8AC3E}">
-        <p14:creationId xmlns:p14="http://schemas.microsoft.com/office/powerpoint/2010/main" xmlns="" val="2659555247"/>
+        <p14:creationId xmlns="" xmlns:p14="http://schemas.microsoft.com/office/powerpoint/2010/main" val="2659555247"/>
       </p:ext>
     </p:extLst>
   </p:cSld>
@@ -5199,7 +5199,7 @@
     </p:spTree>
     <p:extLst>
       <p:ext uri="{BB962C8B-B14F-4D97-AF65-F5344CB8AC3E}">
-        <p14:creationId xmlns:p14="http://schemas.microsoft.com/office/powerpoint/2010/main" xmlns="" val="2659555247"/>
+        <p14:creationId xmlns="" xmlns:p14="http://schemas.microsoft.com/office/powerpoint/2010/main" val="2659555247"/>
       </p:ext>
     </p:extLst>
   </p:cSld>
@@ -5284,7 +5284,7 @@
     </p:spTree>
     <p:extLst>
       <p:ext uri="{BB962C8B-B14F-4D97-AF65-F5344CB8AC3E}">
-        <p14:creationId xmlns:p14="http://schemas.microsoft.com/office/powerpoint/2010/main" xmlns="" val="2659555247"/>
+        <p14:creationId xmlns="" xmlns:p14="http://schemas.microsoft.com/office/powerpoint/2010/main" val="2659555247"/>
       </p:ext>
     </p:extLst>
   </p:cSld>
@@ -5369,7 +5369,7 @@
     </p:spTree>
     <p:extLst>
       <p:ext uri="{BB962C8B-B14F-4D97-AF65-F5344CB8AC3E}">
-        <p14:creationId xmlns:p14="http://schemas.microsoft.com/office/powerpoint/2010/main" xmlns="" val="2659555247"/>
+        <p14:creationId xmlns="" xmlns:p14="http://schemas.microsoft.com/office/powerpoint/2010/main" val="2659555247"/>
       </p:ext>
     </p:extLst>
   </p:cSld>
@@ -5454,7 +5454,7 @@
     </p:spTree>
     <p:extLst>
       <p:ext uri="{BB962C8B-B14F-4D97-AF65-F5344CB8AC3E}">
-        <p14:creationId xmlns:p14="http://schemas.microsoft.com/office/powerpoint/2010/main" xmlns="" val="2659555247"/>
+        <p14:creationId xmlns="" xmlns:p14="http://schemas.microsoft.com/office/powerpoint/2010/main" val="2659555247"/>
       </p:ext>
     </p:extLst>
   </p:cSld>
@@ -5539,7 +5539,7 @@
     </p:spTree>
     <p:extLst>
       <p:ext uri="{BB962C8B-B14F-4D97-AF65-F5344CB8AC3E}">
-        <p14:creationId xmlns:p14="http://schemas.microsoft.com/office/powerpoint/2010/main" xmlns="" val="2659555247"/>
+        <p14:creationId xmlns="" xmlns:p14="http://schemas.microsoft.com/office/powerpoint/2010/main" val="2659555247"/>
       </p:ext>
     </p:extLst>
   </p:cSld>
@@ -5624,7 +5624,7 @@
     </p:spTree>
     <p:extLst>
       <p:ext uri="{BB962C8B-B14F-4D97-AF65-F5344CB8AC3E}">
-        <p14:creationId xmlns:p14="http://schemas.microsoft.com/office/powerpoint/2010/main" xmlns="" val="2659555247"/>
+        <p14:creationId xmlns="" xmlns:p14="http://schemas.microsoft.com/office/powerpoint/2010/main" val="2659555247"/>
       </p:ext>
     </p:extLst>
   </p:cSld>
@@ -5709,7 +5709,7 @@
     </p:spTree>
     <p:extLst>
       <p:ext uri="{BB962C8B-B14F-4D97-AF65-F5344CB8AC3E}">
-        <p14:creationId xmlns:p14="http://schemas.microsoft.com/office/powerpoint/2010/main" xmlns="" val="2659555247"/>
+        <p14:creationId xmlns="" xmlns:p14="http://schemas.microsoft.com/office/powerpoint/2010/main" val="2659555247"/>
       </p:ext>
     </p:extLst>
   </p:cSld>
@@ -5794,7 +5794,7 @@
     </p:spTree>
     <p:extLst>
       <p:ext uri="{BB962C8B-B14F-4D97-AF65-F5344CB8AC3E}">
-        <p14:creationId xmlns="" xmlns:p14="http://schemas.microsoft.com/office/powerpoint/2010/main" val="939565178"/>
+        <p14:creationId xmlns:p14="http://schemas.microsoft.com/office/powerpoint/2010/main" xmlns="" val="939565178"/>
       </p:ext>
     </p:extLst>
   </p:cSld>
@@ -5879,7 +5879,7 @@
     </p:spTree>
     <p:extLst>
       <p:ext uri="{BB962C8B-B14F-4D97-AF65-F5344CB8AC3E}">
-        <p14:creationId xmlns:p14="http://schemas.microsoft.com/office/powerpoint/2010/main" xmlns="" val="2659555247"/>
+        <p14:creationId xmlns="" xmlns:p14="http://schemas.microsoft.com/office/powerpoint/2010/main" val="2659555247"/>
       </p:ext>
     </p:extLst>
   </p:cSld>
@@ -5964,7 +5964,7 @@
     </p:spTree>
     <p:extLst>
       <p:ext uri="{BB962C8B-B14F-4D97-AF65-F5344CB8AC3E}">
-        <p14:creationId xmlns:p14="http://schemas.microsoft.com/office/powerpoint/2010/main" xmlns="" val="2659555247"/>
+        <p14:creationId xmlns="" xmlns:p14="http://schemas.microsoft.com/office/powerpoint/2010/main" val="2659555247"/>
       </p:ext>
     </p:extLst>
   </p:cSld>
@@ -6049,7 +6049,7 @@
     </p:spTree>
     <p:extLst>
       <p:ext uri="{BB962C8B-B14F-4D97-AF65-F5344CB8AC3E}">
-        <p14:creationId xmlns:p14="http://schemas.microsoft.com/office/powerpoint/2010/main" xmlns="" val="2659555247"/>
+        <p14:creationId xmlns="" xmlns:p14="http://schemas.microsoft.com/office/powerpoint/2010/main" val="2659555247"/>
       </p:ext>
     </p:extLst>
   </p:cSld>
@@ -6134,7 +6134,7 @@
     </p:spTree>
     <p:extLst>
       <p:ext uri="{BB962C8B-B14F-4D97-AF65-F5344CB8AC3E}">
-        <p14:creationId xmlns:p14="http://schemas.microsoft.com/office/powerpoint/2010/main" xmlns="" val="2659555247"/>
+        <p14:creationId xmlns="" xmlns:p14="http://schemas.microsoft.com/office/powerpoint/2010/main" val="2659555247"/>
       </p:ext>
     </p:extLst>
   </p:cSld>
@@ -6219,7 +6219,7 @@
     </p:spTree>
     <p:extLst>
       <p:ext uri="{BB962C8B-B14F-4D97-AF65-F5344CB8AC3E}">
-        <p14:creationId xmlns:p14="http://schemas.microsoft.com/office/powerpoint/2010/main" xmlns="" val="2659555247"/>
+        <p14:creationId xmlns="" xmlns:p14="http://schemas.microsoft.com/office/powerpoint/2010/main" val="2659555247"/>
       </p:ext>
     </p:extLst>
   </p:cSld>
@@ -6304,7 +6304,7 @@
     </p:spTree>
     <p:extLst>
       <p:ext uri="{BB962C8B-B14F-4D97-AF65-F5344CB8AC3E}">
-        <p14:creationId xmlns:p14="http://schemas.microsoft.com/office/powerpoint/2010/main" xmlns="" val="2659555247"/>
+        <p14:creationId xmlns="" xmlns:p14="http://schemas.microsoft.com/office/powerpoint/2010/main" val="2659555247"/>
       </p:ext>
     </p:extLst>
   </p:cSld>
@@ -6389,7 +6389,7 @@
     </p:spTree>
     <p:extLst>
       <p:ext uri="{BB962C8B-B14F-4D97-AF65-F5344CB8AC3E}">
-        <p14:creationId xmlns:p14="http://schemas.microsoft.com/office/powerpoint/2010/main" xmlns="" val="2659555247"/>
+        <p14:creationId xmlns="" xmlns:p14="http://schemas.microsoft.com/office/powerpoint/2010/main" val="2659555247"/>
       </p:ext>
     </p:extLst>
   </p:cSld>
@@ -6474,7 +6474,7 @@
     </p:spTree>
     <p:extLst>
       <p:ext uri="{BB962C8B-B14F-4D97-AF65-F5344CB8AC3E}">
-        <p14:creationId xmlns:p14="http://schemas.microsoft.com/office/powerpoint/2010/main" xmlns="" val="2659555247"/>
+        <p14:creationId xmlns="" xmlns:p14="http://schemas.microsoft.com/office/powerpoint/2010/main" val="2659555247"/>
       </p:ext>
     </p:extLst>
   </p:cSld>
@@ -6559,7 +6559,7 @@
     </p:spTree>
     <p:extLst>
       <p:ext uri="{BB962C8B-B14F-4D97-AF65-F5344CB8AC3E}">
-        <p14:creationId xmlns:p14="http://schemas.microsoft.com/office/powerpoint/2010/main" xmlns="" val="2659555247"/>
+        <p14:creationId xmlns="" xmlns:p14="http://schemas.microsoft.com/office/powerpoint/2010/main" val="2659555247"/>
       </p:ext>
     </p:extLst>
   </p:cSld>
@@ -6644,7 +6644,7 @@
     </p:spTree>
     <p:extLst>
       <p:ext uri="{BB962C8B-B14F-4D97-AF65-F5344CB8AC3E}">
-        <p14:creationId xmlns:p14="http://schemas.microsoft.com/office/powerpoint/2010/main" xmlns="" val="2659555247"/>
+        <p14:creationId xmlns="" xmlns:p14="http://schemas.microsoft.com/office/powerpoint/2010/main" val="2659555247"/>
       </p:ext>
     </p:extLst>
   </p:cSld>
@@ -6729,7 +6729,7 @@
     </p:spTree>
     <p:extLst>
       <p:ext uri="{BB962C8B-B14F-4D97-AF65-F5344CB8AC3E}">
-        <p14:creationId xmlns:p14="http://schemas.microsoft.com/office/powerpoint/2010/main" xmlns="" val="2659555247"/>
+        <p14:creationId xmlns="" xmlns:p14="http://schemas.microsoft.com/office/powerpoint/2010/main" val="2659555247"/>
       </p:ext>
     </p:extLst>
   </p:cSld>
@@ -6814,7 +6814,7 @@
     </p:spTree>
     <p:extLst>
       <p:ext uri="{BB962C8B-B14F-4D97-AF65-F5344CB8AC3E}">
-        <p14:creationId xmlns:p14="http://schemas.microsoft.com/office/powerpoint/2010/main" xmlns="" val="2659555247"/>
+        <p14:creationId xmlns="" xmlns:p14="http://schemas.microsoft.com/office/powerpoint/2010/main" val="2659555247"/>
       </p:ext>
     </p:extLst>
   </p:cSld>
@@ -6899,7 +6899,7 @@
     </p:spTree>
     <p:extLst>
       <p:ext uri="{BB962C8B-B14F-4D97-AF65-F5344CB8AC3E}">
-        <p14:creationId xmlns:p14="http://schemas.microsoft.com/office/powerpoint/2010/main" xmlns="" val="2659555247"/>
+        <p14:creationId xmlns="" xmlns:p14="http://schemas.microsoft.com/office/powerpoint/2010/main" val="2659555247"/>
       </p:ext>
     </p:extLst>
   </p:cSld>
@@ -6984,7 +6984,7 @@
     </p:spTree>
     <p:extLst>
       <p:ext uri="{BB962C8B-B14F-4D97-AF65-F5344CB8AC3E}">
-        <p14:creationId xmlns:p14="http://schemas.microsoft.com/office/powerpoint/2010/main" xmlns="" val="2659555247"/>
+        <p14:creationId xmlns="" xmlns:p14="http://schemas.microsoft.com/office/powerpoint/2010/main" val="2659555247"/>
       </p:ext>
     </p:extLst>
   </p:cSld>
@@ -7069,7 +7069,7 @@
     </p:spTree>
     <p:extLst>
       <p:ext uri="{BB962C8B-B14F-4D97-AF65-F5344CB8AC3E}">
-        <p14:creationId xmlns:p14="http://schemas.microsoft.com/office/powerpoint/2010/main" xmlns="" val="2659555247"/>
+        <p14:creationId xmlns="" xmlns:p14="http://schemas.microsoft.com/office/powerpoint/2010/main" val="2659555247"/>
       </p:ext>
     </p:extLst>
   </p:cSld>
@@ -7154,7 +7154,7 @@
     </p:spTree>
     <p:extLst>
       <p:ext uri="{BB962C8B-B14F-4D97-AF65-F5344CB8AC3E}">
-        <p14:creationId xmlns:p14="http://schemas.microsoft.com/office/powerpoint/2010/main" xmlns="" val="2659555247"/>
+        <p14:creationId xmlns="" xmlns:p14="http://schemas.microsoft.com/office/powerpoint/2010/main" val="2659555247"/>
       </p:ext>
     </p:extLst>
   </p:cSld>
@@ -7243,7 +7243,7 @@
     </p:spTree>
     <p:extLst>
       <p:ext uri="{BB962C8B-B14F-4D97-AF65-F5344CB8AC3E}">
-        <p14:creationId xmlns:p14="http://schemas.microsoft.com/office/powerpoint/2010/main" xmlns="" val="2659555247"/>
+        <p14:creationId xmlns="" xmlns:p14="http://schemas.microsoft.com/office/powerpoint/2010/main" val="2659555247"/>
       </p:ext>
     </p:extLst>
   </p:cSld>
@@ -7332,7 +7332,7 @@
     </p:spTree>
     <p:extLst>
       <p:ext uri="{BB962C8B-B14F-4D97-AF65-F5344CB8AC3E}">
-        <p14:creationId xmlns:p14="http://schemas.microsoft.com/office/powerpoint/2010/main" xmlns="" val="2659555247"/>
+        <p14:creationId xmlns="" xmlns:p14="http://schemas.microsoft.com/office/powerpoint/2010/main" val="2659555247"/>
       </p:ext>
     </p:extLst>
   </p:cSld>
@@ -7417,7 +7417,7 @@
     </p:spTree>
     <p:extLst>
       <p:ext uri="{BB962C8B-B14F-4D97-AF65-F5344CB8AC3E}">
-        <p14:creationId xmlns:p14="http://schemas.microsoft.com/office/powerpoint/2010/main" xmlns="" val="2659555247"/>
+        <p14:creationId xmlns="" xmlns:p14="http://schemas.microsoft.com/office/powerpoint/2010/main" val="2659555247"/>
       </p:ext>
     </p:extLst>
   </p:cSld>
@@ -7502,7 +7502,7 @@
     </p:spTree>
     <p:extLst>
       <p:ext uri="{BB962C8B-B14F-4D97-AF65-F5344CB8AC3E}">
-        <p14:creationId xmlns:p14="http://schemas.microsoft.com/office/powerpoint/2010/main" xmlns="" val="2659555247"/>
+        <p14:creationId xmlns="" xmlns:p14="http://schemas.microsoft.com/office/powerpoint/2010/main" val="2659555247"/>
       </p:ext>
     </p:extLst>
   </p:cSld>
@@ -7587,7 +7587,7 @@
     </p:spTree>
     <p:extLst>
       <p:ext uri="{BB962C8B-B14F-4D97-AF65-F5344CB8AC3E}">
-        <p14:creationId xmlns:p14="http://schemas.microsoft.com/office/powerpoint/2010/main" xmlns="" val="2659555247"/>
+        <p14:creationId xmlns="" xmlns:p14="http://schemas.microsoft.com/office/powerpoint/2010/main" val="2659555247"/>
       </p:ext>
     </p:extLst>
   </p:cSld>
@@ -7672,7 +7672,7 @@
     </p:spTree>
     <p:extLst>
       <p:ext uri="{BB962C8B-B14F-4D97-AF65-F5344CB8AC3E}">
-        <p14:creationId xmlns:p14="http://schemas.microsoft.com/office/powerpoint/2010/main" xmlns="" val="2659555247"/>
+        <p14:creationId xmlns="" xmlns:p14="http://schemas.microsoft.com/office/powerpoint/2010/main" val="2659555247"/>
       </p:ext>
     </p:extLst>
   </p:cSld>
@@ -7757,7 +7757,7 @@
     </p:spTree>
     <p:extLst>
       <p:ext uri="{BB962C8B-B14F-4D97-AF65-F5344CB8AC3E}">
-        <p14:creationId xmlns:p14="http://schemas.microsoft.com/office/powerpoint/2010/main" xmlns="" val="2659555247"/>
+        <p14:creationId xmlns="" xmlns:p14="http://schemas.microsoft.com/office/powerpoint/2010/main" val="2659555247"/>
       </p:ext>
     </p:extLst>
   </p:cSld>
@@ -7842,7 +7842,7 @@
     </p:spTree>
     <p:extLst>
       <p:ext uri="{BB962C8B-B14F-4D97-AF65-F5344CB8AC3E}">
-        <p14:creationId xmlns:p14="http://schemas.microsoft.com/office/powerpoint/2010/main" xmlns="" val="2659555247"/>
+        <p14:creationId xmlns="" xmlns:p14="http://schemas.microsoft.com/office/powerpoint/2010/main" val="2659555247"/>
       </p:ext>
     </p:extLst>
   </p:cSld>
@@ -7927,7 +7927,7 @@
     </p:spTree>
     <p:extLst>
       <p:ext uri="{BB962C8B-B14F-4D97-AF65-F5344CB8AC3E}">
-        <p14:creationId xmlns:p14="http://schemas.microsoft.com/office/powerpoint/2010/main" xmlns="" val="2659555247"/>
+        <p14:creationId xmlns="" xmlns:p14="http://schemas.microsoft.com/office/powerpoint/2010/main" val="2659555247"/>
       </p:ext>
     </p:extLst>
   </p:cSld>
@@ -8012,7 +8012,7 @@
     </p:spTree>
     <p:extLst>
       <p:ext uri="{BB962C8B-B14F-4D97-AF65-F5344CB8AC3E}">
-        <p14:creationId xmlns:p14="http://schemas.microsoft.com/office/powerpoint/2010/main" xmlns="" val="2659555247"/>
+        <p14:creationId xmlns="" xmlns:p14="http://schemas.microsoft.com/office/powerpoint/2010/main" val="2659555247"/>
       </p:ext>
     </p:extLst>
   </p:cSld>
@@ -8097,7 +8097,7 @@
     </p:spTree>
     <p:extLst>
       <p:ext uri="{BB962C8B-B14F-4D97-AF65-F5344CB8AC3E}">
-        <p14:creationId xmlns:p14="http://schemas.microsoft.com/office/powerpoint/2010/main" xmlns="" val="2659555247"/>
+        <p14:creationId xmlns="" xmlns:p14="http://schemas.microsoft.com/office/powerpoint/2010/main" val="2659555247"/>
       </p:ext>
     </p:extLst>
   </p:cSld>
@@ -8182,7 +8182,7 @@
     </p:spTree>
     <p:extLst>
       <p:ext uri="{BB962C8B-B14F-4D97-AF65-F5344CB8AC3E}">
-        <p14:creationId xmlns:p14="http://schemas.microsoft.com/office/powerpoint/2010/main" xmlns="" val="2659555247"/>
+        <p14:creationId xmlns="" xmlns:p14="http://schemas.microsoft.com/office/powerpoint/2010/main" val="2659555247"/>
       </p:ext>
     </p:extLst>
   </p:cSld>
@@ -8267,7 +8267,7 @@
     </p:spTree>
     <p:extLst>
       <p:ext uri="{BB962C8B-B14F-4D97-AF65-F5344CB8AC3E}">
-        <p14:creationId xmlns:p14="http://schemas.microsoft.com/office/powerpoint/2010/main" xmlns="" val="2659555247"/>
+        <p14:creationId xmlns="" xmlns:p14="http://schemas.microsoft.com/office/powerpoint/2010/main" val="2659555247"/>
       </p:ext>
     </p:extLst>
   </p:cSld>
@@ -8352,7 +8352,7 @@
     </p:spTree>
     <p:extLst>
       <p:ext uri="{BB962C8B-B14F-4D97-AF65-F5344CB8AC3E}">
-        <p14:creationId xmlns:p14="http://schemas.microsoft.com/office/powerpoint/2010/main" xmlns="" val="2659555247"/>
+        <p14:creationId xmlns="" xmlns:p14="http://schemas.microsoft.com/office/powerpoint/2010/main" val="2659555247"/>
       </p:ext>
     </p:extLst>
   </p:cSld>
@@ -8437,7 +8437,7 @@
     </p:spTree>
     <p:extLst>
       <p:ext uri="{BB962C8B-B14F-4D97-AF65-F5344CB8AC3E}">
-        <p14:creationId xmlns:p14="http://schemas.microsoft.com/office/powerpoint/2010/main" xmlns="" val="2659555247"/>
+        <p14:creationId xmlns="" xmlns:p14="http://schemas.microsoft.com/office/powerpoint/2010/main" val="2659555247"/>
       </p:ext>
     </p:extLst>
   </p:cSld>
@@ -8522,7 +8522,7 @@
     </p:spTree>
     <p:extLst>
       <p:ext uri="{BB962C8B-B14F-4D97-AF65-F5344CB8AC3E}">
-        <p14:creationId xmlns:p14="http://schemas.microsoft.com/office/powerpoint/2010/main" xmlns="" val="2659555247"/>
+        <p14:creationId xmlns="" xmlns:p14="http://schemas.microsoft.com/office/powerpoint/2010/main" val="2659555247"/>
       </p:ext>
     </p:extLst>
   </p:cSld>
@@ -8607,7 +8607,7 @@
     </p:spTree>
     <p:extLst>
       <p:ext uri="{BB962C8B-B14F-4D97-AF65-F5344CB8AC3E}">
-        <p14:creationId xmlns:p14="http://schemas.microsoft.com/office/powerpoint/2010/main" xmlns="" val="2659555247"/>
+        <p14:creationId xmlns="" xmlns:p14="http://schemas.microsoft.com/office/powerpoint/2010/main" val="2659555247"/>
       </p:ext>
     </p:extLst>
   </p:cSld>
@@ -8692,7 +8692,7 @@
     </p:spTree>
     <p:extLst>
       <p:ext uri="{BB962C8B-B14F-4D97-AF65-F5344CB8AC3E}">
-        <p14:creationId xmlns:p14="http://schemas.microsoft.com/office/powerpoint/2010/main" xmlns="" val="2659555247"/>
+        <p14:creationId xmlns="" xmlns:p14="http://schemas.microsoft.com/office/powerpoint/2010/main" val="2659555247"/>
       </p:ext>
     </p:extLst>
   </p:cSld>
@@ -8777,7 +8777,7 @@
     </p:spTree>
     <p:extLst>
       <p:ext uri="{BB962C8B-B14F-4D97-AF65-F5344CB8AC3E}">
-        <p14:creationId xmlns="" xmlns:p14="http://schemas.microsoft.com/office/powerpoint/2010/main" val="939565178"/>
+        <p14:creationId xmlns:p14="http://schemas.microsoft.com/office/powerpoint/2010/main" xmlns="" val="939565178"/>
       </p:ext>
     </p:extLst>
   </p:cSld>
@@ -8862,7 +8862,7 @@
     </p:spTree>
     <p:extLst>
       <p:ext uri="{BB962C8B-B14F-4D97-AF65-F5344CB8AC3E}">
-        <p14:creationId xmlns:p14="http://schemas.microsoft.com/office/powerpoint/2010/main" xmlns="" val="2659555247"/>
+        <p14:creationId xmlns="" xmlns:p14="http://schemas.microsoft.com/office/powerpoint/2010/main" val="2659555247"/>
       </p:ext>
     </p:extLst>
   </p:cSld>
@@ -8947,7 +8947,7 @@
     </p:spTree>
     <p:extLst>
       <p:ext uri="{BB962C8B-B14F-4D97-AF65-F5344CB8AC3E}">
-        <p14:creationId xmlns:p14="http://schemas.microsoft.com/office/powerpoint/2010/main" xmlns="" val="2659555247"/>
+        <p14:creationId xmlns="" xmlns:p14="http://schemas.microsoft.com/office/powerpoint/2010/main" val="2659555247"/>
       </p:ext>
     </p:extLst>
   </p:cSld>
@@ -9032,7 +9032,7 @@
     </p:spTree>
     <p:extLst>
       <p:ext uri="{BB962C8B-B14F-4D97-AF65-F5344CB8AC3E}">
-        <p14:creationId xmlns:p14="http://schemas.microsoft.com/office/powerpoint/2010/main" xmlns="" val="2659555247"/>
+        <p14:creationId xmlns="" xmlns:p14="http://schemas.microsoft.com/office/powerpoint/2010/main" val="2659555247"/>
       </p:ext>
     </p:extLst>
   </p:cSld>
@@ -9117,7 +9117,7 @@
     </p:spTree>
     <p:extLst>
       <p:ext uri="{BB962C8B-B14F-4D97-AF65-F5344CB8AC3E}">
-        <p14:creationId xmlns:p14="http://schemas.microsoft.com/office/powerpoint/2010/main" xmlns="" val="2659555247"/>
+        <p14:creationId xmlns="" xmlns:p14="http://schemas.microsoft.com/office/powerpoint/2010/main" val="2659555247"/>
       </p:ext>
     </p:extLst>
   </p:cSld>
@@ -9202,7 +9202,7 @@
     </p:spTree>
     <p:extLst>
       <p:ext uri="{BB962C8B-B14F-4D97-AF65-F5344CB8AC3E}">
-        <p14:creationId xmlns:p14="http://schemas.microsoft.com/office/powerpoint/2010/main" xmlns="" val="2659555247"/>
+        <p14:creationId xmlns="" xmlns:p14="http://schemas.microsoft.com/office/powerpoint/2010/main" val="2659555247"/>
       </p:ext>
     </p:extLst>
   </p:cSld>
@@ -9287,7 +9287,7 @@
     </p:spTree>
     <p:extLst>
       <p:ext uri="{BB962C8B-B14F-4D97-AF65-F5344CB8AC3E}">
-        <p14:creationId xmlns:p14="http://schemas.microsoft.com/office/powerpoint/2010/main" xmlns="" val="2659555247"/>
+        <p14:creationId xmlns="" xmlns:p14="http://schemas.microsoft.com/office/powerpoint/2010/main" val="2659555247"/>
       </p:ext>
     </p:extLst>
   </p:cSld>
@@ -9372,7 +9372,7 @@
     </p:spTree>
     <p:extLst>
       <p:ext uri="{BB962C8B-B14F-4D97-AF65-F5344CB8AC3E}">
-        <p14:creationId xmlns:p14="http://schemas.microsoft.com/office/powerpoint/2010/main" xmlns="" val="2659555247"/>
+        <p14:creationId xmlns="" xmlns:p14="http://schemas.microsoft.com/office/powerpoint/2010/main" val="2659555247"/>
       </p:ext>
     </p:extLst>
   </p:cSld>
@@ -9457,7 +9457,7 @@
     </p:spTree>
     <p:extLst>
       <p:ext uri="{BB962C8B-B14F-4D97-AF65-F5344CB8AC3E}">
-        <p14:creationId xmlns:p14="http://schemas.microsoft.com/office/powerpoint/2010/main" xmlns="" val="2659555247"/>
+        <p14:creationId xmlns="" xmlns:p14="http://schemas.microsoft.com/office/powerpoint/2010/main" val="2659555247"/>
       </p:ext>
     </p:extLst>
   </p:cSld>
@@ -9542,7 +9542,7 @@
     </p:spTree>
     <p:extLst>
       <p:ext uri="{BB962C8B-B14F-4D97-AF65-F5344CB8AC3E}">
-        <p14:creationId xmlns:p14="http://schemas.microsoft.com/office/powerpoint/2010/main" xmlns="" val="2659555247"/>
+        <p14:creationId xmlns="" xmlns:p14="http://schemas.microsoft.com/office/powerpoint/2010/main" val="2659555247"/>
       </p:ext>
     </p:extLst>
   </p:cSld>
@@ -9627,7 +9627,7 @@
     </p:spTree>
     <p:extLst>
       <p:ext uri="{BB962C8B-B14F-4D97-AF65-F5344CB8AC3E}">
-        <p14:creationId xmlns:p14="http://schemas.microsoft.com/office/powerpoint/2010/main" xmlns="" val="2659555247"/>
+        <p14:creationId xmlns="" xmlns:p14="http://schemas.microsoft.com/office/powerpoint/2010/main" val="2659555247"/>
       </p:ext>
     </p:extLst>
   </p:cSld>
@@ -9712,7 +9712,7 @@
     </p:spTree>
     <p:extLst>
       <p:ext uri="{BB962C8B-B14F-4D97-AF65-F5344CB8AC3E}">
-        <p14:creationId xmlns:p14="http://schemas.microsoft.com/office/powerpoint/2010/main" xmlns="" val="2659555247"/>
+        <p14:creationId xmlns="" xmlns:p14="http://schemas.microsoft.com/office/powerpoint/2010/main" val="2659555247"/>
       </p:ext>
     </p:extLst>
   </p:cSld>
@@ -9797,7 +9797,7 @@
     </p:spTree>
     <p:extLst>
       <p:ext uri="{BB962C8B-B14F-4D97-AF65-F5344CB8AC3E}">
-        <p14:creationId xmlns="" xmlns:p14="http://schemas.microsoft.com/office/powerpoint/2010/main" val="939565178"/>
+        <p14:creationId xmlns:p14="http://schemas.microsoft.com/office/powerpoint/2010/main" xmlns="" val="939565178"/>
       </p:ext>
     </p:extLst>
   </p:cSld>
@@ -9882,7 +9882,7 @@
     </p:spTree>
     <p:extLst>
       <p:ext uri="{BB962C8B-B14F-4D97-AF65-F5344CB8AC3E}">
-        <p14:creationId xmlns:p14="http://schemas.microsoft.com/office/powerpoint/2010/main" xmlns="" val="2659555247"/>
+        <p14:creationId xmlns="" xmlns:p14="http://schemas.microsoft.com/office/powerpoint/2010/main" val="2659555247"/>
       </p:ext>
     </p:extLst>
   </p:cSld>
@@ -9967,7 +9967,7 @@
     </p:spTree>
     <p:extLst>
       <p:ext uri="{BB962C8B-B14F-4D97-AF65-F5344CB8AC3E}">
-        <p14:creationId xmlns:p14="http://schemas.microsoft.com/office/powerpoint/2010/main" xmlns="" val="2659555247"/>
+        <p14:creationId xmlns="" xmlns:p14="http://schemas.microsoft.com/office/powerpoint/2010/main" val="2659555247"/>
       </p:ext>
     </p:extLst>
   </p:cSld>
@@ -10052,7 +10052,7 @@
     </p:spTree>
     <p:extLst>
       <p:ext uri="{BB962C8B-B14F-4D97-AF65-F5344CB8AC3E}">
-        <p14:creationId xmlns:p14="http://schemas.microsoft.com/office/powerpoint/2010/main" xmlns="" val="2659555247"/>
+        <p14:creationId xmlns="" xmlns:p14="http://schemas.microsoft.com/office/powerpoint/2010/main" val="2659555247"/>
       </p:ext>
     </p:extLst>
   </p:cSld>
@@ -10137,7 +10137,7 @@
     </p:spTree>
     <p:extLst>
       <p:ext uri="{BB962C8B-B14F-4D97-AF65-F5344CB8AC3E}">
-        <p14:creationId xmlns:p14="http://schemas.microsoft.com/office/powerpoint/2010/main" xmlns="" val="2659555247"/>
+        <p14:creationId xmlns="" xmlns:p14="http://schemas.microsoft.com/office/powerpoint/2010/main" val="2659555247"/>
       </p:ext>
     </p:extLst>
   </p:cSld>
@@ -10222,7 +10222,7 @@
     </p:spTree>
     <p:extLst>
       <p:ext uri="{BB962C8B-B14F-4D97-AF65-F5344CB8AC3E}">
-        <p14:creationId xmlns:p14="http://schemas.microsoft.com/office/powerpoint/2010/main" xmlns="" val="2659555247"/>
+        <p14:creationId xmlns="" xmlns:p14="http://schemas.microsoft.com/office/powerpoint/2010/main" val="2659555247"/>
       </p:ext>
     </p:extLst>
   </p:cSld>
@@ -10307,7 +10307,7 @@
     </p:spTree>
     <p:extLst>
       <p:ext uri="{BB962C8B-B14F-4D97-AF65-F5344CB8AC3E}">
-        <p14:creationId xmlns:p14="http://schemas.microsoft.com/office/powerpoint/2010/main" xmlns="" val="2659555247"/>
+        <p14:creationId xmlns="" xmlns:p14="http://schemas.microsoft.com/office/powerpoint/2010/main" val="2659555247"/>
       </p:ext>
     </p:extLst>
   </p:cSld>
@@ -10392,7 +10392,7 @@
     </p:spTree>
     <p:extLst>
       <p:ext uri="{BB962C8B-B14F-4D97-AF65-F5344CB8AC3E}">
-        <p14:creationId xmlns:p14="http://schemas.microsoft.com/office/powerpoint/2010/main" xmlns="" val="2659555247"/>
+        <p14:creationId xmlns="" xmlns:p14="http://schemas.microsoft.com/office/powerpoint/2010/main" val="2659555247"/>
       </p:ext>
     </p:extLst>
   </p:cSld>
@@ -10477,7 +10477,7 @@
     </p:spTree>
     <p:extLst>
       <p:ext uri="{BB962C8B-B14F-4D97-AF65-F5344CB8AC3E}">
-        <p14:creationId xmlns:p14="http://schemas.microsoft.com/office/powerpoint/2010/main" xmlns="" val="2659555247"/>
+        <p14:creationId xmlns="" xmlns:p14="http://schemas.microsoft.com/office/powerpoint/2010/main" val="2659555247"/>
       </p:ext>
     </p:extLst>
   </p:cSld>
@@ -10562,7 +10562,7 @@
     </p:spTree>
     <p:extLst>
       <p:ext uri="{BB962C8B-B14F-4D97-AF65-F5344CB8AC3E}">
-        <p14:creationId xmlns:p14="http://schemas.microsoft.com/office/powerpoint/2010/main" xmlns="" val="2659555247"/>
+        <p14:creationId xmlns="" xmlns:p14="http://schemas.microsoft.com/office/powerpoint/2010/main" val="2659555247"/>
       </p:ext>
     </p:extLst>
   </p:cSld>
@@ -10647,7 +10647,7 @@
     </p:spTree>
     <p:extLst>
       <p:ext uri="{BB962C8B-B14F-4D97-AF65-F5344CB8AC3E}">
-        <p14:creationId xmlns:p14="http://schemas.microsoft.com/office/powerpoint/2010/main" xmlns="" val="2659555247"/>
+        <p14:creationId xmlns="" xmlns:p14="http://schemas.microsoft.com/office/powerpoint/2010/main" val="2659555247"/>
       </p:ext>
     </p:extLst>
   </p:cSld>
@@ -10732,7 +10732,7 @@
     </p:spTree>
     <p:extLst>
       <p:ext uri="{BB962C8B-B14F-4D97-AF65-F5344CB8AC3E}">
-        <p14:creationId xmlns:p14="http://schemas.microsoft.com/office/powerpoint/2010/main" xmlns="" val="2659555247"/>
+        <p14:creationId xmlns="" xmlns:p14="http://schemas.microsoft.com/office/powerpoint/2010/main" val="2659555247"/>
       </p:ext>
     </p:extLst>
   </p:cSld>
@@ -10817,7 +10817,7 @@
     </p:spTree>
     <p:extLst>
       <p:ext uri="{BB962C8B-B14F-4D97-AF65-F5344CB8AC3E}">
-        <p14:creationId xmlns:p14="http://schemas.microsoft.com/office/powerpoint/2010/main" xmlns="" val="2659555247"/>
+        <p14:creationId xmlns="" xmlns:p14="http://schemas.microsoft.com/office/powerpoint/2010/main" val="2659555247"/>
       </p:ext>
     </p:extLst>
   </p:cSld>
@@ -10902,7 +10902,7 @@
     </p:spTree>
     <p:extLst>
       <p:ext uri="{BB962C8B-B14F-4D97-AF65-F5344CB8AC3E}">
-        <p14:creationId xmlns:p14="http://schemas.microsoft.com/office/powerpoint/2010/main" xmlns="" val="2659555247"/>
+        <p14:creationId xmlns="" xmlns:p14="http://schemas.microsoft.com/office/powerpoint/2010/main" val="2659555247"/>
       </p:ext>
     </p:extLst>
   </p:cSld>
@@ -10987,7 +10987,7 @@
     </p:spTree>
     <p:extLst>
       <p:ext uri="{BB962C8B-B14F-4D97-AF65-F5344CB8AC3E}">
-        <p14:creationId xmlns:p14="http://schemas.microsoft.com/office/powerpoint/2010/main" xmlns="" val="2659555247"/>
+        <p14:creationId xmlns="" xmlns:p14="http://schemas.microsoft.com/office/powerpoint/2010/main" val="2659555247"/>
       </p:ext>
     </p:extLst>
   </p:cSld>
@@ -11072,7 +11072,7 @@
     </p:spTree>
     <p:extLst>
       <p:ext uri="{BB962C8B-B14F-4D97-AF65-F5344CB8AC3E}">
-        <p14:creationId xmlns:p14="http://schemas.microsoft.com/office/powerpoint/2010/main" xmlns="" val="2659555247"/>
+        <p14:creationId xmlns="" xmlns:p14="http://schemas.microsoft.com/office/powerpoint/2010/main" val="2659555247"/>
       </p:ext>
     </p:extLst>
   </p:cSld>
@@ -11157,7 +11157,7 @@
     </p:spTree>
     <p:extLst>
       <p:ext uri="{BB962C8B-B14F-4D97-AF65-F5344CB8AC3E}">
-        <p14:creationId xmlns:p14="http://schemas.microsoft.com/office/powerpoint/2010/main" xmlns="" val="2659555247"/>
+        <p14:creationId xmlns="" xmlns:p14="http://schemas.microsoft.com/office/powerpoint/2010/main" val="2659555247"/>
       </p:ext>
     </p:extLst>
   </p:cSld>
@@ -11242,7 +11242,7 @@
     </p:spTree>
     <p:extLst>
       <p:ext uri="{BB962C8B-B14F-4D97-AF65-F5344CB8AC3E}">
-        <p14:creationId xmlns:p14="http://schemas.microsoft.com/office/powerpoint/2010/main" xmlns="" val="2659555247"/>
+        <p14:creationId xmlns="" xmlns:p14="http://schemas.microsoft.com/office/powerpoint/2010/main" val="2659555247"/>
       </p:ext>
     </p:extLst>
   </p:cSld>
@@ -11327,7 +11327,7 @@
     </p:spTree>
     <p:extLst>
       <p:ext uri="{BB962C8B-B14F-4D97-AF65-F5344CB8AC3E}">
-        <p14:creationId xmlns:p14="http://schemas.microsoft.com/office/powerpoint/2010/main" xmlns="" val="2659555247"/>
+        <p14:creationId xmlns="" xmlns:p14="http://schemas.microsoft.com/office/powerpoint/2010/main" val="2659555247"/>
       </p:ext>
     </p:extLst>
   </p:cSld>
@@ -11412,7 +11412,7 @@
     </p:spTree>
     <p:extLst>
       <p:ext uri="{BB962C8B-B14F-4D97-AF65-F5344CB8AC3E}">
-        <p14:creationId xmlns:p14="http://schemas.microsoft.com/office/powerpoint/2010/main" xmlns="" val="2659555247"/>
+        <p14:creationId xmlns="" xmlns:p14="http://schemas.microsoft.com/office/powerpoint/2010/main" val="2659555247"/>
       </p:ext>
     </p:extLst>
   </p:cSld>
@@ -11497,7 +11497,7 @@
     </p:spTree>
     <p:extLst>
       <p:ext uri="{BB962C8B-B14F-4D97-AF65-F5344CB8AC3E}">
-        <p14:creationId xmlns:p14="http://schemas.microsoft.com/office/powerpoint/2010/main" xmlns="" val="2659555247"/>
+        <p14:creationId xmlns="" xmlns:p14="http://schemas.microsoft.com/office/powerpoint/2010/main" val="2659555247"/>
       </p:ext>
     </p:extLst>
   </p:cSld>
@@ -11582,7 +11582,7 @@
     </p:spTree>
     <p:extLst>
       <p:ext uri="{BB962C8B-B14F-4D97-AF65-F5344CB8AC3E}">
-        <p14:creationId xmlns:p14="http://schemas.microsoft.com/office/powerpoint/2010/main" xmlns="" val="2659555247"/>
+        <p14:creationId xmlns="" xmlns:p14="http://schemas.microsoft.com/office/powerpoint/2010/main" val="2659555247"/>
       </p:ext>
     </p:extLst>
   </p:cSld>
@@ -11667,7 +11667,7 @@
     </p:spTree>
     <p:extLst>
       <p:ext uri="{BB962C8B-B14F-4D97-AF65-F5344CB8AC3E}">
-        <p14:creationId xmlns:p14="http://schemas.microsoft.com/office/powerpoint/2010/main" xmlns="" val="2659555247"/>
+        <p14:creationId xmlns="" xmlns:p14="http://schemas.microsoft.com/office/powerpoint/2010/main" val="2659555247"/>
       </p:ext>
     </p:extLst>
   </p:cSld>
@@ -11752,7 +11752,7 @@
     </p:spTree>
     <p:extLst>
       <p:ext uri="{BB962C8B-B14F-4D97-AF65-F5344CB8AC3E}">
-        <p14:creationId xmlns:p14="http://schemas.microsoft.com/office/powerpoint/2010/main" xmlns="" val="2659555247"/>
+        <p14:creationId xmlns="" xmlns:p14="http://schemas.microsoft.com/office/powerpoint/2010/main" val="2659555247"/>
       </p:ext>
     </p:extLst>
   </p:cSld>
@@ -12070,7 +12070,7 @@
                 </a:solidFill>
               </a:rPr>
               <a:pPr/>
-              <a:t>5/2/2021</a:t>
+              <a:t>5/10/2021</a:t>
             </a:fld>
             <a:endParaRPr kumimoji="0" lang="en-US" dirty="0"/>
           </a:p>
@@ -12461,7 +12461,7 @@
                 </a:solidFill>
               </a:rPr>
               <a:pPr/>
-              <a:t>5/2/2021</a:t>
+              <a:t>5/10/2021</a:t>
             </a:fld>
             <a:endParaRPr kumimoji="0" lang="en-US" dirty="0"/>
           </a:p>
@@ -12796,7 +12796,7 @@
                 </a:solidFill>
               </a:rPr>
               <a:pPr/>
-              <a:t>5/2/2021</a:t>
+              <a:t>5/10/2021</a:t>
             </a:fld>
             <a:endParaRPr kumimoji="0" lang="en-US" dirty="0"/>
           </a:p>
@@ -13372,7 +13372,7 @@
                 </a:solidFill>
               </a:rPr>
               <a:pPr/>
-              <a:t>5/2/2021</a:t>
+              <a:t>5/10/2021</a:t>
             </a:fld>
             <a:endParaRPr kumimoji="0" lang="en-US" dirty="0"/>
           </a:p>
@@ -13936,7 +13936,7 @@
                 </a:solidFill>
               </a:rPr>
               <a:pPr/>
-              <a:t>5/2/2021</a:t>
+              <a:t>5/10/2021</a:t>
             </a:fld>
             <a:endParaRPr kumimoji="0" lang="en-US" dirty="0"/>
           </a:p>
@@ -14395,7 +14395,7 @@
                 </a:solidFill>
               </a:rPr>
               <a:pPr/>
-              <a:t>5/2/2021</a:t>
+              <a:t>5/10/2021</a:t>
             </a:fld>
             <a:endParaRPr kumimoji="0" lang="en-US" dirty="0"/>
           </a:p>
@@ -14819,7 +14819,7 @@
                 </a:solidFill>
               </a:rPr>
               <a:pPr/>
-              <a:t>5/2/2021</a:t>
+              <a:t>5/10/2021</a:t>
             </a:fld>
             <a:endParaRPr kumimoji="0" lang="en-US" dirty="0"/>
           </a:p>
@@ -15323,7 +15323,7 @@
                 </a:solidFill>
               </a:rPr>
               <a:pPr/>
-              <a:t>5/2/2021</a:t>
+              <a:t>5/10/2021</a:t>
             </a:fld>
             <a:endParaRPr kumimoji="0" lang="en-US" dirty="0"/>
           </a:p>
@@ -15827,7 +15827,7 @@
                 </a:solidFill>
               </a:rPr>
               <a:pPr/>
-              <a:t>5/2/2021</a:t>
+              <a:t>5/10/2021</a:t>
             </a:fld>
             <a:endParaRPr kumimoji="0" lang="en-US" dirty="0"/>
           </a:p>
@@ -16043,7 +16043,7 @@
                 </a:solidFill>
               </a:rPr>
               <a:pPr/>
-              <a:t>5/2/2021</a:t>
+              <a:t>5/10/2021</a:t>
             </a:fld>
             <a:endParaRPr kumimoji="0" lang="en-US" dirty="0"/>
           </a:p>
@@ -16371,7 +16371,7 @@
                 </a:solidFill>
               </a:rPr>
               <a:pPr/>
-              <a:t>5/2/2021</a:t>
+              <a:t>5/10/2021</a:t>
             </a:fld>
             <a:endParaRPr kumimoji="0" lang="en-US" dirty="0"/>
           </a:p>
@@ -16597,7 +16597,7 @@
                 </a:solidFill>
               </a:rPr>
               <a:pPr/>
-              <a:t>5/2/2021</a:t>
+              <a:t>5/10/2021</a:t>
             </a:fld>
             <a:endParaRPr kumimoji="0" lang="en-US" dirty="0"/>
           </a:p>
@@ -16816,7 +16816,7 @@
                 </a:solidFill>
               </a:rPr>
               <a:pPr/>
-              <a:t>5/2/2021</a:t>
+              <a:t>5/10/2021</a:t>
             </a:fld>
             <a:endParaRPr kumimoji="0" lang="en-US" dirty="0"/>
           </a:p>
@@ -16992,7 +16992,7 @@
             <a:fld id="{ACB2EC6F-6501-4E04-BD6C-A8A6CABB2C5B}" type="datetimeFigureOut">
               <a:rPr kumimoji="0" lang="en-US" smtClean="0"/>
               <a:pPr/>
-              <a:t>5/2/2021</a:t>
+              <a:t>5/10/2021</a:t>
             </a:fld>
             <a:endParaRPr kumimoji="0" lang="en-US" dirty="0"/>
           </a:p>
@@ -17237,7 +17237,7 @@
                 </a:solidFill>
               </a:rPr>
               <a:pPr/>
-              <a:t>5/2/2021</a:t>
+              <a:t>5/10/2021</a:t>
             </a:fld>
             <a:endParaRPr kumimoji="0" lang="en-US" dirty="0"/>
           </a:p>
@@ -17709,7 +17709,7 @@
                 </a:solidFill>
               </a:rPr>
               <a:pPr/>
-              <a:t>5/2/2021</a:t>
+              <a:t>5/10/2021</a:t>
             </a:fld>
             <a:endParaRPr kumimoji="0" lang="en-US" dirty="0"/>
           </a:p>
@@ -18061,7 +18061,7 @@
                 </a:solidFill>
               </a:rPr>
               <a:pPr/>
-              <a:t>5/2/2021</a:t>
+              <a:t>5/10/2021</a:t>
             </a:fld>
             <a:endParaRPr kumimoji="0" lang="en-US" dirty="0"/>
           </a:p>
@@ -18419,7 +18419,7 @@
                 </a:solidFill>
               </a:rPr>
               <a:pPr/>
-              <a:t>5/2/2021</a:t>
+              <a:t>5/10/2021</a:t>
             </a:fld>
             <a:endParaRPr kumimoji="0" lang="en-US" dirty="0"/>
           </a:p>
@@ -18724,7 +18724,7 @@
                 </a:solidFill>
               </a:rPr>
               <a:pPr/>
-              <a:t>5/2/2021</a:t>
+              <a:t>5/10/2021</a:t>
             </a:fld>
             <a:endParaRPr kumimoji="0" lang="en-US" dirty="0"/>
           </a:p>
@@ -19200,7 +19200,7 @@
                 </a:solidFill>
               </a:rPr>
               <a:pPr/>
-              <a:t>5/2/2021</a:t>
+              <a:t>5/10/2021</a:t>
             </a:fld>
             <a:endParaRPr kumimoji="0" lang="en-US" dirty="0"/>
           </a:p>
@@ -19437,7 +19437,7 @@
                 </a:solidFill>
               </a:rPr>
               <a:pPr/>
-              <a:t>5/2/2021</a:t>
+              <a:t>5/10/2021</a:t>
             </a:fld>
             <a:endParaRPr kumimoji="0" lang="en-US" sz="1200" dirty="0">
               <a:solidFill>
@@ -20357,7 +20357,7 @@
     </p:spTree>
     <p:extLst>
       <p:ext uri="{BB962C8B-B14F-4D97-AF65-F5344CB8AC3E}">
-        <p14:creationId xmlns:p14="http://schemas.microsoft.com/office/powerpoint/2010/main" xmlns="" val="522405798"/>
+        <p14:creationId xmlns="" xmlns:p14="http://schemas.microsoft.com/office/powerpoint/2010/main" val="522405798"/>
       </p:ext>
     </p:extLst>
   </p:cSld>
@@ -20489,7 +20489,7 @@
     </p:spTree>
     <p:extLst>
       <p:ext uri="{BB962C8B-B14F-4D97-AF65-F5344CB8AC3E}">
-        <p14:creationId xmlns:p14="http://schemas.microsoft.com/office/powerpoint/2010/main" xmlns="" val="522405798"/>
+        <p14:creationId xmlns="" xmlns:p14="http://schemas.microsoft.com/office/powerpoint/2010/main" val="522405798"/>
       </p:ext>
     </p:extLst>
   </p:cSld>
@@ -20812,7 +20812,7 @@
     </p:spTree>
     <p:extLst>
       <p:ext uri="{BB962C8B-B14F-4D97-AF65-F5344CB8AC3E}">
-        <p14:creationId xmlns:p14="http://schemas.microsoft.com/office/powerpoint/2010/main" xmlns="" val="522405798"/>
+        <p14:creationId xmlns="" xmlns:p14="http://schemas.microsoft.com/office/powerpoint/2010/main" val="522405798"/>
       </p:ext>
     </p:extLst>
   </p:cSld>
@@ -21019,7 +21019,7 @@
     </p:spTree>
     <p:extLst>
       <p:ext uri="{BB962C8B-B14F-4D97-AF65-F5344CB8AC3E}">
-        <p14:creationId xmlns:p14="http://schemas.microsoft.com/office/powerpoint/2010/main" xmlns="" val="522405798"/>
+        <p14:creationId xmlns="" xmlns:p14="http://schemas.microsoft.com/office/powerpoint/2010/main" val="522405798"/>
       </p:ext>
     </p:extLst>
   </p:cSld>
@@ -21480,7 +21480,7 @@
     </p:spTree>
     <p:extLst>
       <p:ext uri="{BB962C8B-B14F-4D97-AF65-F5344CB8AC3E}">
-        <p14:creationId xmlns:p14="http://schemas.microsoft.com/office/powerpoint/2010/main" xmlns="" val="522405798"/>
+        <p14:creationId xmlns="" xmlns:p14="http://schemas.microsoft.com/office/powerpoint/2010/main" val="522405798"/>
       </p:ext>
     </p:extLst>
   </p:cSld>
@@ -22100,7 +22100,7 @@
     </p:spTree>
     <p:extLst>
       <p:ext uri="{BB962C8B-B14F-4D97-AF65-F5344CB8AC3E}">
-        <p14:creationId xmlns:p14="http://schemas.microsoft.com/office/powerpoint/2010/main" xmlns="" val="522405798"/>
+        <p14:creationId xmlns="" xmlns:p14="http://schemas.microsoft.com/office/powerpoint/2010/main" val="522405798"/>
       </p:ext>
     </p:extLst>
   </p:cSld>
@@ -22448,7 +22448,7 @@
     </p:spTree>
     <p:extLst>
       <p:ext uri="{BB962C8B-B14F-4D97-AF65-F5344CB8AC3E}">
-        <p14:creationId xmlns:p14="http://schemas.microsoft.com/office/powerpoint/2010/main" xmlns="" val="522405798"/>
+        <p14:creationId xmlns="" xmlns:p14="http://schemas.microsoft.com/office/powerpoint/2010/main" val="522405798"/>
       </p:ext>
     </p:extLst>
   </p:cSld>
@@ -22667,7 +22667,7 @@
     </p:spTree>
     <p:extLst>
       <p:ext uri="{BB962C8B-B14F-4D97-AF65-F5344CB8AC3E}">
-        <p14:creationId xmlns:p14="http://schemas.microsoft.com/office/powerpoint/2010/main" xmlns="" val="522405798"/>
+        <p14:creationId xmlns="" xmlns:p14="http://schemas.microsoft.com/office/powerpoint/2010/main" val="522405798"/>
       </p:ext>
     </p:extLst>
   </p:cSld>
@@ -22837,7 +22837,7 @@
     </p:spTree>
     <p:extLst>
       <p:ext uri="{BB962C8B-B14F-4D97-AF65-F5344CB8AC3E}">
-        <p14:creationId xmlns:p14="http://schemas.microsoft.com/office/powerpoint/2010/main" xmlns="" val="522405798"/>
+        <p14:creationId xmlns="" xmlns:p14="http://schemas.microsoft.com/office/powerpoint/2010/main" val="522405798"/>
       </p:ext>
     </p:extLst>
   </p:cSld>
@@ -22932,7 +22932,7 @@
     </p:spTree>
     <p:extLst>
       <p:ext uri="{BB962C8B-B14F-4D97-AF65-F5344CB8AC3E}">
-        <p14:creationId xmlns="" xmlns:p14="http://schemas.microsoft.com/office/powerpoint/2010/main" val="3907764274"/>
+        <p14:creationId xmlns:p14="http://schemas.microsoft.com/office/powerpoint/2010/main" xmlns="" val="3907764274"/>
       </p:ext>
     </p:extLst>
   </p:cSld>
@@ -23253,7 +23253,7 @@
     </p:spTree>
     <p:extLst>
       <p:ext uri="{BB962C8B-B14F-4D97-AF65-F5344CB8AC3E}">
-        <p14:creationId xmlns:p14="http://schemas.microsoft.com/office/powerpoint/2010/main" xmlns="" val="522405798"/>
+        <p14:creationId xmlns="" xmlns:p14="http://schemas.microsoft.com/office/powerpoint/2010/main" val="522405798"/>
       </p:ext>
     </p:extLst>
   </p:cSld>
@@ -23385,7 +23385,7 @@
     </p:spTree>
     <p:extLst>
       <p:ext uri="{BB962C8B-B14F-4D97-AF65-F5344CB8AC3E}">
-        <p14:creationId xmlns:p14="http://schemas.microsoft.com/office/powerpoint/2010/main" xmlns="" val="522405798"/>
+        <p14:creationId xmlns="" xmlns:p14="http://schemas.microsoft.com/office/powerpoint/2010/main" val="522405798"/>
       </p:ext>
     </p:extLst>
   </p:cSld>
@@ -23595,7 +23595,7 @@
     </p:spTree>
     <p:extLst>
       <p:ext uri="{BB962C8B-B14F-4D97-AF65-F5344CB8AC3E}">
-        <p14:creationId xmlns:p14="http://schemas.microsoft.com/office/powerpoint/2010/main" xmlns="" val="522405798"/>
+        <p14:creationId xmlns="" xmlns:p14="http://schemas.microsoft.com/office/powerpoint/2010/main" val="522405798"/>
       </p:ext>
     </p:extLst>
   </p:cSld>
@@ -23925,7 +23925,7 @@
     </p:spTree>
     <p:extLst>
       <p:ext uri="{BB962C8B-B14F-4D97-AF65-F5344CB8AC3E}">
-        <p14:creationId xmlns:p14="http://schemas.microsoft.com/office/powerpoint/2010/main" xmlns="" val="522405798"/>
+        <p14:creationId xmlns="" xmlns:p14="http://schemas.microsoft.com/office/powerpoint/2010/main" val="522405798"/>
       </p:ext>
     </p:extLst>
   </p:cSld>
@@ -24057,7 +24057,7 @@
     </p:spTree>
     <p:extLst>
       <p:ext uri="{BB962C8B-B14F-4D97-AF65-F5344CB8AC3E}">
-        <p14:creationId xmlns:p14="http://schemas.microsoft.com/office/powerpoint/2010/main" xmlns="" val="522405798"/>
+        <p14:creationId xmlns="" xmlns:p14="http://schemas.microsoft.com/office/powerpoint/2010/main" val="522405798"/>
       </p:ext>
     </p:extLst>
   </p:cSld>
@@ -24189,7 +24189,7 @@
     </p:spTree>
     <p:extLst>
       <p:ext uri="{BB962C8B-B14F-4D97-AF65-F5344CB8AC3E}">
-        <p14:creationId xmlns:p14="http://schemas.microsoft.com/office/powerpoint/2010/main" xmlns="" val="522405798"/>
+        <p14:creationId xmlns="" xmlns:p14="http://schemas.microsoft.com/office/powerpoint/2010/main" val="522405798"/>
       </p:ext>
     </p:extLst>
   </p:cSld>
@@ -24321,7 +24321,7 @@
     </p:spTree>
     <p:extLst>
       <p:ext uri="{BB962C8B-B14F-4D97-AF65-F5344CB8AC3E}">
-        <p14:creationId xmlns:p14="http://schemas.microsoft.com/office/powerpoint/2010/main" xmlns="" val="522405798"/>
+        <p14:creationId xmlns="" xmlns:p14="http://schemas.microsoft.com/office/powerpoint/2010/main" val="522405798"/>
       </p:ext>
     </p:extLst>
   </p:cSld>
@@ -24510,7 +24510,7 @@
     </p:spTree>
     <p:extLst>
       <p:ext uri="{BB962C8B-B14F-4D97-AF65-F5344CB8AC3E}">
-        <p14:creationId xmlns:p14="http://schemas.microsoft.com/office/powerpoint/2010/main" xmlns="" val="522405798"/>
+        <p14:creationId xmlns="" xmlns:p14="http://schemas.microsoft.com/office/powerpoint/2010/main" val="522405798"/>
       </p:ext>
     </p:extLst>
   </p:cSld>
@@ -24642,7 +24642,7 @@
     </p:spTree>
     <p:extLst>
       <p:ext uri="{BB962C8B-B14F-4D97-AF65-F5344CB8AC3E}">
-        <p14:creationId xmlns:p14="http://schemas.microsoft.com/office/powerpoint/2010/main" xmlns="" val="522405798"/>
+        <p14:creationId xmlns="" xmlns:p14="http://schemas.microsoft.com/office/powerpoint/2010/main" val="522405798"/>
       </p:ext>
     </p:extLst>
   </p:cSld>
@@ -24877,7 +24877,7 @@
     </p:spTree>
     <p:extLst>
       <p:ext uri="{BB962C8B-B14F-4D97-AF65-F5344CB8AC3E}">
-        <p14:creationId xmlns:p14="http://schemas.microsoft.com/office/powerpoint/2010/main" xmlns="" val="522405798"/>
+        <p14:creationId xmlns="" xmlns:p14="http://schemas.microsoft.com/office/powerpoint/2010/main" val="522405798"/>
       </p:ext>
     </p:extLst>
   </p:cSld>
@@ -25103,7 +25103,7 @@
     </p:spTree>
     <p:extLst>
       <p:ext uri="{BB962C8B-B14F-4D97-AF65-F5344CB8AC3E}">
-        <p14:creationId xmlns:p14="http://schemas.microsoft.com/office/powerpoint/2010/main" xmlns="" val="522405798"/>
+        <p14:creationId xmlns="" xmlns:p14="http://schemas.microsoft.com/office/powerpoint/2010/main" val="522405798"/>
       </p:ext>
     </p:extLst>
   </p:cSld>
@@ -25381,7 +25381,7 @@
     </p:spTree>
     <p:extLst>
       <p:ext uri="{BB962C8B-B14F-4D97-AF65-F5344CB8AC3E}">
-        <p14:creationId xmlns:p14="http://schemas.microsoft.com/office/powerpoint/2010/main" xmlns="" val="522405798"/>
+        <p14:creationId xmlns="" xmlns:p14="http://schemas.microsoft.com/office/powerpoint/2010/main" val="522405798"/>
       </p:ext>
     </p:extLst>
   </p:cSld>
@@ -25655,7 +25655,7 @@
     </p:spTree>
     <p:extLst>
       <p:ext uri="{BB962C8B-B14F-4D97-AF65-F5344CB8AC3E}">
-        <p14:creationId xmlns:p14="http://schemas.microsoft.com/office/powerpoint/2010/main" xmlns="" val="522405798"/>
+        <p14:creationId xmlns="" xmlns:p14="http://schemas.microsoft.com/office/powerpoint/2010/main" val="522405798"/>
       </p:ext>
     </p:extLst>
   </p:cSld>
@@ -25813,7 +25813,7 @@
     </p:spTree>
     <p:extLst>
       <p:ext uri="{BB962C8B-B14F-4D97-AF65-F5344CB8AC3E}">
-        <p14:creationId xmlns:p14="http://schemas.microsoft.com/office/powerpoint/2010/main" xmlns="" val="522405798"/>
+        <p14:creationId xmlns="" xmlns:p14="http://schemas.microsoft.com/office/powerpoint/2010/main" val="522405798"/>
       </p:ext>
     </p:extLst>
   </p:cSld>
@@ -26070,7 +26070,7 @@
     </p:spTree>
     <p:extLst>
       <p:ext uri="{BB962C8B-B14F-4D97-AF65-F5344CB8AC3E}">
-        <p14:creationId xmlns:p14="http://schemas.microsoft.com/office/powerpoint/2010/main" xmlns="" val="522405798"/>
+        <p14:creationId xmlns="" xmlns:p14="http://schemas.microsoft.com/office/powerpoint/2010/main" val="522405798"/>
       </p:ext>
     </p:extLst>
   </p:cSld>
@@ -26340,7 +26340,7 @@
     </p:spTree>
     <p:extLst>
       <p:ext uri="{BB962C8B-B14F-4D97-AF65-F5344CB8AC3E}">
-        <p14:creationId xmlns:p14="http://schemas.microsoft.com/office/powerpoint/2010/main" xmlns="" val="522405798"/>
+        <p14:creationId xmlns="" xmlns:p14="http://schemas.microsoft.com/office/powerpoint/2010/main" val="522405798"/>
       </p:ext>
     </p:extLst>
   </p:cSld>
@@ -26435,7 +26435,7 @@
     </p:spTree>
     <p:extLst>
       <p:ext uri="{BB962C8B-B14F-4D97-AF65-F5344CB8AC3E}">
-        <p14:creationId xmlns="" xmlns:p14="http://schemas.microsoft.com/office/powerpoint/2010/main" val="3907764274"/>
+        <p14:creationId xmlns:p14="http://schemas.microsoft.com/office/powerpoint/2010/main" xmlns="" val="3907764274"/>
       </p:ext>
     </p:extLst>
   </p:cSld>
@@ -26654,7 +26654,7 @@
     </p:spTree>
     <p:extLst>
       <p:ext uri="{BB962C8B-B14F-4D97-AF65-F5344CB8AC3E}">
-        <p14:creationId xmlns:p14="http://schemas.microsoft.com/office/powerpoint/2010/main" xmlns="" val="522405798"/>
+        <p14:creationId xmlns="" xmlns:p14="http://schemas.microsoft.com/office/powerpoint/2010/main" val="522405798"/>
       </p:ext>
     </p:extLst>
   </p:cSld>
@@ -26844,7 +26844,7 @@
     </p:spTree>
     <p:extLst>
       <p:ext uri="{BB962C8B-B14F-4D97-AF65-F5344CB8AC3E}">
-        <p14:creationId xmlns:p14="http://schemas.microsoft.com/office/powerpoint/2010/main" xmlns="" val="522405798"/>
+        <p14:creationId xmlns="" xmlns:p14="http://schemas.microsoft.com/office/powerpoint/2010/main" val="522405798"/>
       </p:ext>
     </p:extLst>
   </p:cSld>
@@ -27019,7 +27019,7 @@
     </p:spTree>
     <p:extLst>
       <p:ext uri="{BB962C8B-B14F-4D97-AF65-F5344CB8AC3E}">
-        <p14:creationId xmlns:p14="http://schemas.microsoft.com/office/powerpoint/2010/main" xmlns="" val="522405798"/>
+        <p14:creationId xmlns="" xmlns:p14="http://schemas.microsoft.com/office/powerpoint/2010/main" val="522405798"/>
       </p:ext>
     </p:extLst>
   </p:cSld>
@@ -27135,7 +27135,7 @@
     </p:spTree>
     <p:extLst>
       <p:ext uri="{BB962C8B-B14F-4D97-AF65-F5344CB8AC3E}">
-        <p14:creationId xmlns:p14="http://schemas.microsoft.com/office/powerpoint/2010/main" xmlns="" val="522405798"/>
+        <p14:creationId xmlns="" xmlns:p14="http://schemas.microsoft.com/office/powerpoint/2010/main" val="522405798"/>
       </p:ext>
     </p:extLst>
   </p:cSld>
@@ -27291,7 +27291,7 @@
     </p:spTree>
     <p:extLst>
       <p:ext uri="{BB962C8B-B14F-4D97-AF65-F5344CB8AC3E}">
-        <p14:creationId xmlns:p14="http://schemas.microsoft.com/office/powerpoint/2010/main" xmlns="" val="522405798"/>
+        <p14:creationId xmlns="" xmlns:p14="http://schemas.microsoft.com/office/powerpoint/2010/main" val="522405798"/>
       </p:ext>
     </p:extLst>
   </p:cSld>
@@ -27446,7 +27446,7 @@
     </p:spTree>
     <p:extLst>
       <p:ext uri="{BB962C8B-B14F-4D97-AF65-F5344CB8AC3E}">
-        <p14:creationId xmlns:p14="http://schemas.microsoft.com/office/powerpoint/2010/main" xmlns="" val="522405798"/>
+        <p14:creationId xmlns="" xmlns:p14="http://schemas.microsoft.com/office/powerpoint/2010/main" val="522405798"/>
       </p:ext>
     </p:extLst>
   </p:cSld>
@@ -27594,7 +27594,7 @@
     </p:spTree>
     <p:extLst>
       <p:ext uri="{BB962C8B-B14F-4D97-AF65-F5344CB8AC3E}">
-        <p14:creationId xmlns:p14="http://schemas.microsoft.com/office/powerpoint/2010/main" xmlns="" val="522405798"/>
+        <p14:creationId xmlns="" xmlns:p14="http://schemas.microsoft.com/office/powerpoint/2010/main" val="522405798"/>
       </p:ext>
     </p:extLst>
   </p:cSld>
@@ -27793,7 +27793,7 @@
     </p:spTree>
     <p:extLst>
       <p:ext uri="{BB962C8B-B14F-4D97-AF65-F5344CB8AC3E}">
-        <p14:creationId xmlns:p14="http://schemas.microsoft.com/office/powerpoint/2010/main" xmlns="" val="522405798"/>
+        <p14:creationId xmlns="" xmlns:p14="http://schemas.microsoft.com/office/powerpoint/2010/main" val="522405798"/>
       </p:ext>
     </p:extLst>
   </p:cSld>
@@ -27992,7 +27992,7 @@
     </p:spTree>
     <p:extLst>
       <p:ext uri="{BB962C8B-B14F-4D97-AF65-F5344CB8AC3E}">
-        <p14:creationId xmlns:p14="http://schemas.microsoft.com/office/powerpoint/2010/main" xmlns="" val="522405798"/>
+        <p14:creationId xmlns="" xmlns:p14="http://schemas.microsoft.com/office/powerpoint/2010/main" val="522405798"/>
       </p:ext>
     </p:extLst>
   </p:cSld>
@@ -28204,7 +28204,7 @@
     </p:spTree>
     <p:extLst>
       <p:ext uri="{BB962C8B-B14F-4D97-AF65-F5344CB8AC3E}">
-        <p14:creationId xmlns:p14="http://schemas.microsoft.com/office/powerpoint/2010/main" xmlns="" val="522405798"/>
+        <p14:creationId xmlns="" xmlns:p14="http://schemas.microsoft.com/office/powerpoint/2010/main" val="522405798"/>
       </p:ext>
     </p:extLst>
   </p:cSld>
@@ -28331,70 +28331,49 @@
                 <a:latin typeface="微軟正黑體" pitchFamily="34" charset="-120"/>
                 <a:ea typeface="微軟正黑體" pitchFamily="34" charset="-120"/>
               </a:rPr>
-              <a:t>色</a:t>
+              <a:t>色背景的點都是向上方向梯度（水平邊緣）的局部最大值</a:t>
+            </a:r>
+            <a:r>
+              <a:rPr lang="zh-TW" altLang="en-US" sz="3200" dirty="0" smtClean="0">
+                <a:latin typeface="微軟正黑體" pitchFamily="34" charset="-120"/>
+                <a:ea typeface="微軟正黑體" pitchFamily="34" charset="-120"/>
+              </a:rPr>
+              <a:t>，因此</a:t>
             </a:r>
             <a:r>
               <a:rPr lang="zh-TW" altLang="zh-TW" sz="3200" dirty="0" smtClean="0">
                 <a:latin typeface="微軟正黑體" pitchFamily="34" charset="-120"/>
                 <a:ea typeface="微軟正黑體" pitchFamily="34" charset="-120"/>
               </a:rPr>
-              <a:t>背景的點都是向上方向梯度（水平邊緣）的局部最大值</a:t>
+              <a:t>被保留；其餘點被抑制（處理為</a:t>
+            </a:r>
+            <a:r>
+              <a:rPr lang="en-US" altLang="zh-TW" sz="3200" dirty="0" smtClean="0">
+                <a:latin typeface="微軟正黑體" pitchFamily="34" charset="-120"/>
+                <a:ea typeface="微軟正黑體" pitchFamily="34" charset="-120"/>
+              </a:rPr>
+              <a:t>0</a:t>
+            </a:r>
+            <a:r>
+              <a:rPr lang="zh-TW" altLang="zh-TW" sz="3200" dirty="0" smtClean="0">
+                <a:latin typeface="微軟正黑體" pitchFamily="34" charset="-120"/>
+                <a:ea typeface="微軟正黑體" pitchFamily="34" charset="-120"/>
+              </a:rPr>
+              <a:t>）表示，這些</a:t>
             </a:r>
             <a:r>
               <a:rPr lang="zh-TW" altLang="en-US" sz="3200" dirty="0" smtClean="0">
                 <a:latin typeface="微軟正黑體" pitchFamily="34" charset="-120"/>
                 <a:ea typeface="微軟正黑體" pitchFamily="34" charset="-120"/>
               </a:rPr>
-              <a:t>，因此</a:t>
+              <a:t>灰</a:t>
             </a:r>
             <a:r>
               <a:rPr lang="zh-TW" altLang="zh-TW" sz="3200" dirty="0" smtClean="0">
                 <a:latin typeface="微軟正黑體" pitchFamily="34" charset="-120"/>
                 <a:ea typeface="微軟正黑體" pitchFamily="34" charset="-120"/>
               </a:rPr>
-              <a:t>被保留；其餘點被抑制（處理為</a:t>
-            </a:r>
-            <a:r>
-              <a:rPr lang="en-US" altLang="zh-TW" sz="3200" dirty="0" smtClean="0">
-                <a:latin typeface="微軟正黑體" pitchFamily="34" charset="-120"/>
-                <a:ea typeface="微軟正黑體" pitchFamily="34" charset="-120"/>
-              </a:rPr>
-              <a:t>0</a:t>
-            </a:r>
-            <a:r>
-              <a:rPr lang="zh-TW" altLang="zh-TW" sz="3200" dirty="0" smtClean="0">
-                <a:latin typeface="微軟正黑體" pitchFamily="34" charset="-120"/>
-                <a:ea typeface="微軟正黑體" pitchFamily="34" charset="-120"/>
-              </a:rPr>
-              <a:t>）表示，</a:t>
-            </a:r>
-            <a:r>
-              <a:rPr lang="zh-TW" altLang="zh-TW" sz="3200" dirty="0" smtClean="0">
-                <a:latin typeface="微軟正黑體" pitchFamily="34" charset="-120"/>
-                <a:ea typeface="微軟正黑體" pitchFamily="34" charset="-120"/>
-              </a:rPr>
-              <a:t>這些</a:t>
-            </a:r>
-            <a:r>
-              <a:rPr lang="zh-TW" altLang="en-US" sz="3200" dirty="0" smtClean="0">
-                <a:latin typeface="微軟正黑體" pitchFamily="34" charset="-120"/>
-                <a:ea typeface="微軟正黑體" pitchFamily="34" charset="-120"/>
-              </a:rPr>
-              <a:t>灰</a:t>
-            </a:r>
-            <a:r>
-              <a:rPr lang="zh-TW" altLang="zh-TW" sz="3200" dirty="0" smtClean="0">
-                <a:latin typeface="微軟正黑體" pitchFamily="34" charset="-120"/>
-                <a:ea typeface="微軟正黑體" pitchFamily="34" charset="-120"/>
-              </a:rPr>
-              <a:t>色</a:t>
-            </a:r>
-            <a:r>
-              <a:rPr lang="zh-TW" altLang="zh-TW" sz="3200" dirty="0" smtClean="0">
-                <a:latin typeface="微軟正黑體" pitchFamily="34" charset="-120"/>
-                <a:ea typeface="微軟正黑體" pitchFamily="34" charset="-120"/>
-              </a:rPr>
-              <a:t>背景的點最後會被處理為邊緣點，而其他點都被處理為非邊緣點。</a:t>
+              <a:t>色背景的點最後會被處理為邊緣點，而其他點都被處理為非邊緣點。</a:t>
             </a:r>
             <a:endParaRPr lang="zh-TW" altLang="zh-TW" sz="3200" dirty="0">
               <a:latin typeface="微軟正黑體" pitchFamily="34" charset="-120"/>
@@ -28432,7 +28411,7 @@
     </p:spTree>
     <p:extLst>
       <p:ext uri="{BB962C8B-B14F-4D97-AF65-F5344CB8AC3E}">
-        <p14:creationId xmlns:p14="http://schemas.microsoft.com/office/powerpoint/2010/main" xmlns="" val="522405798"/>
+        <p14:creationId xmlns="" xmlns:p14="http://schemas.microsoft.com/office/powerpoint/2010/main" val="522405798"/>
       </p:ext>
     </p:extLst>
   </p:cSld>
@@ -28620,14 +28599,7 @@
                 <a:latin typeface="微軟正黑體" pitchFamily="34" charset="-120"/>
                 <a:ea typeface="微軟正黑體" pitchFamily="34" charset="-120"/>
               </a:rPr>
-              <a:t>一些虛邊緣可能也在邊緣影像</a:t>
-            </a:r>
-            <a:r>
-              <a:rPr lang="zh-TW" altLang="zh-TW" sz="3600" dirty="0" smtClean="0">
-                <a:latin typeface="微軟正黑體" pitchFamily="34" charset="-120"/>
-                <a:ea typeface="微軟正黑體" pitchFamily="34" charset="-120"/>
-              </a:rPr>
-              <a:t>內</a:t>
+              <a:t>一些虛邊緣可能也在邊緣影像內</a:t>
             </a:r>
             <a:endParaRPr lang="en-US" altLang="zh-TW" sz="3600" dirty="0" smtClean="0">
               <a:latin typeface="微軟正黑體" pitchFamily="34" charset="-120"/>
@@ -28644,21 +28616,7 @@
                 <a:latin typeface="微軟正黑體" pitchFamily="34" charset="-120"/>
                 <a:ea typeface="微軟正黑體" pitchFamily="34" charset="-120"/>
               </a:rPr>
-              <a:t>這些</a:t>
-            </a:r>
-            <a:r>
-              <a:rPr lang="zh-TW" altLang="zh-TW" sz="3600" dirty="0" smtClean="0">
-                <a:latin typeface="微軟正黑體" pitchFamily="34" charset="-120"/>
-                <a:ea typeface="微軟正黑體" pitchFamily="34" charset="-120"/>
-              </a:rPr>
-              <a:t>虛邊緣可能是真實影像產生</a:t>
-            </a:r>
-            <a:r>
-              <a:rPr lang="zh-TW" altLang="zh-TW" sz="3600" dirty="0" smtClean="0">
-                <a:latin typeface="微軟正黑體" pitchFamily="34" charset="-120"/>
-                <a:ea typeface="微軟正黑體" pitchFamily="34" charset="-120"/>
-              </a:rPr>
-              <a:t>的</a:t>
+              <a:t>這些虛邊緣可能是真實影像產生的</a:t>
             </a:r>
             <a:endParaRPr lang="en-US" altLang="zh-TW" sz="3600" dirty="0" smtClean="0">
               <a:latin typeface="微軟正黑體" pitchFamily="34" charset="-120"/>
@@ -28675,21 +28633,7 @@
                 <a:latin typeface="微軟正黑體" pitchFamily="34" charset="-120"/>
                 <a:ea typeface="微軟正黑體" pitchFamily="34" charset="-120"/>
               </a:rPr>
-              <a:t>也</a:t>
-            </a:r>
-            <a:r>
-              <a:rPr lang="zh-TW" altLang="zh-TW" sz="3600" dirty="0" smtClean="0">
-                <a:latin typeface="微軟正黑體" pitchFamily="34" charset="-120"/>
-                <a:ea typeface="微軟正黑體" pitchFamily="34" charset="-120"/>
-              </a:rPr>
-              <a:t>可能是由於雜訊所產生</a:t>
-            </a:r>
-            <a:r>
-              <a:rPr lang="zh-TW" altLang="zh-TW" sz="3600" dirty="0" smtClean="0">
-                <a:latin typeface="微軟正黑體" pitchFamily="34" charset="-120"/>
-                <a:ea typeface="微軟正黑體" pitchFamily="34" charset="-120"/>
-              </a:rPr>
-              <a:t>的，必須剔除</a:t>
+              <a:t>也可能是由於雜訊所產生的，必須剔除</a:t>
             </a:r>
             <a:endParaRPr lang="en-US" altLang="zh-TW" sz="3600" dirty="0" smtClean="0">
               <a:latin typeface="微軟正黑體" pitchFamily="34" charset="-120"/>
@@ -28706,28 +28650,14 @@
                 <a:latin typeface="微軟正黑體" pitchFamily="34" charset="-120"/>
                 <a:ea typeface="微軟正黑體" pitchFamily="34" charset="-120"/>
               </a:rPr>
-              <a:t>一般邊緣檢算</a:t>
-            </a:r>
-            <a:r>
-              <a:rPr lang="zh-TW" altLang="en-US" sz="3600" dirty="0" smtClean="0">
-                <a:latin typeface="微軟正黑體" pitchFamily="34" charset="-120"/>
-                <a:ea typeface="微軟正黑體" pitchFamily="34" charset="-120"/>
-              </a:rPr>
-              <a:t>法用一個閥值來</a:t>
+              <a:t>一般邊緣檢算法用一個閥值來</a:t>
             </a:r>
             <a:r>
               <a:rPr lang="zh-TW" altLang="en-US" sz="3600" u="sng" dirty="0" smtClean="0">
                 <a:latin typeface="微軟正黑體" pitchFamily="34" charset="-120"/>
                 <a:ea typeface="微軟正黑體" pitchFamily="34" charset="-120"/>
               </a:rPr>
-              <a:t>濾除噪聲或顏色變化引起的小的梯度值，而保留大的梯度</a:t>
-            </a:r>
-            <a:r>
-              <a:rPr lang="zh-TW" altLang="en-US" sz="3600" u="sng" dirty="0" smtClean="0">
-                <a:latin typeface="微軟正黑體" pitchFamily="34" charset="-120"/>
-                <a:ea typeface="微軟正黑體" pitchFamily="34" charset="-120"/>
-              </a:rPr>
-              <a:t>值</a:t>
+              <a:t>濾除噪聲或顏色變化引起的小的梯度值，而保留大的梯度值</a:t>
             </a:r>
             <a:endParaRPr lang="en-US" altLang="zh-TW" sz="3600" dirty="0" smtClean="0">
               <a:latin typeface="微軟正黑體" pitchFamily="34" charset="-120"/>
@@ -28763,7 +28693,7 @@
     </p:spTree>
     <p:extLst>
       <p:ext uri="{BB962C8B-B14F-4D97-AF65-F5344CB8AC3E}">
-        <p14:creationId xmlns:p14="http://schemas.microsoft.com/office/powerpoint/2010/main" xmlns="" val="522405798"/>
+        <p14:creationId xmlns="" xmlns:p14="http://schemas.microsoft.com/office/powerpoint/2010/main" val="522405798"/>
       </p:ext>
     </p:extLst>
   </p:cSld>
@@ -29028,7 +28958,7 @@
     </p:spTree>
     <p:extLst>
       <p:ext uri="{BB962C8B-B14F-4D97-AF65-F5344CB8AC3E}">
-        <p14:creationId xmlns:p14="http://schemas.microsoft.com/office/powerpoint/2010/main" xmlns="" val="522405798"/>
+        <p14:creationId xmlns="" xmlns:p14="http://schemas.microsoft.com/office/powerpoint/2010/main" val="522405798"/>
       </p:ext>
     </p:extLst>
   </p:cSld>
@@ -29156,35 +29086,7 @@
                 <a:latin typeface="微軟正黑體" pitchFamily="34" charset="-120"/>
                 <a:ea typeface="微軟正黑體" pitchFamily="34" charset="-120"/>
               </a:rPr>
-              <a:t>強</a:t>
-            </a:r>
-            <a:r>
-              <a:rPr lang="zh-TW" altLang="en-US" sz="3600" dirty="0" smtClean="0">
-                <a:latin typeface="微軟正黑體" pitchFamily="34" charset="-120"/>
-                <a:ea typeface="微軟正黑體" pitchFamily="34" charset="-120"/>
-              </a:rPr>
-              <a:t>邊緣</a:t>
-            </a:r>
-            <a:r>
-              <a:rPr lang="zh-TW" altLang="en-US" sz="3600" dirty="0" smtClean="0">
-                <a:latin typeface="微軟正黑體" pitchFamily="34" charset="-120"/>
-                <a:ea typeface="微軟正黑體" pitchFamily="34" charset="-120"/>
-              </a:rPr>
-              <a:t>被分</a:t>
-            </a:r>
-            <a:r>
-              <a:rPr lang="zh-TW" altLang="en-US" sz="3600" dirty="0" smtClean="0">
-                <a:latin typeface="微軟正黑體" pitchFamily="34" charset="-120"/>
-                <a:ea typeface="微軟正黑體" pitchFamily="34" charset="-120"/>
-              </a:rPr>
-              <a:t>爲邊緣，小於低閾</a:t>
-            </a:r>
-            <a:r>
-              <a:rPr lang="zh-TW" altLang="en-US" sz="3600" dirty="0" smtClean="0">
-                <a:latin typeface="微軟正黑體" pitchFamily="34" charset="-120"/>
-                <a:ea typeface="微軟正黑體" pitchFamily="34" charset="-120"/>
-              </a:rPr>
-              <a:t>值被抑制</a:t>
+              <a:t>強邊緣被分爲邊緣，小於低閾值被抑制</a:t>
             </a:r>
             <a:endParaRPr lang="en-US" altLang="zh-TW" sz="3600" dirty="0" smtClean="0">
               <a:latin typeface="微軟正黑體" pitchFamily="34" charset="-120"/>
@@ -29201,21 +29103,7 @@
                 <a:latin typeface="微軟正黑體" pitchFamily="34" charset="-120"/>
                 <a:ea typeface="微軟正黑體" pitchFamily="34" charset="-120"/>
               </a:rPr>
-              <a:t>剩下</a:t>
-            </a:r>
-            <a:r>
-              <a:rPr lang="zh-TW" altLang="en-US" sz="3600" dirty="0" smtClean="0">
-                <a:latin typeface="微軟正黑體" pitchFamily="34" charset="-120"/>
-                <a:ea typeface="微軟正黑體" pitchFamily="34" charset="-120"/>
-              </a:rPr>
-              <a:t>弱邊緣等待被</a:t>
-            </a:r>
-            <a:r>
-              <a:rPr lang="zh-TW" altLang="en-US" sz="3600" dirty="0" smtClean="0">
-                <a:latin typeface="微軟正黑體" pitchFamily="34" charset="-120"/>
-                <a:ea typeface="微軟正黑體" pitchFamily="34" charset="-120"/>
-              </a:rPr>
-              <a:t>分類</a:t>
+              <a:t>剩下弱邊緣等待被分類</a:t>
             </a:r>
             <a:endParaRPr lang="en-US" altLang="zh-TW" sz="3600" dirty="0" smtClean="0">
               <a:latin typeface="微軟正黑體" pitchFamily="34" charset="-120"/>
@@ -29232,14 +29120,7 @@
                 <a:latin typeface="微軟正黑體" pitchFamily="34" charset="-120"/>
                 <a:ea typeface="微軟正黑體" pitchFamily="34" charset="-120"/>
               </a:rPr>
-              <a:t>弱</a:t>
-            </a:r>
-            <a:r>
-              <a:rPr lang="zh-TW" altLang="en-US" sz="3600" dirty="0" smtClean="0">
-                <a:latin typeface="微軟正黑體" pitchFamily="34" charset="-120"/>
-                <a:ea typeface="微軟正黑體" pitchFamily="34" charset="-120"/>
-              </a:rPr>
-              <a:t>邊緣有可能是真實的邊緣，也有可能是噪聲或者顏色變化引起的</a:t>
+              <a:t>弱邊緣有可能是真實的邊緣，也有可能是噪聲或者顏色變化引起的</a:t>
             </a:r>
           </a:p>
           <a:p>
@@ -29259,14 +29140,7 @@
                 <a:latin typeface="微軟正黑體" pitchFamily="34" charset="-120"/>
                 <a:ea typeface="微軟正黑體" pitchFamily="34" charset="-120"/>
               </a:rPr>
-              <a:t>，而噪</a:t>
-            </a:r>
-            <a:r>
-              <a:rPr lang="zh-TW" altLang="en-US" sz="3600" dirty="0" smtClean="0">
-                <a:latin typeface="微軟正黑體" pitchFamily="34" charset="-120"/>
-                <a:ea typeface="微軟正黑體" pitchFamily="34" charset="-120"/>
-              </a:rPr>
-              <a:t>聲未連接</a:t>
+              <a:t>，而噪聲未連接</a:t>
             </a:r>
             <a:endParaRPr lang="en-US" altLang="zh-TW" sz="3600" dirty="0" smtClean="0">
               <a:latin typeface="微軟正黑體" pitchFamily="34" charset="-120"/>
@@ -29283,56 +29157,28 @@
                 <a:latin typeface="微軟正黑體" pitchFamily="34" charset="-120"/>
                 <a:ea typeface="微軟正黑體" pitchFamily="34" charset="-120"/>
               </a:rPr>
-              <a:t>爲</a:t>
-            </a:r>
-            <a:r>
-              <a:rPr lang="zh-TW" altLang="en-US" sz="3600" dirty="0" smtClean="0">
-                <a:latin typeface="微軟正黑體" pitchFamily="34" charset="-120"/>
-                <a:ea typeface="微軟正黑體" pitchFamily="34" charset="-120"/>
-              </a:rPr>
-              <a:t>了跟蹤邊緣連接</a:t>
-            </a:r>
-            <a:r>
-              <a:rPr lang="zh-TW" altLang="en-US" sz="3600" dirty="0" smtClean="0">
-                <a:latin typeface="微軟正黑體" pitchFamily="34" charset="-120"/>
-                <a:ea typeface="微軟正黑體" pitchFamily="34" charset="-120"/>
-              </a:rPr>
-              <a:t>，</a:t>
+              <a:t>爲了跟蹤邊緣連接，</a:t>
             </a:r>
             <a:r>
               <a:rPr lang="zh-TW" altLang="en-US" sz="3600" u="sng" dirty="0" smtClean="0">
                 <a:latin typeface="微軟正黑體" pitchFamily="34" charset="-120"/>
                 <a:ea typeface="微軟正黑體" pitchFamily="34" charset="-120"/>
               </a:rPr>
-              <a:t>查看</a:t>
+              <a:t>查看弱邊緣像素及其</a:t>
+            </a:r>
+            <a:r>
+              <a:rPr lang="en-US" altLang="zh-TW" sz="3600" u="sng" dirty="0" smtClean="0">
+                <a:latin typeface="微軟正黑體" pitchFamily="34" charset="-120"/>
+                <a:ea typeface="微軟正黑體" pitchFamily="34" charset="-120"/>
+              </a:rPr>
+              <a:t>8</a:t>
             </a:r>
             <a:r>
               <a:rPr lang="zh-TW" altLang="en-US" sz="3600" u="sng" dirty="0" smtClean="0">
                 <a:latin typeface="微軟正黑體" pitchFamily="34" charset="-120"/>
                 <a:ea typeface="微軟正黑體" pitchFamily="34" charset="-120"/>
               </a:rPr>
-              <a:t>弱邊緣像素及其</a:t>
-            </a:r>
-            <a:r>
-              <a:rPr lang="en-US" altLang="zh-TW" sz="3600" u="sng" dirty="0" smtClean="0">
-                <a:latin typeface="微軟正黑體" pitchFamily="34" charset="-120"/>
-                <a:ea typeface="微軟正黑體" pitchFamily="34" charset="-120"/>
-              </a:rPr>
-              <a:t>8</a:t>
-            </a:r>
-            <a:r>
-              <a:rPr lang="zh-TW" altLang="en-US" sz="3600" u="sng" dirty="0" smtClean="0">
-                <a:latin typeface="微軟正黑體" pitchFamily="34" charset="-120"/>
-                <a:ea typeface="微軟正黑體" pitchFamily="34" charset="-120"/>
-              </a:rPr>
-              <a:t>個鄰域</a:t>
-            </a:r>
-            <a:r>
-              <a:rPr lang="zh-TW" altLang="en-US" sz="3600" u="sng" dirty="0" smtClean="0">
-                <a:latin typeface="微軟正黑體" pitchFamily="34" charset="-120"/>
-                <a:ea typeface="微軟正黑體" pitchFamily="34" charset="-120"/>
-              </a:rPr>
-              <a:t>像素</a:t>
+              <a:t>個鄰域像素</a:t>
             </a:r>
             <a:endParaRPr lang="en-US" altLang="zh-TW" sz="3600" u="sng" dirty="0" smtClean="0">
               <a:latin typeface="微軟正黑體" pitchFamily="34" charset="-120"/>
@@ -29349,14 +29195,7 @@
                 <a:latin typeface="微軟正黑體" pitchFamily="34" charset="-120"/>
                 <a:ea typeface="微軟正黑體" pitchFamily="34" charset="-120"/>
               </a:rPr>
-              <a:t>只要</a:t>
-            </a:r>
-            <a:r>
-              <a:rPr lang="zh-TW" altLang="en-US" sz="3600" u="sng" dirty="0" smtClean="0">
-                <a:latin typeface="微軟正黑體" pitchFamily="34" charset="-120"/>
-                <a:ea typeface="微軟正黑體" pitchFamily="34" charset="-120"/>
-              </a:rPr>
-              <a:t>其中一個爲強邊緣像素，則該弱邊緣點就可以保留爲真實的邊緣。</a:t>
+              <a:t>只要其中一個爲強邊緣像素，則該弱邊緣點就可以保留爲真實的邊緣。</a:t>
             </a:r>
             <a:endParaRPr lang="zh-TW" altLang="en-US" sz="3600" dirty="0" smtClean="0">
               <a:latin typeface="微軟正黑體" pitchFamily="34" charset="-120"/>
@@ -29378,7 +29217,7 @@
     </p:spTree>
     <p:extLst>
       <p:ext uri="{BB962C8B-B14F-4D97-AF65-F5344CB8AC3E}">
-        <p14:creationId xmlns:p14="http://schemas.microsoft.com/office/powerpoint/2010/main" xmlns="" val="522405798"/>
+        <p14:creationId xmlns="" xmlns:p14="http://schemas.microsoft.com/office/powerpoint/2010/main" val="522405798"/>
       </p:ext>
     </p:extLst>
   </p:cSld>
@@ -29504,7 +29343,7 @@
     </p:spTree>
     <p:extLst>
       <p:ext uri="{BB962C8B-B14F-4D97-AF65-F5344CB8AC3E}">
-        <p14:creationId xmlns:p14="http://schemas.microsoft.com/office/powerpoint/2010/main" xmlns="" val="522405798"/>
+        <p14:creationId xmlns="" xmlns:p14="http://schemas.microsoft.com/office/powerpoint/2010/main" val="522405798"/>
       </p:ext>
     </p:extLst>
   </p:cSld>
@@ -29616,7 +29455,7 @@
     </p:spTree>
     <p:extLst>
       <p:ext uri="{BB962C8B-B14F-4D97-AF65-F5344CB8AC3E}">
-        <p14:creationId xmlns="" xmlns:p14="http://schemas.microsoft.com/office/powerpoint/2010/main" val="3907764274"/>
+        <p14:creationId xmlns:p14="http://schemas.microsoft.com/office/powerpoint/2010/main" xmlns="" val="3907764274"/>
       </p:ext>
     </p:extLst>
   </p:cSld>
@@ -29773,7 +29612,7 @@
     </p:spTree>
     <p:extLst>
       <p:ext uri="{BB962C8B-B14F-4D97-AF65-F5344CB8AC3E}">
-        <p14:creationId xmlns:p14="http://schemas.microsoft.com/office/powerpoint/2010/main" xmlns="" val="522405798"/>
+        <p14:creationId xmlns="" xmlns:p14="http://schemas.microsoft.com/office/powerpoint/2010/main" val="522405798"/>
       </p:ext>
     </p:extLst>
   </p:cSld>
@@ -30123,7 +29962,7 @@
     </p:spTree>
     <p:extLst>
       <p:ext uri="{BB962C8B-B14F-4D97-AF65-F5344CB8AC3E}">
-        <p14:creationId xmlns:p14="http://schemas.microsoft.com/office/powerpoint/2010/main" xmlns="" val="522405798"/>
+        <p14:creationId xmlns="" xmlns:p14="http://schemas.microsoft.com/office/powerpoint/2010/main" val="522405798"/>
       </p:ext>
     </p:extLst>
   </p:cSld>
@@ -30218,7 +30057,7 @@
     </p:spTree>
     <p:extLst>
       <p:ext uri="{BB962C8B-B14F-4D97-AF65-F5344CB8AC3E}">
-        <p14:creationId xmlns="" xmlns:p14="http://schemas.microsoft.com/office/powerpoint/2010/main" val="3907764274"/>
+        <p14:creationId xmlns:p14="http://schemas.microsoft.com/office/powerpoint/2010/main" xmlns="" val="3907764274"/>
       </p:ext>
     </p:extLst>
   </p:cSld>
@@ -30436,7 +30275,7 @@
     </p:spTree>
     <p:extLst>
       <p:ext uri="{BB962C8B-B14F-4D97-AF65-F5344CB8AC3E}">
-        <p14:creationId xmlns:p14="http://schemas.microsoft.com/office/powerpoint/2010/main" xmlns="" val="522405798"/>
+        <p14:creationId xmlns="" xmlns:p14="http://schemas.microsoft.com/office/powerpoint/2010/main" val="522405798"/>
       </p:ext>
     </p:extLst>
   </p:cSld>
@@ -30568,7 +30407,7 @@
     </p:spTree>
     <p:extLst>
       <p:ext uri="{BB962C8B-B14F-4D97-AF65-F5344CB8AC3E}">
-        <p14:creationId xmlns:p14="http://schemas.microsoft.com/office/powerpoint/2010/main" xmlns="" val="522405798"/>
+        <p14:creationId xmlns="" xmlns:p14="http://schemas.microsoft.com/office/powerpoint/2010/main" val="522405798"/>
       </p:ext>
     </p:extLst>
   </p:cSld>
@@ -30789,14 +30628,7 @@
                 <a:latin typeface="微軟正黑體" pitchFamily="34" charset="-120"/>
                 <a:ea typeface="微軟正黑體" pitchFamily="34" charset="-120"/>
               </a:rPr>
-              <a:t>不斷地重複該過程，就可以獲得該影像的影像</a:t>
-            </a:r>
-            <a:r>
-              <a:rPr lang="zh-TW" altLang="zh-TW" sz="3200" dirty="0" smtClean="0">
-                <a:latin typeface="微軟正黑體" pitchFamily="34" charset="-120"/>
-                <a:ea typeface="微軟正黑體" pitchFamily="34" charset="-120"/>
-              </a:rPr>
-              <a:t>金字塔</a:t>
+              <a:t>不斷地重複該過程，就可以獲得該影像的影像金字塔</a:t>
             </a:r>
             <a:endParaRPr lang="en-US" altLang="zh-TW" sz="3200" dirty="0" smtClean="0">
               <a:latin typeface="微軟正黑體" pitchFamily="34" charset="-120"/>
@@ -30849,7 +30681,7 @@
     </p:spTree>
     <p:extLst>
       <p:ext uri="{BB962C8B-B14F-4D97-AF65-F5344CB8AC3E}">
-        <p14:creationId xmlns:p14="http://schemas.microsoft.com/office/powerpoint/2010/main" xmlns="" val="522405798"/>
+        <p14:creationId xmlns="" xmlns:p14="http://schemas.microsoft.com/office/powerpoint/2010/main" val="522405798"/>
       </p:ext>
     </p:extLst>
   </p:cSld>
@@ -31046,7 +30878,7 @@
     </p:spTree>
     <p:extLst>
       <p:ext uri="{BB962C8B-B14F-4D97-AF65-F5344CB8AC3E}">
-        <p14:creationId xmlns:p14="http://schemas.microsoft.com/office/powerpoint/2010/main" xmlns="" val="522405798"/>
+        <p14:creationId xmlns="" xmlns:p14="http://schemas.microsoft.com/office/powerpoint/2010/main" val="522405798"/>
       </p:ext>
     </p:extLst>
   </p:cSld>
@@ -31178,7 +31010,7 @@
     </p:spTree>
     <p:extLst>
       <p:ext uri="{BB962C8B-B14F-4D97-AF65-F5344CB8AC3E}">
-        <p14:creationId xmlns:p14="http://schemas.microsoft.com/office/powerpoint/2010/main" xmlns="" val="522405798"/>
+        <p14:creationId xmlns="" xmlns:p14="http://schemas.microsoft.com/office/powerpoint/2010/main" val="522405798"/>
       </p:ext>
     </p:extLst>
   </p:cSld>
@@ -31310,7 +31142,7 @@
     </p:spTree>
     <p:extLst>
       <p:ext uri="{BB962C8B-B14F-4D97-AF65-F5344CB8AC3E}">
-        <p14:creationId xmlns:p14="http://schemas.microsoft.com/office/powerpoint/2010/main" xmlns="" val="522405798"/>
+        <p14:creationId xmlns="" xmlns:p14="http://schemas.microsoft.com/office/powerpoint/2010/main" val="522405798"/>
       </p:ext>
     </p:extLst>
   </p:cSld>
@@ -31678,7 +31510,7 @@
     </p:spTree>
     <p:extLst>
       <p:ext uri="{BB962C8B-B14F-4D97-AF65-F5344CB8AC3E}">
-        <p14:creationId xmlns:p14="http://schemas.microsoft.com/office/powerpoint/2010/main" xmlns="" val="522405798"/>
+        <p14:creationId xmlns="" xmlns:p14="http://schemas.microsoft.com/office/powerpoint/2010/main" val="522405798"/>
       </p:ext>
     </p:extLst>
   </p:cSld>
@@ -31926,7 +31758,7 @@
     </p:spTree>
     <p:extLst>
       <p:ext uri="{BB962C8B-B14F-4D97-AF65-F5344CB8AC3E}">
-        <p14:creationId xmlns:p14="http://schemas.microsoft.com/office/powerpoint/2010/main" xmlns="" val="522405798"/>
+        <p14:creationId xmlns="" xmlns:p14="http://schemas.microsoft.com/office/powerpoint/2010/main" val="522405798"/>
       </p:ext>
     </p:extLst>
   </p:cSld>
@@ -32097,7 +31929,7 @@
     </p:spTree>
     <p:extLst>
       <p:ext uri="{BB962C8B-B14F-4D97-AF65-F5344CB8AC3E}">
-        <p14:creationId xmlns:p14="http://schemas.microsoft.com/office/powerpoint/2010/main" xmlns="" val="522405798"/>
+        <p14:creationId xmlns="" xmlns:p14="http://schemas.microsoft.com/office/powerpoint/2010/main" val="522405798"/>
       </p:ext>
     </p:extLst>
   </p:cSld>
@@ -32305,7 +32137,7 @@
     </p:spTree>
     <p:extLst>
       <p:ext uri="{BB962C8B-B14F-4D97-AF65-F5344CB8AC3E}">
-        <p14:creationId xmlns:p14="http://schemas.microsoft.com/office/powerpoint/2010/main" xmlns="" val="522405798"/>
+        <p14:creationId xmlns="" xmlns:p14="http://schemas.microsoft.com/office/powerpoint/2010/main" val="522405798"/>
       </p:ext>
     </p:extLst>
   </p:cSld>
@@ -32597,7 +32429,7 @@
     </p:spTree>
     <p:extLst>
       <p:ext uri="{BB962C8B-B14F-4D97-AF65-F5344CB8AC3E}">
-        <p14:creationId xmlns:p14="http://schemas.microsoft.com/office/powerpoint/2010/main" xmlns="" val="522405798"/>
+        <p14:creationId xmlns="" xmlns:p14="http://schemas.microsoft.com/office/powerpoint/2010/main" val="522405798"/>
       </p:ext>
     </p:extLst>
   </p:cSld>
@@ -32900,7 +32732,7 @@
     </p:spTree>
     <p:extLst>
       <p:ext uri="{BB962C8B-B14F-4D97-AF65-F5344CB8AC3E}">
-        <p14:creationId xmlns:p14="http://schemas.microsoft.com/office/powerpoint/2010/main" xmlns="" val="522405798"/>
+        <p14:creationId xmlns="" xmlns:p14="http://schemas.microsoft.com/office/powerpoint/2010/main" val="522405798"/>
       </p:ext>
     </p:extLst>
   </p:cSld>
@@ -33211,7 +33043,7 @@
     </p:spTree>
     <p:extLst>
       <p:ext uri="{BB962C8B-B14F-4D97-AF65-F5344CB8AC3E}">
-        <p14:creationId xmlns:p14="http://schemas.microsoft.com/office/powerpoint/2010/main" xmlns="" val="522405798"/>
+        <p14:creationId xmlns="" xmlns:p14="http://schemas.microsoft.com/office/powerpoint/2010/main" val="522405798"/>
       </p:ext>
     </p:extLst>
   </p:cSld>
@@ -33343,7 +33175,7 @@
     </p:spTree>
     <p:extLst>
       <p:ext uri="{BB962C8B-B14F-4D97-AF65-F5344CB8AC3E}">
-        <p14:creationId xmlns:p14="http://schemas.microsoft.com/office/powerpoint/2010/main" xmlns="" val="522405798"/>
+        <p14:creationId xmlns="" xmlns:p14="http://schemas.microsoft.com/office/powerpoint/2010/main" val="522405798"/>
       </p:ext>
     </p:extLst>
   </p:cSld>
@@ -33438,7 +33270,7 @@
     </p:spTree>
     <p:extLst>
       <p:ext uri="{BB962C8B-B14F-4D97-AF65-F5344CB8AC3E}">
-        <p14:creationId xmlns="" xmlns:p14="http://schemas.microsoft.com/office/powerpoint/2010/main" val="3907764274"/>
+        <p14:creationId xmlns:p14="http://schemas.microsoft.com/office/powerpoint/2010/main" xmlns="" val="3907764274"/>
       </p:ext>
     </p:extLst>
   </p:cSld>
@@ -33646,7 +33478,7 @@
     </p:spTree>
     <p:extLst>
       <p:ext uri="{BB962C8B-B14F-4D97-AF65-F5344CB8AC3E}">
-        <p14:creationId xmlns:p14="http://schemas.microsoft.com/office/powerpoint/2010/main" xmlns="" val="522405798"/>
+        <p14:creationId xmlns="" xmlns:p14="http://schemas.microsoft.com/office/powerpoint/2010/main" val="522405798"/>
       </p:ext>
     </p:extLst>
   </p:cSld>
@@ -33788,35 +33620,14 @@
                 <a:latin typeface="微軟正黑體" pitchFamily="34" charset="-120"/>
                 <a:ea typeface="微軟正黑體" pitchFamily="34" charset="-120"/>
               </a:rPr>
-              <a:t>contours</a:t>
-            </a:r>
-            <a:r>
-              <a:rPr lang="en-US" altLang="zh-TW" sz="3200" dirty="0" smtClean="0">
-                <a:latin typeface="微軟正黑體" pitchFamily="34" charset="-120"/>
-                <a:ea typeface="微軟正黑體" pitchFamily="34" charset="-120"/>
-              </a:rPr>
-              <a:t>, hierarchy = cv2.findContours( image, mode, method</a:t>
-            </a:r>
-            <a:r>
-              <a:rPr lang="en-US" altLang="zh-TW" sz="3200" dirty="0" smtClean="0">
-                <a:latin typeface="微軟正黑體" pitchFamily="34" charset="-120"/>
-                <a:ea typeface="微軟正黑體" pitchFamily="34" charset="-120"/>
-              </a:rPr>
-              <a:t>)</a:t>
+              <a:t>contours, hierarchy = cv2.findContours( image, mode, method)</a:t>
             </a:r>
             <a:r>
               <a:rPr lang="en-US" altLang="zh-TW" sz="3200" u="sng" dirty="0" smtClean="0">
                 <a:latin typeface="微軟正黑體" pitchFamily="34" charset="-120"/>
                 <a:ea typeface="微軟正黑體" pitchFamily="34" charset="-120"/>
               </a:rPr>
-              <a:t>(&gt;4.0</a:t>
-            </a:r>
-            <a:r>
-              <a:rPr lang="en-US" altLang="zh-TW" sz="3200" u="sng" dirty="0" smtClean="0">
-                <a:latin typeface="微軟正黑體" pitchFamily="34" charset="-120"/>
-                <a:ea typeface="微軟正黑體" pitchFamily="34" charset="-120"/>
-              </a:rPr>
-              <a:t>)</a:t>
+              <a:t>(&gt;4.0)</a:t>
             </a:r>
             <a:endParaRPr lang="zh-TW" altLang="zh-TW" sz="3200" u="sng" dirty="0" smtClean="0">
               <a:latin typeface="微軟正黑體" pitchFamily="34" charset="-120"/>
@@ -33912,7 +33723,7 @@
     </p:spTree>
     <p:extLst>
       <p:ext uri="{BB962C8B-B14F-4D97-AF65-F5344CB8AC3E}">
-        <p14:creationId xmlns:p14="http://schemas.microsoft.com/office/powerpoint/2010/main" xmlns="" val="522405798"/>
+        <p14:creationId xmlns="" xmlns:p14="http://schemas.microsoft.com/office/powerpoint/2010/main" val="522405798"/>
       </p:ext>
     </p:extLst>
   </p:cSld>
@@ -34128,7 +33939,7 @@
     </p:spTree>
     <p:extLst>
       <p:ext uri="{BB962C8B-B14F-4D97-AF65-F5344CB8AC3E}">
-        <p14:creationId xmlns:p14="http://schemas.microsoft.com/office/powerpoint/2010/main" xmlns="" val="522405798"/>
+        <p14:creationId xmlns="" xmlns:p14="http://schemas.microsoft.com/office/powerpoint/2010/main" val="522405798"/>
       </p:ext>
     </p:extLst>
   </p:cSld>
@@ -34381,7 +34192,7 @@
     </p:spTree>
     <p:extLst>
       <p:ext uri="{BB962C8B-B14F-4D97-AF65-F5344CB8AC3E}">
-        <p14:creationId xmlns:p14="http://schemas.microsoft.com/office/powerpoint/2010/main" xmlns="" val="522405798"/>
+        <p14:creationId xmlns="" xmlns:p14="http://schemas.microsoft.com/office/powerpoint/2010/main" val="522405798"/>
       </p:ext>
     </p:extLst>
   </p:cSld>
@@ -34678,7 +34489,7 @@
     </p:spTree>
     <p:extLst>
       <p:ext uri="{BB962C8B-B14F-4D97-AF65-F5344CB8AC3E}">
-        <p14:creationId xmlns:p14="http://schemas.microsoft.com/office/powerpoint/2010/main" xmlns="" val="522405798"/>
+        <p14:creationId xmlns="" xmlns:p14="http://schemas.microsoft.com/office/powerpoint/2010/main" val="522405798"/>
       </p:ext>
     </p:extLst>
   </p:cSld>
@@ -35101,7 +34912,7 @@
     </p:spTree>
     <p:extLst>
       <p:ext uri="{BB962C8B-B14F-4D97-AF65-F5344CB8AC3E}">
-        <p14:creationId xmlns:p14="http://schemas.microsoft.com/office/powerpoint/2010/main" xmlns="" val="522405798"/>
+        <p14:creationId xmlns="" xmlns:p14="http://schemas.microsoft.com/office/powerpoint/2010/main" val="522405798"/>
       </p:ext>
     </p:extLst>
   </p:cSld>
@@ -35289,7 +35100,7 @@
     </p:spTree>
     <p:extLst>
       <p:ext uri="{BB962C8B-B14F-4D97-AF65-F5344CB8AC3E}">
-        <p14:creationId xmlns:p14="http://schemas.microsoft.com/office/powerpoint/2010/main" xmlns="" val="522405798"/>
+        <p14:creationId xmlns="" xmlns:p14="http://schemas.microsoft.com/office/powerpoint/2010/main" val="522405798"/>
       </p:ext>
     </p:extLst>
   </p:cSld>
@@ -35430,14 +35241,7 @@
                 <a:latin typeface="微軟正黑體" pitchFamily="34" charset="-120"/>
                 <a:ea typeface="微軟正黑體" pitchFamily="34" charset="-120"/>
               </a:rPr>
-              <a:t>個輪廓中實際點的位置屬性</a:t>
-            </a:r>
-            <a:r>
-              <a:rPr lang="zh-TW" altLang="zh-TW" sz="3200" dirty="0" smtClean="0">
-                <a:latin typeface="微軟正黑體" pitchFamily="34" charset="-120"/>
-                <a:ea typeface="微軟正黑體" pitchFamily="34" charset="-120"/>
-              </a:rPr>
-              <a:t>：</a:t>
+              <a:t>個輪廓中實際點的位置屬性：</a:t>
             </a:r>
             <a:endParaRPr lang="en-US" altLang="zh-TW" sz="3200" dirty="0" smtClean="0">
               <a:latin typeface="微軟正黑體" pitchFamily="34" charset="-120"/>
@@ -35477,26 +35281,15 @@
                 <a:latin typeface="微軟正黑體" pitchFamily="34" charset="-120"/>
                 <a:ea typeface="微軟正黑體" pitchFamily="34" charset="-120"/>
               </a:rPr>
-              <a:t>個輪廓中的像素</a:t>
-            </a:r>
-            <a:r>
-              <a:rPr lang="zh-TW" altLang="zh-TW" sz="3200" dirty="0" smtClean="0">
-                <a:latin typeface="微軟正黑體" pitchFamily="34" charset="-120"/>
-                <a:ea typeface="微軟正黑體" pitchFamily="34" charset="-120"/>
-              </a:rPr>
-              <a:t>點</a:t>
-            </a:r>
-            <a:endParaRPr lang="zh-TW" altLang="zh-TW" sz="3200" dirty="0" smtClean="0">
-              <a:latin typeface="微軟正黑體" pitchFamily="34" charset="-120"/>
-              <a:ea typeface="微軟正黑體" pitchFamily="34" charset="-120"/>
-            </a:endParaRPr>
+              <a:t>個輪廓中的像素點</a:t>
+            </a:r>
           </a:p>
         </p:txBody>
       </p:sp>
     </p:spTree>
     <p:extLst>
       <p:ext uri="{BB962C8B-B14F-4D97-AF65-F5344CB8AC3E}">
-        <p14:creationId xmlns:p14="http://schemas.microsoft.com/office/powerpoint/2010/main" xmlns="" val="522405798"/>
+        <p14:creationId xmlns="" xmlns:p14="http://schemas.microsoft.com/office/powerpoint/2010/main" val="522405798"/>
       </p:ext>
     </p:extLst>
   </p:cSld>
@@ -35678,7 +35471,7 @@
     </p:spTree>
     <p:extLst>
       <p:ext uri="{BB962C8B-B14F-4D97-AF65-F5344CB8AC3E}">
-        <p14:creationId xmlns:p14="http://schemas.microsoft.com/office/powerpoint/2010/main" xmlns="" val="522405798"/>
+        <p14:creationId xmlns="" xmlns:p14="http://schemas.microsoft.com/office/powerpoint/2010/main" val="522405798"/>
       </p:ext>
     </p:extLst>
   </p:cSld>
@@ -35872,7 +35665,7 @@
     </p:spTree>
     <p:extLst>
       <p:ext uri="{BB962C8B-B14F-4D97-AF65-F5344CB8AC3E}">
-        <p14:creationId xmlns:p14="http://schemas.microsoft.com/office/powerpoint/2010/main" xmlns="" val="522405798"/>
+        <p14:creationId xmlns="" xmlns:p14="http://schemas.microsoft.com/office/powerpoint/2010/main" val="522405798"/>
       </p:ext>
     </p:extLst>
   </p:cSld>
@@ -36082,7 +35875,7 @@
     </p:spTree>
     <p:extLst>
       <p:ext uri="{BB962C8B-B14F-4D97-AF65-F5344CB8AC3E}">
-        <p14:creationId xmlns:p14="http://schemas.microsoft.com/office/powerpoint/2010/main" xmlns="" val="522405798"/>
+        <p14:creationId xmlns="" xmlns:p14="http://schemas.microsoft.com/office/powerpoint/2010/main" val="522405798"/>
       </p:ext>
     </p:extLst>
   </p:cSld>
@@ -36569,7 +36362,7 @@
     </p:spTree>
     <p:extLst>
       <p:ext uri="{BB962C8B-B14F-4D97-AF65-F5344CB8AC3E}">
-        <p14:creationId xmlns:p14="http://schemas.microsoft.com/office/powerpoint/2010/main" xmlns="" val="522405798"/>
+        <p14:creationId xmlns="" xmlns:p14="http://schemas.microsoft.com/office/powerpoint/2010/main" val="522405798"/>
       </p:ext>
     </p:extLst>
   </p:cSld>
@@ -36961,7 +36754,7 @@
     </p:spTree>
     <p:extLst>
       <p:ext uri="{BB962C8B-B14F-4D97-AF65-F5344CB8AC3E}">
-        <p14:creationId xmlns:p14="http://schemas.microsoft.com/office/powerpoint/2010/main" xmlns="" val="522405798"/>
+        <p14:creationId xmlns="" xmlns:p14="http://schemas.microsoft.com/office/powerpoint/2010/main" val="522405798"/>
       </p:ext>
     </p:extLst>
   </p:cSld>
@@ -37235,7 +37028,7 @@
     </p:spTree>
     <p:extLst>
       <p:ext uri="{BB962C8B-B14F-4D97-AF65-F5344CB8AC3E}">
-        <p14:creationId xmlns:p14="http://schemas.microsoft.com/office/powerpoint/2010/main" xmlns="" val="522405798"/>
+        <p14:creationId xmlns="" xmlns:p14="http://schemas.microsoft.com/office/powerpoint/2010/main" val="522405798"/>
       </p:ext>
     </p:extLst>
   </p:cSld>
@@ -37485,7 +37278,7 @@
     </p:spTree>
     <p:extLst>
       <p:ext uri="{BB962C8B-B14F-4D97-AF65-F5344CB8AC3E}">
-        <p14:creationId xmlns:p14="http://schemas.microsoft.com/office/powerpoint/2010/main" xmlns="" val="522405798"/>
+        <p14:creationId xmlns="" xmlns:p14="http://schemas.microsoft.com/office/powerpoint/2010/main" val="522405798"/>
       </p:ext>
     </p:extLst>
   </p:cSld>
@@ -38075,7 +37868,7 @@
     </p:spTree>
     <p:extLst>
       <p:ext uri="{BB962C8B-B14F-4D97-AF65-F5344CB8AC3E}">
-        <p14:creationId xmlns:p14="http://schemas.microsoft.com/office/powerpoint/2010/main" xmlns="" val="522405798"/>
+        <p14:creationId xmlns="" xmlns:p14="http://schemas.microsoft.com/office/powerpoint/2010/main" val="522405798"/>
       </p:ext>
     </p:extLst>
   </p:cSld>
@@ -38521,7 +38314,7 @@
     </p:spTree>
     <p:extLst>
       <p:ext uri="{BB962C8B-B14F-4D97-AF65-F5344CB8AC3E}">
-        <p14:creationId xmlns:p14="http://schemas.microsoft.com/office/powerpoint/2010/main" xmlns="" val="522405798"/>
+        <p14:creationId xmlns="" xmlns:p14="http://schemas.microsoft.com/office/powerpoint/2010/main" val="522405798"/>
       </p:ext>
     </p:extLst>
   </p:cSld>
@@ -38781,7 +38574,7 @@
     </p:spTree>
     <p:extLst>
       <p:ext uri="{BB962C8B-B14F-4D97-AF65-F5344CB8AC3E}">
-        <p14:creationId xmlns:p14="http://schemas.microsoft.com/office/powerpoint/2010/main" xmlns="" val="522405798"/>
+        <p14:creationId xmlns="" xmlns:p14="http://schemas.microsoft.com/office/powerpoint/2010/main" val="522405798"/>
       </p:ext>
     </p:extLst>
   </p:cSld>
@@ -39071,7 +38864,7 @@
     </p:spTree>
     <p:extLst>
       <p:ext uri="{BB962C8B-B14F-4D97-AF65-F5344CB8AC3E}">
-        <p14:creationId xmlns:p14="http://schemas.microsoft.com/office/powerpoint/2010/main" xmlns="" val="522405798"/>
+        <p14:creationId xmlns="" xmlns:p14="http://schemas.microsoft.com/office/powerpoint/2010/main" val="522405798"/>
       </p:ext>
     </p:extLst>
   </p:cSld>
@@ -39346,7 +39139,7 @@
     </p:spTree>
     <p:extLst>
       <p:ext uri="{BB962C8B-B14F-4D97-AF65-F5344CB8AC3E}">
-        <p14:creationId xmlns:p14="http://schemas.microsoft.com/office/powerpoint/2010/main" xmlns="" val="522405798"/>
+        <p14:creationId xmlns="" xmlns:p14="http://schemas.microsoft.com/office/powerpoint/2010/main" val="522405798"/>
       </p:ext>
     </p:extLst>
   </p:cSld>
@@ -39504,7 +39297,7 @@
     </p:spTree>
     <p:extLst>
       <p:ext uri="{BB962C8B-B14F-4D97-AF65-F5344CB8AC3E}">
-        <p14:creationId xmlns:p14="http://schemas.microsoft.com/office/powerpoint/2010/main" xmlns="" val="522405798"/>
+        <p14:creationId xmlns="" xmlns:p14="http://schemas.microsoft.com/office/powerpoint/2010/main" val="522405798"/>
       </p:ext>
     </p:extLst>
   </p:cSld>
@@ -39839,7 +39632,7 @@
     </p:spTree>
     <p:extLst>
       <p:ext uri="{BB962C8B-B14F-4D97-AF65-F5344CB8AC3E}">
-        <p14:creationId xmlns:p14="http://schemas.microsoft.com/office/powerpoint/2010/main" xmlns="" val="522405798"/>
+        <p14:creationId xmlns="" xmlns:p14="http://schemas.microsoft.com/office/powerpoint/2010/main" val="522405798"/>
       </p:ext>
     </p:extLst>
   </p:cSld>
@@ -40098,7 +39891,7 @@
     </p:spTree>
     <p:extLst>
       <p:ext uri="{BB962C8B-B14F-4D97-AF65-F5344CB8AC3E}">
-        <p14:creationId xmlns:p14="http://schemas.microsoft.com/office/powerpoint/2010/main" xmlns="" val="522405798"/>
+        <p14:creationId xmlns="" xmlns:p14="http://schemas.microsoft.com/office/powerpoint/2010/main" val="522405798"/>
       </p:ext>
     </p:extLst>
   </p:cSld>
@@ -40337,7 +40130,7 @@
     </p:spTree>
     <p:extLst>
       <p:ext uri="{BB962C8B-B14F-4D97-AF65-F5344CB8AC3E}">
-        <p14:creationId xmlns:p14="http://schemas.microsoft.com/office/powerpoint/2010/main" xmlns="" val="522405798"/>
+        <p14:creationId xmlns="" xmlns:p14="http://schemas.microsoft.com/office/powerpoint/2010/main" val="522405798"/>
       </p:ext>
     </p:extLst>
   </p:cSld>
@@ -40515,7 +40308,7 @@
     </p:spTree>
     <p:extLst>
       <p:ext uri="{BB962C8B-B14F-4D97-AF65-F5344CB8AC3E}">
-        <p14:creationId xmlns:p14="http://schemas.microsoft.com/office/powerpoint/2010/main" xmlns="" val="522405798"/>
+        <p14:creationId xmlns="" xmlns:p14="http://schemas.microsoft.com/office/powerpoint/2010/main" val="522405798"/>
       </p:ext>
     </p:extLst>
   </p:cSld>
@@ -40607,7 +40400,7 @@
           <a:blip r:embed="rId3" cstate="print">
             <a:extLst>
               <a:ext uri="{28A0092B-C50C-407E-A947-70E740481C1C}">
-                <a14:useLocalDpi xmlns:lc="http://schemas.openxmlformats.org/drawingml/2006/lockedCanvas" xmlns:pic="http://schemas.openxmlformats.org/drawingml/2006/picture" xmlns="" xmlns:wpc="http://schemas.microsoft.com/office/word/2010/wordprocessingCanvas" xmlns:mc="http://schemas.openxmlformats.org/markup-compatibility/2006" xmlns:o="urn:schemas-microsoft-com:office:office" xmlns:v="urn:schemas-microsoft-com:vml" xmlns:wp14="http://schemas.microsoft.com/office/word/2010/wordprocessingDrawing" xmlns:w10="urn:schemas-microsoft-com:office:word" xmlns:w="http://schemas.openxmlformats.org/wordprocessingml/2006/main" xmlns:w14="http://schemas.microsoft.com/office/word/2010/wordml" xmlns:wpg="http://schemas.microsoft.com/office/word/2010/wordprocessingGroup" xmlns:wpi="http://schemas.microsoft.com/office/word/2010/wordprocessingInk" xmlns:wps="http://schemas.microsoft.com/office/word/2010/wordprocessingShape" xmlns:a14="http://schemas.microsoft.com/office/drawing/2010/main" xmlns:wne="http://schemas.microsoft.com/office/word/2006/wordml" xmlns:wp="http://schemas.openxmlformats.org/drawingml/2006/wordprocessingDrawing" xmlns:m="http://schemas.openxmlformats.org/officeDocument/2006/math" xmlns:ve="http://schemas.openxmlformats.org/markup-compatibility/2006" val="0"/>
+                <a14:useLocalDpi xmlns:ve="http://schemas.openxmlformats.org/markup-compatibility/2006" xmlns:m="http://schemas.openxmlformats.org/officeDocument/2006/math" xmlns:wp="http://schemas.openxmlformats.org/drawingml/2006/wordprocessingDrawing" xmlns:wne="http://schemas.microsoft.com/office/word/2006/wordml" xmlns:a14="http://schemas.microsoft.com/office/drawing/2010/main" xmlns:wps="http://schemas.microsoft.com/office/word/2010/wordprocessingShape" xmlns:wpi="http://schemas.microsoft.com/office/word/2010/wordprocessingInk" xmlns:wpg="http://schemas.microsoft.com/office/word/2010/wordprocessingGroup" xmlns:w14="http://schemas.microsoft.com/office/word/2010/wordml" xmlns:w="http://schemas.openxmlformats.org/wordprocessingml/2006/main" xmlns:w10="urn:schemas-microsoft-com:office:word" xmlns:wp14="http://schemas.microsoft.com/office/word/2010/wordprocessingDrawing" xmlns:v="urn:schemas-microsoft-com:vml" xmlns:o="urn:schemas-microsoft-com:office:office" xmlns:mc="http://schemas.openxmlformats.org/markup-compatibility/2006" xmlns:wpc="http://schemas.microsoft.com/office/word/2010/wordprocessingCanvas" xmlns="" xmlns:pic="http://schemas.openxmlformats.org/drawingml/2006/picture" xmlns:lc="http://schemas.openxmlformats.org/drawingml/2006/lockedCanvas" val="0"/>
               </a:ext>
             </a:extLst>
           </a:blip>
@@ -40633,7 +40426,7 @@
     </p:spTree>
     <p:extLst>
       <p:ext uri="{BB962C8B-B14F-4D97-AF65-F5344CB8AC3E}">
-        <p14:creationId xmlns:p14="http://schemas.microsoft.com/office/powerpoint/2010/main" xmlns="" val="522405798"/>
+        <p14:creationId xmlns="" xmlns:p14="http://schemas.microsoft.com/office/powerpoint/2010/main" val="522405798"/>
       </p:ext>
     </p:extLst>
   </p:cSld>
@@ -40875,7 +40668,7 @@
     </p:spTree>
     <p:extLst>
       <p:ext uri="{BB962C8B-B14F-4D97-AF65-F5344CB8AC3E}">
-        <p14:creationId xmlns:p14="http://schemas.microsoft.com/office/powerpoint/2010/main" xmlns="" val="522405798"/>
+        <p14:creationId xmlns="" xmlns:p14="http://schemas.microsoft.com/office/powerpoint/2010/main" val="522405798"/>
       </p:ext>
     </p:extLst>
   </p:cSld>
@@ -41030,7 +40823,7 @@
     </p:spTree>
     <p:extLst>
       <p:ext uri="{BB962C8B-B14F-4D97-AF65-F5344CB8AC3E}">
-        <p14:creationId xmlns:p14="http://schemas.microsoft.com/office/powerpoint/2010/main" xmlns="" val="522405798"/>
+        <p14:creationId xmlns="" xmlns:p14="http://schemas.microsoft.com/office/powerpoint/2010/main" val="522405798"/>
       </p:ext>
     </p:extLst>
   </p:cSld>
@@ -41401,7 +41194,7 @@
     </p:spTree>
     <p:extLst>
       <p:ext uri="{BB962C8B-B14F-4D97-AF65-F5344CB8AC3E}">
-        <p14:creationId xmlns:p14="http://schemas.microsoft.com/office/powerpoint/2010/main" xmlns="" val="522405798"/>
+        <p14:creationId xmlns="" xmlns:p14="http://schemas.microsoft.com/office/powerpoint/2010/main" val="522405798"/>
       </p:ext>
     </p:extLst>
   </p:cSld>
@@ -41690,7 +41483,7 @@
     </p:spTree>
     <p:extLst>
       <p:ext uri="{BB962C8B-B14F-4D97-AF65-F5344CB8AC3E}">
-        <p14:creationId xmlns:p14="http://schemas.microsoft.com/office/powerpoint/2010/main" xmlns="" val="522405798"/>
+        <p14:creationId xmlns="" xmlns:p14="http://schemas.microsoft.com/office/powerpoint/2010/main" val="522405798"/>
       </p:ext>
     </p:extLst>
   </p:cSld>
@@ -41937,7 +41730,7 @@
     </p:spTree>
     <p:extLst>
       <p:ext uri="{BB962C8B-B14F-4D97-AF65-F5344CB8AC3E}">
-        <p14:creationId xmlns:p14="http://schemas.microsoft.com/office/powerpoint/2010/main" xmlns="" val="522405798"/>
+        <p14:creationId xmlns="" xmlns:p14="http://schemas.microsoft.com/office/powerpoint/2010/main" val="522405798"/>
       </p:ext>
     </p:extLst>
   </p:cSld>
@@ -42265,7 +42058,7 @@
     </p:spTree>
     <p:extLst>
       <p:ext uri="{BB962C8B-B14F-4D97-AF65-F5344CB8AC3E}">
-        <p14:creationId xmlns:p14="http://schemas.microsoft.com/office/powerpoint/2010/main" xmlns="" val="522405798"/>
+        <p14:creationId xmlns="" xmlns:p14="http://schemas.microsoft.com/office/powerpoint/2010/main" val="522405798"/>
       </p:ext>
     </p:extLst>
   </p:cSld>
@@ -42532,7 +42325,7 @@
     </p:spTree>
     <p:extLst>
       <p:ext uri="{BB962C8B-B14F-4D97-AF65-F5344CB8AC3E}">
-        <p14:creationId xmlns:p14="http://schemas.microsoft.com/office/powerpoint/2010/main" xmlns="" val="522405798"/>
+        <p14:creationId xmlns="" xmlns:p14="http://schemas.microsoft.com/office/powerpoint/2010/main" val="522405798"/>
       </p:ext>
     </p:extLst>
   </p:cSld>
@@ -42931,7 +42724,7 @@
     </p:spTree>
     <p:extLst>
       <p:ext uri="{BB962C8B-B14F-4D97-AF65-F5344CB8AC3E}">
-        <p14:creationId xmlns:p14="http://schemas.microsoft.com/office/powerpoint/2010/main" xmlns="" val="522405798"/>
+        <p14:creationId xmlns="" xmlns:p14="http://schemas.microsoft.com/office/powerpoint/2010/main" val="522405798"/>
       </p:ext>
     </p:extLst>
   </p:cSld>
@@ -43029,7 +42822,7 @@
     </p:spTree>
     <p:extLst>
       <p:ext uri="{BB962C8B-B14F-4D97-AF65-F5344CB8AC3E}">
-        <p14:creationId xmlns="" xmlns:p14="http://schemas.microsoft.com/office/powerpoint/2010/main" val="3907764274"/>
+        <p14:creationId xmlns:p14="http://schemas.microsoft.com/office/powerpoint/2010/main" xmlns="" val="3907764274"/>
       </p:ext>
     </p:extLst>
   </p:cSld>
@@ -43186,7 +42979,7 @@
     </p:spTree>
     <p:extLst>
       <p:ext uri="{BB962C8B-B14F-4D97-AF65-F5344CB8AC3E}">
-        <p14:creationId xmlns:p14="http://schemas.microsoft.com/office/powerpoint/2010/main" xmlns="" val="522405798"/>
+        <p14:creationId xmlns="" xmlns:p14="http://schemas.microsoft.com/office/powerpoint/2010/main" val="522405798"/>
       </p:ext>
     </p:extLst>
   </p:cSld>
@@ -43428,7 +43221,7 @@
     </p:spTree>
     <p:extLst>
       <p:ext uri="{BB962C8B-B14F-4D97-AF65-F5344CB8AC3E}">
-        <p14:creationId xmlns:p14="http://schemas.microsoft.com/office/powerpoint/2010/main" xmlns="" val="522405798"/>
+        <p14:creationId xmlns="" xmlns:p14="http://schemas.microsoft.com/office/powerpoint/2010/main" val="522405798"/>
       </p:ext>
     </p:extLst>
   </p:cSld>
@@ -43627,7 +43420,7 @@
     </p:spTree>
     <p:extLst>
       <p:ext uri="{BB962C8B-B14F-4D97-AF65-F5344CB8AC3E}">
-        <p14:creationId xmlns:p14="http://schemas.microsoft.com/office/powerpoint/2010/main" xmlns="" val="522405798"/>
+        <p14:creationId xmlns="" xmlns:p14="http://schemas.microsoft.com/office/powerpoint/2010/main" val="522405798"/>
       </p:ext>
     </p:extLst>
   </p:cSld>
@@ -43737,7 +43530,7 @@
           <a:blip r:embed="rId3" cstate="print">
             <a:extLst>
               <a:ext uri="{28A0092B-C50C-407E-A947-70E740481C1C}">
-                <a14:useLocalDpi xmlns:lc="http://schemas.openxmlformats.org/drawingml/2006/lockedCanvas" xmlns:pic="http://schemas.openxmlformats.org/drawingml/2006/picture" xmlns="" xmlns:wpc="http://schemas.microsoft.com/office/word/2010/wordprocessingCanvas" xmlns:mc="http://schemas.openxmlformats.org/markup-compatibility/2006" xmlns:o="urn:schemas-microsoft-com:office:office" xmlns:v="urn:schemas-microsoft-com:vml" xmlns:wp14="http://schemas.microsoft.com/office/word/2010/wordprocessingDrawing" xmlns:w10="urn:schemas-microsoft-com:office:word" xmlns:w="http://schemas.openxmlformats.org/wordprocessingml/2006/main" xmlns:w14="http://schemas.microsoft.com/office/word/2010/wordml" xmlns:wpg="http://schemas.microsoft.com/office/word/2010/wordprocessingGroup" xmlns:wpi="http://schemas.microsoft.com/office/word/2010/wordprocessingInk" xmlns:wps="http://schemas.microsoft.com/office/word/2010/wordprocessingShape" xmlns:a14="http://schemas.microsoft.com/office/drawing/2010/main" xmlns:wne="http://schemas.microsoft.com/office/word/2006/wordml" xmlns:wp="http://schemas.openxmlformats.org/drawingml/2006/wordprocessingDrawing" xmlns:m="http://schemas.openxmlformats.org/officeDocument/2006/math" xmlns:ve="http://schemas.openxmlformats.org/markup-compatibility/2006" val="0"/>
+                <a14:useLocalDpi xmlns:ve="http://schemas.openxmlformats.org/markup-compatibility/2006" xmlns:m="http://schemas.openxmlformats.org/officeDocument/2006/math" xmlns:wp="http://schemas.openxmlformats.org/drawingml/2006/wordprocessingDrawing" xmlns:wne="http://schemas.microsoft.com/office/word/2006/wordml" xmlns:a14="http://schemas.microsoft.com/office/drawing/2010/main" xmlns:wps="http://schemas.microsoft.com/office/word/2010/wordprocessingShape" xmlns:wpi="http://schemas.microsoft.com/office/word/2010/wordprocessingInk" xmlns:wpg="http://schemas.microsoft.com/office/word/2010/wordprocessingGroup" xmlns:w14="http://schemas.microsoft.com/office/word/2010/wordml" xmlns:w="http://schemas.openxmlformats.org/wordprocessingml/2006/main" xmlns:w10="urn:schemas-microsoft-com:office:word" xmlns:wp14="http://schemas.microsoft.com/office/word/2010/wordprocessingDrawing" xmlns:v="urn:schemas-microsoft-com:vml" xmlns:o="urn:schemas-microsoft-com:office:office" xmlns:mc="http://schemas.openxmlformats.org/markup-compatibility/2006" xmlns:wpc="http://schemas.microsoft.com/office/word/2010/wordprocessingCanvas" xmlns="" xmlns:pic="http://schemas.openxmlformats.org/drawingml/2006/picture" xmlns:lc="http://schemas.openxmlformats.org/drawingml/2006/lockedCanvas" val="0"/>
               </a:ext>
             </a:extLst>
           </a:blip>
@@ -43770,7 +43563,7 @@
           <a:blip r:embed="rId4" cstate="print">
             <a:extLst>
               <a:ext uri="{28A0092B-C50C-407E-A947-70E740481C1C}">
-                <a14:useLocalDpi xmlns:lc="http://schemas.openxmlformats.org/drawingml/2006/lockedCanvas" xmlns:pic="http://schemas.openxmlformats.org/drawingml/2006/picture" xmlns="" xmlns:wpc="http://schemas.microsoft.com/office/word/2010/wordprocessingCanvas" xmlns:mc="http://schemas.openxmlformats.org/markup-compatibility/2006" xmlns:o="urn:schemas-microsoft-com:office:office" xmlns:v="urn:schemas-microsoft-com:vml" xmlns:wp14="http://schemas.microsoft.com/office/word/2010/wordprocessingDrawing" xmlns:w10="urn:schemas-microsoft-com:office:word" xmlns:w="http://schemas.openxmlformats.org/wordprocessingml/2006/main" xmlns:w14="http://schemas.microsoft.com/office/word/2010/wordml" xmlns:wpg="http://schemas.microsoft.com/office/word/2010/wordprocessingGroup" xmlns:wpi="http://schemas.microsoft.com/office/word/2010/wordprocessingInk" xmlns:wps="http://schemas.microsoft.com/office/word/2010/wordprocessingShape" xmlns:a14="http://schemas.microsoft.com/office/drawing/2010/main" xmlns:wne="http://schemas.microsoft.com/office/word/2006/wordml" xmlns:wp="http://schemas.openxmlformats.org/drawingml/2006/wordprocessingDrawing" xmlns:m="http://schemas.openxmlformats.org/officeDocument/2006/math" xmlns:ve="http://schemas.openxmlformats.org/markup-compatibility/2006" val="0"/>
+                <a14:useLocalDpi xmlns:ve="http://schemas.openxmlformats.org/markup-compatibility/2006" xmlns:m="http://schemas.openxmlformats.org/officeDocument/2006/math" xmlns:wp="http://schemas.openxmlformats.org/drawingml/2006/wordprocessingDrawing" xmlns:wne="http://schemas.microsoft.com/office/word/2006/wordml" xmlns:a14="http://schemas.microsoft.com/office/drawing/2010/main" xmlns:wps="http://schemas.microsoft.com/office/word/2010/wordprocessingShape" xmlns:wpi="http://schemas.microsoft.com/office/word/2010/wordprocessingInk" xmlns:wpg="http://schemas.microsoft.com/office/word/2010/wordprocessingGroup" xmlns:w14="http://schemas.microsoft.com/office/word/2010/wordml" xmlns:w="http://schemas.openxmlformats.org/wordprocessingml/2006/main" xmlns:w10="urn:schemas-microsoft-com:office:word" xmlns:wp14="http://schemas.microsoft.com/office/word/2010/wordprocessingDrawing" xmlns:v="urn:schemas-microsoft-com:vml" xmlns:o="urn:schemas-microsoft-com:office:office" xmlns:mc="http://schemas.openxmlformats.org/markup-compatibility/2006" xmlns:wpc="http://schemas.microsoft.com/office/word/2010/wordprocessingCanvas" xmlns="" xmlns:pic="http://schemas.openxmlformats.org/drawingml/2006/picture" xmlns:lc="http://schemas.openxmlformats.org/drawingml/2006/lockedCanvas" val="0"/>
               </a:ext>
             </a:extLst>
           </a:blip>
@@ -43796,7 +43589,7 @@
     </p:spTree>
     <p:extLst>
       <p:ext uri="{BB962C8B-B14F-4D97-AF65-F5344CB8AC3E}">
-        <p14:creationId xmlns:p14="http://schemas.microsoft.com/office/powerpoint/2010/main" xmlns="" val="522405798"/>
+        <p14:creationId xmlns="" xmlns:p14="http://schemas.microsoft.com/office/powerpoint/2010/main" val="522405798"/>
       </p:ext>
     </p:extLst>
   </p:cSld>
@@ -43995,7 +43788,7 @@
     </p:spTree>
     <p:extLst>
       <p:ext uri="{BB962C8B-B14F-4D97-AF65-F5344CB8AC3E}">
-        <p14:creationId xmlns:p14="http://schemas.microsoft.com/office/powerpoint/2010/main" xmlns="" val="522405798"/>
+        <p14:creationId xmlns="" xmlns:p14="http://schemas.microsoft.com/office/powerpoint/2010/main" val="522405798"/>
       </p:ext>
     </p:extLst>
   </p:cSld>
@@ -44257,7 +44050,7 @@
     </p:spTree>
     <p:extLst>
       <p:ext uri="{BB962C8B-B14F-4D97-AF65-F5344CB8AC3E}">
-        <p14:creationId xmlns:p14="http://schemas.microsoft.com/office/powerpoint/2010/main" xmlns="" val="522405798"/>
+        <p14:creationId xmlns="" xmlns:p14="http://schemas.microsoft.com/office/powerpoint/2010/main" val="522405798"/>
       </p:ext>
     </p:extLst>
   </p:cSld>
@@ -44557,7 +44350,7 @@
     </p:spTree>
     <p:extLst>
       <p:ext uri="{BB962C8B-B14F-4D97-AF65-F5344CB8AC3E}">
-        <p14:creationId xmlns:p14="http://schemas.microsoft.com/office/powerpoint/2010/main" xmlns="" val="522405798"/>
+        <p14:creationId xmlns="" xmlns:p14="http://schemas.microsoft.com/office/powerpoint/2010/main" val="522405798"/>
       </p:ext>
     </p:extLst>
   </p:cSld>
@@ -44739,7 +44532,7 @@
     </p:spTree>
     <p:extLst>
       <p:ext uri="{BB962C8B-B14F-4D97-AF65-F5344CB8AC3E}">
-        <p14:creationId xmlns:p14="http://schemas.microsoft.com/office/powerpoint/2010/main" xmlns="" val="522405798"/>
+        <p14:creationId xmlns="" xmlns:p14="http://schemas.microsoft.com/office/powerpoint/2010/main" val="522405798"/>
       </p:ext>
     </p:extLst>
   </p:cSld>
@@ -45137,7 +44930,7 @@
     </p:spTree>
     <p:extLst>
       <p:ext uri="{BB962C8B-B14F-4D97-AF65-F5344CB8AC3E}">
-        <p14:creationId xmlns:p14="http://schemas.microsoft.com/office/powerpoint/2010/main" xmlns="" val="522405798"/>
+        <p14:creationId xmlns="" xmlns:p14="http://schemas.microsoft.com/office/powerpoint/2010/main" val="522405798"/>
       </p:ext>
     </p:extLst>
   </p:cSld>
@@ -45441,7 +45234,7 @@
     </p:spTree>
     <p:extLst>
       <p:ext uri="{BB962C8B-B14F-4D97-AF65-F5344CB8AC3E}">
-        <p14:creationId xmlns:p14="http://schemas.microsoft.com/office/powerpoint/2010/main" xmlns="" val="522405798"/>
+        <p14:creationId xmlns="" xmlns:p14="http://schemas.microsoft.com/office/powerpoint/2010/main" val="522405798"/>
       </p:ext>
     </p:extLst>
   </p:cSld>
@@ -45590,7 +45383,7 @@
     </p:spTree>
     <p:extLst>
       <p:ext uri="{BB962C8B-B14F-4D97-AF65-F5344CB8AC3E}">
-        <p14:creationId xmlns:p14="http://schemas.microsoft.com/office/powerpoint/2010/main" xmlns="" val="522405798"/>
+        <p14:creationId xmlns="" xmlns:p14="http://schemas.microsoft.com/office/powerpoint/2010/main" val="522405798"/>
       </p:ext>
     </p:extLst>
   </p:cSld>
@@ -45779,7 +45572,7 @@
     </p:spTree>
     <p:extLst>
       <p:ext uri="{BB962C8B-B14F-4D97-AF65-F5344CB8AC3E}">
-        <p14:creationId xmlns:p14="http://schemas.microsoft.com/office/powerpoint/2010/main" xmlns="" val="522405798"/>
+        <p14:creationId xmlns="" xmlns:p14="http://schemas.microsoft.com/office/powerpoint/2010/main" val="522405798"/>
       </p:ext>
     </p:extLst>
   </p:cSld>
@@ -45874,7 +45667,7 @@
     </p:spTree>
     <p:extLst>
       <p:ext uri="{BB962C8B-B14F-4D97-AF65-F5344CB8AC3E}">
-        <p14:creationId xmlns="" xmlns:p14="http://schemas.microsoft.com/office/powerpoint/2010/main" val="3907764274"/>
+        <p14:creationId xmlns:p14="http://schemas.microsoft.com/office/powerpoint/2010/main" xmlns="" val="3907764274"/>
       </p:ext>
     </p:extLst>
   </p:cSld>
@@ -46114,7 +45907,7 @@
     </p:spTree>
     <p:extLst>
       <p:ext uri="{BB962C8B-B14F-4D97-AF65-F5344CB8AC3E}">
-        <p14:creationId xmlns:p14="http://schemas.microsoft.com/office/powerpoint/2010/main" xmlns="" val="522405798"/>
+        <p14:creationId xmlns="" xmlns:p14="http://schemas.microsoft.com/office/powerpoint/2010/main" val="522405798"/>
       </p:ext>
     </p:extLst>
   </p:cSld>
@@ -46322,7 +46115,7 @@
     </p:spTree>
     <p:extLst>
       <p:ext uri="{BB962C8B-B14F-4D97-AF65-F5344CB8AC3E}">
-        <p14:creationId xmlns:p14="http://schemas.microsoft.com/office/powerpoint/2010/main" xmlns="" val="522405798"/>
+        <p14:creationId xmlns="" xmlns:p14="http://schemas.microsoft.com/office/powerpoint/2010/main" val="522405798"/>
       </p:ext>
     </p:extLst>
   </p:cSld>
@@ -46686,7 +46479,7 @@
     </p:spTree>
     <p:extLst>
       <p:ext uri="{BB962C8B-B14F-4D97-AF65-F5344CB8AC3E}">
-        <p14:creationId xmlns:p14="http://schemas.microsoft.com/office/powerpoint/2010/main" xmlns="" val="522405798"/>
+        <p14:creationId xmlns="" xmlns:p14="http://schemas.microsoft.com/office/powerpoint/2010/main" val="522405798"/>
       </p:ext>
     </p:extLst>
   </p:cSld>
@@ -46818,7 +46611,7 @@
     </p:spTree>
     <p:extLst>
       <p:ext uri="{BB962C8B-B14F-4D97-AF65-F5344CB8AC3E}">
-        <p14:creationId xmlns:p14="http://schemas.microsoft.com/office/powerpoint/2010/main" xmlns="" val="522405798"/>
+        <p14:creationId xmlns="" xmlns:p14="http://schemas.microsoft.com/office/powerpoint/2010/main" val="522405798"/>
       </p:ext>
     </p:extLst>
   </p:cSld>
@@ -46950,7 +46743,7 @@
     </p:spTree>
     <p:extLst>
       <p:ext uri="{BB962C8B-B14F-4D97-AF65-F5344CB8AC3E}">
-        <p14:creationId xmlns:p14="http://schemas.microsoft.com/office/powerpoint/2010/main" xmlns="" val="522405798"/>
+        <p14:creationId xmlns="" xmlns:p14="http://schemas.microsoft.com/office/powerpoint/2010/main" val="522405798"/>
       </p:ext>
     </p:extLst>
   </p:cSld>
@@ -47154,7 +46947,7 @@
     </p:spTree>
     <p:extLst>
       <p:ext uri="{BB962C8B-B14F-4D97-AF65-F5344CB8AC3E}">
-        <p14:creationId xmlns:p14="http://schemas.microsoft.com/office/powerpoint/2010/main" xmlns="" val="522405798"/>
+        <p14:creationId xmlns="" xmlns:p14="http://schemas.microsoft.com/office/powerpoint/2010/main" val="522405798"/>
       </p:ext>
     </p:extLst>
   </p:cSld>
@@ -47333,7 +47126,7 @@
           <a:blip r:embed="rId3" cstate="print">
             <a:extLst>
               <a:ext uri="{28A0092B-C50C-407E-A947-70E740481C1C}">
-                <a14:useLocalDpi xmlns:lc="http://schemas.openxmlformats.org/drawingml/2006/lockedCanvas" xmlns:pic="http://schemas.openxmlformats.org/drawingml/2006/picture" xmlns="" xmlns:wpc="http://schemas.microsoft.com/office/word/2010/wordprocessingCanvas" xmlns:mc="http://schemas.openxmlformats.org/markup-compatibility/2006" xmlns:o="urn:schemas-microsoft-com:office:office" xmlns:v="urn:schemas-microsoft-com:vml" xmlns:wp14="http://schemas.microsoft.com/office/word/2010/wordprocessingDrawing" xmlns:w10="urn:schemas-microsoft-com:office:word" xmlns:w="http://schemas.openxmlformats.org/wordprocessingml/2006/main" xmlns:w14="http://schemas.microsoft.com/office/word/2010/wordml" xmlns:wpg="http://schemas.microsoft.com/office/word/2010/wordprocessingGroup" xmlns:wpi="http://schemas.microsoft.com/office/word/2010/wordprocessingInk" xmlns:wps="http://schemas.microsoft.com/office/word/2010/wordprocessingShape" xmlns:a14="http://schemas.microsoft.com/office/drawing/2010/main" xmlns:wne="http://schemas.microsoft.com/office/word/2006/wordml" xmlns:wp="http://schemas.openxmlformats.org/drawingml/2006/wordprocessingDrawing" xmlns:m="http://schemas.openxmlformats.org/officeDocument/2006/math" xmlns:ve="http://schemas.openxmlformats.org/markup-compatibility/2006" val="0"/>
+                <a14:useLocalDpi xmlns:ve="http://schemas.openxmlformats.org/markup-compatibility/2006" xmlns:m="http://schemas.openxmlformats.org/officeDocument/2006/math" xmlns:wp="http://schemas.openxmlformats.org/drawingml/2006/wordprocessingDrawing" xmlns:wne="http://schemas.microsoft.com/office/word/2006/wordml" xmlns:a14="http://schemas.microsoft.com/office/drawing/2010/main" xmlns:wps="http://schemas.microsoft.com/office/word/2010/wordprocessingShape" xmlns:wpi="http://schemas.microsoft.com/office/word/2010/wordprocessingInk" xmlns:wpg="http://schemas.microsoft.com/office/word/2010/wordprocessingGroup" xmlns:w14="http://schemas.microsoft.com/office/word/2010/wordml" xmlns:w="http://schemas.openxmlformats.org/wordprocessingml/2006/main" xmlns:w10="urn:schemas-microsoft-com:office:word" xmlns:wp14="http://schemas.microsoft.com/office/word/2010/wordprocessingDrawing" xmlns:v="urn:schemas-microsoft-com:vml" xmlns:o="urn:schemas-microsoft-com:office:office" xmlns:mc="http://schemas.openxmlformats.org/markup-compatibility/2006" xmlns:wpc="http://schemas.microsoft.com/office/word/2010/wordprocessingCanvas" xmlns="" xmlns:pic="http://schemas.openxmlformats.org/drawingml/2006/picture" xmlns:lc="http://schemas.openxmlformats.org/drawingml/2006/lockedCanvas" val="0"/>
               </a:ext>
             </a:extLst>
           </a:blip>
@@ -47359,7 +47152,7 @@
     </p:spTree>
     <p:extLst>
       <p:ext uri="{BB962C8B-B14F-4D97-AF65-F5344CB8AC3E}">
-        <p14:creationId xmlns:p14="http://schemas.microsoft.com/office/powerpoint/2010/main" xmlns="" val="522405798"/>
+        <p14:creationId xmlns="" xmlns:p14="http://schemas.microsoft.com/office/powerpoint/2010/main" val="522405798"/>
       </p:ext>
     </p:extLst>
   </p:cSld>
@@ -47499,7 +47292,7 @@
     </p:spTree>
     <p:extLst>
       <p:ext uri="{BB962C8B-B14F-4D97-AF65-F5344CB8AC3E}">
-        <p14:creationId xmlns:p14="http://schemas.microsoft.com/office/powerpoint/2010/main" xmlns="" val="522405798"/>
+        <p14:creationId xmlns="" xmlns:p14="http://schemas.microsoft.com/office/powerpoint/2010/main" val="522405798"/>
       </p:ext>
     </p:extLst>
   </p:cSld>
@@ -47817,7 +47610,7 @@
     </p:spTree>
     <p:extLst>
       <p:ext uri="{BB962C8B-B14F-4D97-AF65-F5344CB8AC3E}">
-        <p14:creationId xmlns:p14="http://schemas.microsoft.com/office/powerpoint/2010/main" xmlns="" val="522405798"/>
+        <p14:creationId xmlns="" xmlns:p14="http://schemas.microsoft.com/office/powerpoint/2010/main" val="522405798"/>
       </p:ext>
     </p:extLst>
   </p:cSld>
@@ -48117,7 +47910,7 @@
     </p:spTree>
     <p:extLst>
       <p:ext uri="{BB962C8B-B14F-4D97-AF65-F5344CB8AC3E}">
-        <p14:creationId xmlns:p14="http://schemas.microsoft.com/office/powerpoint/2010/main" xmlns="" val="522405798"/>
+        <p14:creationId xmlns="" xmlns:p14="http://schemas.microsoft.com/office/powerpoint/2010/main" val="522405798"/>
       </p:ext>
     </p:extLst>
   </p:cSld>
@@ -48224,7 +48017,7 @@
           <a:blip r:embed="rId3" cstate="print">
             <a:extLst>
               <a:ext uri="{28A0092B-C50C-407E-A947-70E740481C1C}">
-                <a14:useLocalDpi xmlns:lc="http://schemas.openxmlformats.org/drawingml/2006/lockedCanvas" xmlns:pic="http://schemas.openxmlformats.org/drawingml/2006/picture" xmlns="" xmlns:wpc="http://schemas.microsoft.com/office/word/2010/wordprocessingCanvas" xmlns:mc="http://schemas.openxmlformats.org/markup-compatibility/2006" xmlns:o="urn:schemas-microsoft-com:office:office" xmlns:v="urn:schemas-microsoft-com:vml" xmlns:wp14="http://schemas.microsoft.com/office/word/2010/wordprocessingDrawing" xmlns:w10="urn:schemas-microsoft-com:office:word" xmlns:w="http://schemas.openxmlformats.org/wordprocessingml/2006/main" xmlns:w14="http://schemas.microsoft.com/office/word/2010/wordml" xmlns:wpg="http://schemas.microsoft.com/office/word/2010/wordprocessingGroup" xmlns:wpi="http://schemas.microsoft.com/office/word/2010/wordprocessingInk" xmlns:wps="http://schemas.microsoft.com/office/word/2010/wordprocessingShape" xmlns:a14="http://schemas.microsoft.com/office/drawing/2010/main" xmlns:wne="http://schemas.microsoft.com/office/word/2006/wordml" xmlns:wp="http://schemas.openxmlformats.org/drawingml/2006/wordprocessingDrawing" xmlns:m="http://schemas.openxmlformats.org/officeDocument/2006/math" xmlns:ve="http://schemas.openxmlformats.org/markup-compatibility/2006" val="0"/>
+                <a14:useLocalDpi xmlns:ve="http://schemas.openxmlformats.org/markup-compatibility/2006" xmlns:m="http://schemas.openxmlformats.org/officeDocument/2006/math" xmlns:wp="http://schemas.openxmlformats.org/drawingml/2006/wordprocessingDrawing" xmlns:wne="http://schemas.microsoft.com/office/word/2006/wordml" xmlns:a14="http://schemas.microsoft.com/office/drawing/2010/main" xmlns:wps="http://schemas.microsoft.com/office/word/2010/wordprocessingShape" xmlns:wpi="http://schemas.microsoft.com/office/word/2010/wordprocessingInk" xmlns:wpg="http://schemas.microsoft.com/office/word/2010/wordprocessingGroup" xmlns:w14="http://schemas.microsoft.com/office/word/2010/wordml" xmlns:w="http://schemas.openxmlformats.org/wordprocessingml/2006/main" xmlns:w10="urn:schemas-microsoft-com:office:word" xmlns:wp14="http://schemas.microsoft.com/office/word/2010/wordprocessingDrawing" xmlns:v="urn:schemas-microsoft-com:vml" xmlns:o="urn:schemas-microsoft-com:office:office" xmlns:mc="http://schemas.openxmlformats.org/markup-compatibility/2006" xmlns:wpc="http://schemas.microsoft.com/office/word/2010/wordprocessingCanvas" xmlns="" xmlns:pic="http://schemas.openxmlformats.org/drawingml/2006/picture" xmlns:lc="http://schemas.openxmlformats.org/drawingml/2006/lockedCanvas" val="0"/>
               </a:ext>
             </a:extLst>
           </a:blip>
@@ -48250,7 +48043,7 @@
     </p:spTree>
     <p:extLst>
       <p:ext uri="{BB962C8B-B14F-4D97-AF65-F5344CB8AC3E}">
-        <p14:creationId xmlns:p14="http://schemas.microsoft.com/office/powerpoint/2010/main" xmlns="" val="522405798"/>
+        <p14:creationId xmlns="" xmlns:p14="http://schemas.microsoft.com/office/powerpoint/2010/main" val="522405798"/>
       </p:ext>
     </p:extLst>
   </p:cSld>
@@ -48393,7 +48186,7 @@
           <a:blip r:embed="rId3" cstate="print">
             <a:extLst>
               <a:ext uri="{28A0092B-C50C-407E-A947-70E740481C1C}">
-                <a14:useLocalDpi xmlns:lc="http://schemas.openxmlformats.org/drawingml/2006/lockedCanvas" xmlns:pic="http://schemas.openxmlformats.org/drawingml/2006/picture" xmlns="" xmlns:wpc="http://schemas.microsoft.com/office/word/2010/wordprocessingCanvas" xmlns:mc="http://schemas.openxmlformats.org/markup-compatibility/2006" xmlns:o="urn:schemas-microsoft-com:office:office" xmlns:v="urn:schemas-microsoft-com:vml" xmlns:wp14="http://schemas.microsoft.com/office/word/2010/wordprocessingDrawing" xmlns:w10="urn:schemas-microsoft-com:office:word" xmlns:w="http://schemas.openxmlformats.org/wordprocessingml/2006/main" xmlns:w14="http://schemas.microsoft.com/office/word/2010/wordml" xmlns:wpg="http://schemas.microsoft.com/office/word/2010/wordprocessingGroup" xmlns:wpi="http://schemas.microsoft.com/office/word/2010/wordprocessingInk" xmlns:wps="http://schemas.microsoft.com/office/word/2010/wordprocessingShape" xmlns:a14="http://schemas.microsoft.com/office/drawing/2010/main" xmlns:wne="http://schemas.microsoft.com/office/word/2006/wordml" xmlns:wp="http://schemas.openxmlformats.org/drawingml/2006/wordprocessingDrawing" xmlns:m="http://schemas.openxmlformats.org/officeDocument/2006/math" xmlns:ve="http://schemas.openxmlformats.org/markup-compatibility/2006" val="0"/>
+                <a14:useLocalDpi xmlns:ve="http://schemas.openxmlformats.org/markup-compatibility/2006" xmlns:m="http://schemas.openxmlformats.org/officeDocument/2006/math" xmlns:wp="http://schemas.openxmlformats.org/drawingml/2006/wordprocessingDrawing" xmlns:wne="http://schemas.microsoft.com/office/word/2006/wordml" xmlns:a14="http://schemas.microsoft.com/office/drawing/2010/main" xmlns:wps="http://schemas.microsoft.com/office/word/2010/wordprocessingShape" xmlns:wpi="http://schemas.microsoft.com/office/word/2010/wordprocessingInk" xmlns:wpg="http://schemas.microsoft.com/office/word/2010/wordprocessingGroup" xmlns:w14="http://schemas.microsoft.com/office/word/2010/wordml" xmlns:w="http://schemas.openxmlformats.org/wordprocessingml/2006/main" xmlns:w10="urn:schemas-microsoft-com:office:word" xmlns:wp14="http://schemas.microsoft.com/office/word/2010/wordprocessingDrawing" xmlns:v="urn:schemas-microsoft-com:vml" xmlns:o="urn:schemas-microsoft-com:office:office" xmlns:mc="http://schemas.openxmlformats.org/markup-compatibility/2006" xmlns:wpc="http://schemas.microsoft.com/office/word/2010/wordprocessingCanvas" xmlns="" xmlns:pic="http://schemas.openxmlformats.org/drawingml/2006/picture" xmlns:lc="http://schemas.openxmlformats.org/drawingml/2006/lockedCanvas" val="0"/>
               </a:ext>
             </a:extLst>
           </a:blip>
@@ -48419,7 +48212,7 @@
     </p:spTree>
     <p:extLst>
       <p:ext uri="{BB962C8B-B14F-4D97-AF65-F5344CB8AC3E}">
-        <p14:creationId xmlns:p14="http://schemas.microsoft.com/office/powerpoint/2010/main" xmlns="" val="522405798"/>
+        <p14:creationId xmlns="" xmlns:p14="http://schemas.microsoft.com/office/powerpoint/2010/main" val="522405798"/>
       </p:ext>
     </p:extLst>
   </p:cSld>
@@ -48756,7 +48549,7 @@
     </p:spTree>
     <p:extLst>
       <p:ext uri="{BB962C8B-B14F-4D97-AF65-F5344CB8AC3E}">
-        <p14:creationId xmlns:p14="http://schemas.microsoft.com/office/powerpoint/2010/main" xmlns="" val="522405798"/>
+        <p14:creationId xmlns="" xmlns:p14="http://schemas.microsoft.com/office/powerpoint/2010/main" val="522405798"/>
       </p:ext>
     </p:extLst>
   </p:cSld>
@@ -48863,7 +48656,7 @@
           <a:blip r:embed="rId3" cstate="print">
             <a:extLst>
               <a:ext uri="{28A0092B-C50C-407E-A947-70E740481C1C}">
-                <a14:useLocalDpi xmlns:lc="http://schemas.openxmlformats.org/drawingml/2006/lockedCanvas" xmlns:pic="http://schemas.openxmlformats.org/drawingml/2006/picture" xmlns="" xmlns:wpc="http://schemas.microsoft.com/office/word/2010/wordprocessingCanvas" xmlns:mc="http://schemas.openxmlformats.org/markup-compatibility/2006" xmlns:o="urn:schemas-microsoft-com:office:office" xmlns:v="urn:schemas-microsoft-com:vml" xmlns:wp14="http://schemas.microsoft.com/office/word/2010/wordprocessingDrawing" xmlns:w10="urn:schemas-microsoft-com:office:word" xmlns:w="http://schemas.openxmlformats.org/wordprocessingml/2006/main" xmlns:w14="http://schemas.microsoft.com/office/word/2010/wordml" xmlns:wpg="http://schemas.microsoft.com/office/word/2010/wordprocessingGroup" xmlns:wpi="http://schemas.microsoft.com/office/word/2010/wordprocessingInk" xmlns:wps="http://schemas.microsoft.com/office/word/2010/wordprocessingShape" xmlns:a14="http://schemas.microsoft.com/office/drawing/2010/main" xmlns:wne="http://schemas.microsoft.com/office/word/2006/wordml" xmlns:wp="http://schemas.openxmlformats.org/drawingml/2006/wordprocessingDrawing" xmlns:m="http://schemas.openxmlformats.org/officeDocument/2006/math" xmlns:ve="http://schemas.openxmlformats.org/markup-compatibility/2006" val="0"/>
+                <a14:useLocalDpi xmlns:ve="http://schemas.openxmlformats.org/markup-compatibility/2006" xmlns:m="http://schemas.openxmlformats.org/officeDocument/2006/math" xmlns:wp="http://schemas.openxmlformats.org/drawingml/2006/wordprocessingDrawing" xmlns:wne="http://schemas.microsoft.com/office/word/2006/wordml" xmlns:a14="http://schemas.microsoft.com/office/drawing/2010/main" xmlns:wps="http://schemas.microsoft.com/office/word/2010/wordprocessingShape" xmlns:wpi="http://schemas.microsoft.com/office/word/2010/wordprocessingInk" xmlns:wpg="http://schemas.microsoft.com/office/word/2010/wordprocessingGroup" xmlns:w14="http://schemas.microsoft.com/office/word/2010/wordml" xmlns:w="http://schemas.openxmlformats.org/wordprocessingml/2006/main" xmlns:w10="urn:schemas-microsoft-com:office:word" xmlns:wp14="http://schemas.microsoft.com/office/word/2010/wordprocessingDrawing" xmlns:v="urn:schemas-microsoft-com:vml" xmlns:o="urn:schemas-microsoft-com:office:office" xmlns:mc="http://schemas.openxmlformats.org/markup-compatibility/2006" xmlns:wpc="http://schemas.microsoft.com/office/word/2010/wordprocessingCanvas" xmlns="" xmlns:pic="http://schemas.openxmlformats.org/drawingml/2006/picture" xmlns:lc="http://schemas.openxmlformats.org/drawingml/2006/lockedCanvas" val="0"/>
               </a:ext>
             </a:extLst>
           </a:blip>
@@ -48889,7 +48682,7 @@
     </p:spTree>
     <p:extLst>
       <p:ext uri="{BB962C8B-B14F-4D97-AF65-F5344CB8AC3E}">
-        <p14:creationId xmlns:p14="http://schemas.microsoft.com/office/powerpoint/2010/main" xmlns="" val="522405798"/>
+        <p14:creationId xmlns="" xmlns:p14="http://schemas.microsoft.com/office/powerpoint/2010/main" val="522405798"/>
       </p:ext>
     </p:extLst>
   </p:cSld>
@@ -49105,7 +48898,7 @@
     </p:spTree>
     <p:extLst>
       <p:ext uri="{BB962C8B-B14F-4D97-AF65-F5344CB8AC3E}">
-        <p14:creationId xmlns:p14="http://schemas.microsoft.com/office/powerpoint/2010/main" xmlns="" val="522405798"/>
+        <p14:creationId xmlns="" xmlns:p14="http://schemas.microsoft.com/office/powerpoint/2010/main" val="522405798"/>
       </p:ext>
     </p:extLst>
   </p:cSld>
@@ -49407,7 +49200,7 @@
     </p:spTree>
     <p:extLst>
       <p:ext uri="{BB962C8B-B14F-4D97-AF65-F5344CB8AC3E}">
-        <p14:creationId xmlns:p14="http://schemas.microsoft.com/office/powerpoint/2010/main" xmlns="" val="522405798"/>
+        <p14:creationId xmlns="" xmlns:p14="http://schemas.microsoft.com/office/powerpoint/2010/main" val="522405798"/>
       </p:ext>
     </p:extLst>
   </p:cSld>
@@ -49595,7 +49388,7 @@
     </p:spTree>
     <p:extLst>
       <p:ext uri="{BB962C8B-B14F-4D97-AF65-F5344CB8AC3E}">
-        <p14:creationId xmlns:p14="http://schemas.microsoft.com/office/powerpoint/2010/main" xmlns="" val="522405798"/>
+        <p14:creationId xmlns="" xmlns:p14="http://schemas.microsoft.com/office/powerpoint/2010/main" val="522405798"/>
       </p:ext>
     </p:extLst>
   </p:cSld>
@@ -49783,7 +49576,7 @@
     </p:spTree>
     <p:extLst>
       <p:ext uri="{BB962C8B-B14F-4D97-AF65-F5344CB8AC3E}">
-        <p14:creationId xmlns:p14="http://schemas.microsoft.com/office/powerpoint/2010/main" xmlns="" val="522405798"/>
+        <p14:creationId xmlns="" xmlns:p14="http://schemas.microsoft.com/office/powerpoint/2010/main" val="522405798"/>
       </p:ext>
     </p:extLst>
   </p:cSld>
@@ -49976,7 +49769,7 @@
     </p:spTree>
     <p:extLst>
       <p:ext uri="{BB962C8B-B14F-4D97-AF65-F5344CB8AC3E}">
-        <p14:creationId xmlns:p14="http://schemas.microsoft.com/office/powerpoint/2010/main" xmlns="" val="522405798"/>
+        <p14:creationId xmlns="" xmlns:p14="http://schemas.microsoft.com/office/powerpoint/2010/main" val="522405798"/>
       </p:ext>
     </p:extLst>
   </p:cSld>
@@ -50167,7 +49960,7 @@
     </p:spTree>
     <p:extLst>
       <p:ext uri="{BB962C8B-B14F-4D97-AF65-F5344CB8AC3E}">
-        <p14:creationId xmlns:p14="http://schemas.microsoft.com/office/powerpoint/2010/main" xmlns="" val="522405798"/>
+        <p14:creationId xmlns="" xmlns:p14="http://schemas.microsoft.com/office/powerpoint/2010/main" val="522405798"/>
       </p:ext>
     </p:extLst>
   </p:cSld>
